--- a/2_node2vec/node2vec.pptx
+++ b/2_node2vec/node2vec.pptx
@@ -4,8 +4,13 @@
   <p:sldMasterIdLst>
     <p:sldMasterId id="2147483684" r:id="rId1"/>
   </p:sldMasterIdLst>
+  <p:notesMasterIdLst>
+    <p:notesMasterId r:id="rId5"/>
+  </p:notesMasterIdLst>
   <p:sldIdLst>
     <p:sldId id="256" r:id="rId2"/>
+    <p:sldId id="258" r:id="rId3"/>
+    <p:sldId id="257" r:id="rId4"/>
   </p:sldIdLst>
   <p:sldSz cx="12192000" cy="9144000"/>
   <p:notesSz cx="6858000" cy="9144000"/>
@@ -110,6 +115,670 @@
     </p:ext>
   </p:extLst>
 </p:presentation>
+</file>
+
+<file path=ppt/notesMasters/notesMaster1.xml><?xml version="1.0" encoding="utf-8"?>
+<p:notesMaster xmlns:a="http://schemas.openxmlformats.org/drawingml/2006/main" xmlns:r="http://schemas.openxmlformats.org/officeDocument/2006/relationships" xmlns:p="http://schemas.openxmlformats.org/presentationml/2006/main">
+  <p:cSld>
+    <p:bg>
+      <p:bgRef idx="1001">
+        <a:schemeClr val="bg1"/>
+      </p:bgRef>
+    </p:bg>
+    <p:spTree>
+      <p:nvGrpSpPr>
+        <p:cNvPr id="1" name=""/>
+        <p:cNvGrpSpPr/>
+        <p:nvPr/>
+      </p:nvGrpSpPr>
+      <p:grpSpPr>
+        <a:xfrm>
+          <a:off x="0" y="0"/>
+          <a:ext cx="0" cy="0"/>
+          <a:chOff x="0" y="0"/>
+          <a:chExt cx="0" cy="0"/>
+        </a:xfrm>
+      </p:grpSpPr>
+      <p:sp>
+        <p:nvSpPr>
+          <p:cNvPr id="2" name="页眉占位符 1"/>
+          <p:cNvSpPr>
+            <a:spLocks noGrp="1"/>
+          </p:cNvSpPr>
+          <p:nvPr>
+            <p:ph type="hdr" sz="quarter"/>
+          </p:nvPr>
+        </p:nvSpPr>
+        <p:spPr>
+          <a:xfrm>
+            <a:off x="0" y="0"/>
+            <a:ext cx="2971800" cy="458788"/>
+          </a:xfrm>
+          <a:prstGeom prst="rect">
+            <a:avLst/>
+          </a:prstGeom>
+        </p:spPr>
+        <p:txBody>
+          <a:bodyPr vert="horz" lIns="91440" tIns="45720" rIns="91440" bIns="45720" rtlCol="0"/>
+          <a:lstStyle>
+            <a:lvl1pPr algn="l">
+              <a:defRPr sz="1200"/>
+            </a:lvl1pPr>
+          </a:lstStyle>
+          <a:p>
+            <a:endParaRPr lang="zh-CN" altLang="en-US"/>
+          </a:p>
+        </p:txBody>
+      </p:sp>
+      <p:sp>
+        <p:nvSpPr>
+          <p:cNvPr id="3" name="日期占位符 2"/>
+          <p:cNvSpPr>
+            <a:spLocks noGrp="1"/>
+          </p:cNvSpPr>
+          <p:nvPr>
+            <p:ph type="dt" idx="1"/>
+          </p:nvPr>
+        </p:nvSpPr>
+        <p:spPr>
+          <a:xfrm>
+            <a:off x="3884613" y="0"/>
+            <a:ext cx="2971800" cy="458788"/>
+          </a:xfrm>
+          <a:prstGeom prst="rect">
+            <a:avLst/>
+          </a:prstGeom>
+        </p:spPr>
+        <p:txBody>
+          <a:bodyPr vert="horz" lIns="91440" tIns="45720" rIns="91440" bIns="45720" rtlCol="0"/>
+          <a:lstStyle>
+            <a:lvl1pPr algn="r">
+              <a:defRPr sz="1200"/>
+            </a:lvl1pPr>
+          </a:lstStyle>
+          <a:p>
+            <a:fld id="{62B517B9-F9DA-4CE7-8A0F-16C8C2F77E8F}" type="datetimeFigureOut">
+              <a:rPr lang="zh-CN" altLang="en-US" smtClean="0"/>
+              <a:t>2021/9/25</a:t>
+            </a:fld>
+            <a:endParaRPr lang="zh-CN" altLang="en-US"/>
+          </a:p>
+        </p:txBody>
+      </p:sp>
+      <p:sp>
+        <p:nvSpPr>
+          <p:cNvPr id="4" name="幻灯片图像占位符 3"/>
+          <p:cNvSpPr>
+            <a:spLocks noGrp="1" noRot="1" noChangeAspect="1"/>
+          </p:cNvSpPr>
+          <p:nvPr>
+            <p:ph type="sldImg" idx="2"/>
+          </p:nvPr>
+        </p:nvSpPr>
+        <p:spPr>
+          <a:xfrm>
+            <a:off x="1371600" y="1143000"/>
+            <a:ext cx="4114800" cy="3086100"/>
+          </a:xfrm>
+          <a:prstGeom prst="rect">
+            <a:avLst/>
+          </a:prstGeom>
+          <a:noFill/>
+          <a:ln w="12700">
+            <a:solidFill>
+              <a:prstClr val="black"/>
+            </a:solidFill>
+          </a:ln>
+        </p:spPr>
+        <p:txBody>
+          <a:bodyPr vert="horz" lIns="91440" tIns="45720" rIns="91440" bIns="45720" rtlCol="0" anchor="ctr"/>
+          <a:lstStyle/>
+          <a:p>
+            <a:endParaRPr lang="zh-CN" altLang="en-US"/>
+          </a:p>
+        </p:txBody>
+      </p:sp>
+      <p:sp>
+        <p:nvSpPr>
+          <p:cNvPr id="5" name="备注占位符 4"/>
+          <p:cNvSpPr>
+            <a:spLocks noGrp="1"/>
+          </p:cNvSpPr>
+          <p:nvPr>
+            <p:ph type="body" sz="quarter" idx="3"/>
+          </p:nvPr>
+        </p:nvSpPr>
+        <p:spPr>
+          <a:xfrm>
+            <a:off x="685800" y="4400550"/>
+            <a:ext cx="5486400" cy="3600450"/>
+          </a:xfrm>
+          <a:prstGeom prst="rect">
+            <a:avLst/>
+          </a:prstGeom>
+        </p:spPr>
+        <p:txBody>
+          <a:bodyPr vert="horz" lIns="91440" tIns="45720" rIns="91440" bIns="45720" rtlCol="0"/>
+          <a:lstStyle/>
+          <a:p>
+            <a:pPr lvl="0"/>
+            <a:r>
+              <a:rPr lang="zh-CN" altLang="en-US"/>
+              <a:t>编辑母版文本样式</a:t>
+            </a:r>
+          </a:p>
+          <a:p>
+            <a:pPr lvl="1"/>
+            <a:r>
+              <a:rPr lang="zh-CN" altLang="en-US"/>
+              <a:t>第二级</a:t>
+            </a:r>
+          </a:p>
+          <a:p>
+            <a:pPr lvl="2"/>
+            <a:r>
+              <a:rPr lang="zh-CN" altLang="en-US"/>
+              <a:t>第三级</a:t>
+            </a:r>
+          </a:p>
+          <a:p>
+            <a:pPr lvl="3"/>
+            <a:r>
+              <a:rPr lang="zh-CN" altLang="en-US"/>
+              <a:t>第四级</a:t>
+            </a:r>
+          </a:p>
+          <a:p>
+            <a:pPr lvl="4"/>
+            <a:r>
+              <a:rPr lang="zh-CN" altLang="en-US"/>
+              <a:t>第五级</a:t>
+            </a:r>
+          </a:p>
+        </p:txBody>
+      </p:sp>
+      <p:sp>
+        <p:nvSpPr>
+          <p:cNvPr id="6" name="页脚占位符 5"/>
+          <p:cNvSpPr>
+            <a:spLocks noGrp="1"/>
+          </p:cNvSpPr>
+          <p:nvPr>
+            <p:ph type="ftr" sz="quarter" idx="4"/>
+          </p:nvPr>
+        </p:nvSpPr>
+        <p:spPr>
+          <a:xfrm>
+            <a:off x="0" y="8685213"/>
+            <a:ext cx="2971800" cy="458787"/>
+          </a:xfrm>
+          <a:prstGeom prst="rect">
+            <a:avLst/>
+          </a:prstGeom>
+        </p:spPr>
+        <p:txBody>
+          <a:bodyPr vert="horz" lIns="91440" tIns="45720" rIns="91440" bIns="45720" rtlCol="0" anchor="b"/>
+          <a:lstStyle>
+            <a:lvl1pPr algn="l">
+              <a:defRPr sz="1200"/>
+            </a:lvl1pPr>
+          </a:lstStyle>
+          <a:p>
+            <a:endParaRPr lang="zh-CN" altLang="en-US"/>
+          </a:p>
+        </p:txBody>
+      </p:sp>
+      <p:sp>
+        <p:nvSpPr>
+          <p:cNvPr id="7" name="灯片编号占位符 6"/>
+          <p:cNvSpPr>
+            <a:spLocks noGrp="1"/>
+          </p:cNvSpPr>
+          <p:nvPr>
+            <p:ph type="sldNum" sz="quarter" idx="5"/>
+          </p:nvPr>
+        </p:nvSpPr>
+        <p:spPr>
+          <a:xfrm>
+            <a:off x="3884613" y="8685213"/>
+            <a:ext cx="2971800" cy="458787"/>
+          </a:xfrm>
+          <a:prstGeom prst="rect">
+            <a:avLst/>
+          </a:prstGeom>
+        </p:spPr>
+        <p:txBody>
+          <a:bodyPr vert="horz" lIns="91440" tIns="45720" rIns="91440" bIns="45720" rtlCol="0" anchor="b"/>
+          <a:lstStyle>
+            <a:lvl1pPr algn="r">
+              <a:defRPr sz="1200"/>
+            </a:lvl1pPr>
+          </a:lstStyle>
+          <a:p>
+            <a:fld id="{F0BEF969-9955-4A7A-886D-0A6DC0CB3B66}" type="slidenum">
+              <a:rPr lang="zh-CN" altLang="en-US" smtClean="0"/>
+              <a:t>‹#›</a:t>
+            </a:fld>
+            <a:endParaRPr lang="zh-CN" altLang="en-US"/>
+          </a:p>
+        </p:txBody>
+      </p:sp>
+    </p:spTree>
+    <p:extLst>
+      <p:ext uri="{BB962C8B-B14F-4D97-AF65-F5344CB8AC3E}">
+        <p14:creationId xmlns:p14="http://schemas.microsoft.com/office/powerpoint/2010/main" val="1317033277"/>
+      </p:ext>
+    </p:extLst>
+  </p:cSld>
+  <p:clrMap bg1="lt1" tx1="dk1" bg2="lt2" tx2="dk2" accent1="accent1" accent2="accent2" accent3="accent3" accent4="accent4" accent5="accent5" accent6="accent6" hlink="hlink" folHlink="folHlink"/>
+  <p:notesStyle>
+    <a:lvl1pPr marL="0" algn="l" defTabSz="914400" rtl="0" eaLnBrk="1" latinLnBrk="0" hangingPunct="1">
+      <a:defRPr sz="1200" kern="1200">
+        <a:solidFill>
+          <a:schemeClr val="tx1"/>
+        </a:solidFill>
+        <a:latin typeface="+mn-lt"/>
+        <a:ea typeface="+mn-ea"/>
+        <a:cs typeface="+mn-cs"/>
+      </a:defRPr>
+    </a:lvl1pPr>
+    <a:lvl2pPr marL="457200" algn="l" defTabSz="914400" rtl="0" eaLnBrk="1" latinLnBrk="0" hangingPunct="1">
+      <a:defRPr sz="1200" kern="1200">
+        <a:solidFill>
+          <a:schemeClr val="tx1"/>
+        </a:solidFill>
+        <a:latin typeface="+mn-lt"/>
+        <a:ea typeface="+mn-ea"/>
+        <a:cs typeface="+mn-cs"/>
+      </a:defRPr>
+    </a:lvl2pPr>
+    <a:lvl3pPr marL="914400" algn="l" defTabSz="914400" rtl="0" eaLnBrk="1" latinLnBrk="0" hangingPunct="1">
+      <a:defRPr sz="1200" kern="1200">
+        <a:solidFill>
+          <a:schemeClr val="tx1"/>
+        </a:solidFill>
+        <a:latin typeface="+mn-lt"/>
+        <a:ea typeface="+mn-ea"/>
+        <a:cs typeface="+mn-cs"/>
+      </a:defRPr>
+    </a:lvl3pPr>
+    <a:lvl4pPr marL="1371600" algn="l" defTabSz="914400" rtl="0" eaLnBrk="1" latinLnBrk="0" hangingPunct="1">
+      <a:defRPr sz="1200" kern="1200">
+        <a:solidFill>
+          <a:schemeClr val="tx1"/>
+        </a:solidFill>
+        <a:latin typeface="+mn-lt"/>
+        <a:ea typeface="+mn-ea"/>
+        <a:cs typeface="+mn-cs"/>
+      </a:defRPr>
+    </a:lvl4pPr>
+    <a:lvl5pPr marL="1828800" algn="l" defTabSz="914400" rtl="0" eaLnBrk="1" latinLnBrk="0" hangingPunct="1">
+      <a:defRPr sz="1200" kern="1200">
+        <a:solidFill>
+          <a:schemeClr val="tx1"/>
+        </a:solidFill>
+        <a:latin typeface="+mn-lt"/>
+        <a:ea typeface="+mn-ea"/>
+        <a:cs typeface="+mn-cs"/>
+      </a:defRPr>
+    </a:lvl5pPr>
+    <a:lvl6pPr marL="2286000" algn="l" defTabSz="914400" rtl="0" eaLnBrk="1" latinLnBrk="0" hangingPunct="1">
+      <a:defRPr sz="1200" kern="1200">
+        <a:solidFill>
+          <a:schemeClr val="tx1"/>
+        </a:solidFill>
+        <a:latin typeface="+mn-lt"/>
+        <a:ea typeface="+mn-ea"/>
+        <a:cs typeface="+mn-cs"/>
+      </a:defRPr>
+    </a:lvl6pPr>
+    <a:lvl7pPr marL="2743200" algn="l" defTabSz="914400" rtl="0" eaLnBrk="1" latinLnBrk="0" hangingPunct="1">
+      <a:defRPr sz="1200" kern="1200">
+        <a:solidFill>
+          <a:schemeClr val="tx1"/>
+        </a:solidFill>
+        <a:latin typeface="+mn-lt"/>
+        <a:ea typeface="+mn-ea"/>
+        <a:cs typeface="+mn-cs"/>
+      </a:defRPr>
+    </a:lvl7pPr>
+    <a:lvl8pPr marL="3200400" algn="l" defTabSz="914400" rtl="0" eaLnBrk="1" latinLnBrk="0" hangingPunct="1">
+      <a:defRPr sz="1200" kern="1200">
+        <a:solidFill>
+          <a:schemeClr val="tx1"/>
+        </a:solidFill>
+        <a:latin typeface="+mn-lt"/>
+        <a:ea typeface="+mn-ea"/>
+        <a:cs typeface="+mn-cs"/>
+      </a:defRPr>
+    </a:lvl8pPr>
+    <a:lvl9pPr marL="3657600" algn="l" defTabSz="914400" rtl="0" eaLnBrk="1" latinLnBrk="0" hangingPunct="1">
+      <a:defRPr sz="1200" kern="1200">
+        <a:solidFill>
+          <a:schemeClr val="tx1"/>
+        </a:solidFill>
+        <a:latin typeface="+mn-lt"/>
+        <a:ea typeface="+mn-ea"/>
+        <a:cs typeface="+mn-cs"/>
+      </a:defRPr>
+    </a:lvl9pPr>
+  </p:notesStyle>
+</p:notesMaster>
+</file>
+
+<file path=ppt/notesSlides/notesSlide1.xml><?xml version="1.0" encoding="utf-8"?>
+<p:notes xmlns:a="http://schemas.openxmlformats.org/drawingml/2006/main" xmlns:r="http://schemas.openxmlformats.org/officeDocument/2006/relationships" xmlns:p="http://schemas.openxmlformats.org/presentationml/2006/main">
+  <p:cSld>
+    <p:spTree>
+      <p:nvGrpSpPr>
+        <p:cNvPr id="1" name=""/>
+        <p:cNvGrpSpPr/>
+        <p:nvPr/>
+      </p:nvGrpSpPr>
+      <p:grpSpPr>
+        <a:xfrm>
+          <a:off x="0" y="0"/>
+          <a:ext cx="0" cy="0"/>
+          <a:chOff x="0" y="0"/>
+          <a:chExt cx="0" cy="0"/>
+        </a:xfrm>
+      </p:grpSpPr>
+      <p:sp>
+        <p:nvSpPr>
+          <p:cNvPr id="2" name="幻灯片图像占位符 1"/>
+          <p:cNvSpPr>
+            <a:spLocks noGrp="1" noRot="1" noChangeAspect="1"/>
+          </p:cNvSpPr>
+          <p:nvPr>
+            <p:ph type="sldImg"/>
+          </p:nvPr>
+        </p:nvSpPr>
+        <p:spPr/>
+      </p:sp>
+      <p:sp>
+        <p:nvSpPr>
+          <p:cNvPr id="3" name="备注占位符 2"/>
+          <p:cNvSpPr>
+            <a:spLocks noGrp="1"/>
+          </p:cNvSpPr>
+          <p:nvPr>
+            <p:ph type="body" idx="1"/>
+          </p:nvPr>
+        </p:nvSpPr>
+        <p:spPr/>
+        <p:txBody>
+          <a:bodyPr/>
+          <a:lstStyle/>
+          <a:p>
+            <a:r>
+              <a:rPr lang="zh-CN" altLang="en-US" dirty="0"/>
+              <a:t>对称是指一个</a:t>
+            </a:r>
+            <a:r>
+              <a:rPr lang="en-US" altLang="zh-CN" dirty="0"/>
+              <a:t>node</a:t>
+            </a:r>
+            <a:r>
+              <a:rPr lang="zh-CN" altLang="en-US" dirty="0"/>
+              <a:t>作为</a:t>
+            </a:r>
+            <a:r>
+              <a:rPr lang="en-US" altLang="zh-CN" dirty="0"/>
+              <a:t>source node</a:t>
+            </a:r>
+            <a:r>
+              <a:rPr lang="zh-CN" altLang="en-US" dirty="0"/>
+              <a:t>和</a:t>
+            </a:r>
+            <a:r>
+              <a:rPr lang="en-US" altLang="zh-CN" dirty="0"/>
+              <a:t>neighbor node</a:t>
+            </a:r>
+            <a:r>
+              <a:rPr lang="zh-CN" altLang="en-US" dirty="0"/>
+              <a:t>共享一个</a:t>
+            </a:r>
+            <a:r>
+              <a:rPr lang="en-US" altLang="zh-CN" dirty="0"/>
+              <a:t>embedding vector.</a:t>
+            </a:r>
+            <a:endParaRPr lang="zh-CN" altLang="en-US" dirty="0"/>
+          </a:p>
+        </p:txBody>
+      </p:sp>
+      <p:sp>
+        <p:nvSpPr>
+          <p:cNvPr id="4" name="灯片编号占位符 3"/>
+          <p:cNvSpPr>
+            <a:spLocks noGrp="1"/>
+          </p:cNvSpPr>
+          <p:nvPr>
+            <p:ph type="sldNum" sz="quarter" idx="5"/>
+          </p:nvPr>
+        </p:nvSpPr>
+        <p:spPr/>
+        <p:txBody>
+          <a:bodyPr/>
+          <a:lstStyle/>
+          <a:p>
+            <a:fld id="{F0BEF969-9955-4A7A-886D-0A6DC0CB3B66}" type="slidenum">
+              <a:rPr lang="zh-CN" altLang="en-US" smtClean="0"/>
+              <a:t>1</a:t>
+            </a:fld>
+            <a:endParaRPr lang="zh-CN" altLang="en-US"/>
+          </a:p>
+        </p:txBody>
+      </p:sp>
+    </p:spTree>
+    <p:extLst>
+      <p:ext uri="{BB962C8B-B14F-4D97-AF65-F5344CB8AC3E}">
+        <p14:creationId xmlns:p14="http://schemas.microsoft.com/office/powerpoint/2010/main" val="860646125"/>
+      </p:ext>
+    </p:extLst>
+  </p:cSld>
+  <p:clrMapOvr>
+    <a:masterClrMapping/>
+  </p:clrMapOvr>
+</p:notes>
+</file>
+
+<file path=ppt/notesSlides/notesSlide2.xml><?xml version="1.0" encoding="utf-8"?>
+<p:notes xmlns:a="http://schemas.openxmlformats.org/drawingml/2006/main" xmlns:r="http://schemas.openxmlformats.org/officeDocument/2006/relationships" xmlns:p="http://schemas.openxmlformats.org/presentationml/2006/main">
+  <p:cSld>
+    <p:spTree>
+      <p:nvGrpSpPr>
+        <p:cNvPr id="1" name=""/>
+        <p:cNvGrpSpPr/>
+        <p:nvPr/>
+      </p:nvGrpSpPr>
+      <p:grpSpPr>
+        <a:xfrm>
+          <a:off x="0" y="0"/>
+          <a:ext cx="0" cy="0"/>
+          <a:chOff x="0" y="0"/>
+          <a:chExt cx="0" cy="0"/>
+        </a:xfrm>
+      </p:grpSpPr>
+      <p:sp>
+        <p:nvSpPr>
+          <p:cNvPr id="2" name="幻灯片图像占位符 1"/>
+          <p:cNvSpPr>
+            <a:spLocks noGrp="1" noRot="1" noChangeAspect="1"/>
+          </p:cNvSpPr>
+          <p:nvPr>
+            <p:ph type="sldImg"/>
+          </p:nvPr>
+        </p:nvSpPr>
+        <p:spPr/>
+      </p:sp>
+      <p:sp>
+        <p:nvSpPr>
+          <p:cNvPr id="3" name="备注占位符 2"/>
+          <p:cNvSpPr>
+            <a:spLocks noGrp="1"/>
+          </p:cNvSpPr>
+          <p:nvPr>
+            <p:ph type="body" idx="1"/>
+          </p:nvPr>
+        </p:nvSpPr>
+        <p:spPr/>
+        <p:txBody>
+          <a:bodyPr/>
+          <a:lstStyle/>
+          <a:p>
+            <a:r>
+              <a:rPr lang="en-US" altLang="zh-CN" dirty="0"/>
+              <a:t>DFS</a:t>
+            </a:r>
+            <a:r>
+              <a:rPr lang="zh-CN" altLang="en-US" dirty="0"/>
+              <a:t>表示同质性</a:t>
+            </a:r>
+            <a:r>
+              <a:rPr lang="en-US" altLang="zh-CN" dirty="0"/>
+              <a:t>(homophily)</a:t>
+            </a:r>
+            <a:r>
+              <a:rPr lang="zh-CN" altLang="en-US" dirty="0"/>
+              <a:t>，</a:t>
+            </a:r>
+            <a:r>
+              <a:rPr lang="en-US" altLang="zh-CN" dirty="0"/>
+              <a:t>BFS</a:t>
+            </a:r>
+            <a:r>
+              <a:rPr lang="zh-CN" altLang="en-US" dirty="0"/>
+              <a:t>表示结构等价性</a:t>
+            </a:r>
+            <a:r>
+              <a:rPr lang="en-US" altLang="zh-CN" dirty="0"/>
+              <a:t>(structural equivalence)</a:t>
+            </a:r>
+            <a:endParaRPr lang="zh-CN" altLang="en-US" dirty="0"/>
+          </a:p>
+        </p:txBody>
+      </p:sp>
+      <p:sp>
+        <p:nvSpPr>
+          <p:cNvPr id="4" name="灯片编号占位符 3"/>
+          <p:cNvSpPr>
+            <a:spLocks noGrp="1"/>
+          </p:cNvSpPr>
+          <p:nvPr>
+            <p:ph type="sldNum" sz="quarter" idx="5"/>
+          </p:nvPr>
+        </p:nvSpPr>
+        <p:spPr/>
+        <p:txBody>
+          <a:bodyPr/>
+          <a:lstStyle/>
+          <a:p>
+            <a:fld id="{F0BEF969-9955-4A7A-886D-0A6DC0CB3B66}" type="slidenum">
+              <a:rPr lang="zh-CN" altLang="en-US" smtClean="0"/>
+              <a:t>2</a:t>
+            </a:fld>
+            <a:endParaRPr lang="zh-CN" altLang="en-US"/>
+          </a:p>
+        </p:txBody>
+      </p:sp>
+    </p:spTree>
+    <p:extLst>
+      <p:ext uri="{BB962C8B-B14F-4D97-AF65-F5344CB8AC3E}">
+        <p14:creationId xmlns:p14="http://schemas.microsoft.com/office/powerpoint/2010/main" val="913126656"/>
+      </p:ext>
+    </p:extLst>
+  </p:cSld>
+  <p:clrMapOvr>
+    <a:masterClrMapping/>
+  </p:clrMapOvr>
+</p:notes>
+</file>
+
+<file path=ppt/notesSlides/notesSlide3.xml><?xml version="1.0" encoding="utf-8"?>
+<p:notes xmlns:a="http://schemas.openxmlformats.org/drawingml/2006/main" xmlns:r="http://schemas.openxmlformats.org/officeDocument/2006/relationships" xmlns:p="http://schemas.openxmlformats.org/presentationml/2006/main">
+  <p:cSld>
+    <p:spTree>
+      <p:nvGrpSpPr>
+        <p:cNvPr id="1" name=""/>
+        <p:cNvGrpSpPr/>
+        <p:nvPr/>
+      </p:nvGrpSpPr>
+      <p:grpSpPr>
+        <a:xfrm>
+          <a:off x="0" y="0"/>
+          <a:ext cx="0" cy="0"/>
+          <a:chOff x="0" y="0"/>
+          <a:chExt cx="0" cy="0"/>
+        </a:xfrm>
+      </p:grpSpPr>
+      <p:sp>
+        <p:nvSpPr>
+          <p:cNvPr id="2" name="幻灯片图像占位符 1"/>
+          <p:cNvSpPr>
+            <a:spLocks noGrp="1" noRot="1" noChangeAspect="1"/>
+          </p:cNvSpPr>
+          <p:nvPr>
+            <p:ph type="sldImg"/>
+          </p:nvPr>
+        </p:nvSpPr>
+        <p:spPr/>
+      </p:sp>
+      <p:sp>
+        <p:nvSpPr>
+          <p:cNvPr id="3" name="备注占位符 2"/>
+          <p:cNvSpPr>
+            <a:spLocks noGrp="1"/>
+          </p:cNvSpPr>
+          <p:nvPr>
+            <p:ph type="body" idx="1"/>
+          </p:nvPr>
+        </p:nvSpPr>
+        <p:spPr/>
+        <p:txBody>
+          <a:bodyPr/>
+          <a:lstStyle/>
+          <a:p>
+            <a:r>
+              <a:rPr lang="zh-CN" altLang="en-US" dirty="0"/>
+              <a:t>有偏的随机游走。</a:t>
+            </a:r>
+          </a:p>
+        </p:txBody>
+      </p:sp>
+      <p:sp>
+        <p:nvSpPr>
+          <p:cNvPr id="4" name="灯片编号占位符 3"/>
+          <p:cNvSpPr>
+            <a:spLocks noGrp="1"/>
+          </p:cNvSpPr>
+          <p:nvPr>
+            <p:ph type="sldNum" sz="quarter" idx="5"/>
+          </p:nvPr>
+        </p:nvSpPr>
+        <p:spPr/>
+        <p:txBody>
+          <a:bodyPr/>
+          <a:lstStyle/>
+          <a:p>
+            <a:fld id="{F0BEF969-9955-4A7A-886D-0A6DC0CB3B66}" type="slidenum">
+              <a:rPr lang="zh-CN" altLang="en-US" smtClean="0"/>
+              <a:t>3</a:t>
+            </a:fld>
+            <a:endParaRPr lang="zh-CN" altLang="en-US"/>
+          </a:p>
+        </p:txBody>
+      </p:sp>
+    </p:spTree>
+    <p:extLst>
+      <p:ext uri="{BB962C8B-B14F-4D97-AF65-F5344CB8AC3E}">
+        <p14:creationId xmlns:p14="http://schemas.microsoft.com/office/powerpoint/2010/main" val="4076768715"/>
+      </p:ext>
+    </p:extLst>
+  </p:cSld>
+  <p:clrMapOvr>
+    <a:masterClrMapping/>
+  </p:clrMapOvr>
+</p:notes>
 </file>
 
 <file path=ppt/slideLayouts/slideLayout1.xml><?xml version="1.0" encoding="utf-8"?>
@@ -2971,8 +3640,8 @@
           <a:chExt cx="0" cy="0"/>
         </a:xfrm>
       </p:grpSpPr>
-      <mc:AlternateContent xmlns:mc="http://schemas.openxmlformats.org/markup-compatibility/2006" xmlns:a14="http://schemas.microsoft.com/office/drawing/2010/main">
-        <mc:Choice Requires="a14">
+      <mc:AlternateContent xmlns:mc="http://schemas.openxmlformats.org/markup-compatibility/2006">
+        <mc:Choice xmlns:a14="http://schemas.microsoft.com/office/drawing/2010/main" Requires="a14">
           <p:sp>
             <p:nvSpPr>
               <p:cNvPr id="4" name="文本框 3">
@@ -3006,24 +3675,18 @@
                     <m:sSub>
                       <m:sSubPr>
                         <m:ctrlPr>
-                          <a:rPr lang="zh-CN" altLang="en-US" sz="2000" i="1">
-                            <a:latin typeface="Cambria Math" panose="02040503050406030204" pitchFamily="18" charset="0"/>
-                          </a:rPr>
+                          <a:rPr lang="zh-CN" altLang="en-US" sz="2000" i="1"/>
                         </m:ctrlPr>
                       </m:sSubPr>
                       <m:e>
                         <m:r>
-                          <a:rPr lang="zh-CN" altLang="en-US" sz="2000" i="1">
-                            <a:latin typeface="Cambria Math" panose="02040503050406030204" pitchFamily="18" charset="0"/>
-                          </a:rPr>
+                          <a:rPr lang="zh-CN" altLang="en-US" sz="2000" i="1"/>
                           <m:t>𝑁</m:t>
                         </m:r>
                       </m:e>
                       <m:sub>
                         <m:r>
-                          <a:rPr lang="zh-CN" altLang="en-US" sz="2000" i="1">
-                            <a:latin typeface="Cambria Math" panose="02040503050406030204" pitchFamily="18" charset="0"/>
-                          </a:rPr>
+                          <a:rPr lang="zh-CN" altLang="en-US" sz="2000" i="1"/>
                           <m:t>𝑆</m:t>
                         </m:r>
                       </m:sub>
@@ -3031,52 +3694,41 @@
                     <m:d>
                       <m:dPr>
                         <m:ctrlPr>
-                          <a:rPr lang="zh-CN" altLang="en-US" sz="2000" i="1">
-                            <a:latin typeface="Cambria Math" panose="02040503050406030204" pitchFamily="18" charset="0"/>
-                          </a:rPr>
+                          <a:rPr lang="zh-CN" altLang="en-US" sz="2000" i="1"/>
                         </m:ctrlPr>
                       </m:dPr>
                       <m:e>
                         <m:r>
-                          <a:rPr lang="zh-CN" altLang="en-US" sz="2000" i="1">
-                            <a:latin typeface="Cambria Math" panose="02040503050406030204" pitchFamily="18" charset="0"/>
-                          </a:rPr>
+                          <a:rPr lang="zh-CN" altLang="en-US" sz="2000" i="1"/>
                           <m:t>𝑢</m:t>
                         </m:r>
                       </m:e>
                     </m:d>
                     <m:r>
-                      <a:rPr lang="en-US" altLang="zh-CN" sz="2000" i="1">
-                        <a:latin typeface="Cambria Math" panose="02040503050406030204" pitchFamily="18" charset="0"/>
-                      </a:rPr>
+                      <a:rPr lang="en-US" altLang="zh-CN" sz="2000" i="1"/>
                       <m:t>⊂</m:t>
                     </m:r>
                     <m:r>
-                      <a:rPr lang="en-US" altLang="zh-CN" sz="2000" i="1">
-                        <a:latin typeface="Cambria Math" panose="02040503050406030204" pitchFamily="18" charset="0"/>
-                      </a:rPr>
+                      <a:rPr lang="en-US" altLang="zh-CN" sz="2000" i="1"/>
                       <m:t>𝑉</m:t>
                     </m:r>
                   </m:oMath>
                 </a14:m>
                 <a:r>
                   <a:rPr lang="zh-CN" altLang="en-US" sz="2000" dirty="0">
-                    <a:latin typeface="Times New Roman" panose="02020603050405020304" pitchFamily="18" charset="0"/>
                     <a:cs typeface="Times New Roman" panose="02020603050405020304" pitchFamily="18" charset="0"/>
                   </a:rPr>
                   <a:t> </a:t>
                 </a:r>
                 <a:r>
                   <a:rPr lang="en-US" altLang="zh-CN" sz="2000" dirty="0">
-                    <a:latin typeface="Times New Roman" panose="02020603050405020304" pitchFamily="18" charset="0"/>
                     <a:ea typeface="微软雅黑" panose="020B0503020204020204" pitchFamily="34" charset="-122"/>
                     <a:cs typeface="Times New Roman" panose="02020603050405020304" pitchFamily="18" charset="0"/>
                   </a:rPr>
                   <a:t>as a </a:t>
                 </a:r>
                 <a:r>
-                  <a:rPr lang="en-US" altLang="zh-CN" sz="2000" i="1" dirty="0">
-                    <a:latin typeface="Times New Roman" panose="02020603050405020304" pitchFamily="18" charset="0"/>
+                  <a:rPr lang="en-US" altLang="zh-CN" sz="2000" b="1" i="1" dirty="0">
                     <a:ea typeface="微软雅黑" panose="020B0503020204020204" pitchFamily="34" charset="-122"/>
                     <a:cs typeface="Times New Roman" panose="02020603050405020304" pitchFamily="18" charset="0"/>
                   </a:rPr>
@@ -3084,7 +3736,6 @@
                 </a:r>
                 <a:r>
                   <a:rPr lang="en-US" altLang="zh-CN" sz="2000" dirty="0">
-                    <a:latin typeface="Times New Roman" panose="02020603050405020304" pitchFamily="18" charset="0"/>
                     <a:ea typeface="微软雅黑" panose="020B0503020204020204" pitchFamily="34" charset="-122"/>
                     <a:cs typeface="Times New Roman" panose="02020603050405020304" pitchFamily="18" charset="0"/>
                   </a:rPr>
@@ -3094,7 +3745,6 @@
                   <m:oMath xmlns:m="http://schemas.openxmlformats.org/officeDocument/2006/math">
                     <m:r>
                       <a:rPr lang="en-US" altLang="zh-CN" sz="2000" i="1" dirty="0">
-                        <a:latin typeface="Cambria Math" panose="02040503050406030204" pitchFamily="18" charset="0"/>
                         <a:ea typeface="微软雅黑" panose="020B0503020204020204" pitchFamily="34" charset="-122"/>
                       </a:rPr>
                       <m:t>𝑢</m:t>
@@ -3103,7 +3753,6 @@
                 </a14:m>
                 <a:r>
                   <a:rPr lang="en-US" altLang="zh-CN" sz="2000" dirty="0">
-                    <a:latin typeface="Times New Roman" panose="02020603050405020304" pitchFamily="18" charset="0"/>
                     <a:ea typeface="微软雅黑" panose="020B0503020204020204" pitchFamily="34" charset="-122"/>
                     <a:cs typeface="Times New Roman" panose="02020603050405020304" pitchFamily="18" charset="0"/>
                   </a:rPr>
@@ -3113,7 +3762,6 @@
                   <m:oMath xmlns:m="http://schemas.openxmlformats.org/officeDocument/2006/math">
                     <m:r>
                       <a:rPr lang="en-US" altLang="zh-CN" sz="2000" i="1" dirty="0">
-                        <a:latin typeface="Cambria Math" panose="02040503050406030204" pitchFamily="18" charset="0"/>
                         <a:ea typeface="微软雅黑" panose="020B0503020204020204" pitchFamily="34" charset="-122"/>
                       </a:rPr>
                       <m:t>𝑆</m:t>
@@ -3122,14 +3770,12 @@
                 </a14:m>
                 <a:r>
                   <a:rPr lang="en-US" altLang="zh-CN" sz="2000" dirty="0">
-                    <a:latin typeface="Times New Roman" panose="02020603050405020304" pitchFamily="18" charset="0"/>
                     <a:ea typeface="微软雅黑" panose="020B0503020204020204" pitchFamily="34" charset="-122"/>
                     <a:cs typeface="Times New Roman" panose="02020603050405020304" pitchFamily="18" charset="0"/>
                   </a:rPr>
                   <a:t>.</a:t>
                 </a:r>
                 <a:endParaRPr lang="zh-CN" altLang="en-US" sz="2000" dirty="0">
-                  <a:latin typeface="Times New Roman" panose="02020603050405020304" pitchFamily="18" charset="0"/>
                   <a:ea typeface="微软雅黑" panose="020B0503020204020204" pitchFamily="34" charset="-122"/>
                   <a:cs typeface="Times New Roman" panose="02020603050405020304" pitchFamily="18" charset="0"/>
                 </a:endParaRPr>
@@ -3137,7 +3783,7 @@
             </p:txBody>
           </p:sp>
         </mc:Choice>
-        <mc:Fallback xmlns="">
+        <mc:Fallback>
           <p:sp>
             <p:nvSpPr>
               <p:cNvPr id="4" name="文本框 3">
@@ -3161,7 +3807,7 @@
                 <a:avLst/>
               </a:prstGeom>
               <a:blipFill>
-                <a:blip r:embed="rId2"/>
+                <a:blip r:embed="rId3"/>
                 <a:stretch>
                   <a:fillRect l="-840" t="-26000" b="-50000"/>
                 </a:stretch>
@@ -3211,7 +3857,6 @@
           <a:p>
             <a:r>
               <a:rPr lang="en-US" altLang="zh-CN" sz="2667" dirty="0">
-                <a:latin typeface="Times New Roman" panose="02020603050405020304" pitchFamily="18" charset="0"/>
                 <a:ea typeface="微软雅黑" panose="020B0503020204020204" pitchFamily="34" charset="-122"/>
                 <a:cs typeface="Times New Roman" panose="02020603050405020304" pitchFamily="18" charset="0"/>
               </a:rPr>
@@ -3450,7 +4095,7 @@
                 <a:avLst/>
               </a:prstGeom>
               <a:blipFill>
-                <a:blip r:embed="rId3"/>
+                <a:blip r:embed="rId4"/>
                 <a:stretch>
                   <a:fillRect/>
                 </a:stretch>
@@ -3471,8 +4116,8 @@
           </p:sp>
         </mc:Fallback>
       </mc:AlternateContent>
-      <mc:AlternateContent xmlns:mc="http://schemas.openxmlformats.org/markup-compatibility/2006" xmlns:a14="http://schemas.microsoft.com/office/drawing/2010/main">
-        <mc:Choice Requires="a14">
+      <mc:AlternateContent xmlns:mc="http://schemas.openxmlformats.org/markup-compatibility/2006">
+        <mc:Choice xmlns:a14="http://schemas.microsoft.com/office/drawing/2010/main" Requires="a14">
           <p:sp>
             <p:nvSpPr>
               <p:cNvPr id="7" name="矩形 6">
@@ -3488,7 +4133,7 @@
             <p:spPr>
               <a:xfrm>
                 <a:off x="403595" y="174690"/>
-                <a:ext cx="9101787" cy="468205"/>
+                <a:ext cx="9338903" cy="475387"/>
               </a:xfrm>
               <a:prstGeom prst="rect">
                 <a:avLst/>
@@ -3503,50 +4148,36 @@
                 <a14:m>
                   <m:oMath xmlns:m="http://schemas.openxmlformats.org/officeDocument/2006/math">
                     <m:r>
-                      <a:rPr lang="en-US" altLang="zh-CN" sz="2400" i="1">
-                        <a:latin typeface="Cambria Math" panose="02040503050406030204" pitchFamily="18" charset="0"/>
-                      </a:rPr>
+                      <a:rPr lang="en-US" altLang="zh-CN" sz="2400" i="1"/>
                       <m:t>𝑓</m:t>
                     </m:r>
                     <m:r>
-                      <a:rPr lang="en-US" altLang="zh-CN" sz="2400" i="1">
-                        <a:latin typeface="Cambria Math" panose="02040503050406030204" pitchFamily="18" charset="0"/>
-                      </a:rPr>
+                      <a:rPr lang="en-US" altLang="zh-CN" sz="2400" i="1"/>
                       <m:t>:</m:t>
                     </m:r>
                     <m:r>
-                      <a:rPr lang="en-US" altLang="zh-CN" sz="2400" i="1">
-                        <a:latin typeface="Cambria Math" panose="02040503050406030204" pitchFamily="18" charset="0"/>
-                      </a:rPr>
+                      <a:rPr lang="en-US" altLang="zh-CN" sz="2400" i="1"/>
                       <m:t>𝑉</m:t>
                     </m:r>
                     <m:r>
-                      <a:rPr lang="en-US" altLang="zh-CN" sz="2400" i="1">
-                        <a:latin typeface="Cambria Math" panose="02040503050406030204" pitchFamily="18" charset="0"/>
-                      </a:rPr>
+                      <a:rPr lang="en-US" altLang="zh-CN" sz="2400" i="1"/>
                       <m:t>→ </m:t>
                     </m:r>
                     <m:sSup>
                       <m:sSupPr>
                         <m:ctrlPr>
-                          <a:rPr lang="zh-CN" altLang="en-US" sz="2400" i="1" dirty="0">
-                            <a:latin typeface="Cambria Math" panose="02040503050406030204" pitchFamily="18" charset="0"/>
-                          </a:rPr>
+                          <a:rPr lang="zh-CN" altLang="en-US" sz="2400" i="1" dirty="0"/>
                         </m:ctrlPr>
                       </m:sSupPr>
                       <m:e>
                         <m:r>
-                          <a:rPr lang="zh-CN" altLang="en-US" sz="2400" dirty="0">
-                            <a:latin typeface="Cambria Math" panose="02040503050406030204" pitchFamily="18" charset="0"/>
-                          </a:rPr>
+                          <a:rPr lang="zh-CN" altLang="en-US" sz="2400" dirty="0"/>
                           <m:t>ℝ</m:t>
                         </m:r>
                       </m:e>
                       <m:sup>
                         <m:r>
-                          <a:rPr lang="zh-CN" altLang="en-US" sz="2400" i="1" dirty="0">
-                            <a:latin typeface="Cambria Math" panose="02040503050406030204" pitchFamily="18" charset="0"/>
-                          </a:rPr>
+                          <a:rPr lang="zh-CN" altLang="en-US" sz="2400" i="1" dirty="0"/>
                           <m:t>𝑑</m:t>
                         </m:r>
                       </m:sup>
@@ -3555,20 +4186,18 @@
                 </a14:m>
                 <a:r>
                   <a:rPr lang="en-US" altLang="zh-CN" sz="2400" dirty="0">
-                    <a:latin typeface="Times New Roman" panose="02020603050405020304" pitchFamily="18" charset="0"/>
                     <a:cs typeface="Times New Roman" panose="02020603050405020304" pitchFamily="18" charset="0"/>
                   </a:rPr>
                   <a:t>, the mapping function from nodes to feature representations.</a:t>
                 </a:r>
                 <a:endParaRPr lang="zh-CN" altLang="en-US" sz="2400" dirty="0">
-                  <a:latin typeface="Times New Roman" panose="02020603050405020304" pitchFamily="18" charset="0"/>
                   <a:cs typeface="Times New Roman" panose="02020603050405020304" pitchFamily="18" charset="0"/>
                 </a:endParaRPr>
               </a:p>
             </p:txBody>
           </p:sp>
         </mc:Choice>
-        <mc:Fallback xmlns="">
+        <mc:Fallback>
           <p:sp>
             <p:nvSpPr>
               <p:cNvPr id="7" name="矩形 6">
@@ -3586,15 +4215,15 @@
             <p:spPr>
               <a:xfrm>
                 <a:off x="403595" y="174690"/>
-                <a:ext cx="9101787" cy="468205"/>
+                <a:ext cx="9338903" cy="475387"/>
               </a:xfrm>
               <a:prstGeom prst="rect">
                 <a:avLst/>
               </a:prstGeom>
               <a:blipFill>
-                <a:blip r:embed="rId4"/>
+                <a:blip r:embed="rId5"/>
                 <a:stretch>
-                  <a:fillRect l="-536" t="-9211" r="-67" b="-30263"/>
+                  <a:fillRect l="-522" t="-7692" r="-65" b="-28205"/>
                 </a:stretch>
               </a:blipFill>
             </p:spPr>
@@ -3628,7 +4257,7 @@
         <p:spPr>
           <a:xfrm>
             <a:off x="292905" y="3082328"/>
-            <a:ext cx="3815468" cy="502766"/>
+            <a:ext cx="3931204" cy="502766"/>
           </a:xfrm>
           <a:prstGeom prst="rect">
             <a:avLst/>
@@ -3642,13 +4271,11 @@
           <a:p>
             <a:r>
               <a:rPr lang="en-US" altLang="zh-CN" sz="2667" dirty="0">
-                <a:latin typeface="Times New Roman" panose="02020603050405020304" pitchFamily="18" charset="0"/>
                 <a:cs typeface="Times New Roman" panose="02020603050405020304" pitchFamily="18" charset="0"/>
               </a:rPr>
               <a:t>two standard assumptions:</a:t>
             </a:r>
             <a:endParaRPr lang="zh-CN" altLang="en-US" sz="2667" dirty="0">
-              <a:latin typeface="Times New Roman" panose="02020603050405020304" pitchFamily="18" charset="0"/>
               <a:cs typeface="Times New Roman" panose="02020603050405020304" pitchFamily="18" charset="0"/>
             </a:endParaRPr>
           </a:p>
@@ -3669,7 +4296,7 @@
         <p:spPr>
           <a:xfrm>
             <a:off x="508714" y="4890297"/>
-            <a:ext cx="4126579" cy="461665"/>
+            <a:ext cx="3968394" cy="461665"/>
           </a:xfrm>
           <a:prstGeom prst="rect">
             <a:avLst/>
@@ -3686,9 +4313,7 @@
               <a:buChar char="•"/>
             </a:pPr>
             <a:r>
-              <a:rPr lang="en-US" altLang="zh-CN" sz="2400" dirty="0">
-                <a:latin typeface="Cambria Math" panose="02040503050406030204" pitchFamily="18" charset="0"/>
-              </a:rPr>
+              <a:rPr lang="en-US" altLang="zh-CN" sz="2400" dirty="0"/>
               <a:t>Symmetry in feature space </a:t>
             </a:r>
           </a:p>
@@ -4029,7 +4654,7 @@
                 <a:avLst/>
               </a:prstGeom>
               <a:blipFill>
-                <a:blip r:embed="rId5"/>
+                <a:blip r:embed="rId6"/>
                 <a:stretch>
                   <a:fillRect/>
                 </a:stretch>
@@ -4082,9 +4707,7 @@
               <a:buChar char="•"/>
             </a:pPr>
             <a:r>
-              <a:rPr lang="en-US" altLang="zh-CN" sz="2400" dirty="0">
-                <a:latin typeface="Cambria Math" panose="02040503050406030204" pitchFamily="18" charset="0"/>
-              </a:rPr>
+              <a:rPr lang="en-US" altLang="zh-CN" sz="2400" dirty="0"/>
               <a:t>Conditional independence </a:t>
             </a:r>
           </a:p>
@@ -4456,7 +5079,7 @@
                 <a:avLst/>
               </a:prstGeom>
               <a:blipFill>
-                <a:blip r:embed="rId6"/>
+                <a:blip r:embed="rId7"/>
                 <a:stretch>
                   <a:fillRect/>
                 </a:stretch>
@@ -4516,8 +5139,8 @@
           </a:p>
         </p:txBody>
       </p:sp>
-      <mc:AlternateContent xmlns:mc="http://schemas.openxmlformats.org/markup-compatibility/2006">
-        <mc:Choice xmlns:a14="http://schemas.microsoft.com/office/drawing/2010/main" Requires="a14">
+      <mc:AlternateContent xmlns:mc="http://schemas.openxmlformats.org/markup-compatibility/2006" xmlns:a14="http://schemas.microsoft.com/office/drawing/2010/main">
+        <mc:Choice Requires="a14">
           <p:sp>
             <p:nvSpPr>
               <p:cNvPr id="14" name="矩形 13">
@@ -4629,13 +5252,7 @@
                                 <a:rPr lang="en-US" altLang="zh-CN" sz="2400" b="0" i="0" dirty="0" smtClean="0">
                                   <a:latin typeface="Cambria Math" panose="02040503050406030204" pitchFamily="18" charset="0"/>
                                 </a:rPr>
-                                <m:t>−</m:t>
-                              </m:r>
-                              <m:r>
-                                <a:rPr lang="en-US" altLang="zh-CN" sz="2400" b="0" i="0" dirty="0" smtClean="0">
-                                  <a:latin typeface="Cambria Math" panose="02040503050406030204" pitchFamily="18" charset="0"/>
-                                </a:rPr>
-                                <m:t>|</m:t>
+                                <m:t>−|</m:t>
                               </m:r>
                               <m:sSub>
                                 <m:sSubPr>
@@ -4898,7 +5515,7 @@
             </p:txBody>
           </p:sp>
         </mc:Choice>
-        <mc:Fallback>
+        <mc:Fallback xmlns="">
           <p:sp>
             <p:nvSpPr>
               <p:cNvPr id="14" name="矩形 13">
@@ -4922,7 +5539,7 @@
                 <a:avLst/>
               </a:prstGeom>
               <a:blipFill>
-                <a:blip r:embed="rId7"/>
+                <a:blip r:embed="rId8"/>
                 <a:stretch>
                   <a:fillRect/>
                 </a:stretch>
@@ -5199,7 +5816,7 @@
                 <a:avLst/>
               </a:prstGeom>
               <a:blipFill>
-                <a:blip r:embed="rId8"/>
+                <a:blip r:embed="rId9"/>
                 <a:stretch>
                   <a:fillRect/>
                 </a:stretch>
@@ -5249,13 +5866,11 @@
           <a:p>
             <a:r>
               <a:rPr lang="en-US" altLang="zh-CN" sz="2400" dirty="0">
-                <a:latin typeface="Times New Roman" panose="02020603050405020304" pitchFamily="18" charset="0"/>
                 <a:cs typeface="Times New Roman" panose="02020603050405020304" pitchFamily="18" charset="0"/>
               </a:rPr>
               <a:t>negative sampling</a:t>
             </a:r>
             <a:endParaRPr lang="zh-CN" altLang="en-US" sz="2400" dirty="0">
-              <a:latin typeface="Times New Roman" panose="02020603050405020304" pitchFamily="18" charset="0"/>
               <a:cs typeface="Times New Roman" panose="02020603050405020304" pitchFamily="18" charset="0"/>
             </a:endParaRPr>
           </a:p>
@@ -5322,7 +5937,7 @@
         <p:spPr>
           <a:xfrm>
             <a:off x="132675" y="6550839"/>
-            <a:ext cx="801823" cy="461665"/>
+            <a:ext cx="708848" cy="461665"/>
           </a:xfrm>
           <a:prstGeom prst="rect">
             <a:avLst/>
@@ -5336,13 +5951,11 @@
           <a:p>
             <a:r>
               <a:rPr lang="en-US" altLang="zh-CN" sz="2400" dirty="0">
-                <a:latin typeface="Times New Roman" panose="02020603050405020304" pitchFamily="18" charset="0"/>
                 <a:cs typeface="Times New Roman" panose="02020603050405020304" pitchFamily="18" charset="0"/>
               </a:rPr>
               <a:t>SGD</a:t>
             </a:r>
             <a:endParaRPr lang="zh-CN" altLang="en-US" sz="2400" dirty="0">
-              <a:latin typeface="Times New Roman" panose="02020603050405020304" pitchFamily="18" charset="0"/>
               <a:cs typeface="Times New Roman" panose="02020603050405020304" pitchFamily="18" charset="0"/>
             </a:endParaRPr>
           </a:p>
@@ -5409,7 +6022,7 @@
         <p:spPr>
           <a:xfrm>
             <a:off x="5829483" y="1366807"/>
-            <a:ext cx="3342646" cy="461665"/>
+            <a:ext cx="3128677" cy="461665"/>
           </a:xfrm>
           <a:prstGeom prst="rect">
             <a:avLst/>
@@ -5423,7 +6036,6 @@
           <a:p>
             <a:r>
               <a:rPr lang="en-US" altLang="zh-CN" sz="2400" b="1" u="sng" dirty="0">
-                <a:latin typeface="Times New Roman" panose="02020603050405020304" pitchFamily="18" charset="0"/>
                 <a:ea typeface="微软雅黑" panose="020B0503020204020204" pitchFamily="34" charset="-122"/>
                 <a:cs typeface="Times New Roman" panose="02020603050405020304" pitchFamily="18" charset="0"/>
               </a:rPr>
@@ -5437,6 +6049,3836 @@
     <p:extLst>
       <p:ext uri="{BB962C8B-B14F-4D97-AF65-F5344CB8AC3E}">
         <p14:creationId xmlns:p14="http://schemas.microsoft.com/office/powerpoint/2010/main" val="628892734"/>
+      </p:ext>
+    </p:extLst>
+  </p:cSld>
+  <p:clrMapOvr>
+    <a:masterClrMapping/>
+  </p:clrMapOvr>
+</p:sld>
+</file>
+
+<file path=ppt/slides/slide2.xml><?xml version="1.0" encoding="utf-8"?>
+<p:sld xmlns:a="http://schemas.openxmlformats.org/drawingml/2006/main" xmlns:r="http://schemas.openxmlformats.org/officeDocument/2006/relationships" xmlns:p="http://schemas.openxmlformats.org/presentationml/2006/main">
+  <p:cSld>
+    <p:spTree>
+      <p:nvGrpSpPr>
+        <p:cNvPr id="1" name=""/>
+        <p:cNvGrpSpPr/>
+        <p:nvPr/>
+      </p:nvGrpSpPr>
+      <p:grpSpPr>
+        <a:xfrm>
+          <a:off x="0" y="0"/>
+          <a:ext cx="0" cy="0"/>
+          <a:chOff x="0" y="0"/>
+          <a:chExt cx="0" cy="0"/>
+        </a:xfrm>
+      </p:grpSpPr>
+      <mc:AlternateContent xmlns:mc="http://schemas.openxmlformats.org/markup-compatibility/2006">
+        <mc:Choice xmlns:a14="http://schemas.microsoft.com/office/drawing/2010/main" Requires="a14">
+          <p:sp>
+            <p:nvSpPr>
+              <p:cNvPr id="4" name="矩形 3">
+                <a:extLst>
+                  <a:ext uri="{FF2B5EF4-FFF2-40B4-BE49-F238E27FC236}">
+                    <a16:creationId xmlns:a16="http://schemas.microsoft.com/office/drawing/2014/main" id="{E14D9AA7-59A5-457A-8A47-99645F07FB1D}"/>
+                  </a:ext>
+                </a:extLst>
+              </p:cNvPr>
+              <p:cNvSpPr/>
+              <p:nvPr/>
+            </p:nvSpPr>
+            <p:spPr>
+              <a:xfrm>
+                <a:off x="360192" y="391499"/>
+                <a:ext cx="10752944" cy="461665"/>
+              </a:xfrm>
+              <a:prstGeom prst="rect">
+                <a:avLst/>
+              </a:prstGeom>
+            </p:spPr>
+            <p:txBody>
+              <a:bodyPr wrap="none">
+                <a:spAutoFit/>
+              </a:bodyPr>
+              <a:lstStyle/>
+              <a:p>
+                <a:r>
+                  <a:rPr lang="en-US" altLang="zh-CN" sz="2400" dirty="0">
+                    <a:cs typeface="Times New Roman" panose="02020603050405020304" pitchFamily="18" charset="0"/>
+                  </a:rPr>
+                  <a:t>Two </a:t>
+                </a:r>
+                <a:r>
+                  <a:rPr lang="en-US" altLang="zh-CN" sz="2400" b="1" dirty="0">
+                    <a:cs typeface="Times New Roman" panose="02020603050405020304" pitchFamily="18" charset="0"/>
+                  </a:rPr>
+                  <a:t>extreme</a:t>
+                </a:r>
+                <a:r>
+                  <a:rPr lang="en-US" altLang="zh-CN" sz="2400" dirty="0">
+                    <a:cs typeface="Times New Roman" panose="02020603050405020304" pitchFamily="18" charset="0"/>
+                  </a:rPr>
+                  <a:t> sampling strategies for generating neighborhood set(s) </a:t>
+                </a:r>
+                <a14:m>
+                  <m:oMath xmlns:m="http://schemas.openxmlformats.org/officeDocument/2006/math">
+                    <m:sSub>
+                      <m:sSubPr>
+                        <m:ctrlPr>
+                          <a:rPr lang="en-US" altLang="zh-CN" sz="2400" i="1" dirty="0">
+                            <a:latin typeface="Cambria Math" panose="02040503050406030204" pitchFamily="18" charset="0"/>
+                          </a:rPr>
+                        </m:ctrlPr>
+                      </m:sSubPr>
+                      <m:e>
+                        <m:r>
+                          <a:rPr lang="en-US" altLang="zh-CN" sz="2400" i="1" dirty="0">
+                            <a:latin typeface="Cambria Math" panose="02040503050406030204" pitchFamily="18" charset="0"/>
+                          </a:rPr>
+                          <m:t>𝑁</m:t>
+                        </m:r>
+                      </m:e>
+                      <m:sub>
+                        <m:r>
+                          <a:rPr lang="en-US" altLang="zh-CN" sz="2400" i="1" dirty="0">
+                            <a:latin typeface="Cambria Math" panose="02040503050406030204" pitchFamily="18" charset="0"/>
+                          </a:rPr>
+                          <m:t>𝑆</m:t>
+                        </m:r>
+                      </m:sub>
+                    </m:sSub>
+                  </m:oMath>
+                </a14:m>
+                <a:r>
+                  <a:rPr lang="zh-CN" altLang="en-US" sz="2400" dirty="0">
+                    <a:cs typeface="Times New Roman" panose="02020603050405020304" pitchFamily="18" charset="0"/>
+                  </a:rPr>
+                  <a:t> </a:t>
+                </a:r>
+                <a:r>
+                  <a:rPr lang="en-US" altLang="zh-CN" sz="2400" dirty="0">
+                    <a:cs typeface="Times New Roman" panose="02020603050405020304" pitchFamily="18" charset="0"/>
+                  </a:rPr>
+                  <a:t>of </a:t>
+                </a:r>
+                <a14:m>
+                  <m:oMath xmlns:m="http://schemas.openxmlformats.org/officeDocument/2006/math">
+                    <m:r>
+                      <a:rPr lang="en-US" altLang="zh-CN" sz="2400" b="0" i="1" smtClean="0">
+                        <a:latin typeface="Cambria Math" panose="02040503050406030204" pitchFamily="18" charset="0"/>
+                      </a:rPr>
+                      <m:t>𝑘</m:t>
+                    </m:r>
+                  </m:oMath>
+                </a14:m>
+                <a:r>
+                  <a:rPr lang="en-US" altLang="zh-CN" sz="2400" dirty="0">
+                    <a:cs typeface="Times New Roman" panose="02020603050405020304" pitchFamily="18" charset="0"/>
+                  </a:rPr>
+                  <a:t> nodes:</a:t>
+                </a:r>
+                <a:endParaRPr lang="zh-CN" altLang="en-US" sz="2400" dirty="0">
+                  <a:cs typeface="Times New Roman" panose="02020603050405020304" pitchFamily="18" charset="0"/>
+                </a:endParaRPr>
+              </a:p>
+            </p:txBody>
+          </p:sp>
+        </mc:Choice>
+        <mc:Fallback>
+          <p:sp>
+            <p:nvSpPr>
+              <p:cNvPr id="4" name="矩形 3">
+                <a:extLst>
+                  <a:ext uri="{FF2B5EF4-FFF2-40B4-BE49-F238E27FC236}">
+                    <a16:creationId xmlns:a16="http://schemas.microsoft.com/office/drawing/2014/main" id="{E14D9AA7-59A5-457A-8A47-99645F07FB1D}"/>
+                  </a:ext>
+                </a:extLst>
+              </p:cNvPr>
+              <p:cNvSpPr>
+                <a:spLocks noRot="1" noChangeAspect="1" noMove="1" noResize="1" noEditPoints="1" noAdjustHandles="1" noChangeArrowheads="1" noChangeShapeType="1" noTextEdit="1"/>
+              </p:cNvSpPr>
+              <p:nvPr/>
+            </p:nvSpPr>
+            <p:spPr>
+              <a:xfrm>
+                <a:off x="360192" y="391499"/>
+                <a:ext cx="10752944" cy="461665"/>
+              </a:xfrm>
+              <a:prstGeom prst="rect">
+                <a:avLst/>
+              </a:prstGeom>
+              <a:blipFill>
+                <a:blip r:embed="rId3"/>
+                <a:stretch>
+                  <a:fillRect l="-850" t="-10526" b="-28947"/>
+                </a:stretch>
+              </a:blipFill>
+            </p:spPr>
+            <p:txBody>
+              <a:bodyPr/>
+              <a:lstStyle/>
+              <a:p>
+                <a:r>
+                  <a:rPr lang="zh-CN" altLang="en-US">
+                    <a:noFill/>
+                  </a:rPr>
+                  <a:t> </a:t>
+                </a:r>
+              </a:p>
+            </p:txBody>
+          </p:sp>
+        </mc:Fallback>
+      </mc:AlternateContent>
+      <p:pic>
+        <p:nvPicPr>
+          <p:cNvPr id="2" name="图片 1">
+            <a:extLst>
+              <a:ext uri="{FF2B5EF4-FFF2-40B4-BE49-F238E27FC236}">
+                <a16:creationId xmlns:a16="http://schemas.microsoft.com/office/drawing/2014/main" id="{5C760732-1023-4E71-A91E-5079E26ABF37}"/>
+              </a:ext>
+            </a:extLst>
+          </p:cNvPr>
+          <p:cNvPicPr>
+            <a:picLocks noChangeAspect="1"/>
+          </p:cNvPicPr>
+          <p:nvPr/>
+        </p:nvPicPr>
+        <p:blipFill>
+          <a:blip r:embed="rId4"/>
+          <a:stretch>
+            <a:fillRect/>
+          </a:stretch>
+        </p:blipFill>
+        <p:spPr>
+          <a:xfrm>
+            <a:off x="5791199" y="853164"/>
+            <a:ext cx="5081909" cy="2253619"/>
+          </a:xfrm>
+          <a:prstGeom prst="rect">
+            <a:avLst/>
+          </a:prstGeom>
+        </p:spPr>
+      </p:pic>
+      <p:sp>
+        <p:nvSpPr>
+          <p:cNvPr id="3" name="矩形 2">
+            <a:extLst>
+              <a:ext uri="{FF2B5EF4-FFF2-40B4-BE49-F238E27FC236}">
+                <a16:creationId xmlns:a16="http://schemas.microsoft.com/office/drawing/2014/main" id="{DE91DAD6-536B-44BC-B5E0-D17BB0F4EB64}"/>
+              </a:ext>
+            </a:extLst>
+          </p:cNvPr>
+          <p:cNvSpPr/>
+          <p:nvPr/>
+        </p:nvSpPr>
+        <p:spPr>
+          <a:xfrm>
+            <a:off x="962868" y="1656532"/>
+            <a:ext cx="3819572" cy="830997"/>
+          </a:xfrm>
+          <a:prstGeom prst="rect">
+            <a:avLst/>
+          </a:prstGeom>
+        </p:spPr>
+        <p:txBody>
+          <a:bodyPr wrap="none">
+            <a:spAutoFit/>
+          </a:bodyPr>
+          <a:lstStyle/>
+          <a:p>
+            <a:pPr marL="285750" indent="-285750">
+              <a:buFont typeface="Arial" panose="020B0604020202020204" pitchFamily="34" charset="0"/>
+              <a:buChar char="•"/>
+            </a:pPr>
+            <a:r>
+              <a:rPr lang="en-US" altLang="zh-CN" sz="2400" b="1" dirty="0">
+                <a:cs typeface="Times New Roman" panose="02020603050405020304" pitchFamily="18" charset="0"/>
+              </a:rPr>
+              <a:t>Bread-Frist Sampling(BFS)</a:t>
+            </a:r>
+          </a:p>
+          <a:p>
+            <a:pPr marL="285750" indent="-285750">
+              <a:buFont typeface="Arial" panose="020B0604020202020204" pitchFamily="34" charset="0"/>
+              <a:buChar char="•"/>
+            </a:pPr>
+            <a:r>
+              <a:rPr lang="en-US" altLang="zh-CN" sz="2400" b="1" dirty="0">
+                <a:cs typeface="Times New Roman" panose="02020603050405020304" pitchFamily="18" charset="0"/>
+              </a:rPr>
+              <a:t>Depth-Frist Sampling(DFS)</a:t>
+            </a:r>
+            <a:endParaRPr lang="zh-CN" altLang="en-US" sz="2400" b="1" dirty="0"/>
+          </a:p>
+        </p:txBody>
+      </p:sp>
+      <p:sp>
+        <p:nvSpPr>
+          <p:cNvPr id="9" name="矩形 8">
+            <a:extLst>
+              <a:ext uri="{FF2B5EF4-FFF2-40B4-BE49-F238E27FC236}">
+                <a16:creationId xmlns:a16="http://schemas.microsoft.com/office/drawing/2014/main" id="{FBCD81BF-D1D9-4426-AE38-39178FD0B328}"/>
+              </a:ext>
+            </a:extLst>
+          </p:cNvPr>
+          <p:cNvSpPr/>
+          <p:nvPr/>
+        </p:nvSpPr>
+        <p:spPr>
+          <a:xfrm>
+            <a:off x="177820" y="3290897"/>
+            <a:ext cx="9999113" cy="5262979"/>
+          </a:xfrm>
+          <a:prstGeom prst="rect">
+            <a:avLst/>
+          </a:prstGeom>
+        </p:spPr>
+        <p:txBody>
+          <a:bodyPr wrap="square">
+            <a:spAutoFit/>
+          </a:bodyPr>
+          <a:lstStyle/>
+          <a:p>
+            <a:r>
+              <a:rPr lang="en-US" altLang="zh-CN" sz="2400" dirty="0">
+                <a:cs typeface="Times New Roman" panose="02020603050405020304" pitchFamily="18" charset="0"/>
+              </a:rPr>
+              <a:t>Two kind of similarities: </a:t>
+            </a:r>
+          </a:p>
+          <a:p>
+            <a:endParaRPr lang="en-US" altLang="zh-CN" sz="2400" dirty="0">
+              <a:cs typeface="Times New Roman" panose="02020603050405020304" pitchFamily="18" charset="0"/>
+            </a:endParaRPr>
+          </a:p>
+          <a:p>
+            <a:pPr marL="342900" indent="-342900">
+              <a:buFont typeface="Arial" panose="020B0604020202020204" pitchFamily="34" charset="0"/>
+              <a:buChar char="•"/>
+            </a:pPr>
+            <a:r>
+              <a:rPr lang="en-US" altLang="zh-CN" sz="2400" b="1" dirty="0">
+                <a:cs typeface="Times New Roman" panose="02020603050405020304" pitchFamily="18" charset="0"/>
+              </a:rPr>
+              <a:t>Homophily</a:t>
+            </a:r>
+          </a:p>
+          <a:p>
+            <a:pPr lvl="1"/>
+            <a:r>
+              <a:rPr lang="en-US" altLang="zh-CN" sz="2400" dirty="0">
+                <a:cs typeface="Times New Roman" panose="02020603050405020304" pitchFamily="18" charset="0"/>
+              </a:rPr>
+              <a:t>Nodes that highly interconnected and belong to similar network clustering or communities, embedded closely together.</a:t>
+            </a:r>
+          </a:p>
+          <a:p>
+            <a:pPr lvl="1"/>
+            <a:r>
+              <a:rPr lang="en-US" altLang="zh-CN" sz="2400" b="1" dirty="0">
+                <a:cs typeface="Times New Roman" panose="02020603050405020304" pitchFamily="18" charset="0"/>
+              </a:rPr>
+              <a:t>DFS</a:t>
+            </a:r>
+            <a:r>
+              <a:rPr lang="en-US" altLang="zh-CN" sz="2400" dirty="0">
+                <a:cs typeface="Times New Roman" panose="02020603050405020304" pitchFamily="18" charset="0"/>
+              </a:rPr>
+              <a:t> does, a </a:t>
+            </a:r>
+            <a:r>
+              <a:rPr lang="en-US" altLang="zh-CN" sz="2400" b="1" dirty="0">
+                <a:cs typeface="Times New Roman" panose="02020603050405020304" pitchFamily="18" charset="0"/>
+              </a:rPr>
+              <a:t>macroscopic</a:t>
+            </a:r>
+            <a:r>
+              <a:rPr lang="en-US" altLang="zh-CN" sz="2400" dirty="0">
+                <a:cs typeface="Times New Roman" panose="02020603050405020304" pitchFamily="18" charset="0"/>
+              </a:rPr>
+              <a:t> view of the neighborhood.</a:t>
+            </a:r>
+          </a:p>
+          <a:p>
+            <a:pPr lvl="1"/>
+            <a:r>
+              <a:rPr lang="en-US" altLang="zh-CN" sz="2400" u="sng" dirty="0">
+                <a:cs typeface="Times New Roman" panose="02020603050405020304" pitchFamily="18" charset="0"/>
+              </a:rPr>
+              <a:t>Drawback</a:t>
+            </a:r>
+            <a:r>
+              <a:rPr lang="en-US" altLang="zh-CN" sz="2400" dirty="0">
+                <a:cs typeface="Times New Roman" panose="02020603050405020304" pitchFamily="18" charset="0"/>
+              </a:rPr>
+              <a:t>: Constrained sample size and a large neighborhood to explore,</a:t>
+            </a:r>
+          </a:p>
+          <a:p>
+            <a:pPr lvl="1"/>
+            <a:r>
+              <a:rPr lang="en-US" altLang="zh-CN" sz="2400" dirty="0">
+                <a:cs typeface="Times New Roman" panose="02020603050405020304" pitchFamily="18" charset="0"/>
+              </a:rPr>
+              <a:t>Resulting in high variance.</a:t>
+            </a:r>
+          </a:p>
+          <a:p>
+            <a:pPr lvl="1"/>
+            <a:r>
+              <a:rPr lang="en-US" altLang="zh-CN" sz="2400" dirty="0">
+                <a:cs typeface="Times New Roman" panose="02020603050405020304" pitchFamily="18" charset="0"/>
+              </a:rPr>
+              <a:t>greater depth  </a:t>
+            </a:r>
+            <a:r>
+              <a:rPr lang="en-US" altLang="zh-CN" sz="2400" dirty="0">
+                <a:cs typeface="Times New Roman" panose="02020603050405020304" pitchFamily="18" charset="0"/>
+                <a:sym typeface="Wingdings" panose="05000000000000000000" pitchFamily="2" charset="2"/>
+              </a:rPr>
+              <a:t> sample nodes far from source  complex dependencies </a:t>
+            </a:r>
+            <a:endParaRPr lang="en-US" altLang="zh-CN" sz="2400" dirty="0">
+              <a:cs typeface="Times New Roman" panose="02020603050405020304" pitchFamily="18" charset="0"/>
+            </a:endParaRPr>
+          </a:p>
+          <a:p>
+            <a:pPr lvl="1"/>
+            <a:endParaRPr lang="en-US" altLang="zh-CN" sz="2400" dirty="0">
+              <a:cs typeface="Times New Roman" panose="02020603050405020304" pitchFamily="18" charset="0"/>
+            </a:endParaRPr>
+          </a:p>
+          <a:p>
+            <a:pPr marL="342900" indent="-342900">
+              <a:buFont typeface="Arial" panose="020B0604020202020204" pitchFamily="34" charset="0"/>
+              <a:buChar char="•"/>
+            </a:pPr>
+            <a:r>
+              <a:rPr lang="en-US" altLang="zh-CN" sz="2400" b="1" dirty="0">
+                <a:cs typeface="Times New Roman" panose="02020603050405020304" pitchFamily="18" charset="0"/>
+              </a:rPr>
+              <a:t>Structural equivalence </a:t>
+            </a:r>
+          </a:p>
+          <a:p>
+            <a:pPr lvl="1"/>
+            <a:r>
+              <a:rPr lang="en-US" altLang="zh-CN" sz="2400" dirty="0"/>
+              <a:t>Nodes that have similar structural roles, embedded closely together.</a:t>
+            </a:r>
+          </a:p>
+          <a:p>
+            <a:pPr lvl="1"/>
+            <a:r>
+              <a:rPr lang="en-US" altLang="zh-CN" sz="2400" b="1" dirty="0"/>
+              <a:t>BFS</a:t>
+            </a:r>
+            <a:r>
+              <a:rPr lang="en-US" altLang="zh-CN" sz="2400" dirty="0"/>
+              <a:t> does, a </a:t>
+            </a:r>
+            <a:r>
+              <a:rPr lang="en-US" altLang="zh-CN" sz="2400" b="1" dirty="0"/>
+              <a:t>microscopic</a:t>
+            </a:r>
+            <a:r>
+              <a:rPr lang="en-US" altLang="zh-CN" sz="2400" dirty="0"/>
+              <a:t> view of the neighborhood.</a:t>
+            </a:r>
+          </a:p>
+          <a:p>
+            <a:pPr lvl="1"/>
+            <a:r>
+              <a:rPr lang="en-US" altLang="zh-CN" sz="2400" u="sng" dirty="0">
+                <a:cs typeface="Times New Roman" panose="02020603050405020304" pitchFamily="18" charset="0"/>
+              </a:rPr>
+              <a:t>Drawback</a:t>
+            </a:r>
+            <a:r>
+              <a:rPr lang="en-US" altLang="zh-CN" sz="2400" dirty="0">
+                <a:cs typeface="Times New Roman" panose="02020603050405020304" pitchFamily="18" charset="0"/>
+              </a:rPr>
+              <a:t>: A very small portion of the graph is explored for any given k.</a:t>
+            </a:r>
+            <a:endParaRPr lang="zh-CN" altLang="en-US" sz="2400" dirty="0"/>
+          </a:p>
+        </p:txBody>
+      </p:sp>
+      <mc:AlternateContent xmlns:mc="http://schemas.openxmlformats.org/markup-compatibility/2006">
+        <mc:Choice xmlns:a14="http://schemas.microsoft.com/office/drawing/2010/main" Requires="a14">
+          <p:sp>
+            <p:nvSpPr>
+              <p:cNvPr id="13" name="矩形 12">
+                <a:extLst>
+                  <a:ext uri="{FF2B5EF4-FFF2-40B4-BE49-F238E27FC236}">
+                    <a16:creationId xmlns:a16="http://schemas.microsoft.com/office/drawing/2014/main" id="{E60871AF-0CA5-42B2-8E0D-88776EC8B05E}"/>
+                  </a:ext>
+                </a:extLst>
+              </p:cNvPr>
+              <p:cNvSpPr/>
+              <p:nvPr/>
+            </p:nvSpPr>
+            <p:spPr>
+              <a:xfrm>
+                <a:off x="3671137" y="6858438"/>
+                <a:ext cx="1239698" cy="461665"/>
+              </a:xfrm>
+              <a:prstGeom prst="rect">
+                <a:avLst/>
+              </a:prstGeom>
+            </p:spPr>
+            <p:txBody>
+              <a:bodyPr wrap="none">
+                <a:spAutoFit/>
+              </a:bodyPr>
+              <a:lstStyle/>
+              <a:p>
+                <a14:m>
+                  <m:oMath xmlns:m="http://schemas.openxmlformats.org/officeDocument/2006/math">
+                    <m:r>
+                      <a:rPr lang="en-US" altLang="zh-CN" sz="2400" b="0" i="1" smtClean="0">
+                        <a:solidFill>
+                          <a:prstClr val="black"/>
+                        </a:solidFill>
+                        <a:latin typeface="Cambria Math" panose="02040503050406030204" pitchFamily="18" charset="0"/>
+                        <a:cs typeface="Times New Roman" panose="02020603050405020304" pitchFamily="18" charset="0"/>
+                      </a:rPr>
+                      <m:t>𝑢</m:t>
+                    </m:r>
+                  </m:oMath>
+                </a14:m>
+                <a:r>
+                  <a:rPr lang="zh-CN" altLang="en-US" dirty="0"/>
+                  <a:t> </a:t>
+                </a:r>
+                <a:r>
+                  <a:rPr lang="en-US" altLang="zh-CN" sz="2400" dirty="0"/>
+                  <a:t>and </a:t>
+                </a:r>
+                <a14:m>
+                  <m:oMath xmlns:m="http://schemas.openxmlformats.org/officeDocument/2006/math">
+                    <m:sSub>
+                      <m:sSubPr>
+                        <m:ctrlPr>
+                          <a:rPr lang="en-US" altLang="zh-CN" sz="2400" b="0" i="1" smtClean="0">
+                            <a:solidFill>
+                              <a:prstClr val="black"/>
+                            </a:solidFill>
+                            <a:latin typeface="Cambria Math" panose="02040503050406030204" pitchFamily="18" charset="0"/>
+                            <a:cs typeface="Times New Roman" panose="02020603050405020304" pitchFamily="18" charset="0"/>
+                          </a:rPr>
+                        </m:ctrlPr>
+                      </m:sSubPr>
+                      <m:e>
+                        <m:r>
+                          <a:rPr lang="en-US" altLang="zh-CN" sz="2400" b="0" i="1" smtClean="0">
+                            <a:solidFill>
+                              <a:prstClr val="black"/>
+                            </a:solidFill>
+                            <a:latin typeface="Cambria Math" panose="02040503050406030204" pitchFamily="18" charset="0"/>
+                            <a:cs typeface="Times New Roman" panose="02020603050405020304" pitchFamily="18" charset="0"/>
+                          </a:rPr>
+                          <m:t>𝑠</m:t>
+                        </m:r>
+                      </m:e>
+                      <m:sub>
+                        <m:r>
+                          <a:rPr lang="en-US" altLang="zh-CN" sz="2400" b="0" i="1" smtClean="0">
+                            <a:solidFill>
+                              <a:prstClr val="black"/>
+                            </a:solidFill>
+                            <a:latin typeface="Cambria Math" panose="02040503050406030204" pitchFamily="18" charset="0"/>
+                            <a:cs typeface="Times New Roman" panose="02020603050405020304" pitchFamily="18" charset="0"/>
+                          </a:rPr>
+                          <m:t>6</m:t>
+                        </m:r>
+                      </m:sub>
+                    </m:sSub>
+                  </m:oMath>
+                </a14:m>
+                <a:endParaRPr lang="zh-CN" altLang="en-US" dirty="0"/>
+              </a:p>
+            </p:txBody>
+          </p:sp>
+        </mc:Choice>
+        <mc:Fallback>
+          <p:sp>
+            <p:nvSpPr>
+              <p:cNvPr id="13" name="矩形 12">
+                <a:extLst>
+                  <a:ext uri="{FF2B5EF4-FFF2-40B4-BE49-F238E27FC236}">
+                    <a16:creationId xmlns:a16="http://schemas.microsoft.com/office/drawing/2014/main" id="{E60871AF-0CA5-42B2-8E0D-88776EC8B05E}"/>
+                  </a:ext>
+                </a:extLst>
+              </p:cNvPr>
+              <p:cNvSpPr>
+                <a:spLocks noRot="1" noChangeAspect="1" noMove="1" noResize="1" noEditPoints="1" noAdjustHandles="1" noChangeArrowheads="1" noChangeShapeType="1" noTextEdit="1"/>
+              </p:cNvSpPr>
+              <p:nvPr/>
+            </p:nvSpPr>
+            <p:spPr>
+              <a:xfrm>
+                <a:off x="3671137" y="6858438"/>
+                <a:ext cx="1239698" cy="461665"/>
+              </a:xfrm>
+              <a:prstGeom prst="rect">
+                <a:avLst/>
+              </a:prstGeom>
+              <a:blipFill>
+                <a:blip r:embed="rId5"/>
+                <a:stretch>
+                  <a:fillRect t="-10526" b="-28947"/>
+                </a:stretch>
+              </a:blipFill>
+            </p:spPr>
+            <p:txBody>
+              <a:bodyPr/>
+              <a:lstStyle/>
+              <a:p>
+                <a:r>
+                  <a:rPr lang="zh-CN" altLang="en-US">
+                    <a:noFill/>
+                  </a:rPr>
+                  <a:t> </a:t>
+                </a:r>
+              </a:p>
+            </p:txBody>
+          </p:sp>
+        </mc:Fallback>
+      </mc:AlternateContent>
+      <mc:AlternateContent xmlns:mc="http://schemas.openxmlformats.org/markup-compatibility/2006">
+        <mc:Choice xmlns:a14="http://schemas.microsoft.com/office/drawing/2010/main" Requires="a14">
+          <p:sp>
+            <p:nvSpPr>
+              <p:cNvPr id="14" name="矩形 13">
+                <a:extLst>
+                  <a:ext uri="{FF2B5EF4-FFF2-40B4-BE49-F238E27FC236}">
+                    <a16:creationId xmlns:a16="http://schemas.microsoft.com/office/drawing/2014/main" id="{B8823CC4-4056-4D4C-B139-D8174C386C0C}"/>
+                  </a:ext>
+                </a:extLst>
+              </p:cNvPr>
+              <p:cNvSpPr/>
+              <p:nvPr/>
+            </p:nvSpPr>
+            <p:spPr>
+              <a:xfrm>
+                <a:off x="2506289" y="3959040"/>
+                <a:ext cx="1232582" cy="461665"/>
+              </a:xfrm>
+              <a:prstGeom prst="rect">
+                <a:avLst/>
+              </a:prstGeom>
+            </p:spPr>
+            <p:txBody>
+              <a:bodyPr wrap="none">
+                <a:spAutoFit/>
+              </a:bodyPr>
+              <a:lstStyle/>
+              <a:p>
+                <a14:m>
+                  <m:oMath xmlns:m="http://schemas.openxmlformats.org/officeDocument/2006/math">
+                    <m:r>
+                      <a:rPr lang="en-US" altLang="zh-CN" sz="2400" b="0" i="1" smtClean="0">
+                        <a:solidFill>
+                          <a:prstClr val="black"/>
+                        </a:solidFill>
+                        <a:latin typeface="Cambria Math" panose="02040503050406030204" pitchFamily="18" charset="0"/>
+                        <a:cs typeface="Times New Roman" panose="02020603050405020304" pitchFamily="18" charset="0"/>
+                      </a:rPr>
+                      <m:t>𝑢</m:t>
+                    </m:r>
+                  </m:oMath>
+                </a14:m>
+                <a:r>
+                  <a:rPr lang="zh-CN" altLang="en-US" dirty="0"/>
+                  <a:t> </a:t>
+                </a:r>
+                <a:r>
+                  <a:rPr lang="en-US" altLang="zh-CN" sz="2400" dirty="0"/>
+                  <a:t>and </a:t>
+                </a:r>
+                <a14:m>
+                  <m:oMath xmlns:m="http://schemas.openxmlformats.org/officeDocument/2006/math">
+                    <m:sSub>
+                      <m:sSubPr>
+                        <m:ctrlPr>
+                          <a:rPr lang="en-US" altLang="zh-CN" sz="2400" b="0" i="1" smtClean="0">
+                            <a:solidFill>
+                              <a:prstClr val="black"/>
+                            </a:solidFill>
+                            <a:latin typeface="Cambria Math" panose="02040503050406030204" pitchFamily="18" charset="0"/>
+                            <a:cs typeface="Times New Roman" panose="02020603050405020304" pitchFamily="18" charset="0"/>
+                          </a:rPr>
+                        </m:ctrlPr>
+                      </m:sSubPr>
+                      <m:e>
+                        <m:r>
+                          <a:rPr lang="en-US" altLang="zh-CN" sz="2400" b="0" i="1" smtClean="0">
+                            <a:solidFill>
+                              <a:prstClr val="black"/>
+                            </a:solidFill>
+                            <a:latin typeface="Cambria Math" panose="02040503050406030204" pitchFamily="18" charset="0"/>
+                            <a:cs typeface="Times New Roman" panose="02020603050405020304" pitchFamily="18" charset="0"/>
+                          </a:rPr>
+                          <m:t>𝑠</m:t>
+                        </m:r>
+                      </m:e>
+                      <m:sub>
+                        <m:r>
+                          <a:rPr lang="en-US" altLang="zh-CN" sz="2400" b="0" i="1" smtClean="0">
+                            <a:solidFill>
+                              <a:prstClr val="black"/>
+                            </a:solidFill>
+                            <a:latin typeface="Cambria Math" panose="02040503050406030204" pitchFamily="18" charset="0"/>
+                            <a:cs typeface="Times New Roman" panose="02020603050405020304" pitchFamily="18" charset="0"/>
+                          </a:rPr>
+                          <m:t>1</m:t>
+                        </m:r>
+                      </m:sub>
+                    </m:sSub>
+                  </m:oMath>
+                </a14:m>
+                <a:endParaRPr lang="zh-CN" altLang="en-US" dirty="0"/>
+              </a:p>
+            </p:txBody>
+          </p:sp>
+        </mc:Choice>
+        <mc:Fallback>
+          <p:sp>
+            <p:nvSpPr>
+              <p:cNvPr id="14" name="矩形 13">
+                <a:extLst>
+                  <a:ext uri="{FF2B5EF4-FFF2-40B4-BE49-F238E27FC236}">
+                    <a16:creationId xmlns:a16="http://schemas.microsoft.com/office/drawing/2014/main" id="{B8823CC4-4056-4D4C-B139-D8174C386C0C}"/>
+                  </a:ext>
+                </a:extLst>
+              </p:cNvPr>
+              <p:cNvSpPr>
+                <a:spLocks noRot="1" noChangeAspect="1" noMove="1" noResize="1" noEditPoints="1" noAdjustHandles="1" noChangeArrowheads="1" noChangeShapeType="1" noTextEdit="1"/>
+              </p:cNvSpPr>
+              <p:nvPr/>
+            </p:nvSpPr>
+            <p:spPr>
+              <a:xfrm>
+                <a:off x="2506289" y="3959040"/>
+                <a:ext cx="1232582" cy="461665"/>
+              </a:xfrm>
+              <a:prstGeom prst="rect">
+                <a:avLst/>
+              </a:prstGeom>
+              <a:blipFill>
+                <a:blip r:embed="rId6"/>
+                <a:stretch>
+                  <a:fillRect t="-10526" b="-28947"/>
+                </a:stretch>
+              </a:blipFill>
+            </p:spPr>
+            <p:txBody>
+              <a:bodyPr/>
+              <a:lstStyle/>
+              <a:p>
+                <a:r>
+                  <a:rPr lang="zh-CN" altLang="en-US">
+                    <a:noFill/>
+                  </a:rPr>
+                  <a:t> </a:t>
+                </a:r>
+              </a:p>
+            </p:txBody>
+          </p:sp>
+        </mc:Fallback>
+      </mc:AlternateContent>
+    </p:spTree>
+    <p:extLst>
+      <p:ext uri="{BB962C8B-B14F-4D97-AF65-F5344CB8AC3E}">
+        <p14:creationId xmlns:p14="http://schemas.microsoft.com/office/powerpoint/2010/main" val="1330145289"/>
+      </p:ext>
+    </p:extLst>
+  </p:cSld>
+  <p:clrMapOvr>
+    <a:masterClrMapping/>
+  </p:clrMapOvr>
+</p:sld>
+</file>
+
+<file path=ppt/slides/slide3.xml><?xml version="1.0" encoding="utf-8"?>
+<p:sld xmlns:a="http://schemas.openxmlformats.org/drawingml/2006/main" xmlns:r="http://schemas.openxmlformats.org/officeDocument/2006/relationships" xmlns:p="http://schemas.openxmlformats.org/presentationml/2006/main">
+  <p:cSld>
+    <p:spTree>
+      <p:nvGrpSpPr>
+        <p:cNvPr id="1" name=""/>
+        <p:cNvGrpSpPr/>
+        <p:nvPr/>
+      </p:nvGrpSpPr>
+      <p:grpSpPr>
+        <a:xfrm>
+          <a:off x="0" y="0"/>
+          <a:ext cx="0" cy="0"/>
+          <a:chOff x="0" y="0"/>
+          <a:chExt cx="0" cy="0"/>
+        </a:xfrm>
+      </p:grpSpPr>
+      <mc:AlternateContent xmlns:mc="http://schemas.openxmlformats.org/markup-compatibility/2006">
+        <mc:Choice xmlns:a14="http://schemas.microsoft.com/office/drawing/2010/main" Requires="a14">
+          <p:sp>
+            <p:nvSpPr>
+              <p:cNvPr id="4" name="矩形 3">
+                <a:extLst>
+                  <a:ext uri="{FF2B5EF4-FFF2-40B4-BE49-F238E27FC236}">
+                    <a16:creationId xmlns:a16="http://schemas.microsoft.com/office/drawing/2014/main" id="{E14D9AA7-59A5-457A-8A47-99645F07FB1D}"/>
+                  </a:ext>
+                </a:extLst>
+              </p:cNvPr>
+              <p:cNvSpPr/>
+              <p:nvPr/>
+            </p:nvSpPr>
+            <p:spPr>
+              <a:xfrm>
+                <a:off x="360192" y="391499"/>
+                <a:ext cx="3151760" cy="478080"/>
+              </a:xfrm>
+              <a:prstGeom prst="rect">
+                <a:avLst/>
+              </a:prstGeom>
+            </p:spPr>
+            <p:txBody>
+              <a:bodyPr wrap="none">
+                <a:spAutoFit/>
+              </a:bodyPr>
+              <a:lstStyle/>
+              <a:p>
+                <a14:m>
+                  <m:oMath xmlns:m="http://schemas.openxmlformats.org/officeDocument/2006/math">
+                    <m:sSup>
+                      <m:sSupPr>
+                        <m:ctrlPr>
+                          <a:rPr lang="zh-CN" altLang="en-US" sz="2400" dirty="0" smtClean="0"/>
+                        </m:ctrlPr>
+                      </m:sSupPr>
+                      <m:e>
+                        <m:r>
+                          <a:rPr lang="zh-CN" altLang="en-US" sz="2400" i="0" dirty="0"/>
+                          <m:t>2</m:t>
+                        </m:r>
+                      </m:e>
+                      <m:sup>
+                        <m:r>
+                          <m:rPr>
+                            <m:sty m:val="p"/>
+                          </m:rPr>
+                          <a:rPr lang="en-US" altLang="zh-CN" sz="2400" b="0" i="0" dirty="0" smtClean="0"/>
+                          <m:t>n</m:t>
+                        </m:r>
+                        <m:r>
+                          <m:rPr>
+                            <m:sty m:val="p"/>
+                          </m:rPr>
+                          <a:rPr lang="zh-CN" altLang="en-US" sz="2400" i="0" dirty="0"/>
+                          <m:t>d</m:t>
+                        </m:r>
+                      </m:sup>
+                    </m:sSup>
+                  </m:oMath>
+                </a14:m>
+                <a:r>
+                  <a:rPr lang="zh-CN" altLang="en-US" sz="2400" dirty="0">
+                    <a:cs typeface="Times New Roman" panose="02020603050405020304" pitchFamily="18" charset="0"/>
+                  </a:rPr>
+                  <a:t> </a:t>
+                </a:r>
+                <a:r>
+                  <a:rPr lang="en-US" altLang="zh-CN" sz="2400" dirty="0">
+                    <a:cs typeface="Times New Roman" panose="02020603050405020304" pitchFamily="18" charset="0"/>
+                  </a:rPr>
+                  <a:t>order random walk:</a:t>
+                </a:r>
+                <a:endParaRPr lang="zh-CN" altLang="en-US" sz="2400" dirty="0">
+                  <a:cs typeface="Times New Roman" panose="02020603050405020304" pitchFamily="18" charset="0"/>
+                </a:endParaRPr>
+              </a:p>
+            </p:txBody>
+          </p:sp>
+        </mc:Choice>
+        <mc:Fallback>
+          <p:sp>
+            <p:nvSpPr>
+              <p:cNvPr id="4" name="矩形 3">
+                <a:extLst>
+                  <a:ext uri="{FF2B5EF4-FFF2-40B4-BE49-F238E27FC236}">
+                    <a16:creationId xmlns:a16="http://schemas.microsoft.com/office/drawing/2014/main" id="{E14D9AA7-59A5-457A-8A47-99645F07FB1D}"/>
+                  </a:ext>
+                </a:extLst>
+              </p:cNvPr>
+              <p:cNvSpPr>
+                <a:spLocks noRot="1" noChangeAspect="1" noMove="1" noResize="1" noEditPoints="1" noAdjustHandles="1" noChangeArrowheads="1" noChangeShapeType="1" noTextEdit="1"/>
+              </p:cNvSpPr>
+              <p:nvPr/>
+            </p:nvSpPr>
+            <p:spPr>
+              <a:xfrm>
+                <a:off x="360192" y="391499"/>
+                <a:ext cx="3151760" cy="478080"/>
+              </a:xfrm>
+              <a:prstGeom prst="rect">
+                <a:avLst/>
+              </a:prstGeom>
+              <a:blipFill>
+                <a:blip r:embed="rId3"/>
+                <a:stretch>
+                  <a:fillRect l="-387" t="-7595" r="-1934" b="-26582"/>
+                </a:stretch>
+              </a:blipFill>
+            </p:spPr>
+            <p:txBody>
+              <a:bodyPr/>
+              <a:lstStyle/>
+              <a:p>
+                <a:r>
+                  <a:rPr lang="zh-CN" altLang="en-US">
+                    <a:noFill/>
+                  </a:rPr>
+                  <a:t> </a:t>
+                </a:r>
+              </a:p>
+            </p:txBody>
+          </p:sp>
+        </mc:Fallback>
+      </mc:AlternateContent>
+      <p:pic>
+        <p:nvPicPr>
+          <p:cNvPr id="5" name="图片 4">
+            <a:extLst>
+              <a:ext uri="{FF2B5EF4-FFF2-40B4-BE49-F238E27FC236}">
+                <a16:creationId xmlns:a16="http://schemas.microsoft.com/office/drawing/2014/main" id="{4C4FCF95-B88E-46A2-80E6-39F569EBB445}"/>
+              </a:ext>
+            </a:extLst>
+          </p:cNvPr>
+          <p:cNvPicPr>
+            <a:picLocks noChangeAspect="1"/>
+          </p:cNvPicPr>
+          <p:nvPr/>
+        </p:nvPicPr>
+        <p:blipFill>
+          <a:blip r:embed="rId4"/>
+          <a:stretch>
+            <a:fillRect/>
+          </a:stretch>
+        </p:blipFill>
+        <p:spPr>
+          <a:xfrm>
+            <a:off x="7548139" y="3742214"/>
+            <a:ext cx="3532237" cy="2519950"/>
+          </a:xfrm>
+          <a:prstGeom prst="rect">
+            <a:avLst/>
+          </a:prstGeom>
+        </p:spPr>
+      </p:pic>
+      <mc:AlternateContent xmlns:mc="http://schemas.openxmlformats.org/markup-compatibility/2006">
+        <mc:Choice xmlns:a14="http://schemas.microsoft.com/office/drawing/2010/main" Requires="a14">
+          <p:sp>
+            <p:nvSpPr>
+              <p:cNvPr id="6" name="文本框 5">
+                <a:extLst>
+                  <a:ext uri="{FF2B5EF4-FFF2-40B4-BE49-F238E27FC236}">
+                    <a16:creationId xmlns:a16="http://schemas.microsoft.com/office/drawing/2014/main" id="{EAAE5BD2-B7D7-40F9-A7AD-99C803565DEA}"/>
+                  </a:ext>
+                </a:extLst>
+              </p:cNvPr>
+              <p:cNvSpPr txBox="1"/>
+              <p:nvPr/>
+            </p:nvSpPr>
+            <p:spPr>
+              <a:xfrm>
+                <a:off x="2522857" y="1953638"/>
+                <a:ext cx="5453137" cy="1179105"/>
+              </a:xfrm>
+              <a:prstGeom prst="rect">
+                <a:avLst/>
+              </a:prstGeom>
+              <a:noFill/>
+            </p:spPr>
+            <p:txBody>
+              <a:bodyPr wrap="square" lIns="0" tIns="0" rIns="0" bIns="0" rtlCol="0">
+                <a:spAutoFit/>
+              </a:bodyPr>
+              <a:lstStyle/>
+              <a:p>
+                <a14:m>
+                  <m:oMathPara xmlns:m="http://schemas.openxmlformats.org/officeDocument/2006/math">
+                    <m:oMathParaPr>
+                      <m:jc m:val="centerGroup"/>
+                    </m:oMathParaPr>
+                    <m:oMath xmlns:m="http://schemas.openxmlformats.org/officeDocument/2006/math">
+                      <m:r>
+                        <a:rPr lang="zh-CN" altLang="en-US" sz="2400" i="1" smtClean="0">
+                          <a:latin typeface="Cambria Math" panose="02040503050406030204" pitchFamily="18" charset="0"/>
+                        </a:rPr>
+                        <m:t>𝑃</m:t>
+                      </m:r>
+                      <m:d>
+                        <m:dPr>
+                          <m:ctrlPr>
+                            <a:rPr lang="zh-CN" altLang="en-US" sz="2400" i="1">
+                              <a:latin typeface="Cambria Math" panose="02040503050406030204" pitchFamily="18" charset="0"/>
+                            </a:rPr>
+                          </m:ctrlPr>
+                        </m:dPr>
+                        <m:e>
+                          <m:sSub>
+                            <m:sSubPr>
+                              <m:ctrlPr>
+                                <a:rPr lang="en-US" altLang="zh-CN" sz="2400" b="0" i="1" smtClean="0">
+                                  <a:latin typeface="Cambria Math" panose="02040503050406030204" pitchFamily="18" charset="0"/>
+                                </a:rPr>
+                              </m:ctrlPr>
+                            </m:sSubPr>
+                            <m:e>
+                              <m:r>
+                                <a:rPr lang="en-US" altLang="zh-CN" sz="2400" b="0" i="1" smtClean="0">
+                                  <a:latin typeface="Cambria Math" panose="02040503050406030204" pitchFamily="18" charset="0"/>
+                                </a:rPr>
+                                <m:t>𝑐</m:t>
+                              </m:r>
+                            </m:e>
+                            <m:sub>
+                              <m:r>
+                                <a:rPr lang="en-US" altLang="zh-CN" sz="2400" b="0" i="1" smtClean="0">
+                                  <a:latin typeface="Cambria Math" panose="02040503050406030204" pitchFamily="18" charset="0"/>
+                                </a:rPr>
+                                <m:t>𝑖</m:t>
+                              </m:r>
+                            </m:sub>
+                          </m:sSub>
+                          <m:r>
+                            <a:rPr lang="en-US" altLang="zh-CN" sz="2400" b="0" i="1" smtClean="0">
+                              <a:latin typeface="Cambria Math" panose="02040503050406030204" pitchFamily="18" charset="0"/>
+                            </a:rPr>
+                            <m:t>=</m:t>
+                          </m:r>
+                          <m:r>
+                            <a:rPr lang="en-US" altLang="zh-CN" sz="2400" b="0" i="1" smtClean="0">
+                              <a:latin typeface="Cambria Math" panose="02040503050406030204" pitchFamily="18" charset="0"/>
+                            </a:rPr>
+                            <m:t>𝑥</m:t>
+                          </m:r>
+                          <m:r>
+                            <a:rPr lang="en-US" altLang="zh-CN" sz="2400" b="0" i="1" smtClean="0">
+                              <a:latin typeface="Cambria Math" panose="02040503050406030204" pitchFamily="18" charset="0"/>
+                            </a:rPr>
+                            <m:t>| </m:t>
+                          </m:r>
+                          <m:sSub>
+                            <m:sSubPr>
+                              <m:ctrlPr>
+                                <a:rPr lang="en-US" altLang="zh-CN" sz="2400" b="0" i="1" smtClean="0">
+                                  <a:latin typeface="Cambria Math" panose="02040503050406030204" pitchFamily="18" charset="0"/>
+                                </a:rPr>
+                              </m:ctrlPr>
+                            </m:sSubPr>
+                            <m:e>
+                              <m:r>
+                                <a:rPr lang="en-US" altLang="zh-CN" sz="2400" b="0" i="1" smtClean="0">
+                                  <a:latin typeface="Cambria Math" panose="02040503050406030204" pitchFamily="18" charset="0"/>
+                                </a:rPr>
+                                <m:t>𝑐</m:t>
+                              </m:r>
+                            </m:e>
+                            <m:sub>
+                              <m:r>
+                                <a:rPr lang="en-US" altLang="zh-CN" sz="2400" b="0" i="1" smtClean="0">
+                                  <a:latin typeface="Cambria Math" panose="02040503050406030204" pitchFamily="18" charset="0"/>
+                                </a:rPr>
+                                <m:t>𝑖</m:t>
+                              </m:r>
+                              <m:r>
+                                <a:rPr lang="en-US" altLang="zh-CN" sz="2400" b="0" i="1" smtClean="0">
+                                  <a:latin typeface="Cambria Math" panose="02040503050406030204" pitchFamily="18" charset="0"/>
+                                </a:rPr>
+                                <m:t>−1</m:t>
+                              </m:r>
+                            </m:sub>
+                          </m:sSub>
+                          <m:r>
+                            <a:rPr lang="en-US" altLang="zh-CN" sz="2400" b="0" i="1" smtClean="0">
+                              <a:latin typeface="Cambria Math" panose="02040503050406030204" pitchFamily="18" charset="0"/>
+                            </a:rPr>
+                            <m:t>=</m:t>
+                          </m:r>
+                          <m:r>
+                            <a:rPr lang="en-US" altLang="zh-CN" sz="2400" b="0" i="1" smtClean="0">
+                              <a:latin typeface="Cambria Math" panose="02040503050406030204" pitchFamily="18" charset="0"/>
+                            </a:rPr>
+                            <m:t>𝑣</m:t>
+                          </m:r>
+                        </m:e>
+                      </m:d>
+                      <m:r>
+                        <a:rPr lang="zh-CN" altLang="en-US" sz="2400" i="0">
+                          <a:latin typeface="Cambria Math" panose="02040503050406030204" pitchFamily="18" charset="0"/>
+                        </a:rPr>
+                        <m:t>=</m:t>
+                      </m:r>
+                      <m:d>
+                        <m:dPr>
+                          <m:begChr m:val="{"/>
+                          <m:endChr m:val=""/>
+                          <m:ctrlPr>
+                            <a:rPr lang="zh-CN" altLang="en-US" sz="2400" i="1">
+                              <a:latin typeface="Cambria Math" panose="02040503050406030204" pitchFamily="18" charset="0"/>
+                            </a:rPr>
+                          </m:ctrlPr>
+                        </m:dPr>
+                        <m:e>
+                          <m:m>
+                            <m:mPr>
+                              <m:plcHide m:val="on"/>
+                              <m:mcs>
+                                <m:mc>
+                                  <m:mcPr>
+                                    <m:count m:val="1"/>
+                                    <m:mcJc m:val="center"/>
+                                  </m:mcPr>
+                                </m:mc>
+                              </m:mcs>
+                              <m:ctrlPr>
+                                <a:rPr lang="zh-CN" altLang="en-US" sz="2400" i="1">
+                                  <a:latin typeface="Cambria Math" panose="02040503050406030204" pitchFamily="18" charset="0"/>
+                                </a:rPr>
+                              </m:ctrlPr>
+                            </m:mPr>
+                            <m:mr>
+                              <m:e>
+                                <m:f>
+                                  <m:fPr>
+                                    <m:ctrlPr>
+                                      <a:rPr lang="zh-CN" altLang="en-US" sz="2400" i="1" smtClean="0">
+                                        <a:latin typeface="Cambria Math" panose="02040503050406030204" pitchFamily="18" charset="0"/>
+                                      </a:rPr>
+                                    </m:ctrlPr>
+                                  </m:fPr>
+                                  <m:num>
+                                    <m:sSub>
+                                      <m:sSubPr>
+                                        <m:ctrlPr>
+                                          <a:rPr lang="en-US" altLang="zh-CN" sz="2400" b="0" i="1" smtClean="0">
+                                            <a:latin typeface="Cambria Math" panose="02040503050406030204" pitchFamily="18" charset="0"/>
+                                          </a:rPr>
+                                        </m:ctrlPr>
+                                      </m:sSubPr>
+                                      <m:e>
+                                        <m:r>
+                                          <a:rPr lang="zh-CN" altLang="en-US" sz="2400" i="1">
+                                            <a:latin typeface="Cambria Math" panose="02040503050406030204" pitchFamily="18" charset="0"/>
+                                          </a:rPr>
+                                          <m:t>𝜋</m:t>
+                                        </m:r>
+                                      </m:e>
+                                      <m:sub>
+                                        <m:r>
+                                          <a:rPr lang="en-US" altLang="zh-CN" sz="2400" b="0" i="1" smtClean="0">
+                                            <a:latin typeface="Cambria Math" panose="02040503050406030204" pitchFamily="18" charset="0"/>
+                                          </a:rPr>
+                                          <m:t>𝑣𝑥</m:t>
+                                        </m:r>
+                                      </m:sub>
+                                    </m:sSub>
+                                  </m:num>
+                                  <m:den>
+                                    <m:r>
+                                      <a:rPr lang="en-US" altLang="zh-CN" sz="2400" b="0" i="1" smtClean="0">
+                                        <a:latin typeface="Cambria Math" panose="02040503050406030204" pitchFamily="18" charset="0"/>
+                                      </a:rPr>
+                                      <m:t>𝑍</m:t>
+                                    </m:r>
+                                  </m:den>
+                                </m:f>
+                                <m:r>
+                                  <a:rPr lang="en-US" altLang="zh-CN" sz="2400" b="0" i="1" smtClean="0">
+                                    <a:latin typeface="Cambria Math" panose="02040503050406030204" pitchFamily="18" charset="0"/>
+                                  </a:rPr>
+                                  <m:t>      </m:t>
+                                </m:r>
+                                <m:r>
+                                  <m:rPr>
+                                    <m:sty m:val="p"/>
+                                  </m:rPr>
+                                  <a:rPr lang="en-US" altLang="zh-CN" sz="2400" b="0" i="0" smtClean="0">
+                                    <a:latin typeface="Cambria Math" panose="02040503050406030204" pitchFamily="18" charset="0"/>
+                                  </a:rPr>
+                                  <m:t>if</m:t>
+                                </m:r>
+                                <m:d>
+                                  <m:dPr>
+                                    <m:ctrlPr>
+                                      <a:rPr lang="en-US" altLang="zh-CN" sz="2400" b="0" i="1" smtClean="0">
+                                        <a:latin typeface="Cambria Math" panose="02040503050406030204" pitchFamily="18" charset="0"/>
+                                      </a:rPr>
+                                    </m:ctrlPr>
+                                  </m:dPr>
+                                  <m:e>
+                                    <m:r>
+                                      <a:rPr lang="en-US" altLang="zh-CN" sz="2400" b="0" i="1" smtClean="0">
+                                        <a:latin typeface="Cambria Math" panose="02040503050406030204" pitchFamily="18" charset="0"/>
+                                      </a:rPr>
+                                      <m:t>𝑣</m:t>
+                                    </m:r>
+                                    <m:r>
+                                      <a:rPr lang="en-US" altLang="zh-CN" sz="2400" b="0" i="1" smtClean="0">
+                                        <a:latin typeface="Cambria Math" panose="02040503050406030204" pitchFamily="18" charset="0"/>
+                                      </a:rPr>
+                                      <m:t>, </m:t>
+                                    </m:r>
+                                    <m:r>
+                                      <a:rPr lang="en-US" altLang="zh-CN" sz="2400" b="0" i="1" smtClean="0">
+                                        <a:latin typeface="Cambria Math" panose="02040503050406030204" pitchFamily="18" charset="0"/>
+                                      </a:rPr>
+                                      <m:t>𝑥</m:t>
+                                    </m:r>
+                                  </m:e>
+                                </m:d>
+                                <m:r>
+                                  <a:rPr lang="en-US" altLang="zh-CN" sz="2400" b="0" i="1" smtClean="0">
+                                    <a:latin typeface="Cambria Math" panose="02040503050406030204" pitchFamily="18" charset="0"/>
+                                  </a:rPr>
+                                  <m:t>∈</m:t>
+                                </m:r>
+                                <m:r>
+                                  <a:rPr lang="en-US" altLang="zh-CN" sz="2400" b="0" i="1" smtClean="0">
+                                    <a:latin typeface="Cambria Math" panose="02040503050406030204" pitchFamily="18" charset="0"/>
+                                  </a:rPr>
+                                  <m:t>𝐸</m:t>
+                                </m:r>
+                              </m:e>
+                            </m:mr>
+                            <m:mr>
+                              <m:e>
+                                <m:r>
+                                  <a:rPr lang="zh-CN" altLang="en-US" sz="2400" i="0" smtClean="0">
+                                    <a:latin typeface="Cambria Math" panose="02040503050406030204" pitchFamily="18" charset="0"/>
+                                  </a:rPr>
+                                  <m:t>0</m:t>
+                                </m:r>
+                                <m:r>
+                                  <a:rPr lang="en-US" altLang="zh-CN" sz="2400" b="0" i="0" smtClean="0">
+                                    <a:latin typeface="Cambria Math" panose="02040503050406030204" pitchFamily="18" charset="0"/>
+                                  </a:rPr>
+                                  <m:t>          </m:t>
+                                </m:r>
+                                <m:r>
+                                  <m:rPr>
+                                    <m:sty m:val="p"/>
+                                  </m:rPr>
+                                  <a:rPr lang="en-US" altLang="zh-CN" sz="2400" b="0" i="0" smtClean="0">
+                                    <a:latin typeface="Cambria Math" panose="02040503050406030204" pitchFamily="18" charset="0"/>
+                                  </a:rPr>
+                                  <m:t>otherwise</m:t>
+                                </m:r>
+                                <m:r>
+                                  <a:rPr lang="en-US" altLang="zh-CN" sz="2400" b="0" i="0" smtClean="0">
+                                    <a:latin typeface="Cambria Math" panose="02040503050406030204" pitchFamily="18" charset="0"/>
+                                  </a:rPr>
+                                  <m:t> </m:t>
+                                </m:r>
+                              </m:e>
+                            </m:mr>
+                          </m:m>
+                        </m:e>
+                      </m:d>
+                    </m:oMath>
+                  </m:oMathPara>
+                </a14:m>
+                <a:endParaRPr lang="zh-CN" altLang="en-US" sz="2400" dirty="0"/>
+              </a:p>
+            </p:txBody>
+          </p:sp>
+        </mc:Choice>
+        <mc:Fallback>
+          <p:sp>
+            <p:nvSpPr>
+              <p:cNvPr id="6" name="文本框 5">
+                <a:extLst>
+                  <a:ext uri="{FF2B5EF4-FFF2-40B4-BE49-F238E27FC236}">
+                    <a16:creationId xmlns:a16="http://schemas.microsoft.com/office/drawing/2014/main" id="{EAAE5BD2-B7D7-40F9-A7AD-99C803565DEA}"/>
+                  </a:ext>
+                </a:extLst>
+              </p:cNvPr>
+              <p:cNvSpPr txBox="1">
+                <a:spLocks noRot="1" noChangeAspect="1" noMove="1" noResize="1" noEditPoints="1" noAdjustHandles="1" noChangeArrowheads="1" noChangeShapeType="1" noTextEdit="1"/>
+              </p:cNvSpPr>
+              <p:nvPr/>
+            </p:nvSpPr>
+            <p:spPr>
+              <a:xfrm>
+                <a:off x="2522857" y="1953638"/>
+                <a:ext cx="5453137" cy="1179105"/>
+              </a:xfrm>
+              <a:prstGeom prst="rect">
+                <a:avLst/>
+              </a:prstGeom>
+              <a:blipFill>
+                <a:blip r:embed="rId5"/>
+                <a:stretch>
+                  <a:fillRect/>
+                </a:stretch>
+              </a:blipFill>
+            </p:spPr>
+            <p:txBody>
+              <a:bodyPr/>
+              <a:lstStyle/>
+              <a:p>
+                <a:r>
+                  <a:rPr lang="zh-CN" altLang="en-US">
+                    <a:noFill/>
+                  </a:rPr>
+                  <a:t> </a:t>
+                </a:r>
+              </a:p>
+            </p:txBody>
+          </p:sp>
+        </mc:Fallback>
+      </mc:AlternateContent>
+      <mc:AlternateContent xmlns:mc="http://schemas.openxmlformats.org/markup-compatibility/2006">
+        <mc:Choice xmlns:a14="http://schemas.microsoft.com/office/drawing/2010/main" Requires="a14">
+          <p:sp>
+            <p:nvSpPr>
+              <p:cNvPr id="7" name="矩形 6">
+                <a:extLst>
+                  <a:ext uri="{FF2B5EF4-FFF2-40B4-BE49-F238E27FC236}">
+                    <a16:creationId xmlns:a16="http://schemas.microsoft.com/office/drawing/2014/main" id="{2CC8AAC4-81AC-4436-A069-F13263E89364}"/>
+                  </a:ext>
+                </a:extLst>
+              </p:cNvPr>
+              <p:cNvSpPr/>
+              <p:nvPr/>
+            </p:nvSpPr>
+            <p:spPr>
+              <a:xfrm>
+                <a:off x="547287" y="3310815"/>
+                <a:ext cx="9099479" cy="830997"/>
+              </a:xfrm>
+              <a:prstGeom prst="rect">
+                <a:avLst/>
+              </a:prstGeom>
+            </p:spPr>
+            <p:txBody>
+              <a:bodyPr wrap="none">
+                <a:spAutoFit/>
+              </a:bodyPr>
+              <a:lstStyle/>
+              <a:p>
+                <a14:m>
+                  <m:oMath xmlns:m="http://schemas.openxmlformats.org/officeDocument/2006/math">
+                    <m:sSub>
+                      <m:sSubPr>
+                        <m:ctrlPr>
+                          <a:rPr lang="en-US" altLang="zh-CN" sz="2400" i="1" smtClean="0">
+                            <a:latin typeface="Cambria Math" panose="02040503050406030204" pitchFamily="18" charset="0"/>
+                          </a:rPr>
+                        </m:ctrlPr>
+                      </m:sSubPr>
+                      <m:e>
+                        <m:r>
+                          <a:rPr lang="zh-CN" altLang="en-US" sz="2400" i="1">
+                            <a:latin typeface="Cambria Math" panose="02040503050406030204" pitchFamily="18" charset="0"/>
+                          </a:rPr>
+                          <m:t>𝜋</m:t>
+                        </m:r>
+                      </m:e>
+                      <m:sub>
+                        <m:r>
+                          <a:rPr lang="en-US" altLang="zh-CN" sz="2400" i="1">
+                            <a:latin typeface="Cambria Math" panose="02040503050406030204" pitchFamily="18" charset="0"/>
+                          </a:rPr>
+                          <m:t>𝑣𝑥</m:t>
+                        </m:r>
+                      </m:sub>
+                    </m:sSub>
+                  </m:oMath>
+                </a14:m>
+                <a:r>
+                  <a:rPr lang="zh-CN" altLang="en-US" sz="2400" dirty="0"/>
+                  <a:t> </a:t>
+                </a:r>
+                <a:r>
+                  <a:rPr lang="en-US" altLang="zh-CN" sz="2400" dirty="0"/>
+                  <a:t>is the </a:t>
+                </a:r>
+                <a:r>
+                  <a:rPr lang="en-US" altLang="zh-CN" sz="2400" b="1" dirty="0"/>
+                  <a:t>unnormalized transition probability</a:t>
+                </a:r>
+                <a:r>
+                  <a:rPr lang="en-US" altLang="zh-CN" sz="2400" dirty="0"/>
+                  <a:t> between nodes </a:t>
+                </a:r>
+                <a14:m>
+                  <m:oMath xmlns:m="http://schemas.openxmlformats.org/officeDocument/2006/math">
+                    <m:r>
+                      <a:rPr lang="en-US" altLang="zh-CN" sz="2400" i="1">
+                        <a:latin typeface="Cambria Math" panose="02040503050406030204" pitchFamily="18" charset="0"/>
+                      </a:rPr>
+                      <m:t>𝑣</m:t>
+                    </m:r>
+                  </m:oMath>
+                </a14:m>
+                <a:r>
+                  <a:rPr lang="en-US" altLang="zh-CN" sz="2400" dirty="0"/>
+                  <a:t> and </a:t>
+                </a:r>
+                <a14:m>
+                  <m:oMath xmlns:m="http://schemas.openxmlformats.org/officeDocument/2006/math">
+                    <m:r>
+                      <a:rPr lang="en-US" altLang="zh-CN" sz="2400" i="1">
+                        <a:latin typeface="Cambria Math" panose="02040503050406030204" pitchFamily="18" charset="0"/>
+                      </a:rPr>
+                      <m:t>𝑥</m:t>
+                    </m:r>
+                  </m:oMath>
+                </a14:m>
+                <a:r>
+                  <a:rPr lang="en-US" altLang="zh-CN" sz="2400" dirty="0"/>
+                  <a:t>.</a:t>
+                </a:r>
+              </a:p>
+              <a:p>
+                <a14:m>
+                  <m:oMath xmlns:m="http://schemas.openxmlformats.org/officeDocument/2006/math">
+                    <m:r>
+                      <a:rPr lang="en-US" altLang="zh-CN" sz="2400" b="0" i="1" smtClean="0">
+                        <a:latin typeface="Cambria Math" panose="02040503050406030204" pitchFamily="18" charset="0"/>
+                      </a:rPr>
+                      <m:t>𝑍</m:t>
+                    </m:r>
+                  </m:oMath>
+                </a14:m>
+                <a:r>
+                  <a:rPr lang="zh-CN" altLang="en-US" sz="2400" dirty="0"/>
+                  <a:t> </a:t>
+                </a:r>
+                <a:r>
+                  <a:rPr lang="en-US" altLang="zh-CN" sz="2400" dirty="0"/>
+                  <a:t>is the </a:t>
+                </a:r>
+                <a:r>
+                  <a:rPr lang="en-US" altLang="zh-CN" sz="2400" b="1" dirty="0"/>
+                  <a:t>normalizing constant</a:t>
+                </a:r>
+                <a:r>
+                  <a:rPr lang="en-US" altLang="zh-CN" sz="2400" dirty="0"/>
+                  <a:t>.</a:t>
+                </a:r>
+                <a:endParaRPr lang="zh-CN" altLang="en-US" sz="2400" dirty="0"/>
+              </a:p>
+            </p:txBody>
+          </p:sp>
+        </mc:Choice>
+        <mc:Fallback>
+          <p:sp>
+            <p:nvSpPr>
+              <p:cNvPr id="7" name="矩形 6">
+                <a:extLst>
+                  <a:ext uri="{FF2B5EF4-FFF2-40B4-BE49-F238E27FC236}">
+                    <a16:creationId xmlns:a16="http://schemas.microsoft.com/office/drawing/2014/main" id="{2CC8AAC4-81AC-4436-A069-F13263E89364}"/>
+                  </a:ext>
+                </a:extLst>
+              </p:cNvPr>
+              <p:cNvSpPr>
+                <a:spLocks noRot="1" noChangeAspect="1" noMove="1" noResize="1" noEditPoints="1" noAdjustHandles="1" noChangeArrowheads="1" noChangeShapeType="1" noTextEdit="1"/>
+              </p:cNvSpPr>
+              <p:nvPr/>
+            </p:nvSpPr>
+            <p:spPr>
+              <a:xfrm>
+                <a:off x="547287" y="3310815"/>
+                <a:ext cx="9099479" cy="830997"/>
+              </a:xfrm>
+              <a:prstGeom prst="rect">
+                <a:avLst/>
+              </a:prstGeom>
+              <a:blipFill>
+                <a:blip r:embed="rId6"/>
+                <a:stretch>
+                  <a:fillRect l="-201" t="-5882" r="-134" b="-16176"/>
+                </a:stretch>
+              </a:blipFill>
+            </p:spPr>
+            <p:txBody>
+              <a:bodyPr/>
+              <a:lstStyle/>
+              <a:p>
+                <a:r>
+                  <a:rPr lang="zh-CN" altLang="en-US">
+                    <a:noFill/>
+                  </a:rPr>
+                  <a:t> </a:t>
+                </a:r>
+              </a:p>
+            </p:txBody>
+          </p:sp>
+        </mc:Fallback>
+      </mc:AlternateContent>
+      <mc:AlternateContent xmlns:mc="http://schemas.openxmlformats.org/markup-compatibility/2006">
+        <mc:Choice xmlns:a14="http://schemas.microsoft.com/office/drawing/2010/main" Requires="a14">
+          <p:sp>
+            <p:nvSpPr>
+              <p:cNvPr id="8" name="矩形 7">
+                <a:extLst>
+                  <a:ext uri="{FF2B5EF4-FFF2-40B4-BE49-F238E27FC236}">
+                    <a16:creationId xmlns:a16="http://schemas.microsoft.com/office/drawing/2014/main" id="{5C0C9125-B26C-4607-8944-F64D482CE688}"/>
+                  </a:ext>
+                </a:extLst>
+              </p:cNvPr>
+              <p:cNvSpPr/>
+              <p:nvPr/>
+            </p:nvSpPr>
+            <p:spPr>
+              <a:xfrm>
+                <a:off x="547287" y="1127028"/>
+                <a:ext cx="10533089" cy="830997"/>
+              </a:xfrm>
+              <a:prstGeom prst="rect">
+                <a:avLst/>
+              </a:prstGeom>
+            </p:spPr>
+            <p:txBody>
+              <a:bodyPr wrap="square">
+                <a:spAutoFit/>
+              </a:bodyPr>
+              <a:lstStyle/>
+              <a:p>
+                <a14:m>
+                  <m:oMath xmlns:m="http://schemas.openxmlformats.org/officeDocument/2006/math">
+                    <m:r>
+                      <a:rPr lang="en-US" altLang="zh-CN" sz="2400" b="0" i="1" dirty="0" smtClean="0">
+                        <a:latin typeface="Cambria Math" panose="02040503050406030204" pitchFamily="18" charset="0"/>
+                        <a:cs typeface="Times New Roman" panose="02020603050405020304" pitchFamily="18" charset="0"/>
+                      </a:rPr>
+                      <m:t>[</m:t>
+                    </m:r>
+                    <m:sSub>
+                      <m:sSubPr>
+                        <m:ctrlPr>
+                          <a:rPr lang="en-US" altLang="zh-CN" sz="2400" b="0" i="1" dirty="0" smtClean="0">
+                            <a:latin typeface="Cambria Math" panose="02040503050406030204" pitchFamily="18" charset="0"/>
+                            <a:cs typeface="Times New Roman" panose="02020603050405020304" pitchFamily="18" charset="0"/>
+                          </a:rPr>
+                        </m:ctrlPr>
+                      </m:sSubPr>
+                      <m:e>
+                        <m:r>
+                          <a:rPr lang="en-US" altLang="zh-CN" sz="2400" b="0" i="1" dirty="0" smtClean="0">
+                            <a:latin typeface="Cambria Math" panose="02040503050406030204" pitchFamily="18" charset="0"/>
+                            <a:cs typeface="Times New Roman" panose="02020603050405020304" pitchFamily="18" charset="0"/>
+                          </a:rPr>
+                          <m:t>𝑐</m:t>
+                        </m:r>
+                      </m:e>
+                      <m:sub>
+                        <m:r>
+                          <a:rPr lang="en-US" altLang="zh-CN" sz="2400" b="0" i="1" dirty="0" smtClean="0">
+                            <a:latin typeface="Cambria Math" panose="02040503050406030204" pitchFamily="18" charset="0"/>
+                            <a:cs typeface="Times New Roman" panose="02020603050405020304" pitchFamily="18" charset="0"/>
+                          </a:rPr>
+                          <m:t>0</m:t>
+                        </m:r>
+                      </m:sub>
+                    </m:sSub>
+                    <m:r>
+                      <a:rPr lang="en-US" altLang="zh-CN" sz="2400" b="0" i="1" dirty="0" smtClean="0">
+                        <a:latin typeface="Cambria Math" panose="02040503050406030204" pitchFamily="18" charset="0"/>
+                        <a:cs typeface="Times New Roman" panose="02020603050405020304" pitchFamily="18" charset="0"/>
+                      </a:rPr>
+                      <m:t>,</m:t>
+                    </m:r>
+                    <m:sSub>
+                      <m:sSubPr>
+                        <m:ctrlPr>
+                          <a:rPr lang="en-US" altLang="zh-CN" sz="2400" b="0" i="1" dirty="0" smtClean="0">
+                            <a:latin typeface="Cambria Math" panose="02040503050406030204" pitchFamily="18" charset="0"/>
+                            <a:cs typeface="Times New Roman" panose="02020603050405020304" pitchFamily="18" charset="0"/>
+                          </a:rPr>
+                        </m:ctrlPr>
+                      </m:sSubPr>
+                      <m:e>
+                        <m:r>
+                          <a:rPr lang="en-US" altLang="zh-CN" sz="2400" b="0" i="1" dirty="0" smtClean="0">
+                            <a:latin typeface="Cambria Math" panose="02040503050406030204" pitchFamily="18" charset="0"/>
+                            <a:cs typeface="Times New Roman" panose="02020603050405020304" pitchFamily="18" charset="0"/>
+                          </a:rPr>
+                          <m:t>𝑐</m:t>
+                        </m:r>
+                      </m:e>
+                      <m:sub>
+                        <m:r>
+                          <a:rPr lang="en-US" altLang="zh-CN" sz="2400" b="0" i="1" dirty="0" smtClean="0">
+                            <a:latin typeface="Cambria Math" panose="02040503050406030204" pitchFamily="18" charset="0"/>
+                            <a:cs typeface="Times New Roman" panose="02020603050405020304" pitchFamily="18" charset="0"/>
+                          </a:rPr>
+                          <m:t>1</m:t>
+                        </m:r>
+                      </m:sub>
+                    </m:sSub>
+                    <m:r>
+                      <a:rPr lang="en-US" altLang="zh-CN" sz="2400" b="0" i="1" dirty="0" smtClean="0">
+                        <a:latin typeface="Cambria Math" panose="02040503050406030204" pitchFamily="18" charset="0"/>
+                        <a:cs typeface="Times New Roman" panose="02020603050405020304" pitchFamily="18" charset="0"/>
+                      </a:rPr>
+                      <m:t>,</m:t>
+                    </m:r>
+                    <m:r>
+                      <a:rPr lang="en-US" altLang="zh-CN" sz="2400" i="1" dirty="0">
+                        <a:latin typeface="Cambria Math" panose="02040503050406030204" pitchFamily="18" charset="0"/>
+                        <a:cs typeface="Times New Roman" panose="02020603050405020304" pitchFamily="18" charset="0"/>
+                      </a:rPr>
+                      <m:t>·</m:t>
+                    </m:r>
+                    <m:r>
+                      <a:rPr lang="en-US" altLang="zh-CN" sz="2400" i="1" dirty="0" smtClean="0">
+                        <a:latin typeface="Cambria Math" panose="02040503050406030204" pitchFamily="18" charset="0"/>
+                        <a:cs typeface="Times New Roman" panose="02020603050405020304" pitchFamily="18" charset="0"/>
+                      </a:rPr>
+                      <m:t>·</m:t>
+                    </m:r>
+                    <m:r>
+                      <a:rPr lang="en-US" altLang="zh-CN" sz="2400" i="1" dirty="0">
+                        <a:latin typeface="Cambria Math" panose="02040503050406030204" pitchFamily="18" charset="0"/>
+                        <a:cs typeface="Times New Roman" panose="02020603050405020304" pitchFamily="18" charset="0"/>
+                      </a:rPr>
+                      <m:t>·</m:t>
+                    </m:r>
+                    <m:r>
+                      <a:rPr lang="en-US" altLang="zh-CN" sz="2400" b="0" i="1" dirty="0" smtClean="0">
+                        <a:latin typeface="Cambria Math" panose="02040503050406030204" pitchFamily="18" charset="0"/>
+                        <a:cs typeface="Times New Roman" panose="02020603050405020304" pitchFamily="18" charset="0"/>
+                      </a:rPr>
+                      <m:t>,</m:t>
+                    </m:r>
+                    <m:sSub>
+                      <m:sSubPr>
+                        <m:ctrlPr>
+                          <a:rPr lang="en-US" altLang="zh-CN" sz="2400" b="0" i="1" dirty="0" smtClean="0">
+                            <a:latin typeface="Cambria Math" panose="02040503050406030204" pitchFamily="18" charset="0"/>
+                            <a:cs typeface="Times New Roman" panose="02020603050405020304" pitchFamily="18" charset="0"/>
+                          </a:rPr>
+                        </m:ctrlPr>
+                      </m:sSubPr>
+                      <m:e>
+                        <m:r>
+                          <a:rPr lang="en-US" altLang="zh-CN" sz="2400" b="0" i="1" dirty="0" smtClean="0">
+                            <a:latin typeface="Cambria Math" panose="02040503050406030204" pitchFamily="18" charset="0"/>
+                            <a:cs typeface="Times New Roman" panose="02020603050405020304" pitchFamily="18" charset="0"/>
+                          </a:rPr>
+                          <m:t>𝑐</m:t>
+                        </m:r>
+                      </m:e>
+                      <m:sub>
+                        <m:r>
+                          <a:rPr lang="en-US" altLang="zh-CN" sz="2400" b="0" i="1" dirty="0" smtClean="0">
+                            <a:latin typeface="Cambria Math" panose="02040503050406030204" pitchFamily="18" charset="0"/>
+                            <a:cs typeface="Times New Roman" panose="02020603050405020304" pitchFamily="18" charset="0"/>
+                          </a:rPr>
+                          <m:t>𝑙</m:t>
+                        </m:r>
+                      </m:sub>
+                    </m:sSub>
+                    <m:r>
+                      <a:rPr lang="en-US" altLang="zh-CN" sz="2400" b="0" i="1" dirty="0" smtClean="0">
+                        <a:latin typeface="Cambria Math" panose="02040503050406030204" pitchFamily="18" charset="0"/>
+                        <a:cs typeface="Times New Roman" panose="02020603050405020304" pitchFamily="18" charset="0"/>
+                      </a:rPr>
+                      <m:t>]</m:t>
+                    </m:r>
+                  </m:oMath>
+                </a14:m>
+                <a:r>
+                  <a:rPr lang="en-US" altLang="zh-CN" sz="2400" dirty="0"/>
+                  <a:t> : a random walk of fixed length </a:t>
+                </a:r>
+                <a14:m>
+                  <m:oMath xmlns:m="http://schemas.openxmlformats.org/officeDocument/2006/math">
+                    <m:r>
+                      <a:rPr lang="en-US" altLang="zh-CN" sz="2400" b="0" i="1" smtClean="0">
+                        <a:latin typeface="Cambria Math" panose="02040503050406030204" pitchFamily="18" charset="0"/>
+                      </a:rPr>
+                      <m:t>𝑙</m:t>
+                    </m:r>
+                  </m:oMath>
+                </a14:m>
+                <a:r>
+                  <a:rPr lang="en-US" altLang="zh-CN" sz="2400" b="0" dirty="0"/>
+                  <a:t> from source n</a:t>
+                </a:r>
+                <a:r>
+                  <a:rPr lang="en-US" altLang="zh-CN" sz="2400" dirty="0"/>
+                  <a:t>ode </a:t>
+                </a:r>
+                <a14:m>
+                  <m:oMath xmlns:m="http://schemas.openxmlformats.org/officeDocument/2006/math">
+                    <m:r>
+                      <a:rPr lang="en-US" altLang="zh-CN" sz="2400" i="1" dirty="0">
+                        <a:latin typeface="Cambria Math" panose="02040503050406030204" pitchFamily="18" charset="0"/>
+                        <a:cs typeface="Times New Roman" panose="02020603050405020304" pitchFamily="18" charset="0"/>
+                      </a:rPr>
+                      <m:t>𝑢</m:t>
+                    </m:r>
+                  </m:oMath>
+                </a14:m>
+                <a:r>
+                  <a:rPr lang="en-US" altLang="zh-CN" sz="2400" dirty="0"/>
+                  <a:t>. </a:t>
+                </a:r>
+                <a14:m>
+                  <m:oMath xmlns:m="http://schemas.openxmlformats.org/officeDocument/2006/math">
+                    <m:sSub>
+                      <m:sSubPr>
+                        <m:ctrlPr>
+                          <a:rPr lang="en-US" altLang="zh-CN" sz="2400" i="1" dirty="0">
+                            <a:latin typeface="Cambria Math" panose="02040503050406030204" pitchFamily="18" charset="0"/>
+                            <a:cs typeface="Times New Roman" panose="02020603050405020304" pitchFamily="18" charset="0"/>
+                          </a:rPr>
+                        </m:ctrlPr>
+                      </m:sSubPr>
+                      <m:e>
+                        <m:r>
+                          <a:rPr lang="en-US" altLang="zh-CN" sz="2400" i="1" dirty="0">
+                            <a:latin typeface="Cambria Math" panose="02040503050406030204" pitchFamily="18" charset="0"/>
+                            <a:cs typeface="Times New Roman" panose="02020603050405020304" pitchFamily="18" charset="0"/>
+                          </a:rPr>
+                          <m:t>𝑐</m:t>
+                        </m:r>
+                      </m:e>
+                      <m:sub>
+                        <m:r>
+                          <a:rPr lang="en-US" altLang="zh-CN" sz="2400" b="0" i="1" dirty="0" smtClean="0">
+                            <a:latin typeface="Cambria Math" panose="02040503050406030204" pitchFamily="18" charset="0"/>
+                            <a:cs typeface="Times New Roman" panose="02020603050405020304" pitchFamily="18" charset="0"/>
+                          </a:rPr>
+                          <m:t>𝑖</m:t>
+                        </m:r>
+                      </m:sub>
+                    </m:sSub>
+                  </m:oMath>
+                </a14:m>
+                <a:r>
+                  <a:rPr lang="zh-CN" altLang="en-US" sz="2400" dirty="0"/>
+                  <a:t> </a:t>
+                </a:r>
+                <a:r>
+                  <a:rPr lang="en-US" altLang="zh-CN" sz="2400" dirty="0"/>
+                  <a:t>denote the </a:t>
+                </a:r>
+                <a14:m>
+                  <m:oMath xmlns:m="http://schemas.openxmlformats.org/officeDocument/2006/math">
+                    <m:r>
+                      <a:rPr lang="en-US" altLang="zh-CN" sz="2400" b="0" i="1" dirty="0" smtClean="0">
+                        <a:latin typeface="Cambria Math" panose="02040503050406030204" pitchFamily="18" charset="0"/>
+                        <a:cs typeface="Times New Roman" panose="02020603050405020304" pitchFamily="18" charset="0"/>
+                      </a:rPr>
+                      <m:t>𝑖</m:t>
+                    </m:r>
+                    <m:r>
+                      <m:rPr>
+                        <m:sty m:val="p"/>
+                      </m:rPr>
+                      <a:rPr lang="en-US" altLang="zh-CN" sz="2400" b="0" i="0" dirty="0" smtClean="0">
+                        <a:latin typeface="Cambria Math" panose="02040503050406030204" pitchFamily="18" charset="0"/>
+                        <a:cs typeface="Times New Roman" panose="02020603050405020304" pitchFamily="18" charset="0"/>
+                      </a:rPr>
+                      <m:t>th</m:t>
+                    </m:r>
+                  </m:oMath>
+                </a14:m>
+                <a:r>
+                  <a:rPr lang="en-US" altLang="zh-CN" sz="2400" dirty="0"/>
+                  <a:t> node in the walk, </a:t>
+                </a:r>
+                <a14:m>
+                  <m:oMath xmlns:m="http://schemas.openxmlformats.org/officeDocument/2006/math">
+                    <m:sSub>
+                      <m:sSubPr>
+                        <m:ctrlPr>
+                          <a:rPr lang="en-US" altLang="zh-CN" sz="2400" i="1" dirty="0">
+                            <a:latin typeface="Cambria Math" panose="02040503050406030204" pitchFamily="18" charset="0"/>
+                            <a:cs typeface="Times New Roman" panose="02020603050405020304" pitchFamily="18" charset="0"/>
+                          </a:rPr>
+                        </m:ctrlPr>
+                      </m:sSubPr>
+                      <m:e>
+                        <m:r>
+                          <a:rPr lang="en-US" altLang="zh-CN" sz="2400" i="1" dirty="0">
+                            <a:latin typeface="Cambria Math" panose="02040503050406030204" pitchFamily="18" charset="0"/>
+                            <a:cs typeface="Times New Roman" panose="02020603050405020304" pitchFamily="18" charset="0"/>
+                          </a:rPr>
+                          <m:t>𝑐</m:t>
+                        </m:r>
+                      </m:e>
+                      <m:sub>
+                        <m:r>
+                          <a:rPr lang="en-US" altLang="zh-CN" sz="2400" i="1" dirty="0">
+                            <a:latin typeface="Cambria Math" panose="02040503050406030204" pitchFamily="18" charset="0"/>
+                            <a:cs typeface="Times New Roman" panose="02020603050405020304" pitchFamily="18" charset="0"/>
+                          </a:rPr>
+                          <m:t>0</m:t>
+                        </m:r>
+                      </m:sub>
+                    </m:sSub>
+                    <m:r>
+                      <a:rPr lang="en-US" altLang="zh-CN" sz="2400" b="0" i="1" dirty="0" smtClean="0">
+                        <a:latin typeface="Cambria Math" panose="02040503050406030204" pitchFamily="18" charset="0"/>
+                        <a:cs typeface="Times New Roman" panose="02020603050405020304" pitchFamily="18" charset="0"/>
+                      </a:rPr>
+                      <m:t>=</m:t>
+                    </m:r>
+                    <m:r>
+                      <a:rPr lang="en-US" altLang="zh-CN" sz="2400" b="0" i="1" dirty="0" smtClean="0">
+                        <a:latin typeface="Cambria Math" panose="02040503050406030204" pitchFamily="18" charset="0"/>
+                        <a:cs typeface="Times New Roman" panose="02020603050405020304" pitchFamily="18" charset="0"/>
+                      </a:rPr>
+                      <m:t>𝑢</m:t>
+                    </m:r>
+                    <m:r>
+                      <a:rPr lang="en-US" altLang="zh-CN" sz="2400" b="0" i="1" dirty="0" smtClean="0">
+                        <a:latin typeface="Cambria Math" panose="02040503050406030204" pitchFamily="18" charset="0"/>
+                        <a:cs typeface="Times New Roman" panose="02020603050405020304" pitchFamily="18" charset="0"/>
+                      </a:rPr>
+                      <m:t>.</m:t>
+                    </m:r>
+                  </m:oMath>
+                </a14:m>
+                <a:r>
+                  <a:rPr lang="en-US" altLang="zh-CN" sz="2400" dirty="0"/>
+                  <a:t> </a:t>
+                </a:r>
+                <a:endParaRPr lang="zh-CN" altLang="en-US" sz="2400" dirty="0"/>
+              </a:p>
+            </p:txBody>
+          </p:sp>
+        </mc:Choice>
+        <mc:Fallback>
+          <p:sp>
+            <p:nvSpPr>
+              <p:cNvPr id="8" name="矩形 7">
+                <a:extLst>
+                  <a:ext uri="{FF2B5EF4-FFF2-40B4-BE49-F238E27FC236}">
+                    <a16:creationId xmlns:a16="http://schemas.microsoft.com/office/drawing/2014/main" id="{5C0C9125-B26C-4607-8944-F64D482CE688}"/>
+                  </a:ext>
+                </a:extLst>
+              </p:cNvPr>
+              <p:cNvSpPr>
+                <a:spLocks noRot="1" noChangeAspect="1" noMove="1" noResize="1" noEditPoints="1" noAdjustHandles="1" noChangeArrowheads="1" noChangeShapeType="1" noTextEdit="1"/>
+              </p:cNvSpPr>
+              <p:nvPr/>
+            </p:nvSpPr>
+            <p:spPr>
+              <a:xfrm>
+                <a:off x="547287" y="1127028"/>
+                <a:ext cx="10533089" cy="830997"/>
+              </a:xfrm>
+              <a:prstGeom prst="rect">
+                <a:avLst/>
+              </a:prstGeom>
+              <a:blipFill>
+                <a:blip r:embed="rId7"/>
+                <a:stretch>
+                  <a:fillRect l="-926" t="-5882" r="-116" b="-16176"/>
+                </a:stretch>
+              </a:blipFill>
+            </p:spPr>
+            <p:txBody>
+              <a:bodyPr/>
+              <a:lstStyle/>
+              <a:p>
+                <a:r>
+                  <a:rPr lang="zh-CN" altLang="en-US">
+                    <a:noFill/>
+                  </a:rPr>
+                  <a:t> </a:t>
+                </a:r>
+              </a:p>
+            </p:txBody>
+          </p:sp>
+        </mc:Fallback>
+      </mc:AlternateContent>
+      <mc:AlternateContent xmlns:mc="http://schemas.openxmlformats.org/markup-compatibility/2006">
+        <mc:Choice xmlns:a14="http://schemas.microsoft.com/office/drawing/2010/main" Requires="a14">
+          <p:sp>
+            <p:nvSpPr>
+              <p:cNvPr id="11" name="矩形 10">
+                <a:extLst>
+                  <a:ext uri="{FF2B5EF4-FFF2-40B4-BE49-F238E27FC236}">
+                    <a16:creationId xmlns:a16="http://schemas.microsoft.com/office/drawing/2014/main" id="{34930C4C-DBB6-4DFF-B39A-6ADCDC9D96E1}"/>
+                  </a:ext>
+                </a:extLst>
+              </p:cNvPr>
+              <p:cNvSpPr/>
+              <p:nvPr/>
+            </p:nvSpPr>
+            <p:spPr>
+              <a:xfrm>
+                <a:off x="699687" y="4675566"/>
+                <a:ext cx="6056017" cy="830997"/>
+              </a:xfrm>
+              <a:prstGeom prst="rect">
+                <a:avLst/>
+              </a:prstGeom>
+            </p:spPr>
+            <p:txBody>
+              <a:bodyPr wrap="none">
+                <a:spAutoFit/>
+              </a:bodyPr>
+              <a:lstStyle/>
+              <a:p>
+                <a:r>
+                  <a:rPr lang="en-US" altLang="zh-CN" sz="2400" dirty="0">
+                    <a:solidFill>
+                      <a:prstClr val="black"/>
+                    </a:solidFill>
+                  </a:rPr>
+                  <a:t>Consider a random walk traversed edge </a:t>
+                </a:r>
+                <a14:m>
+                  <m:oMath xmlns:m="http://schemas.openxmlformats.org/officeDocument/2006/math">
+                    <m:r>
+                      <a:rPr lang="en-US" altLang="zh-CN" sz="2400" b="0" i="0" smtClean="0">
+                        <a:solidFill>
+                          <a:prstClr val="black"/>
+                        </a:solidFill>
+                        <a:latin typeface="Cambria Math" panose="02040503050406030204" pitchFamily="18" charset="0"/>
+                        <a:cs typeface="Times New Roman" panose="02020603050405020304" pitchFamily="18" charset="0"/>
+                      </a:rPr>
+                      <m:t>(</m:t>
+                    </m:r>
+                    <m:r>
+                      <a:rPr lang="en-US" altLang="zh-CN" sz="2400" b="0" i="1" smtClean="0">
+                        <a:solidFill>
+                          <a:prstClr val="black"/>
+                        </a:solidFill>
+                        <a:latin typeface="Cambria Math" panose="02040503050406030204" pitchFamily="18" charset="0"/>
+                        <a:cs typeface="Times New Roman" panose="02020603050405020304" pitchFamily="18" charset="0"/>
+                      </a:rPr>
+                      <m:t>𝑡</m:t>
+                    </m:r>
+                    <m:r>
+                      <a:rPr lang="en-US" altLang="zh-CN" sz="2400" b="0" i="0" smtClean="0">
+                        <a:solidFill>
+                          <a:prstClr val="black"/>
+                        </a:solidFill>
+                        <a:latin typeface="Cambria Math" panose="02040503050406030204" pitchFamily="18" charset="0"/>
+                        <a:cs typeface="Times New Roman" panose="02020603050405020304" pitchFamily="18" charset="0"/>
+                      </a:rPr>
+                      <m:t>,</m:t>
+                    </m:r>
+                    <m:r>
+                      <a:rPr lang="en-US" altLang="zh-CN" sz="2400" b="0" i="1" smtClean="0">
+                        <a:solidFill>
+                          <a:prstClr val="black"/>
+                        </a:solidFill>
+                        <a:latin typeface="Cambria Math" panose="02040503050406030204" pitchFamily="18" charset="0"/>
+                        <a:cs typeface="Times New Roman" panose="02020603050405020304" pitchFamily="18" charset="0"/>
+                      </a:rPr>
+                      <m:t>𝑣</m:t>
+                    </m:r>
+                    <m:r>
+                      <a:rPr lang="en-US" altLang="zh-CN" sz="2400" b="0" i="0" smtClean="0">
+                        <a:solidFill>
+                          <a:prstClr val="black"/>
+                        </a:solidFill>
+                        <a:latin typeface="Cambria Math" panose="02040503050406030204" pitchFamily="18" charset="0"/>
+                        <a:cs typeface="Times New Roman" panose="02020603050405020304" pitchFamily="18" charset="0"/>
+                      </a:rPr>
+                      <m:t>)</m:t>
+                    </m:r>
+                  </m:oMath>
+                </a14:m>
+                <a:r>
+                  <a:rPr lang="en-US" altLang="zh-CN" sz="2400" dirty="0">
+                    <a:solidFill>
+                      <a:prstClr val="black"/>
+                    </a:solidFill>
+                  </a:rPr>
+                  <a:t>,  </a:t>
+                </a:r>
+              </a:p>
+              <a:p>
+                <a:r>
+                  <a:rPr lang="en-US" altLang="zh-CN" sz="2400" dirty="0">
+                    <a:solidFill>
+                      <a:prstClr val="black"/>
+                    </a:solidFill>
+                  </a:rPr>
+                  <a:t>And now resides at node </a:t>
+                </a:r>
+                <a14:m>
+                  <m:oMath xmlns:m="http://schemas.openxmlformats.org/officeDocument/2006/math">
+                    <m:r>
+                      <a:rPr lang="en-US" altLang="zh-CN" sz="2400" i="1">
+                        <a:solidFill>
+                          <a:prstClr val="black"/>
+                        </a:solidFill>
+                        <a:latin typeface="Cambria Math" panose="02040503050406030204" pitchFamily="18" charset="0"/>
+                        <a:cs typeface="Times New Roman" panose="02020603050405020304" pitchFamily="18" charset="0"/>
+                      </a:rPr>
+                      <m:t>𝑣</m:t>
+                    </m:r>
+                  </m:oMath>
+                </a14:m>
+                <a:r>
+                  <a:rPr lang="en-US" altLang="zh-CN" dirty="0"/>
+                  <a:t>.</a:t>
+                </a:r>
+                <a:endParaRPr lang="zh-CN" altLang="en-US" dirty="0"/>
+              </a:p>
+            </p:txBody>
+          </p:sp>
+        </mc:Choice>
+        <mc:Fallback>
+          <p:sp>
+            <p:nvSpPr>
+              <p:cNvPr id="11" name="矩形 10">
+                <a:extLst>
+                  <a:ext uri="{FF2B5EF4-FFF2-40B4-BE49-F238E27FC236}">
+                    <a16:creationId xmlns:a16="http://schemas.microsoft.com/office/drawing/2014/main" id="{34930C4C-DBB6-4DFF-B39A-6ADCDC9D96E1}"/>
+                  </a:ext>
+                </a:extLst>
+              </p:cNvPr>
+              <p:cNvSpPr>
+                <a:spLocks noRot="1" noChangeAspect="1" noMove="1" noResize="1" noEditPoints="1" noAdjustHandles="1" noChangeArrowheads="1" noChangeShapeType="1" noTextEdit="1"/>
+              </p:cNvSpPr>
+              <p:nvPr/>
+            </p:nvSpPr>
+            <p:spPr>
+              <a:xfrm>
+                <a:off x="699687" y="4675566"/>
+                <a:ext cx="6056017" cy="830997"/>
+              </a:xfrm>
+              <a:prstGeom prst="rect">
+                <a:avLst/>
+              </a:prstGeom>
+              <a:blipFill>
+                <a:blip r:embed="rId8"/>
+                <a:stretch>
+                  <a:fillRect l="-1611" t="-5882" r="-906" b="-16176"/>
+                </a:stretch>
+              </a:blipFill>
+            </p:spPr>
+            <p:txBody>
+              <a:bodyPr/>
+              <a:lstStyle/>
+              <a:p>
+                <a:r>
+                  <a:rPr lang="zh-CN" altLang="en-US">
+                    <a:noFill/>
+                  </a:rPr>
+                  <a:t> </a:t>
+                </a:r>
+              </a:p>
+            </p:txBody>
+          </p:sp>
+        </mc:Fallback>
+      </mc:AlternateContent>
+      <mc:AlternateContent xmlns:mc="http://schemas.openxmlformats.org/markup-compatibility/2006">
+        <mc:Choice xmlns:a14="http://schemas.microsoft.com/office/drawing/2010/main" Requires="a14">
+          <p:sp>
+            <p:nvSpPr>
+              <p:cNvPr id="13" name="矩形 12">
+                <a:extLst>
+                  <a:ext uri="{FF2B5EF4-FFF2-40B4-BE49-F238E27FC236}">
+                    <a16:creationId xmlns:a16="http://schemas.microsoft.com/office/drawing/2014/main" id="{F505E676-6DC9-4E65-9F46-5084B02DE564}"/>
+                  </a:ext>
+                </a:extLst>
+              </p:cNvPr>
+              <p:cNvSpPr/>
+              <p:nvPr/>
+            </p:nvSpPr>
+            <p:spPr>
+              <a:xfrm>
+                <a:off x="1395194" y="5682986"/>
+                <a:ext cx="2975943" cy="490199"/>
+              </a:xfrm>
+              <a:prstGeom prst="rect">
+                <a:avLst/>
+              </a:prstGeom>
+            </p:spPr>
+            <p:txBody>
+              <a:bodyPr wrap="none">
+                <a:spAutoFit/>
+              </a:bodyPr>
+              <a:lstStyle/>
+              <a:p>
+                <a14:m>
+                  <m:oMathPara xmlns:m="http://schemas.openxmlformats.org/officeDocument/2006/math">
+                    <m:oMathParaPr>
+                      <m:jc m:val="centerGroup"/>
+                    </m:oMathParaPr>
+                    <m:oMath xmlns:m="http://schemas.openxmlformats.org/officeDocument/2006/math">
+                      <m:sSub>
+                        <m:sSubPr>
+                          <m:ctrlPr>
+                            <a:rPr lang="en-US" altLang="zh-CN" sz="2400" i="1" smtClean="0">
+                              <a:solidFill>
+                                <a:prstClr val="black"/>
+                              </a:solidFill>
+                              <a:latin typeface="Cambria Math" panose="02040503050406030204" pitchFamily="18" charset="0"/>
+                            </a:rPr>
+                          </m:ctrlPr>
+                        </m:sSubPr>
+                        <m:e>
+                          <m:r>
+                            <a:rPr lang="zh-CN" altLang="en-US" sz="2400" i="1">
+                              <a:solidFill>
+                                <a:prstClr val="black"/>
+                              </a:solidFill>
+                              <a:latin typeface="Cambria Math" panose="02040503050406030204" pitchFamily="18" charset="0"/>
+                            </a:rPr>
+                            <m:t>𝜋</m:t>
+                          </m:r>
+                        </m:e>
+                        <m:sub>
+                          <m:r>
+                            <a:rPr lang="en-US" altLang="zh-CN" sz="2400" i="1">
+                              <a:solidFill>
+                                <a:prstClr val="black"/>
+                              </a:solidFill>
+                              <a:latin typeface="Cambria Math" panose="02040503050406030204" pitchFamily="18" charset="0"/>
+                            </a:rPr>
+                            <m:t>𝑣𝑥</m:t>
+                          </m:r>
+                        </m:sub>
+                      </m:sSub>
+                      <m:r>
+                        <a:rPr lang="en-US" altLang="zh-CN" sz="2400" b="0" i="1" smtClean="0">
+                          <a:solidFill>
+                            <a:prstClr val="black"/>
+                          </a:solidFill>
+                          <a:latin typeface="Cambria Math" panose="02040503050406030204" pitchFamily="18" charset="0"/>
+                        </a:rPr>
+                        <m:t>=</m:t>
+                      </m:r>
+                      <m:sSub>
+                        <m:sSubPr>
+                          <m:ctrlPr>
+                            <a:rPr lang="en-US" altLang="zh-CN" sz="2400" b="0" i="1" smtClean="0">
+                              <a:solidFill>
+                                <a:prstClr val="black"/>
+                              </a:solidFill>
+                              <a:latin typeface="Cambria Math" panose="02040503050406030204" pitchFamily="18" charset="0"/>
+                            </a:rPr>
+                          </m:ctrlPr>
+                        </m:sSubPr>
+                        <m:e>
+                          <m:r>
+                            <a:rPr lang="en-US" altLang="zh-CN" sz="2400" b="0" i="1" smtClean="0">
+                              <a:solidFill>
+                                <a:prstClr val="black"/>
+                              </a:solidFill>
+                              <a:latin typeface="Cambria Math" panose="02040503050406030204" pitchFamily="18" charset="0"/>
+                            </a:rPr>
+                            <m:t>𝛼</m:t>
+                          </m:r>
+                        </m:e>
+                        <m:sub>
+                          <m:r>
+                            <a:rPr lang="en-US" altLang="zh-CN" sz="2400" b="0" i="1" smtClean="0">
+                              <a:solidFill>
+                                <a:prstClr val="black"/>
+                              </a:solidFill>
+                              <a:latin typeface="Cambria Math" panose="02040503050406030204" pitchFamily="18" charset="0"/>
+                            </a:rPr>
+                            <m:t>𝑝𝑞</m:t>
+                          </m:r>
+                        </m:sub>
+                      </m:sSub>
+                      <m:d>
+                        <m:dPr>
+                          <m:ctrlPr>
+                            <a:rPr lang="en-US" altLang="zh-CN" sz="2400" b="0" i="1" smtClean="0">
+                              <a:solidFill>
+                                <a:prstClr val="black"/>
+                              </a:solidFill>
+                              <a:latin typeface="Cambria Math" panose="02040503050406030204" pitchFamily="18" charset="0"/>
+                            </a:rPr>
+                          </m:ctrlPr>
+                        </m:dPr>
+                        <m:e>
+                          <m:r>
+                            <a:rPr lang="en-US" altLang="zh-CN" sz="2400" b="0" i="1" smtClean="0">
+                              <a:solidFill>
+                                <a:prstClr val="black"/>
+                              </a:solidFill>
+                              <a:latin typeface="Cambria Math" panose="02040503050406030204" pitchFamily="18" charset="0"/>
+                            </a:rPr>
+                            <m:t>𝑡</m:t>
+                          </m:r>
+                          <m:r>
+                            <a:rPr lang="en-US" altLang="zh-CN" sz="2400" b="0" i="1" smtClean="0">
+                              <a:solidFill>
+                                <a:prstClr val="black"/>
+                              </a:solidFill>
+                              <a:latin typeface="Cambria Math" panose="02040503050406030204" pitchFamily="18" charset="0"/>
+                            </a:rPr>
+                            <m:t>,</m:t>
+                          </m:r>
+                          <m:r>
+                            <a:rPr lang="en-US" altLang="zh-CN" sz="2400" b="0" i="1" smtClean="0">
+                              <a:solidFill>
+                                <a:prstClr val="black"/>
+                              </a:solidFill>
+                              <a:latin typeface="Cambria Math" panose="02040503050406030204" pitchFamily="18" charset="0"/>
+                            </a:rPr>
+                            <m:t>𝑥</m:t>
+                          </m:r>
+                        </m:e>
+                      </m:d>
+                      <m:r>
+                        <a:rPr lang="en-US" altLang="zh-CN" sz="2400" i="1">
+                          <a:solidFill>
+                            <a:prstClr val="black"/>
+                          </a:solidFill>
+                          <a:latin typeface="Cambria Math" panose="02040503050406030204" pitchFamily="18" charset="0"/>
+                        </a:rPr>
+                        <m:t>·</m:t>
+                      </m:r>
+                      <m:sSub>
+                        <m:sSubPr>
+                          <m:ctrlPr>
+                            <a:rPr lang="en-US" altLang="zh-CN" sz="2400" b="0" i="1" smtClean="0">
+                              <a:solidFill>
+                                <a:prstClr val="black"/>
+                              </a:solidFill>
+                              <a:latin typeface="Cambria Math" panose="02040503050406030204" pitchFamily="18" charset="0"/>
+                            </a:rPr>
+                          </m:ctrlPr>
+                        </m:sSubPr>
+                        <m:e>
+                          <m:r>
+                            <a:rPr lang="en-US" altLang="zh-CN" sz="2400" b="0" i="1" smtClean="0">
+                              <a:solidFill>
+                                <a:prstClr val="black"/>
+                              </a:solidFill>
+                              <a:latin typeface="Cambria Math" panose="02040503050406030204" pitchFamily="18" charset="0"/>
+                            </a:rPr>
+                            <m:t>𝑤</m:t>
+                          </m:r>
+                        </m:e>
+                        <m:sub>
+                          <m:r>
+                            <a:rPr lang="en-US" altLang="zh-CN" sz="2400" b="0" i="1" smtClean="0">
+                              <a:solidFill>
+                                <a:prstClr val="black"/>
+                              </a:solidFill>
+                              <a:latin typeface="Cambria Math" panose="02040503050406030204" pitchFamily="18" charset="0"/>
+                            </a:rPr>
+                            <m:t>𝑣𝑥</m:t>
+                          </m:r>
+                        </m:sub>
+                      </m:sSub>
+                    </m:oMath>
+                  </m:oMathPara>
+                </a14:m>
+                <a:endParaRPr lang="zh-CN" altLang="en-US" dirty="0"/>
+              </a:p>
+            </p:txBody>
+          </p:sp>
+        </mc:Choice>
+        <mc:Fallback>
+          <p:sp>
+            <p:nvSpPr>
+              <p:cNvPr id="13" name="矩形 12">
+                <a:extLst>
+                  <a:ext uri="{FF2B5EF4-FFF2-40B4-BE49-F238E27FC236}">
+                    <a16:creationId xmlns:a16="http://schemas.microsoft.com/office/drawing/2014/main" id="{F505E676-6DC9-4E65-9F46-5084B02DE564}"/>
+                  </a:ext>
+                </a:extLst>
+              </p:cNvPr>
+              <p:cNvSpPr>
+                <a:spLocks noRot="1" noChangeAspect="1" noMove="1" noResize="1" noEditPoints="1" noAdjustHandles="1" noChangeArrowheads="1" noChangeShapeType="1" noTextEdit="1"/>
+              </p:cNvSpPr>
+              <p:nvPr/>
+            </p:nvSpPr>
+            <p:spPr>
+              <a:xfrm>
+                <a:off x="1395194" y="5682986"/>
+                <a:ext cx="2975943" cy="490199"/>
+              </a:xfrm>
+              <a:prstGeom prst="rect">
+                <a:avLst/>
+              </a:prstGeom>
+              <a:blipFill>
+                <a:blip r:embed="rId9"/>
+                <a:stretch>
+                  <a:fillRect b="-6173"/>
+                </a:stretch>
+              </a:blipFill>
+            </p:spPr>
+            <p:txBody>
+              <a:bodyPr/>
+              <a:lstStyle/>
+              <a:p>
+                <a:r>
+                  <a:rPr lang="zh-CN" altLang="en-US">
+                    <a:noFill/>
+                  </a:rPr>
+                  <a:t> </a:t>
+                </a:r>
+              </a:p>
+            </p:txBody>
+          </p:sp>
+        </mc:Fallback>
+      </mc:AlternateContent>
+      <p:pic>
+        <p:nvPicPr>
+          <p:cNvPr id="16" name="图片 15">
+            <a:extLst>
+              <a:ext uri="{FF2B5EF4-FFF2-40B4-BE49-F238E27FC236}">
+                <a16:creationId xmlns:a16="http://schemas.microsoft.com/office/drawing/2014/main" id="{0EC371C2-3E9F-437A-A544-52838EFE0CA3}"/>
+              </a:ext>
+            </a:extLst>
+          </p:cNvPr>
+          <p:cNvPicPr>
+            <a:picLocks noChangeAspect="1"/>
+          </p:cNvPicPr>
+          <p:nvPr/>
+        </p:nvPicPr>
+        <p:blipFill>
+          <a:blip r:embed="rId10"/>
+          <a:stretch>
+            <a:fillRect/>
+          </a:stretch>
+        </p:blipFill>
+        <p:spPr>
+          <a:xfrm>
+            <a:off x="547287" y="6597622"/>
+            <a:ext cx="3288113" cy="1353460"/>
+          </a:xfrm>
+          <a:prstGeom prst="rect">
+            <a:avLst/>
+          </a:prstGeom>
+        </p:spPr>
+      </p:pic>
+      <mc:AlternateContent xmlns:mc="http://schemas.openxmlformats.org/markup-compatibility/2006">
+        <mc:Choice xmlns:a14="http://schemas.microsoft.com/office/drawing/2010/main" Requires="a14">
+          <p:sp>
+            <p:nvSpPr>
+              <p:cNvPr id="18" name="矩形 17">
+                <a:extLst>
+                  <a:ext uri="{FF2B5EF4-FFF2-40B4-BE49-F238E27FC236}">
+                    <a16:creationId xmlns:a16="http://schemas.microsoft.com/office/drawing/2014/main" id="{26761938-468C-43BC-B5C9-870964F42477}"/>
+                  </a:ext>
+                </a:extLst>
+              </p:cNvPr>
+              <p:cNvSpPr/>
+              <p:nvPr/>
+            </p:nvSpPr>
+            <p:spPr>
+              <a:xfrm>
+                <a:off x="182392" y="8175464"/>
+                <a:ext cx="5382627" cy="707886"/>
+              </a:xfrm>
+              <a:prstGeom prst="rect">
+                <a:avLst/>
+              </a:prstGeom>
+            </p:spPr>
+            <p:txBody>
+              <a:bodyPr wrap="none">
+                <a:spAutoFit/>
+              </a:bodyPr>
+              <a:lstStyle/>
+              <a:p>
+                <a14:m>
+                  <m:oMath xmlns:m="http://schemas.openxmlformats.org/officeDocument/2006/math">
+                    <m:sSub>
+                      <m:sSubPr>
+                        <m:ctrlPr>
+                          <a:rPr lang="en-US" altLang="zh-CN" sz="2000" i="1" smtClean="0">
+                            <a:solidFill>
+                              <a:prstClr val="black"/>
+                            </a:solidFill>
+                            <a:latin typeface="Cambria Math" panose="02040503050406030204" pitchFamily="18" charset="0"/>
+                          </a:rPr>
+                        </m:ctrlPr>
+                      </m:sSubPr>
+                      <m:e>
+                        <m:r>
+                          <a:rPr lang="en-US" altLang="zh-CN" sz="2000" b="0" i="1" smtClean="0">
+                            <a:solidFill>
+                              <a:prstClr val="black"/>
+                            </a:solidFill>
+                            <a:latin typeface="Cambria Math" panose="02040503050406030204" pitchFamily="18" charset="0"/>
+                          </a:rPr>
+                          <m:t>𝑑</m:t>
+                        </m:r>
+                      </m:e>
+                      <m:sub>
+                        <m:r>
+                          <a:rPr lang="en-US" altLang="zh-CN" sz="2000" b="0" i="1" smtClean="0">
+                            <a:solidFill>
+                              <a:prstClr val="black"/>
+                            </a:solidFill>
+                            <a:latin typeface="Cambria Math" panose="02040503050406030204" pitchFamily="18" charset="0"/>
+                          </a:rPr>
+                          <m:t>𝑡</m:t>
+                        </m:r>
+                        <m:r>
+                          <a:rPr lang="en-US" altLang="zh-CN" sz="2000" i="1">
+                            <a:solidFill>
+                              <a:prstClr val="black"/>
+                            </a:solidFill>
+                            <a:latin typeface="Cambria Math" panose="02040503050406030204" pitchFamily="18" charset="0"/>
+                          </a:rPr>
+                          <m:t>𝑥</m:t>
+                        </m:r>
+                      </m:sub>
+                    </m:sSub>
+                    <m:r>
+                      <a:rPr lang="en-US" altLang="zh-CN" sz="2000" b="0" i="1" smtClean="0">
+                        <a:solidFill>
+                          <a:prstClr val="black"/>
+                        </a:solidFill>
+                        <a:latin typeface="Cambria Math" panose="02040503050406030204" pitchFamily="18" charset="0"/>
+                      </a:rPr>
+                      <m:t>∈{0,1,2}</m:t>
+                    </m:r>
+                  </m:oMath>
+                </a14:m>
+                <a:r>
+                  <a:rPr lang="en-US" altLang="zh-CN" sz="1600" dirty="0"/>
+                  <a:t>: </a:t>
+                </a:r>
+                <a:r>
+                  <a:rPr lang="en-US" altLang="zh-CN" sz="2000" dirty="0"/>
+                  <a:t>the shortest path distance between</a:t>
+                </a:r>
+              </a:p>
+              <a:p>
+                <a:r>
+                  <a:rPr lang="en-US" altLang="zh-CN" sz="2000" dirty="0"/>
+                  <a:t>nodes </a:t>
+                </a:r>
+                <a14:m>
+                  <m:oMath xmlns:m="http://schemas.openxmlformats.org/officeDocument/2006/math">
+                    <m:r>
+                      <a:rPr lang="en-US" altLang="zh-CN" sz="2000" i="1">
+                        <a:solidFill>
+                          <a:prstClr val="black"/>
+                        </a:solidFill>
+                        <a:latin typeface="Cambria Math" panose="02040503050406030204" pitchFamily="18" charset="0"/>
+                        <a:cs typeface="Times New Roman" panose="02020603050405020304" pitchFamily="18" charset="0"/>
+                      </a:rPr>
+                      <m:t>𝑡</m:t>
+                    </m:r>
+                  </m:oMath>
+                </a14:m>
+                <a:r>
+                  <a:rPr lang="en-US" altLang="zh-CN" sz="2000" dirty="0"/>
+                  <a:t> and </a:t>
+                </a:r>
+                <a14:m>
+                  <m:oMath xmlns:m="http://schemas.openxmlformats.org/officeDocument/2006/math">
+                    <m:r>
+                      <a:rPr lang="en-US" altLang="zh-CN" sz="2000" b="0" i="1" smtClean="0">
+                        <a:solidFill>
+                          <a:prstClr val="black"/>
+                        </a:solidFill>
+                        <a:latin typeface="Cambria Math" panose="02040503050406030204" pitchFamily="18" charset="0"/>
+                        <a:cs typeface="Times New Roman" panose="02020603050405020304" pitchFamily="18" charset="0"/>
+                      </a:rPr>
+                      <m:t>𝑥</m:t>
+                    </m:r>
+                  </m:oMath>
+                </a14:m>
+                <a:r>
+                  <a:rPr lang="en-US" altLang="zh-CN" sz="2000" dirty="0"/>
+                  <a:t>. </a:t>
+                </a:r>
+                <a:endParaRPr lang="zh-CN" altLang="en-US" sz="1600" dirty="0"/>
+              </a:p>
+            </p:txBody>
+          </p:sp>
+        </mc:Choice>
+        <mc:Fallback>
+          <p:sp>
+            <p:nvSpPr>
+              <p:cNvPr id="18" name="矩形 17">
+                <a:extLst>
+                  <a:ext uri="{FF2B5EF4-FFF2-40B4-BE49-F238E27FC236}">
+                    <a16:creationId xmlns:a16="http://schemas.microsoft.com/office/drawing/2014/main" id="{26761938-468C-43BC-B5C9-870964F42477}"/>
+                  </a:ext>
+                </a:extLst>
+              </p:cNvPr>
+              <p:cNvSpPr>
+                <a:spLocks noRot="1" noChangeAspect="1" noMove="1" noResize="1" noEditPoints="1" noAdjustHandles="1" noChangeArrowheads="1" noChangeShapeType="1" noTextEdit="1"/>
+              </p:cNvSpPr>
+              <p:nvPr/>
+            </p:nvSpPr>
+            <p:spPr>
+              <a:xfrm>
+                <a:off x="182392" y="8175464"/>
+                <a:ext cx="5382627" cy="707886"/>
+              </a:xfrm>
+              <a:prstGeom prst="rect">
+                <a:avLst/>
+              </a:prstGeom>
+              <a:blipFill>
+                <a:blip r:embed="rId11"/>
+                <a:stretch>
+                  <a:fillRect l="-1246" t="-4310" r="-340" b="-14655"/>
+                </a:stretch>
+              </a:blipFill>
+            </p:spPr>
+            <p:txBody>
+              <a:bodyPr/>
+              <a:lstStyle/>
+              <a:p>
+                <a:r>
+                  <a:rPr lang="zh-CN" altLang="en-US">
+                    <a:noFill/>
+                  </a:rPr>
+                  <a:t> </a:t>
+                </a:r>
+              </a:p>
+            </p:txBody>
+          </p:sp>
+        </mc:Fallback>
+      </mc:AlternateContent>
+      <mc:AlternateContent xmlns:mc="http://schemas.openxmlformats.org/markup-compatibility/2006">
+        <mc:Choice xmlns:a14="http://schemas.microsoft.com/office/drawing/2010/main" Requires="a14">
+          <p:graphicFrame>
+            <p:nvGraphicFramePr>
+              <p:cNvPr id="23" name="表格 22">
+                <a:extLst>
+                  <a:ext uri="{FF2B5EF4-FFF2-40B4-BE49-F238E27FC236}">
+                    <a16:creationId xmlns:a16="http://schemas.microsoft.com/office/drawing/2014/main" id="{A4AA1C5D-D6BD-418A-9E6F-389683ACBDF2}"/>
+                  </a:ext>
+                </a:extLst>
+              </p:cNvPr>
+              <p:cNvGraphicFramePr>
+                <a:graphicFrameLocks noGrp="1"/>
+              </p:cNvGraphicFramePr>
+              <p:nvPr>
+                <p:extLst>
+                  <p:ext uri="{D42A27DB-BD31-4B8C-83A1-F6EECF244321}">
+                    <p14:modId xmlns:p14="http://schemas.microsoft.com/office/powerpoint/2010/main" val="3540600817"/>
+                  </p:ext>
+                </p:extLst>
+              </p:nvPr>
+            </p:nvGraphicFramePr>
+            <p:xfrm>
+              <a:off x="6626983" y="6314775"/>
+              <a:ext cx="5162890" cy="2568575"/>
+            </p:xfrm>
+            <a:graphic>
+              <a:graphicData uri="http://schemas.openxmlformats.org/drawingml/2006/table">
+                <a:tbl>
+                  <a:tblPr>
+                    <a:tableStyleId>{5C22544A-7EE6-4342-B048-85BDC9FD1C3A}</a:tableStyleId>
+                  </a:tblPr>
+                  <a:tblGrid>
+                    <a:gridCol w="2581445">
+                      <a:extLst>
+                        <a:ext uri="{9D8B030D-6E8A-4147-A177-3AD203B41FA5}">
+                          <a16:colId xmlns:a16="http://schemas.microsoft.com/office/drawing/2014/main" val="4215692228"/>
+                        </a:ext>
+                      </a:extLst>
+                    </a:gridCol>
+                    <a:gridCol w="2581445">
+                      <a:extLst>
+                        <a:ext uri="{9D8B030D-6E8A-4147-A177-3AD203B41FA5}">
+                          <a16:colId xmlns:a16="http://schemas.microsoft.com/office/drawing/2014/main" val="1337371917"/>
+                        </a:ext>
+                      </a:extLst>
+                    </a:gridCol>
+                  </a:tblGrid>
+                  <a:tr h="370840">
+                    <a:tc>
+                      <a:txBody>
+                        <a:bodyPr/>
+                        <a:lstStyle/>
+                        <a:p>
+                          <a:pPr marL="0" marR="0" lvl="0" indent="0" algn="l" defTabSz="1219170" rtl="0" eaLnBrk="1" fontAlgn="auto" latinLnBrk="0" hangingPunct="1">
+                            <a:lnSpc>
+                              <a:spcPct val="100000"/>
+                            </a:lnSpc>
+                            <a:spcBef>
+                              <a:spcPts val="0"/>
+                            </a:spcBef>
+                            <a:spcAft>
+                              <a:spcPts val="0"/>
+                            </a:spcAft>
+                            <a:buClrTx/>
+                            <a:buSzTx/>
+                            <a:buFontTx/>
+                            <a:buNone/>
+                            <a:tabLst/>
+                            <a:defRPr/>
+                          </a:pPr>
+                          <a14:m>
+                            <m:oMathPara xmlns:m="http://schemas.openxmlformats.org/officeDocument/2006/math">
+                              <m:oMathParaPr>
+                                <m:jc m:val="centerGroup"/>
+                              </m:oMathParaPr>
+                              <m:oMath xmlns:m="http://schemas.openxmlformats.org/officeDocument/2006/math">
+                                <m:sSub>
+                                  <m:sSubPr>
+                                    <m:ctrlPr>
+                                      <a:rPr lang="en-US" altLang="zh-CN" sz="2000" i="1" smtClean="0">
+                                        <a:solidFill>
+                                          <a:prstClr val="black"/>
+                                        </a:solidFill>
+                                        <a:latin typeface="Cambria Math" panose="02040503050406030204" pitchFamily="18" charset="0"/>
+                                      </a:rPr>
+                                    </m:ctrlPr>
+                                  </m:sSubPr>
+                                  <m:e>
+                                    <m:r>
+                                      <a:rPr lang="en-US" altLang="zh-CN" sz="2000" i="1">
+                                        <a:solidFill>
+                                          <a:prstClr val="black"/>
+                                        </a:solidFill>
+                                        <a:latin typeface="Cambria Math" panose="02040503050406030204" pitchFamily="18" charset="0"/>
+                                      </a:rPr>
+                                      <m:t>𝑑</m:t>
+                                    </m:r>
+                                  </m:e>
+                                  <m:sub>
+                                    <m:r>
+                                      <a:rPr lang="en-US" altLang="zh-CN" sz="2000" i="1">
+                                        <a:solidFill>
+                                          <a:prstClr val="black"/>
+                                        </a:solidFill>
+                                        <a:latin typeface="Cambria Math" panose="02040503050406030204" pitchFamily="18" charset="0"/>
+                                      </a:rPr>
+                                      <m:t>𝑡</m:t>
+                                    </m:r>
+                                    <m:sSub>
+                                      <m:sSubPr>
+                                        <m:ctrlPr>
+                                          <a:rPr lang="en-US" altLang="zh-CN" sz="2000" b="0" i="1" smtClean="0">
+                                            <a:solidFill>
+                                              <a:prstClr val="black"/>
+                                            </a:solidFill>
+                                            <a:latin typeface="Cambria Math" panose="02040503050406030204" pitchFamily="18" charset="0"/>
+                                          </a:rPr>
+                                        </m:ctrlPr>
+                                      </m:sSubPr>
+                                      <m:e>
+                                        <m:r>
+                                          <a:rPr lang="en-US" altLang="zh-CN" sz="2000" i="1">
+                                            <a:solidFill>
+                                              <a:prstClr val="black"/>
+                                            </a:solidFill>
+                                            <a:latin typeface="Cambria Math" panose="02040503050406030204" pitchFamily="18" charset="0"/>
+                                          </a:rPr>
+                                          <m:t>𝑥</m:t>
+                                        </m:r>
+                                      </m:e>
+                                      <m:sub>
+                                        <m:r>
+                                          <a:rPr lang="en-US" altLang="zh-CN" sz="2000" b="0" i="1" smtClean="0">
+                                            <a:solidFill>
+                                              <a:prstClr val="black"/>
+                                            </a:solidFill>
+                                            <a:latin typeface="Cambria Math" panose="02040503050406030204" pitchFamily="18" charset="0"/>
+                                          </a:rPr>
+                                          <m:t>1</m:t>
+                                        </m:r>
+                                      </m:sub>
+                                    </m:sSub>
+                                  </m:sub>
+                                </m:sSub>
+                                <m:r>
+                                  <a:rPr lang="en-US" altLang="zh-CN" sz="2000" b="0" i="1" smtClean="0">
+                                    <a:solidFill>
+                                      <a:prstClr val="black"/>
+                                    </a:solidFill>
+                                    <a:latin typeface="Cambria Math" panose="02040503050406030204" pitchFamily="18" charset="0"/>
+                                  </a:rPr>
+                                  <m:t>=1</m:t>
+                                </m:r>
+                              </m:oMath>
+                            </m:oMathPara>
+                          </a14:m>
+                          <a:endParaRPr lang="en-US" altLang="zh-CN" sz="1800" dirty="0"/>
+                        </a:p>
+                      </a:txBody>
+                      <a:tcPr/>
+                    </a:tc>
+                    <a:tc>
+                      <a:txBody>
+                        <a:bodyPr/>
+                        <a:lstStyle/>
+                        <a:p>
+                          <a:pPr marL="0" marR="0" lvl="0" indent="0" algn="l" defTabSz="1219170" rtl="0" eaLnBrk="1" fontAlgn="auto" latinLnBrk="0" hangingPunct="1">
+                            <a:lnSpc>
+                              <a:spcPct val="100000"/>
+                            </a:lnSpc>
+                            <a:spcBef>
+                              <a:spcPts val="0"/>
+                            </a:spcBef>
+                            <a:spcAft>
+                              <a:spcPts val="0"/>
+                            </a:spcAft>
+                            <a:buClrTx/>
+                            <a:buSzTx/>
+                            <a:buFontTx/>
+                            <a:buNone/>
+                            <a:tabLst/>
+                            <a:defRPr/>
+                          </a:pPr>
+                          <a14:m>
+                            <m:oMathPara xmlns:m="http://schemas.openxmlformats.org/officeDocument/2006/math">
+                              <m:oMathParaPr>
+                                <m:jc m:val="centerGroup"/>
+                              </m:oMathParaPr>
+                              <m:oMath xmlns:m="http://schemas.openxmlformats.org/officeDocument/2006/math">
+                                <m:sSub>
+                                  <m:sSubPr>
+                                    <m:ctrlPr>
+                                      <a:rPr lang="en-US" altLang="zh-CN" sz="2000" i="1" smtClean="0">
+                                        <a:solidFill>
+                                          <a:prstClr val="black"/>
+                                        </a:solidFill>
+                                        <a:latin typeface="Cambria Math" panose="02040503050406030204" pitchFamily="18" charset="0"/>
+                                      </a:rPr>
+                                    </m:ctrlPr>
+                                  </m:sSubPr>
+                                  <m:e>
+                                    <m:r>
+                                      <a:rPr lang="en-US" altLang="zh-CN" sz="2000" i="1">
+                                        <a:solidFill>
+                                          <a:prstClr val="black"/>
+                                        </a:solidFill>
+                                        <a:latin typeface="Cambria Math" panose="02040503050406030204" pitchFamily="18" charset="0"/>
+                                      </a:rPr>
+                                      <m:t>𝛼</m:t>
+                                    </m:r>
+                                  </m:e>
+                                  <m:sub>
+                                    <m:r>
+                                      <a:rPr lang="en-US" altLang="zh-CN" sz="2000" i="1">
+                                        <a:solidFill>
+                                          <a:prstClr val="black"/>
+                                        </a:solidFill>
+                                        <a:latin typeface="Cambria Math" panose="02040503050406030204" pitchFamily="18" charset="0"/>
+                                      </a:rPr>
+                                      <m:t>𝑝𝑞</m:t>
+                                    </m:r>
+                                  </m:sub>
+                                </m:sSub>
+                                <m:d>
+                                  <m:dPr>
+                                    <m:ctrlPr>
+                                      <a:rPr lang="en-US" altLang="zh-CN" sz="2000" i="1">
+                                        <a:solidFill>
+                                          <a:prstClr val="black"/>
+                                        </a:solidFill>
+                                        <a:latin typeface="Cambria Math" panose="02040503050406030204" pitchFamily="18" charset="0"/>
+                                      </a:rPr>
+                                    </m:ctrlPr>
+                                  </m:dPr>
+                                  <m:e>
+                                    <m:r>
+                                      <a:rPr lang="en-US" altLang="zh-CN" sz="2000" i="1">
+                                        <a:solidFill>
+                                          <a:prstClr val="black"/>
+                                        </a:solidFill>
+                                        <a:latin typeface="Cambria Math" panose="02040503050406030204" pitchFamily="18" charset="0"/>
+                                      </a:rPr>
+                                      <m:t>𝑡</m:t>
+                                    </m:r>
+                                    <m:r>
+                                      <a:rPr lang="en-US" altLang="zh-CN" sz="2000" i="1">
+                                        <a:solidFill>
+                                          <a:prstClr val="black"/>
+                                        </a:solidFill>
+                                        <a:latin typeface="Cambria Math" panose="02040503050406030204" pitchFamily="18" charset="0"/>
+                                      </a:rPr>
+                                      <m:t>,</m:t>
+                                    </m:r>
+                                    <m:sSub>
+                                      <m:sSubPr>
+                                        <m:ctrlPr>
+                                          <a:rPr lang="en-US" altLang="zh-CN" sz="2000" b="0" i="1" smtClean="0">
+                                            <a:solidFill>
+                                              <a:prstClr val="black"/>
+                                            </a:solidFill>
+                                            <a:latin typeface="Cambria Math" panose="02040503050406030204" pitchFamily="18" charset="0"/>
+                                          </a:rPr>
+                                        </m:ctrlPr>
+                                      </m:sSubPr>
+                                      <m:e>
+                                        <m:r>
+                                          <a:rPr lang="en-US" altLang="zh-CN" sz="2000" i="1">
+                                            <a:solidFill>
+                                              <a:prstClr val="black"/>
+                                            </a:solidFill>
+                                            <a:latin typeface="Cambria Math" panose="02040503050406030204" pitchFamily="18" charset="0"/>
+                                          </a:rPr>
+                                          <m:t>𝑥</m:t>
+                                        </m:r>
+                                      </m:e>
+                                      <m:sub>
+                                        <m:r>
+                                          <a:rPr lang="en-US" altLang="zh-CN" sz="2000" b="0" i="1" smtClean="0">
+                                            <a:solidFill>
+                                              <a:prstClr val="black"/>
+                                            </a:solidFill>
+                                            <a:latin typeface="Cambria Math" panose="02040503050406030204" pitchFamily="18" charset="0"/>
+                                          </a:rPr>
+                                          <m:t>1</m:t>
+                                        </m:r>
+                                      </m:sub>
+                                    </m:sSub>
+                                  </m:e>
+                                </m:d>
+                                <m:r>
+                                  <a:rPr lang="en-US" altLang="zh-CN" sz="2000" b="0" i="1" smtClean="0">
+                                    <a:solidFill>
+                                      <a:prstClr val="black"/>
+                                    </a:solidFill>
+                                    <a:latin typeface="Cambria Math" panose="02040503050406030204" pitchFamily="18" charset="0"/>
+                                  </a:rPr>
+                                  <m:t>=1</m:t>
+                                </m:r>
+                              </m:oMath>
+                            </m:oMathPara>
+                          </a14:m>
+                          <a:endParaRPr lang="en-US" altLang="zh-CN" sz="1400" dirty="0"/>
+                        </a:p>
+                      </a:txBody>
+                      <a:tcPr/>
+                    </a:tc>
+                    <a:extLst>
+                      <a:ext uri="{0D108BD9-81ED-4DB2-BD59-A6C34878D82A}">
+                        <a16:rowId xmlns:a16="http://schemas.microsoft.com/office/drawing/2014/main" val="1142470746"/>
+                      </a:ext>
+                    </a:extLst>
+                  </a:tr>
+                  <a:tr h="370840">
+                    <a:tc>
+                      <a:txBody>
+                        <a:bodyPr/>
+                        <a:lstStyle/>
+                        <a:p>
+                          <a:pPr marL="0" marR="0" lvl="0" indent="0" algn="l" defTabSz="1219170" rtl="0" eaLnBrk="1" fontAlgn="auto" latinLnBrk="0" hangingPunct="1">
+                            <a:lnSpc>
+                              <a:spcPct val="100000"/>
+                            </a:lnSpc>
+                            <a:spcBef>
+                              <a:spcPts val="0"/>
+                            </a:spcBef>
+                            <a:spcAft>
+                              <a:spcPts val="0"/>
+                            </a:spcAft>
+                            <a:buClrTx/>
+                            <a:buSzTx/>
+                            <a:buFontTx/>
+                            <a:buNone/>
+                            <a:tabLst/>
+                            <a:defRPr/>
+                          </a:pPr>
+                          <a14:m>
+                            <m:oMathPara xmlns:m="http://schemas.openxmlformats.org/officeDocument/2006/math">
+                              <m:oMathParaPr>
+                                <m:jc m:val="centerGroup"/>
+                              </m:oMathParaPr>
+                              <m:oMath xmlns:m="http://schemas.openxmlformats.org/officeDocument/2006/math">
+                                <m:sSub>
+                                  <m:sSubPr>
+                                    <m:ctrlPr>
+                                      <a:rPr lang="en-US" altLang="zh-CN" sz="2000" i="1" smtClean="0">
+                                        <a:solidFill>
+                                          <a:prstClr val="black"/>
+                                        </a:solidFill>
+                                        <a:latin typeface="Cambria Math" panose="02040503050406030204" pitchFamily="18" charset="0"/>
+                                      </a:rPr>
+                                    </m:ctrlPr>
+                                  </m:sSubPr>
+                                  <m:e>
+                                    <m:r>
+                                      <a:rPr lang="en-US" altLang="zh-CN" sz="2000" i="1">
+                                        <a:solidFill>
+                                          <a:prstClr val="black"/>
+                                        </a:solidFill>
+                                        <a:latin typeface="Cambria Math" panose="02040503050406030204" pitchFamily="18" charset="0"/>
+                                      </a:rPr>
+                                      <m:t>𝑑</m:t>
+                                    </m:r>
+                                  </m:e>
+                                  <m:sub>
+                                    <m:r>
+                                      <a:rPr lang="en-US" altLang="zh-CN" sz="2000" i="1">
+                                        <a:solidFill>
+                                          <a:prstClr val="black"/>
+                                        </a:solidFill>
+                                        <a:latin typeface="Cambria Math" panose="02040503050406030204" pitchFamily="18" charset="0"/>
+                                      </a:rPr>
+                                      <m:t>𝑡</m:t>
+                                    </m:r>
+                                    <m:sSub>
+                                      <m:sSubPr>
+                                        <m:ctrlPr>
+                                          <a:rPr lang="en-US" altLang="zh-CN" sz="2000" i="1">
+                                            <a:solidFill>
+                                              <a:prstClr val="black"/>
+                                            </a:solidFill>
+                                            <a:latin typeface="Cambria Math" panose="02040503050406030204" pitchFamily="18" charset="0"/>
+                                          </a:rPr>
+                                        </m:ctrlPr>
+                                      </m:sSubPr>
+                                      <m:e>
+                                        <m:r>
+                                          <a:rPr lang="en-US" altLang="zh-CN" sz="2000" i="1">
+                                            <a:solidFill>
+                                              <a:prstClr val="black"/>
+                                            </a:solidFill>
+                                            <a:latin typeface="Cambria Math" panose="02040503050406030204" pitchFamily="18" charset="0"/>
+                                          </a:rPr>
+                                          <m:t>𝑥</m:t>
+                                        </m:r>
+                                      </m:e>
+                                      <m:sub>
+                                        <m:r>
+                                          <a:rPr lang="en-US" altLang="zh-CN" sz="2000" b="0" i="1" smtClean="0">
+                                            <a:solidFill>
+                                              <a:prstClr val="black"/>
+                                            </a:solidFill>
+                                            <a:latin typeface="Cambria Math" panose="02040503050406030204" pitchFamily="18" charset="0"/>
+                                          </a:rPr>
+                                          <m:t>2</m:t>
+                                        </m:r>
+                                      </m:sub>
+                                    </m:sSub>
+                                  </m:sub>
+                                </m:sSub>
+                                <m:r>
+                                  <a:rPr lang="en-US" altLang="zh-CN" sz="2000" i="1">
+                                    <a:solidFill>
+                                      <a:prstClr val="black"/>
+                                    </a:solidFill>
+                                    <a:latin typeface="Cambria Math" panose="02040503050406030204" pitchFamily="18" charset="0"/>
+                                  </a:rPr>
+                                  <m:t>=</m:t>
+                                </m:r>
+                                <m:r>
+                                  <a:rPr lang="en-US" altLang="zh-CN" sz="2000" b="0" i="1" smtClean="0">
+                                    <a:solidFill>
+                                      <a:prstClr val="black"/>
+                                    </a:solidFill>
+                                    <a:latin typeface="Cambria Math" panose="02040503050406030204" pitchFamily="18" charset="0"/>
+                                  </a:rPr>
+                                  <m:t>2</m:t>
+                                </m:r>
+                              </m:oMath>
+                            </m:oMathPara>
+                          </a14:m>
+                          <a:endParaRPr lang="en-US" altLang="zh-CN" sz="1800" dirty="0"/>
+                        </a:p>
+                      </a:txBody>
+                      <a:tcPr/>
+                    </a:tc>
+                    <a:tc>
+                      <a:txBody>
+                        <a:bodyPr/>
+                        <a:lstStyle/>
+                        <a:p>
+                          <a14:m>
+                            <m:oMathPara xmlns:m="http://schemas.openxmlformats.org/officeDocument/2006/math">
+                              <m:oMathParaPr>
+                                <m:jc m:val="centerGroup"/>
+                              </m:oMathParaPr>
+                              <m:oMath xmlns:m="http://schemas.openxmlformats.org/officeDocument/2006/math">
+                                <m:sSub>
+                                  <m:sSubPr>
+                                    <m:ctrlPr>
+                                      <a:rPr lang="en-US" altLang="zh-CN" sz="2000" i="1" smtClean="0">
+                                        <a:solidFill>
+                                          <a:prstClr val="black"/>
+                                        </a:solidFill>
+                                        <a:latin typeface="Cambria Math" panose="02040503050406030204" pitchFamily="18" charset="0"/>
+                                      </a:rPr>
+                                    </m:ctrlPr>
+                                  </m:sSubPr>
+                                  <m:e>
+                                    <m:r>
+                                      <a:rPr lang="en-US" altLang="zh-CN" sz="2000" i="1">
+                                        <a:solidFill>
+                                          <a:prstClr val="black"/>
+                                        </a:solidFill>
+                                        <a:latin typeface="Cambria Math" panose="02040503050406030204" pitchFamily="18" charset="0"/>
+                                      </a:rPr>
+                                      <m:t>𝛼</m:t>
+                                    </m:r>
+                                  </m:e>
+                                  <m:sub>
+                                    <m:r>
+                                      <a:rPr lang="en-US" altLang="zh-CN" sz="2000" i="1">
+                                        <a:solidFill>
+                                          <a:prstClr val="black"/>
+                                        </a:solidFill>
+                                        <a:latin typeface="Cambria Math" panose="02040503050406030204" pitchFamily="18" charset="0"/>
+                                      </a:rPr>
+                                      <m:t>𝑝𝑞</m:t>
+                                    </m:r>
+                                  </m:sub>
+                                </m:sSub>
+                                <m:d>
+                                  <m:dPr>
+                                    <m:ctrlPr>
+                                      <a:rPr lang="en-US" altLang="zh-CN" sz="2000" i="1">
+                                        <a:solidFill>
+                                          <a:prstClr val="black"/>
+                                        </a:solidFill>
+                                        <a:latin typeface="Cambria Math" panose="02040503050406030204" pitchFamily="18" charset="0"/>
+                                      </a:rPr>
+                                    </m:ctrlPr>
+                                  </m:dPr>
+                                  <m:e>
+                                    <m:r>
+                                      <a:rPr lang="en-US" altLang="zh-CN" sz="2000" i="1">
+                                        <a:solidFill>
+                                          <a:prstClr val="black"/>
+                                        </a:solidFill>
+                                        <a:latin typeface="Cambria Math" panose="02040503050406030204" pitchFamily="18" charset="0"/>
+                                      </a:rPr>
+                                      <m:t>𝑡</m:t>
+                                    </m:r>
+                                    <m:r>
+                                      <a:rPr lang="en-US" altLang="zh-CN" sz="2000" i="1">
+                                        <a:solidFill>
+                                          <a:prstClr val="black"/>
+                                        </a:solidFill>
+                                        <a:latin typeface="Cambria Math" panose="02040503050406030204" pitchFamily="18" charset="0"/>
+                                      </a:rPr>
+                                      <m:t>,</m:t>
+                                    </m:r>
+                                    <m:sSub>
+                                      <m:sSubPr>
+                                        <m:ctrlPr>
+                                          <a:rPr lang="en-US" altLang="zh-CN" sz="2000" i="1">
+                                            <a:solidFill>
+                                              <a:prstClr val="black"/>
+                                            </a:solidFill>
+                                            <a:latin typeface="Cambria Math" panose="02040503050406030204" pitchFamily="18" charset="0"/>
+                                          </a:rPr>
+                                        </m:ctrlPr>
+                                      </m:sSubPr>
+                                      <m:e>
+                                        <m:r>
+                                          <a:rPr lang="en-US" altLang="zh-CN" sz="2000" i="1">
+                                            <a:solidFill>
+                                              <a:prstClr val="black"/>
+                                            </a:solidFill>
+                                            <a:latin typeface="Cambria Math" panose="02040503050406030204" pitchFamily="18" charset="0"/>
+                                          </a:rPr>
+                                          <m:t>𝑥</m:t>
+                                        </m:r>
+                                      </m:e>
+                                      <m:sub>
+                                        <m:r>
+                                          <a:rPr lang="en-US" altLang="zh-CN" sz="2000" b="0" i="1" smtClean="0">
+                                            <a:solidFill>
+                                              <a:prstClr val="black"/>
+                                            </a:solidFill>
+                                            <a:latin typeface="Cambria Math" panose="02040503050406030204" pitchFamily="18" charset="0"/>
+                                          </a:rPr>
+                                          <m:t>2</m:t>
+                                        </m:r>
+                                      </m:sub>
+                                    </m:sSub>
+                                  </m:e>
+                                </m:d>
+                                <m:r>
+                                  <a:rPr lang="en-US" altLang="zh-CN" sz="2000" i="1">
+                                    <a:solidFill>
+                                      <a:prstClr val="black"/>
+                                    </a:solidFill>
+                                    <a:latin typeface="Cambria Math" panose="02040503050406030204" pitchFamily="18" charset="0"/>
+                                  </a:rPr>
+                                  <m:t>=</m:t>
+                                </m:r>
+                                <m:f>
+                                  <m:fPr>
+                                    <m:ctrlPr>
+                                      <a:rPr lang="en-US" altLang="zh-CN" sz="2000" i="1" dirty="0" smtClean="0">
+                                        <a:latin typeface="Cambria Math" panose="02040503050406030204" pitchFamily="18" charset="0"/>
+                                      </a:rPr>
+                                    </m:ctrlPr>
+                                  </m:fPr>
+                                  <m:num>
+                                    <m:r>
+                                      <a:rPr lang="en-US" altLang="zh-CN" sz="2000" dirty="0" smtClean="0">
+                                        <a:latin typeface="Cambria Math" panose="02040503050406030204" pitchFamily="18" charset="0"/>
+                                      </a:rPr>
+                                      <m:t>1</m:t>
+                                    </m:r>
+                                  </m:num>
+                                  <m:den>
+                                    <m:r>
+                                      <a:rPr lang="en-US" altLang="zh-CN" sz="2000" i="1" dirty="0" smtClean="0">
+                                        <a:latin typeface="Cambria Math" panose="02040503050406030204" pitchFamily="18" charset="0"/>
+                                      </a:rPr>
+                                      <m:t>𝑞</m:t>
+                                    </m:r>
+                                  </m:den>
+                                </m:f>
+                              </m:oMath>
+                            </m:oMathPara>
+                          </a14:m>
+                          <a:endParaRPr lang="zh-CN" altLang="en-US" sz="2000" dirty="0"/>
+                        </a:p>
+                      </a:txBody>
+                      <a:tcPr/>
+                    </a:tc>
+                    <a:extLst>
+                      <a:ext uri="{0D108BD9-81ED-4DB2-BD59-A6C34878D82A}">
+                        <a16:rowId xmlns:a16="http://schemas.microsoft.com/office/drawing/2014/main" val="1584665688"/>
+                      </a:ext>
+                    </a:extLst>
+                  </a:tr>
+                  <a:tr h="370840">
+                    <a:tc>
+                      <a:txBody>
+                        <a:bodyPr/>
+                        <a:lstStyle/>
+                        <a:p>
+                          <a:pPr marL="0" marR="0" lvl="0" indent="0" algn="l" defTabSz="1219170" rtl="0" eaLnBrk="1" fontAlgn="auto" latinLnBrk="0" hangingPunct="1">
+                            <a:lnSpc>
+                              <a:spcPct val="100000"/>
+                            </a:lnSpc>
+                            <a:spcBef>
+                              <a:spcPts val="0"/>
+                            </a:spcBef>
+                            <a:spcAft>
+                              <a:spcPts val="0"/>
+                            </a:spcAft>
+                            <a:buClrTx/>
+                            <a:buSzTx/>
+                            <a:buFontTx/>
+                            <a:buNone/>
+                            <a:tabLst/>
+                            <a:defRPr/>
+                          </a:pPr>
+                          <a14:m>
+                            <m:oMathPara xmlns:m="http://schemas.openxmlformats.org/officeDocument/2006/math">
+                              <m:oMathParaPr>
+                                <m:jc m:val="centerGroup"/>
+                              </m:oMathParaPr>
+                              <m:oMath xmlns:m="http://schemas.openxmlformats.org/officeDocument/2006/math">
+                                <m:sSub>
+                                  <m:sSubPr>
+                                    <m:ctrlPr>
+                                      <a:rPr lang="en-US" altLang="zh-CN" sz="2000" i="1" smtClean="0">
+                                        <a:solidFill>
+                                          <a:prstClr val="black"/>
+                                        </a:solidFill>
+                                        <a:latin typeface="Cambria Math" panose="02040503050406030204" pitchFamily="18" charset="0"/>
+                                      </a:rPr>
+                                    </m:ctrlPr>
+                                  </m:sSubPr>
+                                  <m:e>
+                                    <m:r>
+                                      <a:rPr lang="en-US" altLang="zh-CN" sz="2000" i="1">
+                                        <a:solidFill>
+                                          <a:prstClr val="black"/>
+                                        </a:solidFill>
+                                        <a:latin typeface="Cambria Math" panose="02040503050406030204" pitchFamily="18" charset="0"/>
+                                      </a:rPr>
+                                      <m:t>𝑑</m:t>
+                                    </m:r>
+                                  </m:e>
+                                  <m:sub>
+                                    <m:r>
+                                      <a:rPr lang="en-US" altLang="zh-CN" sz="2000" i="1">
+                                        <a:solidFill>
+                                          <a:prstClr val="black"/>
+                                        </a:solidFill>
+                                        <a:latin typeface="Cambria Math" panose="02040503050406030204" pitchFamily="18" charset="0"/>
+                                      </a:rPr>
+                                      <m:t>𝑡</m:t>
+                                    </m:r>
+                                    <m:sSub>
+                                      <m:sSubPr>
+                                        <m:ctrlPr>
+                                          <a:rPr lang="en-US" altLang="zh-CN" sz="2000" i="1">
+                                            <a:solidFill>
+                                              <a:prstClr val="black"/>
+                                            </a:solidFill>
+                                            <a:latin typeface="Cambria Math" panose="02040503050406030204" pitchFamily="18" charset="0"/>
+                                          </a:rPr>
+                                        </m:ctrlPr>
+                                      </m:sSubPr>
+                                      <m:e>
+                                        <m:r>
+                                          <a:rPr lang="en-US" altLang="zh-CN" sz="2000" i="1">
+                                            <a:solidFill>
+                                              <a:prstClr val="black"/>
+                                            </a:solidFill>
+                                            <a:latin typeface="Cambria Math" panose="02040503050406030204" pitchFamily="18" charset="0"/>
+                                          </a:rPr>
+                                          <m:t>𝑥</m:t>
+                                        </m:r>
+                                      </m:e>
+                                      <m:sub>
+                                        <m:r>
+                                          <a:rPr lang="en-US" altLang="zh-CN" sz="2000" b="0" i="1" smtClean="0">
+                                            <a:solidFill>
+                                              <a:prstClr val="black"/>
+                                            </a:solidFill>
+                                            <a:latin typeface="Cambria Math" panose="02040503050406030204" pitchFamily="18" charset="0"/>
+                                          </a:rPr>
+                                          <m:t>3</m:t>
+                                        </m:r>
+                                      </m:sub>
+                                    </m:sSub>
+                                  </m:sub>
+                                </m:sSub>
+                                <m:r>
+                                  <a:rPr lang="en-US" altLang="zh-CN" sz="2000" i="1">
+                                    <a:solidFill>
+                                      <a:prstClr val="black"/>
+                                    </a:solidFill>
+                                    <a:latin typeface="Cambria Math" panose="02040503050406030204" pitchFamily="18" charset="0"/>
+                                  </a:rPr>
+                                  <m:t>=</m:t>
+                                </m:r>
+                                <m:r>
+                                  <a:rPr lang="en-US" altLang="zh-CN" sz="2000" b="0" i="1" smtClean="0">
+                                    <a:solidFill>
+                                      <a:prstClr val="black"/>
+                                    </a:solidFill>
+                                    <a:latin typeface="Cambria Math" panose="02040503050406030204" pitchFamily="18" charset="0"/>
+                                  </a:rPr>
+                                  <m:t>2</m:t>
+                                </m:r>
+                              </m:oMath>
+                            </m:oMathPara>
+                          </a14:m>
+                          <a:endParaRPr lang="en-US" altLang="zh-CN" sz="1800" dirty="0"/>
+                        </a:p>
+                      </a:txBody>
+                      <a:tcPr/>
+                    </a:tc>
+                    <a:tc>
+                      <a:txBody>
+                        <a:bodyPr/>
+                        <a:lstStyle/>
+                        <a:p>
+                          <a14:m>
+                            <m:oMathPara xmlns:m="http://schemas.openxmlformats.org/officeDocument/2006/math">
+                              <m:oMathParaPr>
+                                <m:jc m:val="centerGroup"/>
+                              </m:oMathParaPr>
+                              <m:oMath xmlns:m="http://schemas.openxmlformats.org/officeDocument/2006/math">
+                                <m:sSub>
+                                  <m:sSubPr>
+                                    <m:ctrlPr>
+                                      <a:rPr lang="en-US" altLang="zh-CN" sz="2000" i="1" smtClean="0">
+                                        <a:solidFill>
+                                          <a:prstClr val="black"/>
+                                        </a:solidFill>
+                                        <a:latin typeface="Cambria Math" panose="02040503050406030204" pitchFamily="18" charset="0"/>
+                                      </a:rPr>
+                                    </m:ctrlPr>
+                                  </m:sSubPr>
+                                  <m:e>
+                                    <m:r>
+                                      <a:rPr lang="en-US" altLang="zh-CN" sz="2000" i="1">
+                                        <a:solidFill>
+                                          <a:prstClr val="black"/>
+                                        </a:solidFill>
+                                        <a:latin typeface="Cambria Math" panose="02040503050406030204" pitchFamily="18" charset="0"/>
+                                      </a:rPr>
+                                      <m:t>𝛼</m:t>
+                                    </m:r>
+                                  </m:e>
+                                  <m:sub>
+                                    <m:r>
+                                      <a:rPr lang="en-US" altLang="zh-CN" sz="2000" i="1">
+                                        <a:solidFill>
+                                          <a:prstClr val="black"/>
+                                        </a:solidFill>
+                                        <a:latin typeface="Cambria Math" panose="02040503050406030204" pitchFamily="18" charset="0"/>
+                                      </a:rPr>
+                                      <m:t>𝑝𝑞</m:t>
+                                    </m:r>
+                                  </m:sub>
+                                </m:sSub>
+                                <m:d>
+                                  <m:dPr>
+                                    <m:ctrlPr>
+                                      <a:rPr lang="en-US" altLang="zh-CN" sz="2000" i="1">
+                                        <a:solidFill>
+                                          <a:prstClr val="black"/>
+                                        </a:solidFill>
+                                        <a:latin typeface="Cambria Math" panose="02040503050406030204" pitchFamily="18" charset="0"/>
+                                      </a:rPr>
+                                    </m:ctrlPr>
+                                  </m:dPr>
+                                  <m:e>
+                                    <m:r>
+                                      <a:rPr lang="en-US" altLang="zh-CN" sz="2000" i="1">
+                                        <a:solidFill>
+                                          <a:prstClr val="black"/>
+                                        </a:solidFill>
+                                        <a:latin typeface="Cambria Math" panose="02040503050406030204" pitchFamily="18" charset="0"/>
+                                      </a:rPr>
+                                      <m:t>𝑡</m:t>
+                                    </m:r>
+                                    <m:r>
+                                      <a:rPr lang="en-US" altLang="zh-CN" sz="2000" i="1">
+                                        <a:solidFill>
+                                          <a:prstClr val="black"/>
+                                        </a:solidFill>
+                                        <a:latin typeface="Cambria Math" panose="02040503050406030204" pitchFamily="18" charset="0"/>
+                                      </a:rPr>
+                                      <m:t>,</m:t>
+                                    </m:r>
+                                    <m:sSub>
+                                      <m:sSubPr>
+                                        <m:ctrlPr>
+                                          <a:rPr lang="en-US" altLang="zh-CN" sz="2000" i="1">
+                                            <a:solidFill>
+                                              <a:prstClr val="black"/>
+                                            </a:solidFill>
+                                            <a:latin typeface="Cambria Math" panose="02040503050406030204" pitchFamily="18" charset="0"/>
+                                          </a:rPr>
+                                        </m:ctrlPr>
+                                      </m:sSubPr>
+                                      <m:e>
+                                        <m:r>
+                                          <a:rPr lang="en-US" altLang="zh-CN" sz="2000" i="1">
+                                            <a:solidFill>
+                                              <a:prstClr val="black"/>
+                                            </a:solidFill>
+                                            <a:latin typeface="Cambria Math" panose="02040503050406030204" pitchFamily="18" charset="0"/>
+                                          </a:rPr>
+                                          <m:t>𝑥</m:t>
+                                        </m:r>
+                                      </m:e>
+                                      <m:sub>
+                                        <m:r>
+                                          <a:rPr lang="en-US" altLang="zh-CN" sz="2000" b="0" i="1" smtClean="0">
+                                            <a:solidFill>
+                                              <a:prstClr val="black"/>
+                                            </a:solidFill>
+                                            <a:latin typeface="Cambria Math" panose="02040503050406030204" pitchFamily="18" charset="0"/>
+                                          </a:rPr>
+                                          <m:t>3</m:t>
+                                        </m:r>
+                                      </m:sub>
+                                    </m:sSub>
+                                  </m:e>
+                                </m:d>
+                                <m:r>
+                                  <a:rPr lang="en-US" altLang="zh-CN" sz="2000" i="1">
+                                    <a:solidFill>
+                                      <a:prstClr val="black"/>
+                                    </a:solidFill>
+                                    <a:latin typeface="Cambria Math" panose="02040503050406030204" pitchFamily="18" charset="0"/>
+                                  </a:rPr>
+                                  <m:t>=</m:t>
+                                </m:r>
+                                <m:f>
+                                  <m:fPr>
+                                    <m:ctrlPr>
+                                      <a:rPr lang="en-US" altLang="zh-CN" sz="2000" i="1" dirty="0">
+                                        <a:solidFill>
+                                          <a:prstClr val="black"/>
+                                        </a:solidFill>
+                                        <a:latin typeface="Cambria Math" panose="02040503050406030204" pitchFamily="18" charset="0"/>
+                                      </a:rPr>
+                                    </m:ctrlPr>
+                                  </m:fPr>
+                                  <m:num>
+                                    <m:r>
+                                      <a:rPr lang="en-US" altLang="zh-CN" sz="2000" dirty="0">
+                                        <a:solidFill>
+                                          <a:prstClr val="black"/>
+                                        </a:solidFill>
+                                        <a:latin typeface="Cambria Math" panose="02040503050406030204" pitchFamily="18" charset="0"/>
+                                      </a:rPr>
+                                      <m:t>1</m:t>
+                                    </m:r>
+                                  </m:num>
+                                  <m:den>
+                                    <m:r>
+                                      <a:rPr lang="en-US" altLang="zh-CN" sz="2000" i="1" dirty="0">
+                                        <a:solidFill>
+                                          <a:prstClr val="black"/>
+                                        </a:solidFill>
+                                        <a:latin typeface="Cambria Math" panose="02040503050406030204" pitchFamily="18" charset="0"/>
+                                      </a:rPr>
+                                      <m:t>𝑞</m:t>
+                                    </m:r>
+                                  </m:den>
+                                </m:f>
+                              </m:oMath>
+                            </m:oMathPara>
+                          </a14:m>
+                          <a:endParaRPr lang="zh-CN" altLang="en-US" sz="2000" dirty="0"/>
+                        </a:p>
+                      </a:txBody>
+                      <a:tcPr/>
+                    </a:tc>
+                    <a:extLst>
+                      <a:ext uri="{0D108BD9-81ED-4DB2-BD59-A6C34878D82A}">
+                        <a16:rowId xmlns:a16="http://schemas.microsoft.com/office/drawing/2014/main" val="538652720"/>
+                      </a:ext>
+                    </a:extLst>
+                  </a:tr>
+                  <a:tr h="370840">
+                    <a:tc>
+                      <a:txBody>
+                        <a:bodyPr/>
+                        <a:lstStyle/>
+                        <a:p>
+                          <a14:m>
+                            <m:oMathPara xmlns:m="http://schemas.openxmlformats.org/officeDocument/2006/math">
+                              <m:oMathParaPr>
+                                <m:jc m:val="centerGroup"/>
+                              </m:oMathParaPr>
+                              <m:oMath xmlns:m="http://schemas.openxmlformats.org/officeDocument/2006/math">
+                                <m:sSub>
+                                  <m:sSubPr>
+                                    <m:ctrlPr>
+                                      <a:rPr lang="en-US" altLang="zh-CN" sz="2000" i="1" smtClean="0">
+                                        <a:solidFill>
+                                          <a:prstClr val="black"/>
+                                        </a:solidFill>
+                                        <a:latin typeface="Cambria Math" panose="02040503050406030204" pitchFamily="18" charset="0"/>
+                                      </a:rPr>
+                                    </m:ctrlPr>
+                                  </m:sSubPr>
+                                  <m:e>
+                                    <m:r>
+                                      <a:rPr lang="en-US" altLang="zh-CN" sz="2000" i="1">
+                                        <a:solidFill>
+                                          <a:prstClr val="black"/>
+                                        </a:solidFill>
+                                        <a:latin typeface="Cambria Math" panose="02040503050406030204" pitchFamily="18" charset="0"/>
+                                      </a:rPr>
+                                      <m:t>𝑑</m:t>
+                                    </m:r>
+                                  </m:e>
+                                  <m:sub>
+                                    <m:r>
+                                      <a:rPr lang="en-US" altLang="zh-CN" sz="2000" i="1">
+                                        <a:solidFill>
+                                          <a:prstClr val="black"/>
+                                        </a:solidFill>
+                                        <a:latin typeface="Cambria Math" panose="02040503050406030204" pitchFamily="18" charset="0"/>
+                                      </a:rPr>
+                                      <m:t>𝑡</m:t>
+                                    </m:r>
+                                    <m:r>
+                                      <a:rPr lang="en-US" altLang="zh-CN" sz="2000" b="0" i="1" smtClean="0">
+                                        <a:solidFill>
+                                          <a:prstClr val="black"/>
+                                        </a:solidFill>
+                                        <a:latin typeface="Cambria Math" panose="02040503050406030204" pitchFamily="18" charset="0"/>
+                                      </a:rPr>
+                                      <m:t>𝑡</m:t>
+                                    </m:r>
+                                  </m:sub>
+                                </m:sSub>
+                                <m:r>
+                                  <a:rPr lang="en-US" altLang="zh-CN" sz="2000" i="1">
+                                    <a:solidFill>
+                                      <a:prstClr val="black"/>
+                                    </a:solidFill>
+                                    <a:latin typeface="Cambria Math" panose="02040503050406030204" pitchFamily="18" charset="0"/>
+                                  </a:rPr>
+                                  <m:t>=</m:t>
+                                </m:r>
+                                <m:r>
+                                  <a:rPr lang="en-US" altLang="zh-CN" sz="2000" b="0" i="1" smtClean="0">
+                                    <a:solidFill>
+                                      <a:prstClr val="black"/>
+                                    </a:solidFill>
+                                    <a:latin typeface="Cambria Math" panose="02040503050406030204" pitchFamily="18" charset="0"/>
+                                  </a:rPr>
+                                  <m:t>0</m:t>
+                                </m:r>
+                              </m:oMath>
+                            </m:oMathPara>
+                          </a14:m>
+                          <a:endParaRPr lang="zh-CN" altLang="en-US" sz="2000" dirty="0"/>
+                        </a:p>
+                      </a:txBody>
+                      <a:tcPr/>
+                    </a:tc>
+                    <a:tc>
+                      <a:txBody>
+                        <a:bodyPr/>
+                        <a:lstStyle/>
+                        <a:p>
+                          <a14:m>
+                            <m:oMathPara xmlns:m="http://schemas.openxmlformats.org/officeDocument/2006/math">
+                              <m:oMathParaPr>
+                                <m:jc m:val="centerGroup"/>
+                              </m:oMathParaPr>
+                              <m:oMath xmlns:m="http://schemas.openxmlformats.org/officeDocument/2006/math">
+                                <m:sSub>
+                                  <m:sSubPr>
+                                    <m:ctrlPr>
+                                      <a:rPr lang="en-US" altLang="zh-CN" sz="2000" i="1" smtClean="0">
+                                        <a:solidFill>
+                                          <a:prstClr val="black"/>
+                                        </a:solidFill>
+                                        <a:latin typeface="Cambria Math" panose="02040503050406030204" pitchFamily="18" charset="0"/>
+                                      </a:rPr>
+                                    </m:ctrlPr>
+                                  </m:sSubPr>
+                                  <m:e>
+                                    <m:r>
+                                      <a:rPr lang="en-US" altLang="zh-CN" sz="2000" i="1">
+                                        <a:solidFill>
+                                          <a:prstClr val="black"/>
+                                        </a:solidFill>
+                                        <a:latin typeface="Cambria Math" panose="02040503050406030204" pitchFamily="18" charset="0"/>
+                                      </a:rPr>
+                                      <m:t>𝛼</m:t>
+                                    </m:r>
+                                  </m:e>
+                                  <m:sub>
+                                    <m:r>
+                                      <a:rPr lang="en-US" altLang="zh-CN" sz="2000" i="1">
+                                        <a:solidFill>
+                                          <a:prstClr val="black"/>
+                                        </a:solidFill>
+                                        <a:latin typeface="Cambria Math" panose="02040503050406030204" pitchFamily="18" charset="0"/>
+                                      </a:rPr>
+                                      <m:t>𝑝𝑞</m:t>
+                                    </m:r>
+                                  </m:sub>
+                                </m:sSub>
+                                <m:d>
+                                  <m:dPr>
+                                    <m:ctrlPr>
+                                      <a:rPr lang="en-US" altLang="zh-CN" sz="2000" i="1">
+                                        <a:solidFill>
+                                          <a:prstClr val="black"/>
+                                        </a:solidFill>
+                                        <a:latin typeface="Cambria Math" panose="02040503050406030204" pitchFamily="18" charset="0"/>
+                                      </a:rPr>
+                                    </m:ctrlPr>
+                                  </m:dPr>
+                                  <m:e>
+                                    <m:r>
+                                      <a:rPr lang="en-US" altLang="zh-CN" sz="2000" i="1">
+                                        <a:solidFill>
+                                          <a:prstClr val="black"/>
+                                        </a:solidFill>
+                                        <a:latin typeface="Cambria Math" panose="02040503050406030204" pitchFamily="18" charset="0"/>
+                                      </a:rPr>
+                                      <m:t>𝑡</m:t>
+                                    </m:r>
+                                    <m:r>
+                                      <a:rPr lang="en-US" altLang="zh-CN" sz="2000" i="1">
+                                        <a:solidFill>
+                                          <a:prstClr val="black"/>
+                                        </a:solidFill>
+                                        <a:latin typeface="Cambria Math" panose="02040503050406030204" pitchFamily="18" charset="0"/>
+                                      </a:rPr>
+                                      <m:t>,</m:t>
+                                    </m:r>
+                                    <m:r>
+                                      <a:rPr lang="en-US" altLang="zh-CN" sz="2000" b="0" i="1" smtClean="0">
+                                        <a:solidFill>
+                                          <a:prstClr val="black"/>
+                                        </a:solidFill>
+                                        <a:latin typeface="Cambria Math" panose="02040503050406030204" pitchFamily="18" charset="0"/>
+                                      </a:rPr>
+                                      <m:t>𝑡</m:t>
+                                    </m:r>
+                                  </m:e>
+                                </m:d>
+                                <m:r>
+                                  <a:rPr lang="en-US" altLang="zh-CN" sz="2000" i="1">
+                                    <a:solidFill>
+                                      <a:prstClr val="black"/>
+                                    </a:solidFill>
+                                    <a:latin typeface="Cambria Math" panose="02040503050406030204" pitchFamily="18" charset="0"/>
+                                  </a:rPr>
+                                  <m:t>=</m:t>
+                                </m:r>
+                                <m:f>
+                                  <m:fPr>
+                                    <m:ctrlPr>
+                                      <a:rPr lang="en-US" altLang="zh-CN" sz="2000" i="1" dirty="0">
+                                        <a:solidFill>
+                                          <a:prstClr val="black"/>
+                                        </a:solidFill>
+                                        <a:latin typeface="Cambria Math" panose="02040503050406030204" pitchFamily="18" charset="0"/>
+                                      </a:rPr>
+                                    </m:ctrlPr>
+                                  </m:fPr>
+                                  <m:num>
+                                    <m:r>
+                                      <a:rPr lang="en-US" altLang="zh-CN" sz="2000" dirty="0">
+                                        <a:solidFill>
+                                          <a:prstClr val="black"/>
+                                        </a:solidFill>
+                                        <a:latin typeface="Cambria Math" panose="02040503050406030204" pitchFamily="18" charset="0"/>
+                                      </a:rPr>
+                                      <m:t>1</m:t>
+                                    </m:r>
+                                  </m:num>
+                                  <m:den>
+                                    <m:r>
+                                      <a:rPr lang="en-US" altLang="zh-CN" sz="2000" b="0" i="1" dirty="0" smtClean="0">
+                                        <a:solidFill>
+                                          <a:prstClr val="black"/>
+                                        </a:solidFill>
+                                        <a:latin typeface="Cambria Math" panose="02040503050406030204" pitchFamily="18" charset="0"/>
+                                      </a:rPr>
+                                      <m:t>𝑝</m:t>
+                                    </m:r>
+                                  </m:den>
+                                </m:f>
+                              </m:oMath>
+                            </m:oMathPara>
+                          </a14:m>
+                          <a:endParaRPr lang="zh-CN" altLang="en-US" sz="2000" dirty="0"/>
+                        </a:p>
+                      </a:txBody>
+                      <a:tcPr/>
+                    </a:tc>
+                    <a:extLst>
+                      <a:ext uri="{0D108BD9-81ED-4DB2-BD59-A6C34878D82A}">
+                        <a16:rowId xmlns:a16="http://schemas.microsoft.com/office/drawing/2014/main" val="4293600749"/>
+                      </a:ext>
+                    </a:extLst>
+                  </a:tr>
+                </a:tbl>
+              </a:graphicData>
+            </a:graphic>
+          </p:graphicFrame>
+        </mc:Choice>
+        <mc:Fallback>
+          <p:graphicFrame>
+            <p:nvGraphicFramePr>
+              <p:cNvPr id="23" name="表格 22">
+                <a:extLst>
+                  <a:ext uri="{FF2B5EF4-FFF2-40B4-BE49-F238E27FC236}">
+                    <a16:creationId xmlns:a16="http://schemas.microsoft.com/office/drawing/2014/main" id="{A4AA1C5D-D6BD-418A-9E6F-389683ACBDF2}"/>
+                  </a:ext>
+                </a:extLst>
+              </p:cNvPr>
+              <p:cNvGraphicFramePr>
+                <a:graphicFrameLocks noGrp="1"/>
+              </p:cNvGraphicFramePr>
+              <p:nvPr>
+                <p:extLst>
+                  <p:ext uri="{D42A27DB-BD31-4B8C-83A1-F6EECF244321}">
+                    <p14:modId xmlns:p14="http://schemas.microsoft.com/office/powerpoint/2010/main" val="3540600817"/>
+                  </p:ext>
+                </p:extLst>
+              </p:nvPr>
+            </p:nvGraphicFramePr>
+            <p:xfrm>
+              <a:off x="6626983" y="6314775"/>
+              <a:ext cx="5162890" cy="2568575"/>
+            </p:xfrm>
+            <a:graphic>
+              <a:graphicData uri="http://schemas.openxmlformats.org/drawingml/2006/table">
+                <a:tbl>
+                  <a:tblPr>
+                    <a:tableStyleId>{5C22544A-7EE6-4342-B048-85BDC9FD1C3A}</a:tableStyleId>
+                  </a:tblPr>
+                  <a:tblGrid>
+                    <a:gridCol w="2581445">
+                      <a:extLst>
+                        <a:ext uri="{9D8B030D-6E8A-4147-A177-3AD203B41FA5}">
+                          <a16:colId xmlns:a16="http://schemas.microsoft.com/office/drawing/2014/main" val="4215692228"/>
+                        </a:ext>
+                      </a:extLst>
+                    </a:gridCol>
+                    <a:gridCol w="2581445">
+                      <a:extLst>
+                        <a:ext uri="{9D8B030D-6E8A-4147-A177-3AD203B41FA5}">
+                          <a16:colId xmlns:a16="http://schemas.microsoft.com/office/drawing/2014/main" val="1337371917"/>
+                        </a:ext>
+                      </a:extLst>
+                    </a:gridCol>
+                  </a:tblGrid>
+                  <a:tr h="422402">
+                    <a:tc>
+                      <a:txBody>
+                        <a:bodyPr/>
+                        <a:lstStyle/>
+                        <a:p>
+                          <a:endParaRPr lang="zh-CN"/>
+                        </a:p>
+                      </a:txBody>
+                      <a:tcPr>
+                        <a:blipFill>
+                          <a:blip r:embed="rId12"/>
+                          <a:stretch>
+                            <a:fillRect l="-236" t="-1429" r="-100472" b="-507143"/>
+                          </a:stretch>
+                        </a:blipFill>
+                      </a:tcPr>
+                    </a:tc>
+                    <a:tc>
+                      <a:txBody>
+                        <a:bodyPr/>
+                        <a:lstStyle/>
+                        <a:p>
+                          <a:endParaRPr lang="zh-CN"/>
+                        </a:p>
+                      </a:txBody>
+                      <a:tcPr>
+                        <a:blipFill>
+                          <a:blip r:embed="rId12"/>
+                          <a:stretch>
+                            <a:fillRect l="-100236" t="-1429" r="-472" b="-507143"/>
+                          </a:stretch>
+                        </a:blipFill>
+                      </a:tcPr>
+                    </a:tc>
+                    <a:extLst>
+                      <a:ext uri="{0D108BD9-81ED-4DB2-BD59-A6C34878D82A}">
+                        <a16:rowId xmlns:a16="http://schemas.microsoft.com/office/drawing/2014/main" val="1142470746"/>
+                      </a:ext>
+                    </a:extLst>
+                  </a:tr>
+                  <a:tr h="715391">
+                    <a:tc>
+                      <a:txBody>
+                        <a:bodyPr/>
+                        <a:lstStyle/>
+                        <a:p>
+                          <a:endParaRPr lang="zh-CN"/>
+                        </a:p>
+                      </a:txBody>
+                      <a:tcPr>
+                        <a:blipFill>
+                          <a:blip r:embed="rId12"/>
+                          <a:stretch>
+                            <a:fillRect l="-236" t="-60684" r="-100472" b="-203419"/>
+                          </a:stretch>
+                        </a:blipFill>
+                      </a:tcPr>
+                    </a:tc>
+                    <a:tc>
+                      <a:txBody>
+                        <a:bodyPr/>
+                        <a:lstStyle/>
+                        <a:p>
+                          <a:endParaRPr lang="zh-CN"/>
+                        </a:p>
+                      </a:txBody>
+                      <a:tcPr>
+                        <a:blipFill>
+                          <a:blip r:embed="rId12"/>
+                          <a:stretch>
+                            <a:fillRect l="-100236" t="-60684" r="-472" b="-203419"/>
+                          </a:stretch>
+                        </a:blipFill>
+                      </a:tcPr>
+                    </a:tc>
+                    <a:extLst>
+                      <a:ext uri="{0D108BD9-81ED-4DB2-BD59-A6C34878D82A}">
+                        <a16:rowId xmlns:a16="http://schemas.microsoft.com/office/drawing/2014/main" val="1584665688"/>
+                      </a:ext>
+                    </a:extLst>
+                  </a:tr>
+                  <a:tr h="715391">
+                    <a:tc>
+                      <a:txBody>
+                        <a:bodyPr/>
+                        <a:lstStyle/>
+                        <a:p>
+                          <a:endParaRPr lang="zh-CN"/>
+                        </a:p>
+                      </a:txBody>
+                      <a:tcPr>
+                        <a:blipFill>
+                          <a:blip r:embed="rId12"/>
+                          <a:stretch>
+                            <a:fillRect l="-236" t="-159322" r="-100472" b="-101695"/>
+                          </a:stretch>
+                        </a:blipFill>
+                      </a:tcPr>
+                    </a:tc>
+                    <a:tc>
+                      <a:txBody>
+                        <a:bodyPr/>
+                        <a:lstStyle/>
+                        <a:p>
+                          <a:endParaRPr lang="zh-CN"/>
+                        </a:p>
+                      </a:txBody>
+                      <a:tcPr>
+                        <a:blipFill>
+                          <a:blip r:embed="rId12"/>
+                          <a:stretch>
+                            <a:fillRect l="-100236" t="-159322" r="-472" b="-101695"/>
+                          </a:stretch>
+                        </a:blipFill>
+                      </a:tcPr>
+                    </a:tc>
+                    <a:extLst>
+                      <a:ext uri="{0D108BD9-81ED-4DB2-BD59-A6C34878D82A}">
+                        <a16:rowId xmlns:a16="http://schemas.microsoft.com/office/drawing/2014/main" val="538652720"/>
+                      </a:ext>
+                    </a:extLst>
+                  </a:tr>
+                  <a:tr h="715391">
+                    <a:tc>
+                      <a:txBody>
+                        <a:bodyPr/>
+                        <a:lstStyle/>
+                        <a:p>
+                          <a:endParaRPr lang="zh-CN"/>
+                        </a:p>
+                      </a:txBody>
+                      <a:tcPr>
+                        <a:blipFill>
+                          <a:blip r:embed="rId12"/>
+                          <a:stretch>
+                            <a:fillRect l="-236" t="-259322" r="-100472" b="-1695"/>
+                          </a:stretch>
+                        </a:blipFill>
+                      </a:tcPr>
+                    </a:tc>
+                    <a:tc>
+                      <a:txBody>
+                        <a:bodyPr/>
+                        <a:lstStyle/>
+                        <a:p>
+                          <a:endParaRPr lang="zh-CN"/>
+                        </a:p>
+                      </a:txBody>
+                      <a:tcPr>
+                        <a:blipFill>
+                          <a:blip r:embed="rId12"/>
+                          <a:stretch>
+                            <a:fillRect l="-100236" t="-259322" r="-472" b="-1695"/>
+                          </a:stretch>
+                        </a:blipFill>
+                      </a:tcPr>
+                    </a:tc>
+                    <a:extLst>
+                      <a:ext uri="{0D108BD9-81ED-4DB2-BD59-A6C34878D82A}">
+                        <a16:rowId xmlns:a16="http://schemas.microsoft.com/office/drawing/2014/main" val="4293600749"/>
+                      </a:ext>
+                    </a:extLst>
+                  </a:tr>
+                </a:tbl>
+              </a:graphicData>
+            </a:graphic>
+          </p:graphicFrame>
+        </mc:Fallback>
+      </mc:AlternateContent>
+    </p:spTree>
+    <p:extLst>
+      <p:ext uri="{BB962C8B-B14F-4D97-AF65-F5344CB8AC3E}">
+        <p14:creationId xmlns:p14="http://schemas.microsoft.com/office/powerpoint/2010/main" val="4069875427"/>
       </p:ext>
     </p:extLst>
   </p:cSld>
@@ -5705,4 +10147,299 @@
     </a:ext>
   </a:extLst>
 </a:theme>
+</file>
+
+<file path=ppt/theme/theme2.xml><?xml version="1.0" encoding="utf-8"?>
+<a:theme xmlns:a="http://schemas.openxmlformats.org/drawingml/2006/main" name="Office 主题​​">
+  <a:themeElements>
+    <a:clrScheme name="Office">
+      <a:dk1>
+        <a:sysClr val="windowText" lastClr="000000"/>
+      </a:dk1>
+      <a:lt1>
+        <a:sysClr val="window" lastClr="FFFFFF"/>
+      </a:lt1>
+      <a:dk2>
+        <a:srgbClr val="44546A"/>
+      </a:dk2>
+      <a:lt2>
+        <a:srgbClr val="E7E6E6"/>
+      </a:lt2>
+      <a:accent1>
+        <a:srgbClr val="4472C4"/>
+      </a:accent1>
+      <a:accent2>
+        <a:srgbClr val="ED7D31"/>
+      </a:accent2>
+      <a:accent3>
+        <a:srgbClr val="A5A5A5"/>
+      </a:accent3>
+      <a:accent4>
+        <a:srgbClr val="FFC000"/>
+      </a:accent4>
+      <a:accent5>
+        <a:srgbClr val="5B9BD5"/>
+      </a:accent5>
+      <a:accent6>
+        <a:srgbClr val="70AD47"/>
+      </a:accent6>
+      <a:hlink>
+        <a:srgbClr val="0563C1"/>
+      </a:hlink>
+      <a:folHlink>
+        <a:srgbClr val="954F72"/>
+      </a:folHlink>
+    </a:clrScheme>
+    <a:fontScheme name="Office">
+      <a:majorFont>
+        <a:latin typeface="等线 Light" panose="020F0302020204030204"/>
+        <a:ea typeface=""/>
+        <a:cs typeface=""/>
+        <a:font script="Jpan" typeface="游ゴシック Light"/>
+        <a:font script="Hang" typeface="맑은 고딕"/>
+        <a:font script="Hans" typeface="等线 Light"/>
+        <a:font script="Hant" typeface="新細明體"/>
+        <a:font script="Arab" typeface="Times New Roman"/>
+        <a:font script="Hebr" typeface="Times New Roman"/>
+        <a:font script="Thai" typeface="Angsana New"/>
+        <a:font script="Ethi" typeface="Nyala"/>
+        <a:font script="Beng" typeface="Vrinda"/>
+        <a:font script="Gujr" typeface="Shruti"/>
+        <a:font script="Khmr" typeface="MoolBoran"/>
+        <a:font script="Knda" typeface="Tunga"/>
+        <a:font script="Guru" typeface="Raavi"/>
+        <a:font script="Cans" typeface="Euphemia"/>
+        <a:font script="Cher" typeface="Plantagenet Cherokee"/>
+        <a:font script="Yiii" typeface="Microsoft Yi Baiti"/>
+        <a:font script="Tibt" typeface="Microsoft Himalaya"/>
+        <a:font script="Thaa" typeface="MV Boli"/>
+        <a:font script="Deva" typeface="Mangal"/>
+        <a:font script="Telu" typeface="Gautami"/>
+        <a:font script="Taml" typeface="Latha"/>
+        <a:font script="Syrc" typeface="Estrangelo Edessa"/>
+        <a:font script="Orya" typeface="Kalinga"/>
+        <a:font script="Mlym" typeface="Kartika"/>
+        <a:font script="Laoo" typeface="DokChampa"/>
+        <a:font script="Sinh" typeface="Iskoola Pota"/>
+        <a:font script="Mong" typeface="Mongolian Baiti"/>
+        <a:font script="Viet" typeface="Times New Roman"/>
+        <a:font script="Uigh" typeface="Microsoft Uighur"/>
+        <a:font script="Geor" typeface="Sylfaen"/>
+        <a:font script="Armn" typeface="Arial"/>
+        <a:font script="Bugi" typeface="Leelawadee UI"/>
+        <a:font script="Bopo" typeface="Microsoft JhengHei"/>
+        <a:font script="Java" typeface="Javanese Text"/>
+        <a:font script="Lisu" typeface="Segoe UI"/>
+        <a:font script="Mymr" typeface="Myanmar Text"/>
+        <a:font script="Nkoo" typeface="Ebrima"/>
+        <a:font script="Olck" typeface="Nirmala UI"/>
+        <a:font script="Osma" typeface="Ebrima"/>
+        <a:font script="Phag" typeface="Phagspa"/>
+        <a:font script="Syrn" typeface="Estrangelo Edessa"/>
+        <a:font script="Syrj" typeface="Estrangelo Edessa"/>
+        <a:font script="Syre" typeface="Estrangelo Edessa"/>
+        <a:font script="Sora" typeface="Nirmala UI"/>
+        <a:font script="Tale" typeface="Microsoft Tai Le"/>
+        <a:font script="Talu" typeface="Microsoft New Tai Lue"/>
+        <a:font script="Tfng" typeface="Ebrima"/>
+      </a:majorFont>
+      <a:minorFont>
+        <a:latin typeface="等线" panose="020F0502020204030204"/>
+        <a:ea typeface=""/>
+        <a:cs typeface=""/>
+        <a:font script="Jpan" typeface="游ゴシック"/>
+        <a:font script="Hang" typeface="맑은 고딕"/>
+        <a:font script="Hans" typeface="等线"/>
+        <a:font script="Hant" typeface="新細明體"/>
+        <a:font script="Arab" typeface="Arial"/>
+        <a:font script="Hebr" typeface="Arial"/>
+        <a:font script="Thai" typeface="Cordia New"/>
+        <a:font script="Ethi" typeface="Nyala"/>
+        <a:font script="Beng" typeface="Vrinda"/>
+        <a:font script="Gujr" typeface="Shruti"/>
+        <a:font script="Khmr" typeface="DaunPenh"/>
+        <a:font script="Knda" typeface="Tunga"/>
+        <a:font script="Guru" typeface="Raavi"/>
+        <a:font script="Cans" typeface="Euphemia"/>
+        <a:font script="Cher" typeface="Plantagenet Cherokee"/>
+        <a:font script="Yiii" typeface="Microsoft Yi Baiti"/>
+        <a:font script="Tibt" typeface="Microsoft Himalaya"/>
+        <a:font script="Thaa" typeface="MV Boli"/>
+        <a:font script="Deva" typeface="Mangal"/>
+        <a:font script="Telu" typeface="Gautami"/>
+        <a:font script="Taml" typeface="Latha"/>
+        <a:font script="Syrc" typeface="Estrangelo Edessa"/>
+        <a:font script="Orya" typeface="Kalinga"/>
+        <a:font script="Mlym" typeface="Kartika"/>
+        <a:font script="Laoo" typeface="DokChampa"/>
+        <a:font script="Sinh" typeface="Iskoola Pota"/>
+        <a:font script="Mong" typeface="Mongolian Baiti"/>
+        <a:font script="Viet" typeface="Arial"/>
+        <a:font script="Uigh" typeface="Microsoft Uighur"/>
+        <a:font script="Geor" typeface="Sylfaen"/>
+        <a:font script="Armn" typeface="Arial"/>
+        <a:font script="Bugi" typeface="Leelawadee UI"/>
+        <a:font script="Bopo" typeface="Microsoft JhengHei"/>
+        <a:font script="Java" typeface="Javanese Text"/>
+        <a:font script="Lisu" typeface="Segoe UI"/>
+        <a:font script="Mymr" typeface="Myanmar Text"/>
+        <a:font script="Nkoo" typeface="Ebrima"/>
+        <a:font script="Olck" typeface="Nirmala UI"/>
+        <a:font script="Osma" typeface="Ebrima"/>
+        <a:font script="Phag" typeface="Phagspa"/>
+        <a:font script="Syrn" typeface="Estrangelo Edessa"/>
+        <a:font script="Syrj" typeface="Estrangelo Edessa"/>
+        <a:font script="Syre" typeface="Estrangelo Edessa"/>
+        <a:font script="Sora" typeface="Nirmala UI"/>
+        <a:font script="Tale" typeface="Microsoft Tai Le"/>
+        <a:font script="Talu" typeface="Microsoft New Tai Lue"/>
+        <a:font script="Tfng" typeface="Ebrima"/>
+      </a:minorFont>
+    </a:fontScheme>
+    <a:fmtScheme name="Office">
+      <a:fillStyleLst>
+        <a:solidFill>
+          <a:schemeClr val="phClr"/>
+        </a:solidFill>
+        <a:gradFill rotWithShape="1">
+          <a:gsLst>
+            <a:gs pos="0">
+              <a:schemeClr val="phClr">
+                <a:lumMod val="110000"/>
+                <a:satMod val="105000"/>
+                <a:tint val="67000"/>
+              </a:schemeClr>
+            </a:gs>
+            <a:gs pos="50000">
+              <a:schemeClr val="phClr">
+                <a:lumMod val="105000"/>
+                <a:satMod val="103000"/>
+                <a:tint val="73000"/>
+              </a:schemeClr>
+            </a:gs>
+            <a:gs pos="100000">
+              <a:schemeClr val="phClr">
+                <a:lumMod val="105000"/>
+                <a:satMod val="109000"/>
+                <a:tint val="81000"/>
+              </a:schemeClr>
+            </a:gs>
+          </a:gsLst>
+          <a:lin ang="5400000" scaled="0"/>
+        </a:gradFill>
+        <a:gradFill rotWithShape="1">
+          <a:gsLst>
+            <a:gs pos="0">
+              <a:schemeClr val="phClr">
+                <a:satMod val="103000"/>
+                <a:lumMod val="102000"/>
+                <a:tint val="94000"/>
+              </a:schemeClr>
+            </a:gs>
+            <a:gs pos="50000">
+              <a:schemeClr val="phClr">
+                <a:satMod val="110000"/>
+                <a:lumMod val="100000"/>
+                <a:shade val="100000"/>
+              </a:schemeClr>
+            </a:gs>
+            <a:gs pos="100000">
+              <a:schemeClr val="phClr">
+                <a:lumMod val="99000"/>
+                <a:satMod val="120000"/>
+                <a:shade val="78000"/>
+              </a:schemeClr>
+            </a:gs>
+          </a:gsLst>
+          <a:lin ang="5400000" scaled="0"/>
+        </a:gradFill>
+      </a:fillStyleLst>
+      <a:lnStyleLst>
+        <a:ln w="6350" cap="flat" cmpd="sng" algn="ctr">
+          <a:solidFill>
+            <a:schemeClr val="phClr"/>
+          </a:solidFill>
+          <a:prstDash val="solid"/>
+          <a:miter lim="800000"/>
+        </a:ln>
+        <a:ln w="12700" cap="flat" cmpd="sng" algn="ctr">
+          <a:solidFill>
+            <a:schemeClr val="phClr"/>
+          </a:solidFill>
+          <a:prstDash val="solid"/>
+          <a:miter lim="800000"/>
+        </a:ln>
+        <a:ln w="19050" cap="flat" cmpd="sng" algn="ctr">
+          <a:solidFill>
+            <a:schemeClr val="phClr"/>
+          </a:solidFill>
+          <a:prstDash val="solid"/>
+          <a:miter lim="800000"/>
+        </a:ln>
+      </a:lnStyleLst>
+      <a:effectStyleLst>
+        <a:effectStyle>
+          <a:effectLst/>
+        </a:effectStyle>
+        <a:effectStyle>
+          <a:effectLst/>
+        </a:effectStyle>
+        <a:effectStyle>
+          <a:effectLst>
+            <a:outerShdw blurRad="57150" dist="19050" dir="5400000" algn="ctr" rotWithShape="0">
+              <a:srgbClr val="000000">
+                <a:alpha val="63000"/>
+              </a:srgbClr>
+            </a:outerShdw>
+          </a:effectLst>
+        </a:effectStyle>
+      </a:effectStyleLst>
+      <a:bgFillStyleLst>
+        <a:solidFill>
+          <a:schemeClr val="phClr"/>
+        </a:solidFill>
+        <a:solidFill>
+          <a:schemeClr val="phClr">
+            <a:tint val="95000"/>
+            <a:satMod val="170000"/>
+          </a:schemeClr>
+        </a:solidFill>
+        <a:gradFill rotWithShape="1">
+          <a:gsLst>
+            <a:gs pos="0">
+              <a:schemeClr val="phClr">
+                <a:tint val="93000"/>
+                <a:satMod val="150000"/>
+                <a:shade val="98000"/>
+                <a:lumMod val="102000"/>
+              </a:schemeClr>
+            </a:gs>
+            <a:gs pos="50000">
+              <a:schemeClr val="phClr">
+                <a:tint val="98000"/>
+                <a:satMod val="130000"/>
+                <a:shade val="90000"/>
+                <a:lumMod val="103000"/>
+              </a:schemeClr>
+            </a:gs>
+            <a:gs pos="100000">
+              <a:schemeClr val="phClr">
+                <a:shade val="63000"/>
+                <a:satMod val="120000"/>
+              </a:schemeClr>
+            </a:gs>
+          </a:gsLst>
+          <a:lin ang="5400000" scaled="0"/>
+        </a:gradFill>
+      </a:bgFillStyleLst>
+    </a:fmtScheme>
+  </a:themeElements>
+  <a:objectDefaults/>
+  <a:extraClrSchemeLst/>
+  <a:extLst>
+    <a:ext uri="{05A4C25C-085E-4340-85A3-A5531E510DB2}">
+      <thm15:themeFamily xmlns:thm15="http://schemas.microsoft.com/office/thememl/2012/main" name="Office Theme" id="{62F939B6-93AF-4DB8-9C6B-D6C7DFDC589F}" vid="{4A3C46E8-61CC-4603-A589-7422A47A8E4A}"/>
+    </a:ext>
+  </a:extLst>
+</a:theme>
 </file>
--- a/2_node2vec/node2vec.pptx
+++ b/2_node2vec/node2vec.pptx
@@ -199,7 +199,7 @@
           <a:p>
             <a:fld id="{62B517B9-F9DA-4CE7-8A0F-16C8C2F77E8F}" type="datetimeFigureOut">
               <a:rPr lang="zh-CN" altLang="en-US" smtClean="0"/>
-              <a:t>2021/9/25</a:t>
+              <a:t>2021/9/26</a:t>
             </a:fld>
             <a:endParaRPr lang="zh-CN" altLang="en-US"/>
           </a:p>
@@ -912,7 +912,7 @@
           <a:p>
             <a:fld id="{7AC5E4EC-F5B6-4692-B35B-92C4C1A65EF4}" type="datetimeFigureOut">
               <a:rPr lang="zh-CN" altLang="en-US" smtClean="0"/>
-              <a:t>2021/9/25</a:t>
+              <a:t>2021/9/26</a:t>
             </a:fld>
             <a:endParaRPr lang="zh-CN" altLang="en-US"/>
           </a:p>
@@ -1082,7 +1082,7 @@
           <a:p>
             <a:fld id="{7AC5E4EC-F5B6-4692-B35B-92C4C1A65EF4}" type="datetimeFigureOut">
               <a:rPr lang="zh-CN" altLang="en-US" smtClean="0"/>
-              <a:t>2021/9/25</a:t>
+              <a:t>2021/9/26</a:t>
             </a:fld>
             <a:endParaRPr lang="zh-CN" altLang="en-US"/>
           </a:p>
@@ -1262,7 +1262,7 @@
           <a:p>
             <a:fld id="{7AC5E4EC-F5B6-4692-B35B-92C4C1A65EF4}" type="datetimeFigureOut">
               <a:rPr lang="zh-CN" altLang="en-US" smtClean="0"/>
-              <a:t>2021/9/25</a:t>
+              <a:t>2021/9/26</a:t>
             </a:fld>
             <a:endParaRPr lang="zh-CN" altLang="en-US"/>
           </a:p>
@@ -1432,7 +1432,7 @@
           <a:p>
             <a:fld id="{7AC5E4EC-F5B6-4692-B35B-92C4C1A65EF4}" type="datetimeFigureOut">
               <a:rPr lang="zh-CN" altLang="en-US" smtClean="0"/>
-              <a:t>2021/9/25</a:t>
+              <a:t>2021/9/26</a:t>
             </a:fld>
             <a:endParaRPr lang="zh-CN" altLang="en-US"/>
           </a:p>
@@ -1676,7 +1676,7 @@
           <a:p>
             <a:fld id="{7AC5E4EC-F5B6-4692-B35B-92C4C1A65EF4}" type="datetimeFigureOut">
               <a:rPr lang="zh-CN" altLang="en-US" smtClean="0"/>
-              <a:t>2021/9/25</a:t>
+              <a:t>2021/9/26</a:t>
             </a:fld>
             <a:endParaRPr lang="zh-CN" altLang="en-US"/>
           </a:p>
@@ -1908,7 +1908,7 @@
           <a:p>
             <a:fld id="{7AC5E4EC-F5B6-4692-B35B-92C4C1A65EF4}" type="datetimeFigureOut">
               <a:rPr lang="zh-CN" altLang="en-US" smtClean="0"/>
-              <a:t>2021/9/25</a:t>
+              <a:t>2021/9/26</a:t>
             </a:fld>
             <a:endParaRPr lang="zh-CN" altLang="en-US"/>
           </a:p>
@@ -2275,7 +2275,7 @@
           <a:p>
             <a:fld id="{7AC5E4EC-F5B6-4692-B35B-92C4C1A65EF4}" type="datetimeFigureOut">
               <a:rPr lang="zh-CN" altLang="en-US" smtClean="0"/>
-              <a:t>2021/9/25</a:t>
+              <a:t>2021/9/26</a:t>
             </a:fld>
             <a:endParaRPr lang="zh-CN" altLang="en-US"/>
           </a:p>
@@ -2393,7 +2393,7 @@
           <a:p>
             <a:fld id="{7AC5E4EC-F5B6-4692-B35B-92C4C1A65EF4}" type="datetimeFigureOut">
               <a:rPr lang="zh-CN" altLang="en-US" smtClean="0"/>
-              <a:t>2021/9/25</a:t>
+              <a:t>2021/9/26</a:t>
             </a:fld>
             <a:endParaRPr lang="zh-CN" altLang="en-US"/>
           </a:p>
@@ -2488,7 +2488,7 @@
           <a:p>
             <a:fld id="{7AC5E4EC-F5B6-4692-B35B-92C4C1A65EF4}" type="datetimeFigureOut">
               <a:rPr lang="zh-CN" altLang="en-US" smtClean="0"/>
-              <a:t>2021/9/25</a:t>
+              <a:t>2021/9/26</a:t>
             </a:fld>
             <a:endParaRPr lang="zh-CN" altLang="en-US"/>
           </a:p>
@@ -2765,7 +2765,7 @@
           <a:p>
             <a:fld id="{7AC5E4EC-F5B6-4692-B35B-92C4C1A65EF4}" type="datetimeFigureOut">
               <a:rPr lang="zh-CN" altLang="en-US" smtClean="0"/>
-              <a:t>2021/9/25</a:t>
+              <a:t>2021/9/26</a:t>
             </a:fld>
             <a:endParaRPr lang="zh-CN" altLang="en-US"/>
           </a:p>
@@ -3022,7 +3022,7 @@
           <a:p>
             <a:fld id="{7AC5E4EC-F5B6-4692-B35B-92C4C1A65EF4}" type="datetimeFigureOut">
               <a:rPr lang="zh-CN" altLang="en-US" smtClean="0"/>
-              <a:t>2021/9/25</a:t>
+              <a:t>2021/9/26</a:t>
             </a:fld>
             <a:endParaRPr lang="zh-CN" altLang="en-US"/>
           </a:p>
@@ -3235,7 +3235,7 @@
           <a:p>
             <a:fld id="{7AC5E4EC-F5B6-4692-B35B-92C4C1A65EF4}" type="datetimeFigureOut">
               <a:rPr lang="zh-CN" altLang="en-US" smtClean="0"/>
-              <a:t>2021/9/25</a:t>
+              <a:t>2021/9/26</a:t>
             </a:fld>
             <a:endParaRPr lang="zh-CN" altLang="en-US"/>
           </a:p>
@@ -3640,8 +3640,8 @@
           <a:chExt cx="0" cy="0"/>
         </a:xfrm>
       </p:grpSpPr>
-      <mc:AlternateContent xmlns:mc="http://schemas.openxmlformats.org/markup-compatibility/2006">
-        <mc:Choice xmlns:a14="http://schemas.microsoft.com/office/drawing/2010/main" Requires="a14">
+      <mc:AlternateContent xmlns:mc="http://schemas.openxmlformats.org/markup-compatibility/2006" xmlns:a14="http://schemas.microsoft.com/office/drawing/2010/main">
+        <mc:Choice Requires="a14">
           <p:sp>
             <p:nvSpPr>
               <p:cNvPr id="4" name="文本框 3">
@@ -3675,18 +3675,24 @@
                     <m:sSub>
                       <m:sSubPr>
                         <m:ctrlPr>
-                          <a:rPr lang="zh-CN" altLang="en-US" sz="2000" i="1"/>
+                          <a:rPr lang="zh-CN" altLang="en-US" sz="2000" i="1">
+                            <a:latin typeface="Cambria Math" panose="02040503050406030204" pitchFamily="18" charset="0"/>
+                          </a:rPr>
                         </m:ctrlPr>
                       </m:sSubPr>
                       <m:e>
                         <m:r>
-                          <a:rPr lang="zh-CN" altLang="en-US" sz="2000" i="1"/>
+                          <a:rPr lang="zh-CN" altLang="en-US" sz="2000" i="1">
+                            <a:latin typeface="Cambria Math" panose="02040503050406030204" pitchFamily="18" charset="0"/>
+                          </a:rPr>
                           <m:t>𝑁</m:t>
                         </m:r>
                       </m:e>
                       <m:sub>
                         <m:r>
-                          <a:rPr lang="zh-CN" altLang="en-US" sz="2000" i="1"/>
+                          <a:rPr lang="zh-CN" altLang="en-US" sz="2000" i="1">
+                            <a:latin typeface="Cambria Math" panose="02040503050406030204" pitchFamily="18" charset="0"/>
+                          </a:rPr>
                           <m:t>𝑆</m:t>
                         </m:r>
                       </m:sub>
@@ -3694,22 +3700,30 @@
                     <m:d>
                       <m:dPr>
                         <m:ctrlPr>
-                          <a:rPr lang="zh-CN" altLang="en-US" sz="2000" i="1"/>
+                          <a:rPr lang="zh-CN" altLang="en-US" sz="2000" i="1">
+                            <a:latin typeface="Cambria Math" panose="02040503050406030204" pitchFamily="18" charset="0"/>
+                          </a:rPr>
                         </m:ctrlPr>
                       </m:dPr>
                       <m:e>
                         <m:r>
-                          <a:rPr lang="zh-CN" altLang="en-US" sz="2000" i="1"/>
+                          <a:rPr lang="zh-CN" altLang="en-US" sz="2000" i="1">
+                            <a:latin typeface="Cambria Math" panose="02040503050406030204" pitchFamily="18" charset="0"/>
+                          </a:rPr>
                           <m:t>𝑢</m:t>
                         </m:r>
                       </m:e>
                     </m:d>
                     <m:r>
-                      <a:rPr lang="en-US" altLang="zh-CN" sz="2000" i="1"/>
+                      <a:rPr lang="en-US" altLang="zh-CN" sz="2000" i="1">
+                        <a:latin typeface="Cambria Math" panose="02040503050406030204" pitchFamily="18" charset="0"/>
+                      </a:rPr>
                       <m:t>⊂</m:t>
                     </m:r>
                     <m:r>
-                      <a:rPr lang="en-US" altLang="zh-CN" sz="2000" i="1"/>
+                      <a:rPr lang="en-US" altLang="zh-CN" sz="2000" i="1">
+                        <a:latin typeface="Cambria Math" panose="02040503050406030204" pitchFamily="18" charset="0"/>
+                      </a:rPr>
                       <m:t>𝑉</m:t>
                     </m:r>
                   </m:oMath>
@@ -3745,6 +3759,7 @@
                   <m:oMath xmlns:m="http://schemas.openxmlformats.org/officeDocument/2006/math">
                     <m:r>
                       <a:rPr lang="en-US" altLang="zh-CN" sz="2000" i="1" dirty="0">
+                        <a:latin typeface="Cambria Math" panose="02040503050406030204" pitchFamily="18" charset="0"/>
                         <a:ea typeface="微软雅黑" panose="020B0503020204020204" pitchFamily="34" charset="-122"/>
                       </a:rPr>
                       <m:t>𝑢</m:t>
@@ -3762,6 +3777,7 @@
                   <m:oMath xmlns:m="http://schemas.openxmlformats.org/officeDocument/2006/math">
                     <m:r>
                       <a:rPr lang="en-US" altLang="zh-CN" sz="2000" i="1" dirty="0">
+                        <a:latin typeface="Cambria Math" panose="02040503050406030204" pitchFamily="18" charset="0"/>
                         <a:ea typeface="微软雅黑" panose="020B0503020204020204" pitchFamily="34" charset="-122"/>
                       </a:rPr>
                       <m:t>𝑆</m:t>
@@ -3783,7 +3799,7 @@
             </p:txBody>
           </p:sp>
         </mc:Choice>
-        <mc:Fallback>
+        <mc:Fallback xmlns="">
           <p:sp>
             <p:nvSpPr>
               <p:cNvPr id="4" name="文本框 3">
@@ -4116,8 +4132,8 @@
           </p:sp>
         </mc:Fallback>
       </mc:AlternateContent>
-      <mc:AlternateContent xmlns:mc="http://schemas.openxmlformats.org/markup-compatibility/2006">
-        <mc:Choice xmlns:a14="http://schemas.microsoft.com/office/drawing/2010/main" Requires="a14">
+      <mc:AlternateContent xmlns:mc="http://schemas.openxmlformats.org/markup-compatibility/2006" xmlns:a14="http://schemas.microsoft.com/office/drawing/2010/main">
+        <mc:Choice Requires="a14">
           <p:sp>
             <p:nvSpPr>
               <p:cNvPr id="7" name="矩形 6">
@@ -4148,36 +4164,50 @@
                 <a14:m>
                   <m:oMath xmlns:m="http://schemas.openxmlformats.org/officeDocument/2006/math">
                     <m:r>
-                      <a:rPr lang="en-US" altLang="zh-CN" sz="2400" i="1"/>
+                      <a:rPr lang="en-US" altLang="zh-CN" sz="2400" i="1">
+                        <a:latin typeface="Cambria Math" panose="02040503050406030204" pitchFamily="18" charset="0"/>
+                      </a:rPr>
                       <m:t>𝑓</m:t>
                     </m:r>
                     <m:r>
-                      <a:rPr lang="en-US" altLang="zh-CN" sz="2400" i="1"/>
+                      <a:rPr lang="en-US" altLang="zh-CN" sz="2400" i="1">
+                        <a:latin typeface="Cambria Math" panose="02040503050406030204" pitchFamily="18" charset="0"/>
+                      </a:rPr>
                       <m:t>:</m:t>
                     </m:r>
                     <m:r>
-                      <a:rPr lang="en-US" altLang="zh-CN" sz="2400" i="1"/>
+                      <a:rPr lang="en-US" altLang="zh-CN" sz="2400" i="1">
+                        <a:latin typeface="Cambria Math" panose="02040503050406030204" pitchFamily="18" charset="0"/>
+                      </a:rPr>
                       <m:t>𝑉</m:t>
                     </m:r>
                     <m:r>
-                      <a:rPr lang="en-US" altLang="zh-CN" sz="2400" i="1"/>
+                      <a:rPr lang="en-US" altLang="zh-CN" sz="2400" i="1">
+                        <a:latin typeface="Cambria Math" panose="02040503050406030204" pitchFamily="18" charset="0"/>
+                      </a:rPr>
                       <m:t>→ </m:t>
                     </m:r>
                     <m:sSup>
                       <m:sSupPr>
                         <m:ctrlPr>
-                          <a:rPr lang="zh-CN" altLang="en-US" sz="2400" i="1" dirty="0"/>
+                          <a:rPr lang="zh-CN" altLang="en-US" sz="2400" i="1" dirty="0">
+                            <a:latin typeface="Cambria Math" panose="02040503050406030204" pitchFamily="18" charset="0"/>
+                          </a:rPr>
                         </m:ctrlPr>
                       </m:sSupPr>
                       <m:e>
                         <m:r>
-                          <a:rPr lang="zh-CN" altLang="en-US" sz="2400" dirty="0"/>
+                          <a:rPr lang="zh-CN" altLang="en-US" sz="2400" dirty="0">
+                            <a:latin typeface="Cambria Math" panose="02040503050406030204" pitchFamily="18" charset="0"/>
+                          </a:rPr>
                           <m:t>ℝ</m:t>
                         </m:r>
                       </m:e>
                       <m:sup>
                         <m:r>
-                          <a:rPr lang="zh-CN" altLang="en-US" sz="2400" i="1" dirty="0"/>
+                          <a:rPr lang="zh-CN" altLang="en-US" sz="2400" i="1" dirty="0">
+                            <a:latin typeface="Cambria Math" panose="02040503050406030204" pitchFamily="18" charset="0"/>
+                          </a:rPr>
                           <m:t>𝑑</m:t>
                         </m:r>
                       </m:sup>
@@ -4197,7 +4227,7 @@
             </p:txBody>
           </p:sp>
         </mc:Choice>
-        <mc:Fallback>
+        <mc:Fallback xmlns="">
           <p:sp>
             <p:nvSpPr>
               <p:cNvPr id="7" name="矩形 6">
@@ -6075,8 +6105,8 @@
           <a:chExt cx="0" cy="0"/>
         </a:xfrm>
       </p:grpSpPr>
-      <mc:AlternateContent xmlns:mc="http://schemas.openxmlformats.org/markup-compatibility/2006">
-        <mc:Choice xmlns:a14="http://schemas.microsoft.com/office/drawing/2010/main" Requires="a14">
+      <mc:AlternateContent xmlns:mc="http://schemas.openxmlformats.org/markup-compatibility/2006" xmlns:a14="http://schemas.microsoft.com/office/drawing/2010/main">
+        <mc:Choice Requires="a14">
           <p:sp>
             <p:nvSpPr>
               <p:cNvPr id="4" name="矩形 3">
@@ -6186,7 +6216,7 @@
             </p:txBody>
           </p:sp>
         </mc:Choice>
-        <mc:Fallback>
+        <mc:Fallback xmlns="">
           <p:sp>
             <p:nvSpPr>
               <p:cNvPr id="4" name="矩形 3">
@@ -6506,8 +6536,8 @@
           </a:p>
         </p:txBody>
       </p:sp>
-      <mc:AlternateContent xmlns:mc="http://schemas.openxmlformats.org/markup-compatibility/2006">
-        <mc:Choice xmlns:a14="http://schemas.microsoft.com/office/drawing/2010/main" Requires="a14">
+      <mc:AlternateContent xmlns:mc="http://schemas.openxmlformats.org/markup-compatibility/2006" xmlns:a14="http://schemas.microsoft.com/office/drawing/2010/main">
+        <mc:Choice Requires="a14">
           <p:sp>
             <p:nvSpPr>
               <p:cNvPr id="13" name="矩形 12">
@@ -6603,7 +6633,7 @@
             </p:txBody>
           </p:sp>
         </mc:Choice>
-        <mc:Fallback>
+        <mc:Fallback xmlns="">
           <p:sp>
             <p:nvSpPr>
               <p:cNvPr id="13" name="矩形 12">
@@ -6648,8 +6678,8 @@
           </p:sp>
         </mc:Fallback>
       </mc:AlternateContent>
-      <mc:AlternateContent xmlns:mc="http://schemas.openxmlformats.org/markup-compatibility/2006">
-        <mc:Choice xmlns:a14="http://schemas.microsoft.com/office/drawing/2010/main" Requires="a14">
+      <mc:AlternateContent xmlns:mc="http://schemas.openxmlformats.org/markup-compatibility/2006" xmlns:a14="http://schemas.microsoft.com/office/drawing/2010/main">
+        <mc:Choice Requires="a14">
           <p:sp>
             <p:nvSpPr>
               <p:cNvPr id="14" name="矩形 13">
@@ -6745,7 +6775,7 @@
             </p:txBody>
           </p:sp>
         </mc:Choice>
-        <mc:Fallback>
+        <mc:Fallback xmlns="">
           <p:sp>
             <p:nvSpPr>
               <p:cNvPr id="14" name="矩形 13">
@@ -6820,8 +6850,8 @@
           <a:chExt cx="0" cy="0"/>
         </a:xfrm>
       </p:grpSpPr>
-      <mc:AlternateContent xmlns:mc="http://schemas.openxmlformats.org/markup-compatibility/2006">
-        <mc:Choice xmlns:a14="http://schemas.microsoft.com/office/drawing/2010/main" Requires="a14">
+      <mc:AlternateContent xmlns:mc="http://schemas.openxmlformats.org/markup-compatibility/2006" xmlns:a14="http://schemas.microsoft.com/office/drawing/2010/main">
+        <mc:Choice Requires="a14">
           <p:sp>
             <p:nvSpPr>
               <p:cNvPr id="4" name="矩形 3">
@@ -6854,12 +6884,16 @@
                     <m:sSup>
                       <m:sSupPr>
                         <m:ctrlPr>
-                          <a:rPr lang="zh-CN" altLang="en-US" sz="2400" dirty="0" smtClean="0"/>
+                          <a:rPr lang="zh-CN" altLang="en-US" sz="2400" i="1" dirty="0" smtClean="0">
+                            <a:latin typeface="Cambria Math" panose="02040503050406030204" pitchFamily="18" charset="0"/>
+                          </a:rPr>
                         </m:ctrlPr>
                       </m:sSupPr>
                       <m:e>
                         <m:r>
-                          <a:rPr lang="zh-CN" altLang="en-US" sz="2400" i="0" dirty="0"/>
+                          <a:rPr lang="zh-CN" altLang="en-US" sz="2400" i="0" dirty="0">
+                            <a:latin typeface="Cambria Math" panose="02040503050406030204" pitchFamily="18" charset="0"/>
+                          </a:rPr>
                           <m:t>2</m:t>
                         </m:r>
                       </m:e>
@@ -6868,14 +6902,18 @@
                           <m:rPr>
                             <m:sty m:val="p"/>
                           </m:rPr>
-                          <a:rPr lang="en-US" altLang="zh-CN" sz="2400" b="0" i="0" dirty="0" smtClean="0"/>
+                          <a:rPr lang="en-US" altLang="zh-CN" sz="2400" b="0" i="0" dirty="0" smtClean="0">
+                            <a:latin typeface="Cambria Math" panose="02040503050406030204" pitchFamily="18" charset="0"/>
+                          </a:rPr>
                           <m:t>n</m:t>
                         </m:r>
                         <m:r>
                           <m:rPr>
                             <m:sty m:val="p"/>
                           </m:rPr>
-                          <a:rPr lang="zh-CN" altLang="en-US" sz="2400" i="0" dirty="0"/>
+                          <a:rPr lang="zh-CN" altLang="en-US" sz="2400" i="0" dirty="0">
+                            <a:latin typeface="Cambria Math" panose="02040503050406030204" pitchFamily="18" charset="0"/>
+                          </a:rPr>
                           <m:t>d</m:t>
                         </m:r>
                       </m:sup>
@@ -6901,7 +6939,7 @@
             </p:txBody>
           </p:sp>
         </mc:Choice>
-        <mc:Fallback>
+        <mc:Fallback xmlns="">
           <p:sp>
             <p:nvSpPr>
               <p:cNvPr id="4" name="矩形 3">
@@ -6976,8 +7014,8 @@
           </a:prstGeom>
         </p:spPr>
       </p:pic>
-      <mc:AlternateContent xmlns:mc="http://schemas.openxmlformats.org/markup-compatibility/2006">
-        <mc:Choice xmlns:a14="http://schemas.microsoft.com/office/drawing/2010/main" Requires="a14">
+      <mc:AlternateContent xmlns:mc="http://schemas.openxmlformats.org/markup-compatibility/2006" xmlns:a14="http://schemas.microsoft.com/office/drawing/2010/main">
+        <mc:Choice Requires="a14">
           <p:sp>
             <p:nvSpPr>
               <p:cNvPr id="6" name="文本框 5">
@@ -7006,6 +7044,7 @@
               </a:bodyPr>
               <a:lstStyle/>
               <a:p>
+                <a:pPr/>
                 <a14:m>
                   <m:oMathPara xmlns:m="http://schemas.openxmlformats.org/officeDocument/2006/math">
                     <m:oMathParaPr>
@@ -7295,7 +7334,7 @@
             </p:txBody>
           </p:sp>
         </mc:Choice>
-        <mc:Fallback>
+        <mc:Fallback xmlns="">
           <p:sp>
             <p:nvSpPr>
               <p:cNvPr id="6" name="文本框 5">
@@ -7340,8 +7379,8 @@
           </p:sp>
         </mc:Fallback>
       </mc:AlternateContent>
-      <mc:AlternateContent xmlns:mc="http://schemas.openxmlformats.org/markup-compatibility/2006">
-        <mc:Choice xmlns:a14="http://schemas.microsoft.com/office/drawing/2010/main" Requires="a14">
+      <mc:AlternateContent xmlns:mc="http://schemas.openxmlformats.org/markup-compatibility/2006" xmlns:a14="http://schemas.microsoft.com/office/drawing/2010/main">
+        <mc:Choice Requires="a14">
           <p:sp>
             <p:nvSpPr>
               <p:cNvPr id="7" name="矩形 6">
@@ -7475,7 +7514,7 @@
             </p:txBody>
           </p:sp>
         </mc:Choice>
-        <mc:Fallback>
+        <mc:Fallback xmlns="">
           <p:sp>
             <p:nvSpPr>
               <p:cNvPr id="7" name="矩形 6">
@@ -7520,8 +7559,8 @@
           </p:sp>
         </mc:Fallback>
       </mc:AlternateContent>
-      <mc:AlternateContent xmlns:mc="http://schemas.openxmlformats.org/markup-compatibility/2006">
-        <mc:Choice xmlns:a14="http://schemas.microsoft.com/office/drawing/2010/main" Requires="a14">
+      <mc:AlternateContent xmlns:mc="http://schemas.openxmlformats.org/markup-compatibility/2006" xmlns:a14="http://schemas.microsoft.com/office/drawing/2010/main">
+        <mc:Choice Requires="a14">
           <p:sp>
             <p:nvSpPr>
               <p:cNvPr id="8" name="矩形 7">
@@ -7857,7 +7896,7 @@
             </p:txBody>
           </p:sp>
         </mc:Choice>
-        <mc:Fallback>
+        <mc:Fallback xmlns="">
           <p:sp>
             <p:nvSpPr>
               <p:cNvPr id="8" name="矩形 7">
@@ -7902,8 +7941,8 @@
           </p:sp>
         </mc:Fallback>
       </mc:AlternateContent>
-      <mc:AlternateContent xmlns:mc="http://schemas.openxmlformats.org/markup-compatibility/2006">
-        <mc:Choice xmlns:a14="http://schemas.microsoft.com/office/drawing/2010/main" Requires="a14">
+      <mc:AlternateContent xmlns:mc="http://schemas.openxmlformats.org/markup-compatibility/2006" xmlns:a14="http://schemas.microsoft.com/office/drawing/2010/main">
+        <mc:Choice Requires="a14">
           <p:sp>
             <p:nvSpPr>
               <p:cNvPr id="11" name="矩形 10">
@@ -8034,7 +8073,7 @@
             </p:txBody>
           </p:sp>
         </mc:Choice>
-        <mc:Fallback>
+        <mc:Fallback xmlns="">
           <p:sp>
             <p:nvSpPr>
               <p:cNvPr id="11" name="矩形 10">
@@ -8079,8 +8118,8 @@
           </p:sp>
         </mc:Fallback>
       </mc:AlternateContent>
-      <mc:AlternateContent xmlns:mc="http://schemas.openxmlformats.org/markup-compatibility/2006">
-        <mc:Choice xmlns:a14="http://schemas.microsoft.com/office/drawing/2010/main" Requires="a14">
+      <mc:AlternateContent xmlns:mc="http://schemas.openxmlformats.org/markup-compatibility/2006" xmlns:a14="http://schemas.microsoft.com/office/drawing/2010/main">
+        <mc:Choice Requires="a14">
           <p:sp>
             <p:nvSpPr>
               <p:cNvPr id="13" name="矩形 12">
@@ -8108,6 +8147,7 @@
               </a:bodyPr>
               <a:lstStyle/>
               <a:p>
+                <a:pPr/>
                 <a14:m>
                   <m:oMathPara xmlns:m="http://schemas.openxmlformats.org/officeDocument/2006/math">
                     <m:oMathParaPr>
@@ -8283,7 +8323,7 @@
             </p:txBody>
           </p:sp>
         </mc:Choice>
-        <mc:Fallback>
+        <mc:Fallback xmlns="">
           <p:sp>
             <p:nvSpPr>
               <p:cNvPr id="13" name="矩形 12">
@@ -8358,8 +8398,8 @@
           </a:prstGeom>
         </p:spPr>
       </p:pic>
-      <mc:AlternateContent xmlns:mc="http://schemas.openxmlformats.org/markup-compatibility/2006">
-        <mc:Choice xmlns:a14="http://schemas.microsoft.com/office/drawing/2010/main" Requires="a14">
+      <mc:AlternateContent xmlns:mc="http://schemas.openxmlformats.org/markup-compatibility/2006" xmlns:a14="http://schemas.microsoft.com/office/drawing/2010/main">
+        <mc:Choice Requires="a14">
           <p:sp>
             <p:nvSpPr>
               <p:cNvPr id="18" name="矩形 17">
@@ -8498,7 +8538,7 @@
             </p:txBody>
           </p:sp>
         </mc:Choice>
-        <mc:Fallback>
+        <mc:Fallback xmlns="">
           <p:sp>
             <p:nvSpPr>
               <p:cNvPr id="18" name="矩形 17">
@@ -8543,8 +8583,8 @@
           </p:sp>
         </mc:Fallback>
       </mc:AlternateContent>
-      <mc:AlternateContent xmlns:mc="http://schemas.openxmlformats.org/markup-compatibility/2006">
-        <mc:Choice xmlns:a14="http://schemas.microsoft.com/office/drawing/2010/main" Requires="a14">
+      <mc:AlternateContent xmlns:mc="http://schemas.openxmlformats.org/markup-compatibility/2006" xmlns:a14="http://schemas.microsoft.com/office/drawing/2010/main">
+        <mc:Choice Requires="a14">
           <p:graphicFrame>
             <p:nvGraphicFramePr>
               <p:cNvPr id="23" name="表格 22">
@@ -8984,6 +9024,7 @@
                         <a:bodyPr/>
                         <a:lstStyle/>
                         <a:p>
+                          <a:pPr/>
                           <a14:m>
                             <m:oMathPara xmlns:m="http://schemas.openxmlformats.org/officeDocument/2006/math">
                               <m:oMathParaPr>
@@ -9266,6 +9307,7 @@
                         <a:bodyPr/>
                         <a:lstStyle/>
                         <a:p>
+                          <a:pPr/>
                           <a14:m>
                             <m:oMathPara xmlns:m="http://schemas.openxmlformats.org/officeDocument/2006/math">
                               <m:oMathParaPr>
@@ -9435,6 +9477,7 @@
                         <a:bodyPr/>
                         <a:lstStyle/>
                         <a:p>
+                          <a:pPr/>
                           <a14:m>
                             <m:oMathPara xmlns:m="http://schemas.openxmlformats.org/officeDocument/2006/math">
                               <m:oMathParaPr>
@@ -9515,6 +9558,7 @@
                         <a:bodyPr/>
                         <a:lstStyle/>
                         <a:p>
+                          <a:pPr/>
                           <a14:m>
                             <m:oMathPara xmlns:m="http://schemas.openxmlformats.org/officeDocument/2006/math">
                               <m:oMathParaPr>
@@ -9658,7 +9702,7 @@
             </a:graphic>
           </p:graphicFrame>
         </mc:Choice>
-        <mc:Fallback>
+        <mc:Fallback xmlns="">
           <p:graphicFrame>
             <p:nvGraphicFramePr>
               <p:cNvPr id="23" name="表格 22">

--- a/2_node2vec/node2vec.pptx
+++ b/2_node2vec/node2vec.pptx
@@ -5,12 +5,13 @@
     <p:sldMasterId id="2147483684" r:id="rId1"/>
   </p:sldMasterIdLst>
   <p:notesMasterIdLst>
-    <p:notesMasterId r:id="rId5"/>
+    <p:notesMasterId r:id="rId6"/>
   </p:notesMasterIdLst>
   <p:sldIdLst>
     <p:sldId id="256" r:id="rId2"/>
     <p:sldId id="258" r:id="rId3"/>
     <p:sldId id="257" r:id="rId4"/>
+    <p:sldId id="259" r:id="rId5"/>
   </p:sldIdLst>
   <p:sldSz cx="12192000" cy="9144000"/>
   <p:notesSz cx="6858000" cy="9144000"/>
@@ -199,7 +200,7 @@
           <a:p>
             <a:fld id="{62B517B9-F9DA-4CE7-8A0F-16C8C2F77E8F}" type="datetimeFigureOut">
               <a:rPr lang="zh-CN" altLang="en-US" smtClean="0"/>
-              <a:t>2021/9/26</a:t>
+              <a:t>2021/9/27</a:t>
             </a:fld>
             <a:endParaRPr lang="zh-CN" altLang="en-US"/>
           </a:p>
@@ -781,6 +782,170 @@
 </p:notes>
 </file>
 
+<file path=ppt/notesSlides/notesSlide4.xml><?xml version="1.0" encoding="utf-8"?>
+<p:notes xmlns:a="http://schemas.openxmlformats.org/drawingml/2006/main" xmlns:r="http://schemas.openxmlformats.org/officeDocument/2006/relationships" xmlns:p="http://schemas.openxmlformats.org/presentationml/2006/main">
+  <p:cSld>
+    <p:spTree>
+      <p:nvGrpSpPr>
+        <p:cNvPr id="1" name=""/>
+        <p:cNvGrpSpPr/>
+        <p:nvPr/>
+      </p:nvGrpSpPr>
+      <p:grpSpPr>
+        <a:xfrm>
+          <a:off x="0" y="0"/>
+          <a:ext cx="0" cy="0"/>
+          <a:chOff x="0" y="0"/>
+          <a:chExt cx="0" cy="0"/>
+        </a:xfrm>
+      </p:grpSpPr>
+      <p:sp>
+        <p:nvSpPr>
+          <p:cNvPr id="2" name="幻灯片图像占位符 1"/>
+          <p:cNvSpPr>
+            <a:spLocks noGrp="1" noRot="1" noChangeAspect="1"/>
+          </p:cNvSpPr>
+          <p:nvPr>
+            <p:ph type="sldImg"/>
+          </p:nvPr>
+        </p:nvSpPr>
+        <p:spPr/>
+      </p:sp>
+      <p:sp>
+        <p:nvSpPr>
+          <p:cNvPr id="3" name="备注占位符 2"/>
+          <p:cNvSpPr>
+            <a:spLocks noGrp="1"/>
+          </p:cNvSpPr>
+          <p:nvPr>
+            <p:ph type="body" idx="1"/>
+          </p:nvPr>
+        </p:nvSpPr>
+        <p:spPr/>
+        <p:txBody>
+          <a:bodyPr/>
+          <a:lstStyle/>
+          <a:p>
+            <a:r>
+              <a:rPr lang="en-US" altLang="zh-CN" dirty="0"/>
+              <a:t>p</a:t>
+            </a:r>
+            <a:r>
+              <a:rPr lang="zh-CN" altLang="en-US" dirty="0"/>
+              <a:t>比较大，在下面两步取样到已经访问结点的可能性变低，这将会有一个适中的探索以及避免取样中的</a:t>
+            </a:r>
+            <a:r>
+              <a:rPr lang="en-US" altLang="zh-CN" dirty="0"/>
+              <a:t>2-hop</a:t>
+            </a:r>
+            <a:r>
+              <a:rPr lang="zh-CN" altLang="en-US" dirty="0"/>
+              <a:t>多余性。</a:t>
+            </a:r>
+            <a:endParaRPr lang="en-US" altLang="zh-CN" dirty="0"/>
+          </a:p>
+          <a:p>
+            <a:r>
+              <a:rPr lang="en-US" altLang="zh-CN" dirty="0"/>
+              <a:t>P</a:t>
+            </a:r>
+            <a:r>
+              <a:rPr lang="zh-CN" altLang="en-US" dirty="0"/>
+              <a:t>比较小，随机游走可能会返回一步，这将会保持随机游走在源点</a:t>
+            </a:r>
+            <a:r>
+              <a:rPr lang="en-US" altLang="zh-CN" dirty="0"/>
+              <a:t>u</a:t>
+            </a:r>
+            <a:r>
+              <a:rPr lang="zh-CN" altLang="en-US" dirty="0"/>
+              <a:t>的附近。</a:t>
+            </a:r>
+            <a:endParaRPr lang="en-US" altLang="zh-CN" dirty="0"/>
+          </a:p>
+          <a:p>
+            <a:r>
+              <a:rPr lang="en-US" altLang="zh-CN" dirty="0"/>
+              <a:t>q&gt;1</a:t>
+            </a:r>
+            <a:r>
+              <a:rPr lang="zh-CN" altLang="en-US" dirty="0"/>
+              <a:t>，随机游走偏向访问距离</a:t>
+            </a:r>
+            <a:r>
+              <a:rPr lang="en-US" altLang="zh-CN" dirty="0"/>
+              <a:t>t</a:t>
+            </a:r>
+            <a:r>
+              <a:rPr lang="zh-CN" altLang="en-US" dirty="0"/>
+              <a:t>近的点，更偏向</a:t>
+            </a:r>
+            <a:r>
+              <a:rPr lang="en-US" altLang="zh-CN" dirty="0"/>
+              <a:t>BFS</a:t>
+            </a:r>
+          </a:p>
+          <a:p>
+            <a:r>
+              <a:rPr lang="en-US" altLang="zh-CN" dirty="0"/>
+              <a:t>q&lt;1</a:t>
+            </a:r>
+            <a:r>
+              <a:rPr lang="zh-CN" altLang="en-US" dirty="0"/>
+              <a:t>，随机游走偏向访问距离</a:t>
+            </a:r>
+            <a:r>
+              <a:rPr lang="en-US" altLang="zh-CN" dirty="0"/>
+              <a:t>t</a:t>
+            </a:r>
+            <a:r>
+              <a:rPr lang="zh-CN" altLang="en-US" dirty="0"/>
+              <a:t>远的点，更偏向</a:t>
+            </a:r>
+            <a:r>
+              <a:rPr lang="en-US" altLang="zh-CN" dirty="0"/>
+              <a:t>DFS</a:t>
+            </a:r>
+            <a:endParaRPr lang="zh-CN" altLang="en-US" dirty="0"/>
+          </a:p>
+        </p:txBody>
+      </p:sp>
+      <p:sp>
+        <p:nvSpPr>
+          <p:cNvPr id="4" name="灯片编号占位符 3"/>
+          <p:cNvSpPr>
+            <a:spLocks noGrp="1"/>
+          </p:cNvSpPr>
+          <p:nvPr>
+            <p:ph type="sldNum" sz="quarter" idx="5"/>
+          </p:nvPr>
+        </p:nvSpPr>
+        <p:spPr/>
+        <p:txBody>
+          <a:bodyPr/>
+          <a:lstStyle/>
+          <a:p>
+            <a:fld id="{F0BEF969-9955-4A7A-886D-0A6DC0CB3B66}" type="slidenum">
+              <a:rPr lang="zh-CN" altLang="en-US" smtClean="0"/>
+              <a:t>4</a:t>
+            </a:fld>
+            <a:endParaRPr lang="zh-CN" altLang="en-US"/>
+          </a:p>
+        </p:txBody>
+      </p:sp>
+    </p:spTree>
+    <p:extLst>
+      <p:ext uri="{BB962C8B-B14F-4D97-AF65-F5344CB8AC3E}">
+        <p14:creationId xmlns:p14="http://schemas.microsoft.com/office/powerpoint/2010/main" val="3645057917"/>
+      </p:ext>
+    </p:extLst>
+  </p:cSld>
+  <p:clrMapOvr>
+    <a:masterClrMapping/>
+  </p:clrMapOvr>
+</p:notes>
+</file>
+
 <file path=ppt/slideLayouts/slideLayout1.xml><?xml version="1.0" encoding="utf-8"?>
 <p:sldLayout xmlns:a="http://schemas.openxmlformats.org/drawingml/2006/main" xmlns:r="http://schemas.openxmlformats.org/officeDocument/2006/relationships" xmlns:p="http://schemas.openxmlformats.org/presentationml/2006/main" type="title" preserve="1">
   <p:cSld name="标题幻灯片">
@@ -912,7 +1077,7 @@
           <a:p>
             <a:fld id="{7AC5E4EC-F5B6-4692-B35B-92C4C1A65EF4}" type="datetimeFigureOut">
               <a:rPr lang="zh-CN" altLang="en-US" smtClean="0"/>
-              <a:t>2021/9/26</a:t>
+              <a:t>2021/9/27</a:t>
             </a:fld>
             <a:endParaRPr lang="zh-CN" altLang="en-US"/>
           </a:p>
@@ -1082,7 +1247,7 @@
           <a:p>
             <a:fld id="{7AC5E4EC-F5B6-4692-B35B-92C4C1A65EF4}" type="datetimeFigureOut">
               <a:rPr lang="zh-CN" altLang="en-US" smtClean="0"/>
-              <a:t>2021/9/26</a:t>
+              <a:t>2021/9/27</a:t>
             </a:fld>
             <a:endParaRPr lang="zh-CN" altLang="en-US"/>
           </a:p>
@@ -1262,7 +1427,7 @@
           <a:p>
             <a:fld id="{7AC5E4EC-F5B6-4692-B35B-92C4C1A65EF4}" type="datetimeFigureOut">
               <a:rPr lang="zh-CN" altLang="en-US" smtClean="0"/>
-              <a:t>2021/9/26</a:t>
+              <a:t>2021/9/27</a:t>
             </a:fld>
             <a:endParaRPr lang="zh-CN" altLang="en-US"/>
           </a:p>
@@ -1432,7 +1597,7 @@
           <a:p>
             <a:fld id="{7AC5E4EC-F5B6-4692-B35B-92C4C1A65EF4}" type="datetimeFigureOut">
               <a:rPr lang="zh-CN" altLang="en-US" smtClean="0"/>
-              <a:t>2021/9/26</a:t>
+              <a:t>2021/9/27</a:t>
             </a:fld>
             <a:endParaRPr lang="zh-CN" altLang="en-US"/>
           </a:p>
@@ -1676,7 +1841,7 @@
           <a:p>
             <a:fld id="{7AC5E4EC-F5B6-4692-B35B-92C4C1A65EF4}" type="datetimeFigureOut">
               <a:rPr lang="zh-CN" altLang="en-US" smtClean="0"/>
-              <a:t>2021/9/26</a:t>
+              <a:t>2021/9/27</a:t>
             </a:fld>
             <a:endParaRPr lang="zh-CN" altLang="en-US"/>
           </a:p>
@@ -1908,7 +2073,7 @@
           <a:p>
             <a:fld id="{7AC5E4EC-F5B6-4692-B35B-92C4C1A65EF4}" type="datetimeFigureOut">
               <a:rPr lang="zh-CN" altLang="en-US" smtClean="0"/>
-              <a:t>2021/9/26</a:t>
+              <a:t>2021/9/27</a:t>
             </a:fld>
             <a:endParaRPr lang="zh-CN" altLang="en-US"/>
           </a:p>
@@ -2275,7 +2440,7 @@
           <a:p>
             <a:fld id="{7AC5E4EC-F5B6-4692-B35B-92C4C1A65EF4}" type="datetimeFigureOut">
               <a:rPr lang="zh-CN" altLang="en-US" smtClean="0"/>
-              <a:t>2021/9/26</a:t>
+              <a:t>2021/9/27</a:t>
             </a:fld>
             <a:endParaRPr lang="zh-CN" altLang="en-US"/>
           </a:p>
@@ -2393,7 +2558,7 @@
           <a:p>
             <a:fld id="{7AC5E4EC-F5B6-4692-B35B-92C4C1A65EF4}" type="datetimeFigureOut">
               <a:rPr lang="zh-CN" altLang="en-US" smtClean="0"/>
-              <a:t>2021/9/26</a:t>
+              <a:t>2021/9/27</a:t>
             </a:fld>
             <a:endParaRPr lang="zh-CN" altLang="en-US"/>
           </a:p>
@@ -2488,7 +2653,7 @@
           <a:p>
             <a:fld id="{7AC5E4EC-F5B6-4692-B35B-92C4C1A65EF4}" type="datetimeFigureOut">
               <a:rPr lang="zh-CN" altLang="en-US" smtClean="0"/>
-              <a:t>2021/9/26</a:t>
+              <a:t>2021/9/27</a:t>
             </a:fld>
             <a:endParaRPr lang="zh-CN" altLang="en-US"/>
           </a:p>
@@ -2765,7 +2930,7 @@
           <a:p>
             <a:fld id="{7AC5E4EC-F5B6-4692-B35B-92C4C1A65EF4}" type="datetimeFigureOut">
               <a:rPr lang="zh-CN" altLang="en-US" smtClean="0"/>
-              <a:t>2021/9/26</a:t>
+              <a:t>2021/9/27</a:t>
             </a:fld>
             <a:endParaRPr lang="zh-CN" altLang="en-US"/>
           </a:p>
@@ -3022,7 +3187,7 @@
           <a:p>
             <a:fld id="{7AC5E4EC-F5B6-4692-B35B-92C4C1A65EF4}" type="datetimeFigureOut">
               <a:rPr lang="zh-CN" altLang="en-US" smtClean="0"/>
-              <a:t>2021/9/26</a:t>
+              <a:t>2021/9/27</a:t>
             </a:fld>
             <a:endParaRPr lang="zh-CN" altLang="en-US"/>
           </a:p>
@@ -3235,7 +3400,7 @@
           <a:p>
             <a:fld id="{7AC5E4EC-F5B6-4692-B35B-92C4C1A65EF4}" type="datetimeFigureOut">
               <a:rPr lang="zh-CN" altLang="en-US" smtClean="0"/>
-              <a:t>2021/9/26</a:t>
+              <a:t>2021/9/27</a:t>
             </a:fld>
             <a:endParaRPr lang="zh-CN" altLang="en-US"/>
           </a:p>
@@ -9932,6 +10097,583 @@
 </p:sld>
 </file>
 
+<file path=ppt/slides/slide4.xml><?xml version="1.0" encoding="utf-8"?>
+<p:sld xmlns:a="http://schemas.openxmlformats.org/drawingml/2006/main" xmlns:r="http://schemas.openxmlformats.org/officeDocument/2006/relationships" xmlns:p="http://schemas.openxmlformats.org/presentationml/2006/main">
+  <p:cSld>
+    <p:spTree>
+      <p:nvGrpSpPr>
+        <p:cNvPr id="1" name=""/>
+        <p:cNvGrpSpPr/>
+        <p:nvPr/>
+      </p:nvGrpSpPr>
+      <p:grpSpPr>
+        <a:xfrm>
+          <a:off x="0" y="0"/>
+          <a:ext cx="0" cy="0"/>
+          <a:chOff x="0" y="0"/>
+          <a:chExt cx="0" cy="0"/>
+        </a:xfrm>
+      </p:grpSpPr>
+      <p:sp>
+        <p:nvSpPr>
+          <p:cNvPr id="4" name="矩形 3">
+            <a:extLst>
+              <a:ext uri="{FF2B5EF4-FFF2-40B4-BE49-F238E27FC236}">
+                <a16:creationId xmlns:a16="http://schemas.microsoft.com/office/drawing/2014/main" id="{B916122D-6A2E-4753-B550-668ABAACE4E4}"/>
+              </a:ext>
+            </a:extLst>
+          </p:cNvPr>
+          <p:cNvSpPr/>
+          <p:nvPr/>
+        </p:nvSpPr>
+        <p:spPr>
+          <a:xfrm>
+            <a:off x="1257395" y="8424945"/>
+            <a:ext cx="8743804" cy="369332"/>
+          </a:xfrm>
+          <a:prstGeom prst="rect">
+            <a:avLst/>
+          </a:prstGeom>
+        </p:spPr>
+        <p:txBody>
+          <a:bodyPr wrap="none">
+            <a:spAutoFit/>
+          </a:bodyPr>
+          <a:lstStyle/>
+          <a:p>
+            <a:r>
+              <a:rPr lang="zh-CN" altLang="en-US" dirty="0">
+                <a:latin typeface="微软雅黑" panose="020B0503020204020204" pitchFamily="34" charset="-122"/>
+                <a:ea typeface="微软雅黑" panose="020B0503020204020204" pitchFamily="34" charset="-122"/>
+              </a:rPr>
+              <a:t>参考链接：</a:t>
+            </a:r>
+            <a:r>
+              <a:rPr lang="en-US" altLang="zh-CN" dirty="0">
+                <a:hlinkClick r:id="rId3"/>
+              </a:rPr>
+              <a:t>【Graph Embedding】node2vec</a:t>
+            </a:r>
+            <a:r>
+              <a:rPr lang="zh-CN" altLang="en-US" dirty="0">
+                <a:hlinkClick r:id="rId3"/>
+              </a:rPr>
+              <a:t>：算法原理，实现和应用 </a:t>
+            </a:r>
+            <a:r>
+              <a:rPr lang="en-US" altLang="zh-CN" dirty="0">
+                <a:hlinkClick r:id="rId3"/>
+              </a:rPr>
+              <a:t>- </a:t>
+            </a:r>
+            <a:r>
+              <a:rPr lang="zh-CN" altLang="en-US" dirty="0">
+                <a:hlinkClick r:id="rId3"/>
+              </a:rPr>
+              <a:t>知乎 </a:t>
+            </a:r>
+            <a:r>
+              <a:rPr lang="en-US" altLang="zh-CN" dirty="0">
+                <a:hlinkClick r:id="rId3"/>
+              </a:rPr>
+              <a:t>(zhihu.com)</a:t>
+            </a:r>
+            <a:endParaRPr lang="zh-CN" altLang="en-US" dirty="0">
+              <a:latin typeface="微软雅黑" panose="020B0503020204020204" pitchFamily="34" charset="-122"/>
+              <a:ea typeface="微软雅黑" panose="020B0503020204020204" pitchFamily="34" charset="-122"/>
+            </a:endParaRPr>
+          </a:p>
+        </p:txBody>
+      </p:sp>
+      <p:pic>
+        <p:nvPicPr>
+          <p:cNvPr id="5" name="图片 4">
+            <a:extLst>
+              <a:ext uri="{FF2B5EF4-FFF2-40B4-BE49-F238E27FC236}">
+                <a16:creationId xmlns:a16="http://schemas.microsoft.com/office/drawing/2014/main" id="{676E50B5-3C74-4734-B154-41C14BE2906D}"/>
+              </a:ext>
+            </a:extLst>
+          </p:cNvPr>
+          <p:cNvPicPr>
+            <a:picLocks noChangeAspect="1"/>
+          </p:cNvPicPr>
+          <p:nvPr/>
+        </p:nvPicPr>
+        <p:blipFill>
+          <a:blip r:embed="rId4"/>
+          <a:stretch>
+            <a:fillRect/>
+          </a:stretch>
+        </p:blipFill>
+        <p:spPr>
+          <a:xfrm>
+            <a:off x="8968672" y="2545300"/>
+            <a:ext cx="2563597" cy="1828908"/>
+          </a:xfrm>
+          <a:prstGeom prst="rect">
+            <a:avLst/>
+          </a:prstGeom>
+        </p:spPr>
+      </p:pic>
+      <mc:AlternateContent xmlns:mc="http://schemas.openxmlformats.org/markup-compatibility/2006">
+        <mc:Choice xmlns:a14="http://schemas.microsoft.com/office/drawing/2010/main" Requires="a14">
+          <p:sp>
+            <p:nvSpPr>
+              <p:cNvPr id="7" name="矩形 6">
+                <a:extLst>
+                  <a:ext uri="{FF2B5EF4-FFF2-40B4-BE49-F238E27FC236}">
+                    <a16:creationId xmlns:a16="http://schemas.microsoft.com/office/drawing/2014/main" id="{5ADE71BA-50FE-47DA-93BD-C3EECAD4A5C1}"/>
+                  </a:ext>
+                </a:extLst>
+              </p:cNvPr>
+              <p:cNvSpPr/>
+              <p:nvPr/>
+            </p:nvSpPr>
+            <p:spPr>
+              <a:xfrm>
+                <a:off x="135753" y="443017"/>
+                <a:ext cx="11848550" cy="3046988"/>
+              </a:xfrm>
+              <a:prstGeom prst="rect">
+                <a:avLst/>
+              </a:prstGeom>
+            </p:spPr>
+            <p:txBody>
+              <a:bodyPr wrap="square">
+                <a:spAutoFit/>
+              </a:bodyPr>
+              <a:lstStyle/>
+              <a:p>
+                <a:pPr marL="342900" indent="-342900">
+                  <a:buFont typeface="Arial" panose="020B0604020202020204" pitchFamily="34" charset="0"/>
+                  <a:buChar char="•"/>
+                </a:pPr>
+                <a:r>
+                  <a:rPr lang="en-US" altLang="zh-CN" sz="2400" b="1" dirty="0">
+                    <a:solidFill>
+                      <a:prstClr val="black"/>
+                    </a:solidFill>
+                  </a:rPr>
+                  <a:t>Return parameter, </a:t>
+                </a:r>
+                <a14:m>
+                  <m:oMath xmlns:m="http://schemas.openxmlformats.org/officeDocument/2006/math">
+                    <m:r>
+                      <a:rPr lang="en-US" altLang="zh-CN" sz="2400" b="0" i="1">
+                        <a:solidFill>
+                          <a:prstClr val="black"/>
+                        </a:solidFill>
+                        <a:latin typeface="Cambria Math" panose="02040503050406030204" pitchFamily="18" charset="0"/>
+                      </a:rPr>
+                      <m:t>𝑝</m:t>
+                    </m:r>
+                  </m:oMath>
+                </a14:m>
+                <a:r>
+                  <a:rPr lang="en-US" altLang="zh-CN" sz="2400" dirty="0">
+                    <a:solidFill>
+                      <a:prstClr val="black"/>
+                    </a:solidFill>
+                  </a:rPr>
+                  <a:t>. Control the likelihood of immediately revisiting a node in the walk.</a:t>
+                </a:r>
+              </a:p>
+              <a:p>
+                <a:r>
+                  <a:rPr lang="en-US" altLang="zh-CN" sz="2400" dirty="0">
+                    <a:solidFill>
+                      <a:prstClr val="black"/>
+                    </a:solidFill>
+                  </a:rPr>
+                  <a:t>	 </a:t>
+                </a:r>
+                <a14:m>
+                  <m:oMath xmlns:m="http://schemas.openxmlformats.org/officeDocument/2006/math">
+                    <m:r>
+                      <a:rPr lang="en-US" altLang="zh-CN" sz="2400" b="0" i="1" smtClean="0">
+                        <a:solidFill>
+                          <a:prstClr val="black"/>
+                        </a:solidFill>
+                        <a:latin typeface="Cambria Math" panose="02040503050406030204" pitchFamily="18" charset="0"/>
+                      </a:rPr>
+                      <m:t>𝑝</m:t>
+                    </m:r>
+                    <m:r>
+                      <a:rPr lang="en-US" altLang="zh-CN" sz="2400" b="0" i="1" smtClean="0">
+                        <a:solidFill>
+                          <a:prstClr val="black"/>
+                        </a:solidFill>
+                        <a:latin typeface="Cambria Math" panose="02040503050406030204" pitchFamily="18" charset="0"/>
+                      </a:rPr>
+                      <m:t>&gt;</m:t>
+                    </m:r>
+                    <m:r>
+                      <m:rPr>
+                        <m:sty m:val="p"/>
+                      </m:rPr>
+                      <a:rPr lang="en-US" altLang="zh-CN" sz="2400" b="0" i="0" smtClean="0">
+                        <a:solidFill>
+                          <a:prstClr val="black"/>
+                        </a:solidFill>
+                        <a:latin typeface="Cambria Math" panose="02040503050406030204" pitchFamily="18" charset="0"/>
+                      </a:rPr>
+                      <m:t>max</m:t>
+                    </m:r>
+                    <m:r>
+                      <a:rPr lang="en-US" altLang="zh-CN" sz="2400" b="0" i="1" smtClean="0">
+                        <a:solidFill>
+                          <a:prstClr val="black"/>
+                        </a:solidFill>
+                        <a:latin typeface="Cambria Math" panose="02040503050406030204" pitchFamily="18" charset="0"/>
+                      </a:rPr>
+                      <m:t>⁡(</m:t>
+                    </m:r>
+                    <m:r>
+                      <a:rPr lang="en-US" altLang="zh-CN" sz="2400" b="0" i="1" smtClean="0">
+                        <a:solidFill>
+                          <a:prstClr val="black"/>
+                        </a:solidFill>
+                        <a:latin typeface="Cambria Math" panose="02040503050406030204" pitchFamily="18" charset="0"/>
+                      </a:rPr>
+                      <m:t>𝑞</m:t>
+                    </m:r>
+                    <m:r>
+                      <a:rPr lang="en-US" altLang="zh-CN" sz="2400" b="0" i="1" smtClean="0">
+                        <a:solidFill>
+                          <a:prstClr val="black"/>
+                        </a:solidFill>
+                        <a:latin typeface="Cambria Math" panose="02040503050406030204" pitchFamily="18" charset="0"/>
+                      </a:rPr>
+                      <m:t>,1)</m:t>
+                    </m:r>
+                  </m:oMath>
+                </a14:m>
+                <a:r>
+                  <a:rPr lang="en-US" altLang="zh-CN" sz="2400" dirty="0">
+                    <a:solidFill>
+                      <a:prstClr val="black"/>
+                    </a:solidFill>
+                  </a:rPr>
+                  <a:t>, less likely sample visited node.</a:t>
+                </a:r>
+              </a:p>
+              <a:p>
+                <a:r>
+                  <a:rPr lang="en-US" altLang="zh-CN" sz="2400" dirty="0">
+                    <a:solidFill>
+                      <a:prstClr val="black"/>
+                    </a:solidFill>
+                  </a:rPr>
+                  <a:t>	 </a:t>
+                </a:r>
+                <a14:m>
+                  <m:oMath xmlns:m="http://schemas.openxmlformats.org/officeDocument/2006/math">
+                    <m:r>
+                      <a:rPr lang="en-US" altLang="zh-CN" sz="2400" i="1">
+                        <a:solidFill>
+                          <a:prstClr val="black"/>
+                        </a:solidFill>
+                        <a:latin typeface="Cambria Math" panose="02040503050406030204" pitchFamily="18" charset="0"/>
+                      </a:rPr>
+                      <m:t>𝑝</m:t>
+                    </m:r>
+                    <m:r>
+                      <a:rPr lang="en-US" altLang="zh-CN" sz="2400" b="0" i="1" smtClean="0">
+                        <a:solidFill>
+                          <a:prstClr val="black"/>
+                        </a:solidFill>
+                        <a:latin typeface="Cambria Math" panose="02040503050406030204" pitchFamily="18" charset="0"/>
+                      </a:rPr>
+                      <m:t>&lt;</m:t>
+                    </m:r>
+                    <m:func>
+                      <m:funcPr>
+                        <m:ctrlPr>
+                          <a:rPr lang="en-US" altLang="zh-CN" sz="2400" b="0" i="1" smtClean="0">
+                            <a:solidFill>
+                              <a:prstClr val="black"/>
+                            </a:solidFill>
+                            <a:latin typeface="Cambria Math" panose="02040503050406030204" pitchFamily="18" charset="0"/>
+                          </a:rPr>
+                        </m:ctrlPr>
+                      </m:funcPr>
+                      <m:fName>
+                        <m:r>
+                          <m:rPr>
+                            <m:sty m:val="p"/>
+                          </m:rPr>
+                          <a:rPr lang="en-US" altLang="zh-CN" sz="2400" b="0" i="0" smtClean="0">
+                            <a:solidFill>
+                              <a:prstClr val="black"/>
+                            </a:solidFill>
+                            <a:latin typeface="Cambria Math" panose="02040503050406030204" pitchFamily="18" charset="0"/>
+                          </a:rPr>
+                          <m:t>max</m:t>
+                        </m:r>
+                      </m:fName>
+                      <m:e>
+                        <m:d>
+                          <m:dPr>
+                            <m:ctrlPr>
+                              <a:rPr lang="en-US" altLang="zh-CN" sz="2400" b="0" i="1" smtClean="0">
+                                <a:solidFill>
+                                  <a:prstClr val="black"/>
+                                </a:solidFill>
+                                <a:latin typeface="Cambria Math" panose="02040503050406030204" pitchFamily="18" charset="0"/>
+                              </a:rPr>
+                            </m:ctrlPr>
+                          </m:dPr>
+                          <m:e>
+                            <m:r>
+                              <a:rPr lang="en-US" altLang="zh-CN" sz="2400" b="0" i="1" smtClean="0">
+                                <a:solidFill>
+                                  <a:prstClr val="black"/>
+                                </a:solidFill>
+                                <a:latin typeface="Cambria Math" panose="02040503050406030204" pitchFamily="18" charset="0"/>
+                              </a:rPr>
+                              <m:t>𝑞</m:t>
+                            </m:r>
+                            <m:r>
+                              <a:rPr lang="en-US" altLang="zh-CN" sz="2400" b="0" i="1" smtClean="0">
+                                <a:solidFill>
+                                  <a:prstClr val="black"/>
+                                </a:solidFill>
+                                <a:latin typeface="Cambria Math" panose="02040503050406030204" pitchFamily="18" charset="0"/>
+                              </a:rPr>
+                              <m:t>,1</m:t>
+                            </m:r>
+                          </m:e>
+                        </m:d>
+                      </m:e>
+                    </m:func>
+                  </m:oMath>
+                </a14:m>
+                <a:r>
+                  <a:rPr lang="en-US" altLang="zh-CN" sz="2400" dirty="0">
+                    <a:solidFill>
+                      <a:prstClr val="black"/>
+                    </a:solidFill>
+                  </a:rPr>
+                  <a:t>, lead the walk to backtrack a step.</a:t>
+                </a:r>
+              </a:p>
+              <a:p>
+                <a:endParaRPr lang="en-US" altLang="zh-CN" sz="2400" dirty="0">
+                  <a:solidFill>
+                    <a:prstClr val="black"/>
+                  </a:solidFill>
+                </a:endParaRPr>
+              </a:p>
+              <a:p>
+                <a:pPr marL="342900" indent="-342900">
+                  <a:buFont typeface="Arial" panose="020B0604020202020204" pitchFamily="34" charset="0"/>
+                  <a:buChar char="•"/>
+                </a:pPr>
+                <a:r>
+                  <a:rPr lang="en-US" altLang="zh-CN" sz="2400" b="1" dirty="0">
+                    <a:solidFill>
+                      <a:prstClr val="black"/>
+                    </a:solidFill>
+                  </a:rPr>
+                  <a:t>In-out parameter, </a:t>
+                </a:r>
+                <a14:m>
+                  <m:oMath xmlns:m="http://schemas.openxmlformats.org/officeDocument/2006/math">
+                    <m:r>
+                      <a:rPr lang="en-US" altLang="zh-CN" sz="2400" b="0" i="1" smtClean="0">
+                        <a:solidFill>
+                          <a:prstClr val="black"/>
+                        </a:solidFill>
+                        <a:latin typeface="Cambria Math" panose="02040503050406030204" pitchFamily="18" charset="0"/>
+                      </a:rPr>
+                      <m:t>𝑞</m:t>
+                    </m:r>
+                  </m:oMath>
+                </a14:m>
+                <a:r>
+                  <a:rPr lang="en-US" altLang="zh-CN" sz="2400" dirty="0">
+                    <a:solidFill>
+                      <a:prstClr val="black"/>
+                    </a:solidFill>
+                  </a:rPr>
+                  <a:t>. Allows the search to differentiate between “inward” and “outward” nodes.</a:t>
+                </a:r>
+              </a:p>
+              <a:p>
+                <a:pPr lvl="1"/>
+                <a14:m>
+                  <m:oMath xmlns:m="http://schemas.openxmlformats.org/officeDocument/2006/math">
+                    <m:r>
+                      <a:rPr lang="en-US" altLang="zh-CN" sz="2400" i="1">
+                        <a:solidFill>
+                          <a:prstClr val="black"/>
+                        </a:solidFill>
+                        <a:latin typeface="Cambria Math" panose="02040503050406030204" pitchFamily="18" charset="0"/>
+                      </a:rPr>
+                      <m:t>𝑞</m:t>
+                    </m:r>
+                    <m:r>
+                      <a:rPr lang="en-US" altLang="zh-CN" sz="2400" b="0" i="1" smtClean="0">
+                        <a:solidFill>
+                          <a:prstClr val="black"/>
+                        </a:solidFill>
+                        <a:latin typeface="Cambria Math" panose="02040503050406030204" pitchFamily="18" charset="0"/>
+                      </a:rPr>
+                      <m:t>&gt;1</m:t>
+                    </m:r>
+                  </m:oMath>
+                </a14:m>
+                <a:r>
+                  <a:rPr lang="en-US" altLang="zh-CN" sz="2400" dirty="0">
+                    <a:solidFill>
+                      <a:prstClr val="black"/>
+                    </a:solidFill>
+                  </a:rPr>
+                  <a:t>, bias towards nodes close to node t, BFS behavior.</a:t>
+                </a:r>
+              </a:p>
+              <a:p>
+                <a:pPr lvl="1"/>
+                <a14:m>
+                  <m:oMath xmlns:m="http://schemas.openxmlformats.org/officeDocument/2006/math">
+                    <m:r>
+                      <a:rPr lang="en-US" altLang="zh-CN" sz="2400" i="1">
+                        <a:solidFill>
+                          <a:prstClr val="black"/>
+                        </a:solidFill>
+                        <a:latin typeface="Cambria Math" panose="02040503050406030204" pitchFamily="18" charset="0"/>
+                      </a:rPr>
+                      <m:t>𝑞</m:t>
+                    </m:r>
+                    <m:r>
+                      <a:rPr lang="en-US" altLang="zh-CN" sz="2400" b="0" i="1" smtClean="0">
+                        <a:solidFill>
+                          <a:prstClr val="black"/>
+                        </a:solidFill>
+                        <a:latin typeface="Cambria Math" panose="02040503050406030204" pitchFamily="18" charset="0"/>
+                      </a:rPr>
+                      <m:t>&lt;</m:t>
+                    </m:r>
+                    <m:r>
+                      <a:rPr lang="en-US" altLang="zh-CN" sz="2400" i="1">
+                        <a:solidFill>
+                          <a:prstClr val="black"/>
+                        </a:solidFill>
+                        <a:latin typeface="Cambria Math" panose="02040503050406030204" pitchFamily="18" charset="0"/>
+                      </a:rPr>
+                      <m:t>1</m:t>
+                    </m:r>
+                  </m:oMath>
+                </a14:m>
+                <a:r>
+                  <a:rPr lang="en-US" altLang="zh-CN" sz="2400" dirty="0">
+                    <a:solidFill>
+                      <a:prstClr val="black"/>
+                    </a:solidFill>
+                  </a:rPr>
+                  <a:t>, bias towards nodes far away from node t, DFS behavior.</a:t>
+                </a:r>
+              </a:p>
+            </p:txBody>
+          </p:sp>
+        </mc:Choice>
+        <mc:Fallback>
+          <p:sp>
+            <p:nvSpPr>
+              <p:cNvPr id="7" name="矩形 6">
+                <a:extLst>
+                  <a:ext uri="{FF2B5EF4-FFF2-40B4-BE49-F238E27FC236}">
+                    <a16:creationId xmlns:a16="http://schemas.microsoft.com/office/drawing/2014/main" id="{5ADE71BA-50FE-47DA-93BD-C3EECAD4A5C1}"/>
+                  </a:ext>
+                </a:extLst>
+              </p:cNvPr>
+              <p:cNvSpPr>
+                <a:spLocks noRot="1" noChangeAspect="1" noMove="1" noResize="1" noEditPoints="1" noAdjustHandles="1" noChangeArrowheads="1" noChangeShapeType="1" noTextEdit="1"/>
+              </p:cNvSpPr>
+              <p:nvPr/>
+            </p:nvSpPr>
+            <p:spPr>
+              <a:xfrm>
+                <a:off x="135753" y="443017"/>
+                <a:ext cx="11848550" cy="3046988"/>
+              </a:xfrm>
+              <a:prstGeom prst="rect">
+                <a:avLst/>
+              </a:prstGeom>
+              <a:blipFill>
+                <a:blip r:embed="rId5"/>
+                <a:stretch>
+                  <a:fillRect l="-669" t="-1600" b="-3600"/>
+                </a:stretch>
+              </a:blipFill>
+            </p:spPr>
+            <p:txBody>
+              <a:bodyPr/>
+              <a:lstStyle/>
+              <a:p>
+                <a:r>
+                  <a:rPr lang="zh-CN" altLang="en-US">
+                    <a:noFill/>
+                  </a:rPr>
+                  <a:t> </a:t>
+                </a:r>
+              </a:p>
+            </p:txBody>
+          </p:sp>
+        </mc:Fallback>
+      </mc:AlternateContent>
+      <p:sp>
+        <p:nvSpPr>
+          <p:cNvPr id="9" name="矩形 8">
+            <a:extLst>
+              <a:ext uri="{FF2B5EF4-FFF2-40B4-BE49-F238E27FC236}">
+                <a16:creationId xmlns:a16="http://schemas.microsoft.com/office/drawing/2014/main" id="{40499CCD-0991-4677-87AA-DF4AD996BBA1}"/>
+              </a:ext>
+            </a:extLst>
+          </p:cNvPr>
+          <p:cNvSpPr/>
+          <p:nvPr/>
+        </p:nvSpPr>
+        <p:spPr>
+          <a:xfrm>
+            <a:off x="659731" y="3912543"/>
+            <a:ext cx="7503080" cy="461665"/>
+          </a:xfrm>
+          <a:prstGeom prst="rect">
+            <a:avLst/>
+          </a:prstGeom>
+        </p:spPr>
+        <p:txBody>
+          <a:bodyPr wrap="none">
+            <a:spAutoFit/>
+          </a:bodyPr>
+          <a:lstStyle/>
+          <a:p>
+            <a:r>
+              <a:rPr lang="en-US" altLang="zh-CN" sz="2400" dirty="0">
+                <a:solidFill>
+                  <a:prstClr val="black"/>
+                </a:solidFill>
+              </a:rPr>
+              <a:t>node2vec is not tied to a particular notion of equivalence. </a:t>
+            </a:r>
+            <a:endParaRPr lang="zh-CN" altLang="en-US" dirty="0"/>
+          </a:p>
+        </p:txBody>
+      </p:sp>
+    </p:spTree>
+    <p:extLst>
+      <p:ext uri="{BB962C8B-B14F-4D97-AF65-F5344CB8AC3E}">
+        <p14:creationId xmlns:p14="http://schemas.microsoft.com/office/powerpoint/2010/main" val="1419941339"/>
+      </p:ext>
+    </p:extLst>
+  </p:cSld>
+  <p:clrMapOvr>
+    <a:masterClrMapping/>
+  </p:clrMapOvr>
+</p:sld>
+</file>
+
 <file path=ppt/theme/theme1.xml><?xml version="1.0" encoding="utf-8"?>
 <a:theme xmlns:a="http://schemas.openxmlformats.org/drawingml/2006/main" name="Office 主题​​">
   <a:themeElements>

--- a/2_node2vec/node2vec.pptx
+++ b/2_node2vec/node2vec.pptx
@@ -5,13 +5,14 @@
     <p:sldMasterId id="2147483684" r:id="rId1"/>
   </p:sldMasterIdLst>
   <p:notesMasterIdLst>
-    <p:notesMasterId r:id="rId6"/>
+    <p:notesMasterId r:id="rId7"/>
   </p:notesMasterIdLst>
   <p:sldIdLst>
-    <p:sldId id="256" r:id="rId2"/>
-    <p:sldId id="258" r:id="rId3"/>
-    <p:sldId id="257" r:id="rId4"/>
-    <p:sldId id="259" r:id="rId5"/>
+    <p:sldId id="260" r:id="rId2"/>
+    <p:sldId id="256" r:id="rId3"/>
+    <p:sldId id="258" r:id="rId4"/>
+    <p:sldId id="257" r:id="rId5"/>
+    <p:sldId id="259" r:id="rId6"/>
   </p:sldIdLst>
   <p:sldSz cx="12192000" cy="9144000"/>
   <p:notesSz cx="6858000" cy="9144000"/>
@@ -200,7 +201,7 @@
           <a:p>
             <a:fld id="{62B517B9-F9DA-4CE7-8A0F-16C8C2F77E8F}" type="datetimeFigureOut">
               <a:rPr lang="zh-CN" altLang="en-US" smtClean="0"/>
-              <a:t>2021/9/27</a:t>
+              <a:t>2021/9/30</a:t>
             </a:fld>
             <a:endParaRPr lang="zh-CN" altLang="en-US"/>
           </a:p>
@@ -512,6 +513,17 @@
           <a:lstStyle/>
           <a:p>
             <a:r>
+              <a:rPr lang="en-US" altLang="zh-CN" dirty="0"/>
+              <a:t>Part1</a:t>
+            </a:r>
+            <a:r>
+              <a:rPr lang="zh-CN" altLang="en-US" dirty="0"/>
+              <a:t>：目标函数</a:t>
+            </a:r>
+            <a:endParaRPr lang="en-US" altLang="zh-CN" dirty="0"/>
+          </a:p>
+          <a:p>
+            <a:r>
               <a:rPr lang="zh-CN" altLang="en-US" dirty="0"/>
               <a:t>对称是指一个</a:t>
             </a:r>
@@ -564,7 +576,7 @@
           <a:p>
             <a:fld id="{F0BEF969-9955-4A7A-886D-0A6DC0CB3B66}" type="slidenum">
               <a:rPr lang="zh-CN" altLang="en-US" smtClean="0"/>
-              <a:t>1</a:t>
+              <a:t>2</a:t>
             </a:fld>
             <a:endParaRPr lang="zh-CN" altLang="en-US"/>
           </a:p>
@@ -629,6 +641,28 @@
           <a:p>
             <a:r>
               <a:rPr lang="en-US" altLang="zh-CN" dirty="0"/>
+              <a:t>Part2: </a:t>
+            </a:r>
+            <a:r>
+              <a:rPr lang="zh-CN" altLang="en-US" dirty="0"/>
+              <a:t>两种极端定点采样策略，</a:t>
+            </a:r>
+            <a:r>
+              <a:rPr lang="en-US" altLang="zh-CN" dirty="0"/>
+              <a:t>BFS</a:t>
+            </a:r>
+            <a:r>
+              <a:rPr lang="zh-CN" altLang="en-US" dirty="0"/>
+              <a:t>以及</a:t>
+            </a:r>
+            <a:r>
+              <a:rPr lang="en-US" altLang="zh-CN" dirty="0"/>
+              <a:t>DFS</a:t>
+            </a:r>
+          </a:p>
+          <a:p>
+            <a:r>
+              <a:rPr lang="en-US" altLang="zh-CN" dirty="0"/>
               <a:t>DFS</a:t>
             </a:r>
             <a:r>
@@ -676,7 +710,7 @@
           <a:p>
             <a:fld id="{F0BEF969-9955-4A7A-886D-0A6DC0CB3B66}" type="slidenum">
               <a:rPr lang="zh-CN" altLang="en-US" smtClean="0"/>
-              <a:t>2</a:t>
+              <a:t>3</a:t>
             </a:fld>
             <a:endParaRPr lang="zh-CN" altLang="en-US"/>
           </a:p>
@@ -740,6 +774,29 @@
           <a:lstStyle/>
           <a:p>
             <a:r>
+              <a:rPr lang="en-US" altLang="zh-CN" dirty="0"/>
+              <a:t>Part3: node2vec</a:t>
+            </a:r>
+            <a:r>
+              <a:rPr lang="zh-CN" altLang="en-US" dirty="0"/>
+              <a:t>顶点采样策略：</a:t>
+            </a:r>
+            <a:r>
+              <a:rPr lang="en-US" altLang="zh-CN" dirty="0"/>
+              <a:t>2</a:t>
+            </a:r>
+            <a:r>
+              <a:rPr lang="zh-CN" altLang="en-US"/>
+              <a:t>阶有偏随机</a:t>
+            </a:r>
+            <a:r>
+              <a:rPr lang="zh-CN" altLang="en-US" dirty="0"/>
+              <a:t>游走</a:t>
+            </a:r>
+            <a:endParaRPr lang="en-US" altLang="zh-CN" dirty="0"/>
+          </a:p>
+          <a:p>
+            <a:r>
               <a:rPr lang="zh-CN" altLang="en-US" dirty="0"/>
               <a:t>有偏的随机游走。</a:t>
             </a:r>
@@ -763,7 +820,7 @@
           <a:p>
             <a:fld id="{F0BEF969-9955-4A7A-886D-0A6DC0CB3B66}" type="slidenum">
               <a:rPr lang="zh-CN" altLang="en-US" smtClean="0"/>
-              <a:t>3</a:t>
+              <a:t>4</a:t>
             </a:fld>
             <a:endParaRPr lang="zh-CN" altLang="en-US"/>
           </a:p>
@@ -927,7 +984,7 @@
           <a:p>
             <a:fld id="{F0BEF969-9955-4A7A-886D-0A6DC0CB3B66}" type="slidenum">
               <a:rPr lang="zh-CN" altLang="en-US" smtClean="0"/>
-              <a:t>4</a:t>
+              <a:t>5</a:t>
             </a:fld>
             <a:endParaRPr lang="zh-CN" altLang="en-US"/>
           </a:p>
@@ -1077,7 +1134,7 @@
           <a:p>
             <a:fld id="{7AC5E4EC-F5B6-4692-B35B-92C4C1A65EF4}" type="datetimeFigureOut">
               <a:rPr lang="zh-CN" altLang="en-US" smtClean="0"/>
-              <a:t>2021/9/27</a:t>
+              <a:t>2021/9/30</a:t>
             </a:fld>
             <a:endParaRPr lang="zh-CN" altLang="en-US"/>
           </a:p>
@@ -1247,7 +1304,7 @@
           <a:p>
             <a:fld id="{7AC5E4EC-F5B6-4692-B35B-92C4C1A65EF4}" type="datetimeFigureOut">
               <a:rPr lang="zh-CN" altLang="en-US" smtClean="0"/>
-              <a:t>2021/9/27</a:t>
+              <a:t>2021/9/30</a:t>
             </a:fld>
             <a:endParaRPr lang="zh-CN" altLang="en-US"/>
           </a:p>
@@ -1427,7 +1484,7 @@
           <a:p>
             <a:fld id="{7AC5E4EC-F5B6-4692-B35B-92C4C1A65EF4}" type="datetimeFigureOut">
               <a:rPr lang="zh-CN" altLang="en-US" smtClean="0"/>
-              <a:t>2021/9/27</a:t>
+              <a:t>2021/9/30</a:t>
             </a:fld>
             <a:endParaRPr lang="zh-CN" altLang="en-US"/>
           </a:p>
@@ -1597,7 +1654,7 @@
           <a:p>
             <a:fld id="{7AC5E4EC-F5B6-4692-B35B-92C4C1A65EF4}" type="datetimeFigureOut">
               <a:rPr lang="zh-CN" altLang="en-US" smtClean="0"/>
-              <a:t>2021/9/27</a:t>
+              <a:t>2021/9/30</a:t>
             </a:fld>
             <a:endParaRPr lang="zh-CN" altLang="en-US"/>
           </a:p>
@@ -1841,7 +1898,7 @@
           <a:p>
             <a:fld id="{7AC5E4EC-F5B6-4692-B35B-92C4C1A65EF4}" type="datetimeFigureOut">
               <a:rPr lang="zh-CN" altLang="en-US" smtClean="0"/>
-              <a:t>2021/9/27</a:t>
+              <a:t>2021/9/30</a:t>
             </a:fld>
             <a:endParaRPr lang="zh-CN" altLang="en-US"/>
           </a:p>
@@ -2073,7 +2130,7 @@
           <a:p>
             <a:fld id="{7AC5E4EC-F5B6-4692-B35B-92C4C1A65EF4}" type="datetimeFigureOut">
               <a:rPr lang="zh-CN" altLang="en-US" smtClean="0"/>
-              <a:t>2021/9/27</a:t>
+              <a:t>2021/9/30</a:t>
             </a:fld>
             <a:endParaRPr lang="zh-CN" altLang="en-US"/>
           </a:p>
@@ -2440,7 +2497,7 @@
           <a:p>
             <a:fld id="{7AC5E4EC-F5B6-4692-B35B-92C4C1A65EF4}" type="datetimeFigureOut">
               <a:rPr lang="zh-CN" altLang="en-US" smtClean="0"/>
-              <a:t>2021/9/27</a:t>
+              <a:t>2021/9/30</a:t>
             </a:fld>
             <a:endParaRPr lang="zh-CN" altLang="en-US"/>
           </a:p>
@@ -2558,7 +2615,7 @@
           <a:p>
             <a:fld id="{7AC5E4EC-F5B6-4692-B35B-92C4C1A65EF4}" type="datetimeFigureOut">
               <a:rPr lang="zh-CN" altLang="en-US" smtClean="0"/>
-              <a:t>2021/9/27</a:t>
+              <a:t>2021/9/30</a:t>
             </a:fld>
             <a:endParaRPr lang="zh-CN" altLang="en-US"/>
           </a:p>
@@ -2653,7 +2710,7 @@
           <a:p>
             <a:fld id="{7AC5E4EC-F5B6-4692-B35B-92C4C1A65EF4}" type="datetimeFigureOut">
               <a:rPr lang="zh-CN" altLang="en-US" smtClean="0"/>
-              <a:t>2021/9/27</a:t>
+              <a:t>2021/9/30</a:t>
             </a:fld>
             <a:endParaRPr lang="zh-CN" altLang="en-US"/>
           </a:p>
@@ -2930,7 +2987,7 @@
           <a:p>
             <a:fld id="{7AC5E4EC-F5B6-4692-B35B-92C4C1A65EF4}" type="datetimeFigureOut">
               <a:rPr lang="zh-CN" altLang="en-US" smtClean="0"/>
-              <a:t>2021/9/27</a:t>
+              <a:t>2021/9/30</a:t>
             </a:fld>
             <a:endParaRPr lang="zh-CN" altLang="en-US"/>
           </a:p>
@@ -3187,7 +3244,7 @@
           <a:p>
             <a:fld id="{7AC5E4EC-F5B6-4692-B35B-92C4C1A65EF4}" type="datetimeFigureOut">
               <a:rPr lang="zh-CN" altLang="en-US" smtClean="0"/>
-              <a:t>2021/9/27</a:t>
+              <a:t>2021/9/30</a:t>
             </a:fld>
             <a:endParaRPr lang="zh-CN" altLang="en-US"/>
           </a:p>
@@ -3400,7 +3457,7 @@
           <a:p>
             <a:fld id="{7AC5E4EC-F5B6-4692-B35B-92C4C1A65EF4}" type="datetimeFigureOut">
               <a:rPr lang="zh-CN" altLang="en-US" smtClean="0"/>
-              <a:t>2021/9/27</a:t>
+              <a:t>2021/9/30</a:t>
             </a:fld>
             <a:endParaRPr lang="zh-CN" altLang="en-US"/>
           </a:p>
@@ -3789,6 +3846,142 @@
 </file>
 
 <file path=ppt/slides/slide1.xml><?xml version="1.0" encoding="utf-8"?>
+<p:sld xmlns:a="http://schemas.openxmlformats.org/drawingml/2006/main" xmlns:r="http://schemas.openxmlformats.org/officeDocument/2006/relationships" xmlns:p="http://schemas.openxmlformats.org/presentationml/2006/main">
+  <p:cSld>
+    <p:spTree>
+      <p:nvGrpSpPr>
+        <p:cNvPr id="1" name=""/>
+        <p:cNvGrpSpPr/>
+        <p:nvPr/>
+      </p:nvGrpSpPr>
+      <p:grpSpPr>
+        <a:xfrm>
+          <a:off x="0" y="0"/>
+          <a:ext cx="0" cy="0"/>
+          <a:chOff x="0" y="0"/>
+          <a:chExt cx="0" cy="0"/>
+        </a:xfrm>
+      </p:grpSpPr>
+      <p:sp>
+        <p:nvSpPr>
+          <p:cNvPr id="4" name="文本框 3">
+            <a:extLst>
+              <a:ext uri="{FF2B5EF4-FFF2-40B4-BE49-F238E27FC236}">
+                <a16:creationId xmlns:a16="http://schemas.microsoft.com/office/drawing/2014/main" id="{7EA6347F-2D81-44BF-9CDD-DA8CA50589E6}"/>
+              </a:ext>
+            </a:extLst>
+          </p:cNvPr>
+          <p:cNvSpPr txBox="1"/>
+          <p:nvPr/>
+        </p:nvSpPr>
+        <p:spPr>
+          <a:xfrm>
+            <a:off x="2128838" y="1228725"/>
+            <a:ext cx="6789616" cy="2062103"/>
+          </a:xfrm>
+          <a:prstGeom prst="rect">
+            <a:avLst/>
+          </a:prstGeom>
+          <a:noFill/>
+        </p:spPr>
+        <p:txBody>
+          <a:bodyPr wrap="none" rtlCol="0">
+            <a:spAutoFit/>
+          </a:bodyPr>
+          <a:lstStyle/>
+          <a:p>
+            <a:pPr marL="285750" indent="-285750">
+              <a:buFont typeface="Arial" panose="020B0604020202020204" pitchFamily="34" charset="0"/>
+              <a:buChar char="•"/>
+            </a:pPr>
+            <a:r>
+              <a:rPr lang="zh-CN" altLang="en-US" sz="3200" dirty="0">
+                <a:latin typeface="微软雅黑" panose="020B0503020204020204" pitchFamily="34" charset="-122"/>
+                <a:ea typeface="微软雅黑" panose="020B0503020204020204" pitchFamily="34" charset="-122"/>
+              </a:rPr>
+              <a:t>目标函数：</a:t>
+            </a:r>
+            <a:r>
+              <a:rPr lang="en-US" altLang="zh-CN" sz="3200" dirty="0">
+                <a:latin typeface="微软雅黑" panose="020B0503020204020204" pitchFamily="34" charset="-122"/>
+                <a:ea typeface="微软雅黑" panose="020B0503020204020204" pitchFamily="34" charset="-122"/>
+              </a:rPr>
+              <a:t>Slide2</a:t>
+            </a:r>
+          </a:p>
+          <a:p>
+            <a:pPr marL="285750" indent="-285750">
+              <a:buFont typeface="Arial" panose="020B0604020202020204" pitchFamily="34" charset="0"/>
+              <a:buChar char="•"/>
+            </a:pPr>
+            <a:r>
+              <a:rPr lang="zh-CN" altLang="en-US" sz="3200" dirty="0">
+                <a:latin typeface="微软雅黑" panose="020B0503020204020204" pitchFamily="34" charset="-122"/>
+                <a:ea typeface="微软雅黑" panose="020B0503020204020204" pitchFamily="34" charset="-122"/>
+              </a:rPr>
+              <a:t>两种极端顶点采样策略</a:t>
+            </a:r>
+            <a:r>
+              <a:rPr lang="en-US" altLang="zh-CN" sz="3200" dirty="0">
+                <a:latin typeface="微软雅黑" panose="020B0503020204020204" pitchFamily="34" charset="-122"/>
+                <a:ea typeface="微软雅黑" panose="020B0503020204020204" pitchFamily="34" charset="-122"/>
+              </a:rPr>
+              <a:t>:Slide 3</a:t>
+            </a:r>
+          </a:p>
+          <a:p>
+            <a:pPr marL="285750" indent="-285750">
+              <a:buFont typeface="Arial" panose="020B0604020202020204" pitchFamily="34" charset="0"/>
+              <a:buChar char="•"/>
+            </a:pPr>
+            <a:r>
+              <a:rPr lang="en-US" altLang="zh-CN" sz="3200" dirty="0">
+                <a:latin typeface="微软雅黑" panose="020B0503020204020204" pitchFamily="34" charset="-122"/>
+                <a:ea typeface="微软雅黑" panose="020B0503020204020204" pitchFamily="34" charset="-122"/>
+              </a:rPr>
+              <a:t>Node2vec</a:t>
+            </a:r>
+            <a:r>
+              <a:rPr lang="zh-CN" altLang="en-US" sz="3200" dirty="0">
+                <a:latin typeface="微软雅黑" panose="020B0503020204020204" pitchFamily="34" charset="-122"/>
+                <a:ea typeface="微软雅黑" panose="020B0503020204020204" pitchFamily="34" charset="-122"/>
+              </a:rPr>
+              <a:t>顶点采样策略</a:t>
+            </a:r>
+            <a:r>
+              <a:rPr lang="en-US" altLang="zh-CN" sz="3200" dirty="0">
+                <a:latin typeface="微软雅黑" panose="020B0503020204020204" pitchFamily="34" charset="-122"/>
+                <a:ea typeface="微软雅黑" panose="020B0503020204020204" pitchFamily="34" charset="-122"/>
+              </a:rPr>
+              <a:t>: Slide 4,5</a:t>
+            </a:r>
+          </a:p>
+          <a:p>
+            <a:pPr marL="285750" indent="-285750">
+              <a:buFont typeface="Arial" panose="020B0604020202020204" pitchFamily="34" charset="0"/>
+              <a:buChar char="•"/>
+            </a:pPr>
+            <a:endParaRPr lang="zh-CN" altLang="en-US" sz="3200" dirty="0">
+              <a:latin typeface="微软雅黑" panose="020B0503020204020204" pitchFamily="34" charset="-122"/>
+              <a:ea typeface="微软雅黑" panose="020B0503020204020204" pitchFamily="34" charset="-122"/>
+            </a:endParaRPr>
+          </a:p>
+        </p:txBody>
+      </p:sp>
+    </p:spTree>
+    <p:extLst>
+      <p:ext uri="{BB962C8B-B14F-4D97-AF65-F5344CB8AC3E}">
+        <p14:creationId xmlns:p14="http://schemas.microsoft.com/office/powerpoint/2010/main" val="4235993644"/>
+      </p:ext>
+    </p:extLst>
+  </p:cSld>
+  <p:clrMapOvr>
+    <a:masterClrMapping/>
+  </p:clrMapOvr>
+</p:sld>
+</file>
+
+<file path=ppt/slides/slide2.xml><?xml version="1.0" encoding="utf-8"?>
 <p:sld xmlns:a="http://schemas.openxmlformats.org/drawingml/2006/main" xmlns:r="http://schemas.openxmlformats.org/officeDocument/2006/relationships" xmlns:p="http://schemas.openxmlformats.org/presentationml/2006/main">
   <p:cSld>
     <p:spTree>
@@ -6253,7 +6446,7 @@
 </p:sld>
 </file>
 
-<file path=ppt/slides/slide2.xml><?xml version="1.0" encoding="utf-8"?>
+<file path=ppt/slides/slide3.xml><?xml version="1.0" encoding="utf-8"?>
 <p:sld xmlns:a="http://schemas.openxmlformats.org/drawingml/2006/main" xmlns:r="http://schemas.openxmlformats.org/officeDocument/2006/relationships" xmlns:p="http://schemas.openxmlformats.org/presentationml/2006/main">
   <p:cSld>
     <p:spTree>
@@ -6998,7 +7191,7 @@
 </p:sld>
 </file>
 
-<file path=ppt/slides/slide3.xml><?xml version="1.0" encoding="utf-8"?>
+<file path=ppt/slides/slide4.xml><?xml version="1.0" encoding="utf-8"?>
 <p:sld xmlns:a="http://schemas.openxmlformats.org/drawingml/2006/main" xmlns:r="http://schemas.openxmlformats.org/officeDocument/2006/relationships" xmlns:p="http://schemas.openxmlformats.org/presentationml/2006/main">
   <p:cSld>
     <p:spTree>
@@ -10097,7 +10290,7 @@
 </p:sld>
 </file>
 
-<file path=ppt/slides/slide4.xml><?xml version="1.0" encoding="utf-8"?>
+<file path=ppt/slides/slide5.xml><?xml version="1.0" encoding="utf-8"?>
 <p:sld xmlns:a="http://schemas.openxmlformats.org/drawingml/2006/main" xmlns:r="http://schemas.openxmlformats.org/officeDocument/2006/relationships" xmlns:p="http://schemas.openxmlformats.org/presentationml/2006/main">
   <p:cSld>
     <p:spTree>
@@ -10215,8 +10408,8 @@
           </a:prstGeom>
         </p:spPr>
       </p:pic>
-      <mc:AlternateContent xmlns:mc="http://schemas.openxmlformats.org/markup-compatibility/2006">
-        <mc:Choice xmlns:a14="http://schemas.microsoft.com/office/drawing/2010/main" Requires="a14">
+      <mc:AlternateContent xmlns:mc="http://schemas.openxmlformats.org/markup-compatibility/2006" xmlns:a14="http://schemas.microsoft.com/office/drawing/2010/main">
+        <mc:Choice Requires="a14">
           <p:sp>
             <p:nvSpPr>
               <p:cNvPr id="7" name="矩形 6">
@@ -10577,7 +10770,7 @@
             </p:txBody>
           </p:sp>
         </mc:Choice>
-        <mc:Fallback>
+        <mc:Fallback xmlns="">
           <p:sp>
             <p:nvSpPr>
               <p:cNvPr id="7" name="矩形 6">

--- a/2_node2vec/node2vec.pptx
+++ b/2_node2vec/node2vec.pptx
@@ -201,7 +201,7 @@
           <a:p>
             <a:fld id="{62B517B9-F9DA-4CE7-8A0F-16C8C2F77E8F}" type="datetimeFigureOut">
               <a:rPr lang="zh-CN" altLang="en-US" smtClean="0"/>
-              <a:t>2021/9/30</a:t>
+              <a:t>2021/10/28</a:t>
             </a:fld>
             <a:endParaRPr lang="zh-CN" altLang="en-US"/>
           </a:p>
@@ -689,7 +689,32 @@
               <a:rPr lang="en-US" altLang="zh-CN" dirty="0"/>
               <a:t>(structural equivalence)</a:t>
             </a:r>
-            <a:endParaRPr lang="zh-CN" altLang="en-US" dirty="0"/>
+            <a:r>
+              <a:rPr lang="zh-CN" altLang="en-US" dirty="0"/>
+              <a:t>。</a:t>
+            </a:r>
+            <a:endParaRPr lang="en-US" altLang="zh-CN" dirty="0"/>
+          </a:p>
+          <a:p>
+            <a:r>
+              <a:rPr lang="zh-CN" altLang="en-US" dirty="0"/>
+              <a:t>同质性跟之前的</a:t>
+            </a:r>
+            <a:r>
+              <a:rPr lang="en-US" altLang="zh-CN" dirty="0" err="1"/>
+              <a:t>DeepWalk</a:t>
+            </a:r>
+            <a:r>
+              <a:rPr lang="zh-CN" altLang="en-US" dirty="0"/>
+              <a:t>很像。</a:t>
+            </a:r>
+            <a:endParaRPr lang="en-US" altLang="zh-CN" dirty="0"/>
+          </a:p>
+          <a:p>
+            <a:r>
+              <a:rPr lang="zh-CN" altLang="en-US" dirty="0"/>
+              <a:t>结构等价性通常不强调连通性。</a:t>
+            </a:r>
           </a:p>
         </p:txBody>
       </p:sp>
@@ -906,9 +931,27 @@
               <a:rPr lang="en-US" altLang="zh-CN" dirty="0"/>
               <a:t>P</a:t>
             </a:r>
+          </a:p>
+          <a:p>
+            <a:endParaRPr lang="en-US" altLang="zh-CN" dirty="0"/>
+          </a:p>
+          <a:p>
+            <a:endParaRPr lang="en-US" altLang="zh-CN" dirty="0"/>
+          </a:p>
+          <a:p>
+            <a:endParaRPr lang="en-US" altLang="zh-CN" dirty="0"/>
+          </a:p>
+          <a:p>
+            <a:endParaRPr lang="en-US" altLang="zh-CN"/>
+          </a:p>
+          <a:p>
+            <a:r>
+              <a:rPr lang="zh-CN" altLang="en-US"/>
+              <a:t>比较</a:t>
+            </a:r>
             <a:r>
               <a:rPr lang="zh-CN" altLang="en-US" dirty="0"/>
-              <a:t>比较小，随机游走可能会返回一步，这将会保持随机游走在源点</a:t>
+              <a:t>小，随机游走可能会返回一步，这将会保持随机游走在源点</a:t>
             </a:r>
             <a:r>
               <a:rPr lang="en-US" altLang="zh-CN" dirty="0"/>
@@ -1134,7 +1177,7 @@
           <a:p>
             <a:fld id="{7AC5E4EC-F5B6-4692-B35B-92C4C1A65EF4}" type="datetimeFigureOut">
               <a:rPr lang="zh-CN" altLang="en-US" smtClean="0"/>
-              <a:t>2021/9/30</a:t>
+              <a:t>2021/10/28</a:t>
             </a:fld>
             <a:endParaRPr lang="zh-CN" altLang="en-US"/>
           </a:p>
@@ -1304,7 +1347,7 @@
           <a:p>
             <a:fld id="{7AC5E4EC-F5B6-4692-B35B-92C4C1A65EF4}" type="datetimeFigureOut">
               <a:rPr lang="zh-CN" altLang="en-US" smtClean="0"/>
-              <a:t>2021/9/30</a:t>
+              <a:t>2021/10/28</a:t>
             </a:fld>
             <a:endParaRPr lang="zh-CN" altLang="en-US"/>
           </a:p>
@@ -1484,7 +1527,7 @@
           <a:p>
             <a:fld id="{7AC5E4EC-F5B6-4692-B35B-92C4C1A65EF4}" type="datetimeFigureOut">
               <a:rPr lang="zh-CN" altLang="en-US" smtClean="0"/>
-              <a:t>2021/9/30</a:t>
+              <a:t>2021/10/28</a:t>
             </a:fld>
             <a:endParaRPr lang="zh-CN" altLang="en-US"/>
           </a:p>
@@ -1654,7 +1697,7 @@
           <a:p>
             <a:fld id="{7AC5E4EC-F5B6-4692-B35B-92C4C1A65EF4}" type="datetimeFigureOut">
               <a:rPr lang="zh-CN" altLang="en-US" smtClean="0"/>
-              <a:t>2021/9/30</a:t>
+              <a:t>2021/10/28</a:t>
             </a:fld>
             <a:endParaRPr lang="zh-CN" altLang="en-US"/>
           </a:p>
@@ -1898,7 +1941,7 @@
           <a:p>
             <a:fld id="{7AC5E4EC-F5B6-4692-B35B-92C4C1A65EF4}" type="datetimeFigureOut">
               <a:rPr lang="zh-CN" altLang="en-US" smtClean="0"/>
-              <a:t>2021/9/30</a:t>
+              <a:t>2021/10/28</a:t>
             </a:fld>
             <a:endParaRPr lang="zh-CN" altLang="en-US"/>
           </a:p>
@@ -2130,7 +2173,7 @@
           <a:p>
             <a:fld id="{7AC5E4EC-F5B6-4692-B35B-92C4C1A65EF4}" type="datetimeFigureOut">
               <a:rPr lang="zh-CN" altLang="en-US" smtClean="0"/>
-              <a:t>2021/9/30</a:t>
+              <a:t>2021/10/28</a:t>
             </a:fld>
             <a:endParaRPr lang="zh-CN" altLang="en-US"/>
           </a:p>
@@ -2497,7 +2540,7 @@
           <a:p>
             <a:fld id="{7AC5E4EC-F5B6-4692-B35B-92C4C1A65EF4}" type="datetimeFigureOut">
               <a:rPr lang="zh-CN" altLang="en-US" smtClean="0"/>
-              <a:t>2021/9/30</a:t>
+              <a:t>2021/10/28</a:t>
             </a:fld>
             <a:endParaRPr lang="zh-CN" altLang="en-US"/>
           </a:p>
@@ -2615,7 +2658,7 @@
           <a:p>
             <a:fld id="{7AC5E4EC-F5B6-4692-B35B-92C4C1A65EF4}" type="datetimeFigureOut">
               <a:rPr lang="zh-CN" altLang="en-US" smtClean="0"/>
-              <a:t>2021/9/30</a:t>
+              <a:t>2021/10/28</a:t>
             </a:fld>
             <a:endParaRPr lang="zh-CN" altLang="en-US"/>
           </a:p>
@@ -2710,7 +2753,7 @@
           <a:p>
             <a:fld id="{7AC5E4EC-F5B6-4692-B35B-92C4C1A65EF4}" type="datetimeFigureOut">
               <a:rPr lang="zh-CN" altLang="en-US" smtClean="0"/>
-              <a:t>2021/9/30</a:t>
+              <a:t>2021/10/28</a:t>
             </a:fld>
             <a:endParaRPr lang="zh-CN" altLang="en-US"/>
           </a:p>
@@ -2987,7 +3030,7 @@
           <a:p>
             <a:fld id="{7AC5E4EC-F5B6-4692-B35B-92C4C1A65EF4}" type="datetimeFigureOut">
               <a:rPr lang="zh-CN" altLang="en-US" smtClean="0"/>
-              <a:t>2021/9/30</a:t>
+              <a:t>2021/10/28</a:t>
             </a:fld>
             <a:endParaRPr lang="zh-CN" altLang="en-US"/>
           </a:p>
@@ -3244,7 +3287,7 @@
           <a:p>
             <a:fld id="{7AC5E4EC-F5B6-4692-B35B-92C4C1A65EF4}" type="datetimeFigureOut">
               <a:rPr lang="zh-CN" altLang="en-US" smtClean="0"/>
-              <a:t>2021/9/30</a:t>
+              <a:t>2021/10/28</a:t>
             </a:fld>
             <a:endParaRPr lang="zh-CN" altLang="en-US"/>
           </a:p>
@@ -3457,7 +3500,7 @@
           <a:p>
             <a:fld id="{7AC5E4EC-F5B6-4692-B35B-92C4C1A65EF4}" type="datetimeFigureOut">
               <a:rPr lang="zh-CN" altLang="en-US" smtClean="0"/>
-              <a:t>2021/9/30</a:t>
+              <a:t>2021/10/28</a:t>
             </a:fld>
             <a:endParaRPr lang="zh-CN" altLang="en-US"/>
           </a:p>
@@ -3862,112 +3905,36 @@
           <a:chExt cx="0" cy="0"/>
         </a:xfrm>
       </p:grpSpPr>
-      <p:sp>
-        <p:nvSpPr>
-          <p:cNvPr id="4" name="文本框 3">
+      <p:pic>
+        <p:nvPicPr>
+          <p:cNvPr id="2" name="图片 1">
             <a:extLst>
               <a:ext uri="{FF2B5EF4-FFF2-40B4-BE49-F238E27FC236}">
-                <a16:creationId xmlns:a16="http://schemas.microsoft.com/office/drawing/2014/main" id="{7EA6347F-2D81-44BF-9CDD-DA8CA50589E6}"/>
+                <a16:creationId xmlns:a16="http://schemas.microsoft.com/office/drawing/2014/main" id="{A5778ACB-3814-40EF-8965-474A82758FBF}"/>
               </a:ext>
             </a:extLst>
           </p:cNvPr>
-          <p:cNvSpPr txBox="1"/>
+          <p:cNvPicPr>
+            <a:picLocks noChangeAspect="1"/>
+          </p:cNvPicPr>
           <p:nvPr/>
-        </p:nvSpPr>
+        </p:nvPicPr>
+        <p:blipFill>
+          <a:blip r:embed="rId2"/>
+          <a:stretch>
+            <a:fillRect/>
+          </a:stretch>
+        </p:blipFill>
         <p:spPr>
           <a:xfrm>
-            <a:off x="2128838" y="1228725"/>
-            <a:ext cx="6789616" cy="2062103"/>
+            <a:off x="587831" y="3257551"/>
+            <a:ext cx="10494338" cy="2300286"/>
           </a:xfrm>
           <a:prstGeom prst="rect">
             <a:avLst/>
           </a:prstGeom>
-          <a:noFill/>
         </p:spPr>
-        <p:txBody>
-          <a:bodyPr wrap="none" rtlCol="0">
-            <a:spAutoFit/>
-          </a:bodyPr>
-          <a:lstStyle/>
-          <a:p>
-            <a:pPr marL="285750" indent="-285750">
-              <a:buFont typeface="Arial" panose="020B0604020202020204" pitchFamily="34" charset="0"/>
-              <a:buChar char="•"/>
-            </a:pPr>
-            <a:r>
-              <a:rPr lang="zh-CN" altLang="en-US" sz="3200" dirty="0">
-                <a:latin typeface="微软雅黑" panose="020B0503020204020204" pitchFamily="34" charset="-122"/>
-                <a:ea typeface="微软雅黑" panose="020B0503020204020204" pitchFamily="34" charset="-122"/>
-              </a:rPr>
-              <a:t>目标函数：</a:t>
-            </a:r>
-            <a:r>
-              <a:rPr lang="en-US" altLang="zh-CN" sz="3200" dirty="0">
-                <a:latin typeface="微软雅黑" panose="020B0503020204020204" pitchFamily="34" charset="-122"/>
-                <a:ea typeface="微软雅黑" panose="020B0503020204020204" pitchFamily="34" charset="-122"/>
-              </a:rPr>
-              <a:t>Slide2</a:t>
-            </a:r>
-          </a:p>
-          <a:p>
-            <a:pPr marL="285750" indent="-285750">
-              <a:buFont typeface="Arial" panose="020B0604020202020204" pitchFamily="34" charset="0"/>
-              <a:buChar char="•"/>
-            </a:pPr>
-            <a:r>
-              <a:rPr lang="zh-CN" altLang="en-US" sz="3200" dirty="0">
-                <a:latin typeface="微软雅黑" panose="020B0503020204020204" pitchFamily="34" charset="-122"/>
-                <a:ea typeface="微软雅黑" panose="020B0503020204020204" pitchFamily="34" charset="-122"/>
-              </a:rPr>
-              <a:t>两种极端顶点采样策略</a:t>
-            </a:r>
-            <a:r>
-              <a:rPr lang="en-US" altLang="zh-CN" sz="3200" dirty="0">
-                <a:latin typeface="微软雅黑" panose="020B0503020204020204" pitchFamily="34" charset="-122"/>
-                <a:ea typeface="微软雅黑" panose="020B0503020204020204" pitchFamily="34" charset="-122"/>
-              </a:rPr>
-              <a:t>:Slide 3</a:t>
-            </a:r>
-          </a:p>
-          <a:p>
-            <a:pPr marL="285750" indent="-285750">
-              <a:buFont typeface="Arial" panose="020B0604020202020204" pitchFamily="34" charset="0"/>
-              <a:buChar char="•"/>
-            </a:pPr>
-            <a:r>
-              <a:rPr lang="en-US" altLang="zh-CN" sz="3200" dirty="0">
-                <a:latin typeface="微软雅黑" panose="020B0503020204020204" pitchFamily="34" charset="-122"/>
-                <a:ea typeface="微软雅黑" panose="020B0503020204020204" pitchFamily="34" charset="-122"/>
-              </a:rPr>
-              <a:t>Node2vec</a:t>
-            </a:r>
-            <a:r>
-              <a:rPr lang="zh-CN" altLang="en-US" sz="3200" dirty="0">
-                <a:latin typeface="微软雅黑" panose="020B0503020204020204" pitchFamily="34" charset="-122"/>
-                <a:ea typeface="微软雅黑" panose="020B0503020204020204" pitchFamily="34" charset="-122"/>
-              </a:rPr>
-              <a:t>顶点采样策略</a:t>
-            </a:r>
-            <a:r>
-              <a:rPr lang="en-US" altLang="zh-CN" sz="3200" dirty="0">
-                <a:latin typeface="微软雅黑" panose="020B0503020204020204" pitchFamily="34" charset="-122"/>
-                <a:ea typeface="微软雅黑" panose="020B0503020204020204" pitchFamily="34" charset="-122"/>
-              </a:rPr>
-              <a:t>: Slide 4,5</a:t>
-            </a:r>
-          </a:p>
-          <a:p>
-            <a:pPr marL="285750" indent="-285750">
-              <a:buFont typeface="Arial" panose="020B0604020202020204" pitchFamily="34" charset="0"/>
-              <a:buChar char="•"/>
-            </a:pPr>
-            <a:endParaRPr lang="zh-CN" altLang="en-US" sz="3200" dirty="0">
-              <a:latin typeface="微软雅黑" panose="020B0503020204020204" pitchFamily="34" charset="-122"/>
-              <a:ea typeface="微软雅黑" panose="020B0503020204020204" pitchFamily="34" charset="-122"/>
-            </a:endParaRPr>
-          </a:p>
-        </p:txBody>
-      </p:sp>
+      </p:pic>
     </p:spTree>
     <p:extLst>
       <p:ext uri="{BB962C8B-B14F-4D97-AF65-F5344CB8AC3E}">
@@ -3998,8 +3965,8 @@
           <a:chExt cx="0" cy="0"/>
         </a:xfrm>
       </p:grpSpPr>
-      <mc:AlternateContent xmlns:mc="http://schemas.openxmlformats.org/markup-compatibility/2006" xmlns:a14="http://schemas.microsoft.com/office/drawing/2010/main">
-        <mc:Choice Requires="a14">
+      <mc:AlternateContent xmlns:mc="http://schemas.openxmlformats.org/markup-compatibility/2006">
+        <mc:Choice xmlns:a14="http://schemas.microsoft.com/office/drawing/2010/main" Requires="a14">
           <p:sp>
             <p:nvSpPr>
               <p:cNvPr id="4" name="文本框 3">
@@ -4129,7 +4096,14 @@
                     <a:ea typeface="微软雅黑" panose="020B0503020204020204" pitchFamily="34" charset="-122"/>
                     <a:cs typeface="Times New Roman" panose="02020603050405020304" pitchFamily="18" charset="0"/>
                   </a:rPr>
-                  <a:t> generated through a neighborhood sampling strategy </a:t>
+                  <a:t> generated through </a:t>
+                </a:r>
+                <a:r>
+                  <a:rPr lang="en-US" altLang="zh-CN" sz="2000" b="1" dirty="0">
+                    <a:ea typeface="微软雅黑" panose="020B0503020204020204" pitchFamily="34" charset="-122"/>
+                    <a:cs typeface="Times New Roman" panose="02020603050405020304" pitchFamily="18" charset="0"/>
+                  </a:rPr>
+                  <a:t>a neighborhood sampling strategy </a:t>
                 </a:r>
                 <a14:m>
                   <m:oMath xmlns:m="http://schemas.openxmlformats.org/officeDocument/2006/math">
@@ -4157,7 +4131,7 @@
             </p:txBody>
           </p:sp>
         </mc:Choice>
-        <mc:Fallback xmlns="">
+        <mc:Fallback>
           <p:sp>
             <p:nvSpPr>
               <p:cNvPr id="4" name="文本框 3">

--- a/2_node2vec/node2vec.pptx
+++ b/2_node2vec/node2vec.pptx
@@ -5,7 +5,7 @@
     <p:sldMasterId id="2147483684" r:id="rId1"/>
   </p:sldMasterIdLst>
   <p:notesMasterIdLst>
-    <p:notesMasterId r:id="rId7"/>
+    <p:notesMasterId r:id="rId12"/>
   </p:notesMasterIdLst>
   <p:sldIdLst>
     <p:sldId id="260" r:id="rId2"/>
@@ -13,6 +13,11 @@
     <p:sldId id="258" r:id="rId4"/>
     <p:sldId id="257" r:id="rId5"/>
     <p:sldId id="259" r:id="rId6"/>
+    <p:sldId id="261" r:id="rId7"/>
+    <p:sldId id="262" r:id="rId8"/>
+    <p:sldId id="263" r:id="rId9"/>
+    <p:sldId id="264" r:id="rId10"/>
+    <p:sldId id="265" r:id="rId11"/>
   </p:sldIdLst>
   <p:sldSz cx="12192000" cy="9144000"/>
   <p:notesSz cx="6858000" cy="9144000"/>
@@ -201,7 +206,7 @@
           <a:p>
             <a:fld id="{62B517B9-F9DA-4CE7-8A0F-16C8C2F77E8F}" type="datetimeFigureOut">
               <a:rPr lang="zh-CN" altLang="en-US" smtClean="0"/>
-              <a:t>2021/10/28</a:t>
+              <a:t>2021/10/29</a:t>
             </a:fld>
             <a:endParaRPr lang="zh-CN" altLang="en-US"/>
           </a:p>
@@ -1046,6 +1051,467 @@
 </p:notes>
 </file>
 
+<file path=ppt/notesSlides/notesSlide5.xml><?xml version="1.0" encoding="utf-8"?>
+<p:notes xmlns:a="http://schemas.openxmlformats.org/drawingml/2006/main" xmlns:r="http://schemas.openxmlformats.org/officeDocument/2006/relationships" xmlns:p="http://schemas.openxmlformats.org/presentationml/2006/main">
+  <p:cSld>
+    <p:spTree>
+      <p:nvGrpSpPr>
+        <p:cNvPr id="1" name=""/>
+        <p:cNvGrpSpPr/>
+        <p:nvPr/>
+      </p:nvGrpSpPr>
+      <p:grpSpPr>
+        <a:xfrm>
+          <a:off x="0" y="0"/>
+          <a:ext cx="0" cy="0"/>
+          <a:chOff x="0" y="0"/>
+          <a:chExt cx="0" cy="0"/>
+        </a:xfrm>
+      </p:grpSpPr>
+      <p:sp>
+        <p:nvSpPr>
+          <p:cNvPr id="2" name="幻灯片图像占位符 1"/>
+          <p:cNvSpPr>
+            <a:spLocks noGrp="1" noRot="1" noChangeAspect="1"/>
+          </p:cNvSpPr>
+          <p:nvPr>
+            <p:ph type="sldImg"/>
+          </p:nvPr>
+        </p:nvSpPr>
+        <p:spPr/>
+      </p:sp>
+      <p:sp>
+        <p:nvSpPr>
+          <p:cNvPr id="3" name="备注占位符 2"/>
+          <p:cNvSpPr>
+            <a:spLocks noGrp="1"/>
+          </p:cNvSpPr>
+          <p:nvPr>
+            <p:ph type="body" idx="1"/>
+          </p:nvPr>
+        </p:nvSpPr>
+        <p:spPr/>
+        <p:txBody>
+          <a:bodyPr/>
+          <a:lstStyle/>
+          <a:p>
+            <a:r>
+              <a:rPr lang="zh-CN" altLang="en-US" dirty="0"/>
+              <a:t>蓝色可能是一些桥梁结点作为</a:t>
+            </a:r>
+            <a:r>
+              <a:rPr lang="en-US" altLang="zh-CN" dirty="0"/>
+              <a:t>novel</a:t>
+            </a:r>
+            <a:r>
+              <a:rPr lang="zh-CN" altLang="en-US" dirty="0"/>
+              <a:t>中的不同</a:t>
+            </a:r>
+            <a:r>
+              <a:rPr lang="en-US" altLang="zh-CN" dirty="0"/>
+              <a:t>sub-plot</a:t>
+            </a:r>
+          </a:p>
+          <a:p>
+            <a:r>
+              <a:rPr lang="zh-CN" altLang="en-US" dirty="0"/>
+              <a:t>黄色代表很小有联系的结点</a:t>
+            </a:r>
+          </a:p>
+        </p:txBody>
+      </p:sp>
+      <p:sp>
+        <p:nvSpPr>
+          <p:cNvPr id="4" name="灯片编号占位符 3"/>
+          <p:cNvSpPr>
+            <a:spLocks noGrp="1"/>
+          </p:cNvSpPr>
+          <p:nvPr>
+            <p:ph type="sldNum" sz="quarter" idx="5"/>
+          </p:nvPr>
+        </p:nvSpPr>
+        <p:spPr/>
+        <p:txBody>
+          <a:bodyPr/>
+          <a:lstStyle/>
+          <a:p>
+            <a:fld id="{F0BEF969-9955-4A7A-886D-0A6DC0CB3B66}" type="slidenum">
+              <a:rPr lang="zh-CN" altLang="en-US" smtClean="0"/>
+              <a:t>6</a:t>
+            </a:fld>
+            <a:endParaRPr lang="zh-CN" altLang="en-US"/>
+          </a:p>
+        </p:txBody>
+      </p:sp>
+    </p:spTree>
+    <p:extLst>
+      <p:ext uri="{BB962C8B-B14F-4D97-AF65-F5344CB8AC3E}">
+        <p14:creationId xmlns:p14="http://schemas.microsoft.com/office/powerpoint/2010/main" val="533303251"/>
+      </p:ext>
+    </p:extLst>
+  </p:cSld>
+  <p:clrMapOvr>
+    <a:masterClrMapping/>
+  </p:clrMapOvr>
+</p:notes>
+</file>
+
+<file path=ppt/notesSlides/notesSlide6.xml><?xml version="1.0" encoding="utf-8"?>
+<p:notes xmlns:a="http://schemas.openxmlformats.org/drawingml/2006/main" xmlns:r="http://schemas.openxmlformats.org/officeDocument/2006/relationships" xmlns:p="http://schemas.openxmlformats.org/presentationml/2006/main">
+  <p:cSld>
+    <p:spTree>
+      <p:nvGrpSpPr>
+        <p:cNvPr id="1" name=""/>
+        <p:cNvGrpSpPr/>
+        <p:nvPr/>
+      </p:nvGrpSpPr>
+      <p:grpSpPr>
+        <a:xfrm>
+          <a:off x="0" y="0"/>
+          <a:ext cx="0" cy="0"/>
+          <a:chOff x="0" y="0"/>
+          <a:chExt cx="0" cy="0"/>
+        </a:xfrm>
+      </p:grpSpPr>
+      <p:sp>
+        <p:nvSpPr>
+          <p:cNvPr id="2" name="幻灯片图像占位符 1"/>
+          <p:cNvSpPr>
+            <a:spLocks noGrp="1" noRot="1" noChangeAspect="1"/>
+          </p:cNvSpPr>
+          <p:nvPr>
+            <p:ph type="sldImg"/>
+          </p:nvPr>
+        </p:nvSpPr>
+        <p:spPr/>
+      </p:sp>
+      <p:sp>
+        <p:nvSpPr>
+          <p:cNvPr id="3" name="备注占位符 2"/>
+          <p:cNvSpPr>
+            <a:spLocks noGrp="1"/>
+          </p:cNvSpPr>
+          <p:nvPr>
+            <p:ph type="body" idx="1"/>
+          </p:nvPr>
+        </p:nvSpPr>
+        <p:spPr/>
+        <p:txBody>
+          <a:bodyPr/>
+          <a:lstStyle/>
+          <a:p>
+            <a:r>
+              <a:rPr lang="zh-CN" altLang="en-US" dirty="0"/>
+              <a:t>分类器是</a:t>
+            </a:r>
+            <a:r>
+              <a:rPr lang="en-US" altLang="zh-CN" dirty="0"/>
+              <a:t>one-vs-rest</a:t>
+            </a:r>
+            <a:r>
+              <a:rPr lang="zh-CN" altLang="en-US" dirty="0"/>
+              <a:t> </a:t>
+            </a:r>
+            <a:r>
+              <a:rPr lang="en-US" altLang="zh-CN" dirty="0"/>
+              <a:t>logistic regression with L2 regularization.</a:t>
+            </a:r>
+            <a:endParaRPr lang="zh-CN" altLang="en-US" dirty="0"/>
+          </a:p>
+        </p:txBody>
+      </p:sp>
+      <p:sp>
+        <p:nvSpPr>
+          <p:cNvPr id="4" name="灯片编号占位符 3"/>
+          <p:cNvSpPr>
+            <a:spLocks noGrp="1"/>
+          </p:cNvSpPr>
+          <p:nvPr>
+            <p:ph type="sldNum" sz="quarter" idx="5"/>
+          </p:nvPr>
+        </p:nvSpPr>
+        <p:spPr/>
+        <p:txBody>
+          <a:bodyPr/>
+          <a:lstStyle/>
+          <a:p>
+            <a:fld id="{F0BEF969-9955-4A7A-886D-0A6DC0CB3B66}" type="slidenum">
+              <a:rPr lang="zh-CN" altLang="en-US" smtClean="0"/>
+              <a:t>7</a:t>
+            </a:fld>
+            <a:endParaRPr lang="zh-CN" altLang="en-US"/>
+          </a:p>
+        </p:txBody>
+      </p:sp>
+    </p:spTree>
+    <p:extLst>
+      <p:ext uri="{BB962C8B-B14F-4D97-AF65-F5344CB8AC3E}">
+        <p14:creationId xmlns:p14="http://schemas.microsoft.com/office/powerpoint/2010/main" val="3893403186"/>
+      </p:ext>
+    </p:extLst>
+  </p:cSld>
+  <p:clrMapOvr>
+    <a:masterClrMapping/>
+  </p:clrMapOvr>
+</p:notes>
+</file>
+
+<file path=ppt/notesSlides/notesSlide7.xml><?xml version="1.0" encoding="utf-8"?>
+<p:notes xmlns:a="http://schemas.openxmlformats.org/drawingml/2006/main" xmlns:r="http://schemas.openxmlformats.org/officeDocument/2006/relationships" xmlns:p="http://schemas.openxmlformats.org/presentationml/2006/main">
+  <p:cSld>
+    <p:spTree>
+      <p:nvGrpSpPr>
+        <p:cNvPr id="1" name=""/>
+        <p:cNvGrpSpPr/>
+        <p:nvPr/>
+      </p:nvGrpSpPr>
+      <p:grpSpPr>
+        <a:xfrm>
+          <a:off x="0" y="0"/>
+          <a:ext cx="0" cy="0"/>
+          <a:chOff x="0" y="0"/>
+          <a:chExt cx="0" cy="0"/>
+        </a:xfrm>
+      </p:grpSpPr>
+      <p:sp>
+        <p:nvSpPr>
+          <p:cNvPr id="2" name="幻灯片图像占位符 1"/>
+          <p:cNvSpPr>
+            <a:spLocks noGrp="1" noRot="1" noChangeAspect="1"/>
+          </p:cNvSpPr>
+          <p:nvPr>
+            <p:ph type="sldImg"/>
+          </p:nvPr>
+        </p:nvSpPr>
+        <p:spPr/>
+      </p:sp>
+      <p:sp>
+        <p:nvSpPr>
+          <p:cNvPr id="3" name="备注占位符 2"/>
+          <p:cNvSpPr>
+            <a:spLocks noGrp="1"/>
+          </p:cNvSpPr>
+          <p:nvPr>
+            <p:ph type="body" idx="1"/>
+          </p:nvPr>
+        </p:nvSpPr>
+        <p:spPr/>
+        <p:txBody>
+          <a:bodyPr/>
+          <a:lstStyle/>
+          <a:p>
+            <a:endParaRPr lang="zh-CN" altLang="en-US" dirty="0"/>
+          </a:p>
+        </p:txBody>
+      </p:sp>
+      <p:sp>
+        <p:nvSpPr>
+          <p:cNvPr id="4" name="灯片编号占位符 3"/>
+          <p:cNvSpPr>
+            <a:spLocks noGrp="1"/>
+          </p:cNvSpPr>
+          <p:nvPr>
+            <p:ph type="sldNum" sz="quarter" idx="5"/>
+          </p:nvPr>
+        </p:nvSpPr>
+        <p:spPr/>
+        <p:txBody>
+          <a:bodyPr/>
+          <a:lstStyle/>
+          <a:p>
+            <a:fld id="{F0BEF969-9955-4A7A-886D-0A6DC0CB3B66}" type="slidenum">
+              <a:rPr lang="zh-CN" altLang="en-US" smtClean="0"/>
+              <a:t>8</a:t>
+            </a:fld>
+            <a:endParaRPr lang="zh-CN" altLang="en-US"/>
+          </a:p>
+        </p:txBody>
+      </p:sp>
+    </p:spTree>
+    <p:extLst>
+      <p:ext uri="{BB962C8B-B14F-4D97-AF65-F5344CB8AC3E}">
+        <p14:creationId xmlns:p14="http://schemas.microsoft.com/office/powerpoint/2010/main" val="684216524"/>
+      </p:ext>
+    </p:extLst>
+  </p:cSld>
+  <p:clrMapOvr>
+    <a:masterClrMapping/>
+  </p:clrMapOvr>
+</p:notes>
+</file>
+
+<file path=ppt/notesSlides/notesSlide8.xml><?xml version="1.0" encoding="utf-8"?>
+<p:notes xmlns:a="http://schemas.openxmlformats.org/drawingml/2006/main" xmlns:r="http://schemas.openxmlformats.org/officeDocument/2006/relationships" xmlns:p="http://schemas.openxmlformats.org/presentationml/2006/main">
+  <p:cSld>
+    <p:spTree>
+      <p:nvGrpSpPr>
+        <p:cNvPr id="1" name=""/>
+        <p:cNvGrpSpPr/>
+        <p:nvPr/>
+      </p:nvGrpSpPr>
+      <p:grpSpPr>
+        <a:xfrm>
+          <a:off x="0" y="0"/>
+          <a:ext cx="0" cy="0"/>
+          <a:chOff x="0" y="0"/>
+          <a:chExt cx="0" cy="0"/>
+        </a:xfrm>
+      </p:grpSpPr>
+      <p:sp>
+        <p:nvSpPr>
+          <p:cNvPr id="2" name="幻灯片图像占位符 1"/>
+          <p:cNvSpPr>
+            <a:spLocks noGrp="1" noRot="1" noChangeAspect="1"/>
+          </p:cNvSpPr>
+          <p:nvPr>
+            <p:ph type="sldImg"/>
+          </p:nvPr>
+        </p:nvSpPr>
+        <p:spPr/>
+      </p:sp>
+      <p:sp>
+        <p:nvSpPr>
+          <p:cNvPr id="3" name="备注占位符 2"/>
+          <p:cNvSpPr>
+            <a:spLocks noGrp="1"/>
+          </p:cNvSpPr>
+          <p:nvPr>
+            <p:ph type="body" idx="1"/>
+          </p:nvPr>
+        </p:nvSpPr>
+        <p:spPr/>
+        <p:txBody>
+          <a:bodyPr/>
+          <a:lstStyle/>
+          <a:p>
+            <a:r>
+              <a:rPr lang="zh-CN" altLang="en-US" dirty="0"/>
+              <a:t>删除</a:t>
+            </a:r>
+            <a:r>
+              <a:rPr lang="en-US" altLang="zh-CN" dirty="0"/>
+              <a:t>50%</a:t>
+            </a:r>
+            <a:r>
+              <a:rPr lang="zh-CN" altLang="en-US" dirty="0"/>
+              <a:t>的边保持连通性，因为</a:t>
+            </a:r>
+            <a:r>
+              <a:rPr lang="en-US" altLang="zh-CN" dirty="0"/>
+              <a:t>random walk</a:t>
+            </a:r>
+            <a:r>
+              <a:rPr lang="zh-CN" altLang="en-US" dirty="0"/>
+              <a:t>天然基于连通性来采样。</a:t>
+            </a:r>
+            <a:endParaRPr lang="en-US" altLang="zh-CN" dirty="0"/>
+          </a:p>
+          <a:p>
+            <a:r>
+              <a:rPr lang="zh-CN" altLang="en-US" dirty="0"/>
+              <a:t>正样本就是移除的那些边，剩下的边用来</a:t>
+            </a:r>
+            <a:r>
+              <a:rPr lang="en-US" altLang="zh-CN" dirty="0"/>
+              <a:t>node2vec</a:t>
+            </a:r>
+            <a:r>
+              <a:rPr lang="zh-CN" altLang="en-US" dirty="0"/>
+              <a:t>训练得到嵌入。</a:t>
+            </a:r>
+            <a:endParaRPr lang="en-US" altLang="zh-CN" dirty="0"/>
+          </a:p>
+          <a:p>
+            <a:r>
+              <a:rPr lang="zh-CN" altLang="en-US" dirty="0"/>
+              <a:t>负样本就是在原网络中没有边的那些</a:t>
+            </a:r>
+            <a:r>
+              <a:rPr lang="en-US" altLang="zh-CN" dirty="0"/>
+              <a:t>node pair</a:t>
+            </a:r>
+            <a:r>
+              <a:rPr lang="zh-CN" altLang="en-US" dirty="0"/>
+              <a:t>。</a:t>
+            </a:r>
+            <a:endParaRPr lang="en-US" altLang="zh-CN" dirty="0"/>
+          </a:p>
+          <a:p>
+            <a:r>
+              <a:rPr lang="zh-CN" altLang="en-US" dirty="0"/>
+              <a:t>正负样本个数相等，然后用来做</a:t>
+            </a:r>
+            <a:r>
+              <a:rPr lang="en-US" altLang="zh-CN" dirty="0"/>
+              <a:t>link prediction</a:t>
+            </a:r>
+            <a:r>
+              <a:rPr lang="zh-CN" altLang="en-US" dirty="0"/>
+              <a:t>。</a:t>
+            </a:r>
+            <a:endParaRPr lang="en-US" altLang="zh-CN" dirty="0"/>
+          </a:p>
+          <a:p>
+            <a:r>
+              <a:rPr lang="zh-CN" altLang="en-US" dirty="0"/>
+              <a:t>选好的节点对利用</a:t>
+            </a:r>
+            <a:r>
+              <a:rPr lang="en-US" altLang="zh-CN" dirty="0"/>
+              <a:t>operator</a:t>
+            </a:r>
+            <a:r>
+              <a:rPr lang="zh-CN" altLang="en-US" dirty="0"/>
+              <a:t>生成边的</a:t>
+            </a:r>
+            <a:r>
+              <a:rPr lang="en-US" altLang="zh-CN" dirty="0"/>
+              <a:t>features</a:t>
+            </a:r>
+            <a:r>
+              <a:rPr lang="zh-CN" altLang="en-US" dirty="0"/>
+              <a:t>。</a:t>
+            </a:r>
+            <a:endParaRPr lang="en-US" altLang="zh-CN" dirty="0"/>
+          </a:p>
+        </p:txBody>
+      </p:sp>
+      <p:sp>
+        <p:nvSpPr>
+          <p:cNvPr id="4" name="灯片编号占位符 3"/>
+          <p:cNvSpPr>
+            <a:spLocks noGrp="1"/>
+          </p:cNvSpPr>
+          <p:nvPr>
+            <p:ph type="sldNum" sz="quarter" idx="5"/>
+          </p:nvPr>
+        </p:nvSpPr>
+        <p:spPr/>
+        <p:txBody>
+          <a:bodyPr/>
+          <a:lstStyle/>
+          <a:p>
+            <a:fld id="{F0BEF969-9955-4A7A-886D-0A6DC0CB3B66}" type="slidenum">
+              <a:rPr lang="zh-CN" altLang="en-US" smtClean="0"/>
+              <a:t>10</a:t>
+            </a:fld>
+            <a:endParaRPr lang="zh-CN" altLang="en-US"/>
+          </a:p>
+        </p:txBody>
+      </p:sp>
+    </p:spTree>
+    <p:extLst>
+      <p:ext uri="{BB962C8B-B14F-4D97-AF65-F5344CB8AC3E}">
+        <p14:creationId xmlns:p14="http://schemas.microsoft.com/office/powerpoint/2010/main" val="868391438"/>
+      </p:ext>
+    </p:extLst>
+  </p:cSld>
+  <p:clrMapOvr>
+    <a:masterClrMapping/>
+  </p:clrMapOvr>
+</p:notes>
+</file>
+
 <file path=ppt/slideLayouts/slideLayout1.xml><?xml version="1.0" encoding="utf-8"?>
 <p:sldLayout xmlns:a="http://schemas.openxmlformats.org/drawingml/2006/main" xmlns:r="http://schemas.openxmlformats.org/officeDocument/2006/relationships" xmlns:p="http://schemas.openxmlformats.org/presentationml/2006/main" type="title" preserve="1">
   <p:cSld name="标题幻灯片">
@@ -1177,7 +1643,7 @@
           <a:p>
             <a:fld id="{7AC5E4EC-F5B6-4692-B35B-92C4C1A65EF4}" type="datetimeFigureOut">
               <a:rPr lang="zh-CN" altLang="en-US" smtClean="0"/>
-              <a:t>2021/10/28</a:t>
+              <a:t>2021/10/29</a:t>
             </a:fld>
             <a:endParaRPr lang="zh-CN" altLang="en-US"/>
           </a:p>
@@ -1347,7 +1813,7 @@
           <a:p>
             <a:fld id="{7AC5E4EC-F5B6-4692-B35B-92C4C1A65EF4}" type="datetimeFigureOut">
               <a:rPr lang="zh-CN" altLang="en-US" smtClean="0"/>
-              <a:t>2021/10/28</a:t>
+              <a:t>2021/10/29</a:t>
             </a:fld>
             <a:endParaRPr lang="zh-CN" altLang="en-US"/>
           </a:p>
@@ -1527,7 +1993,7 @@
           <a:p>
             <a:fld id="{7AC5E4EC-F5B6-4692-B35B-92C4C1A65EF4}" type="datetimeFigureOut">
               <a:rPr lang="zh-CN" altLang="en-US" smtClean="0"/>
-              <a:t>2021/10/28</a:t>
+              <a:t>2021/10/29</a:t>
             </a:fld>
             <a:endParaRPr lang="zh-CN" altLang="en-US"/>
           </a:p>
@@ -1697,7 +2163,7 @@
           <a:p>
             <a:fld id="{7AC5E4EC-F5B6-4692-B35B-92C4C1A65EF4}" type="datetimeFigureOut">
               <a:rPr lang="zh-CN" altLang="en-US" smtClean="0"/>
-              <a:t>2021/10/28</a:t>
+              <a:t>2021/10/29</a:t>
             </a:fld>
             <a:endParaRPr lang="zh-CN" altLang="en-US"/>
           </a:p>
@@ -1941,7 +2407,7 @@
           <a:p>
             <a:fld id="{7AC5E4EC-F5B6-4692-B35B-92C4C1A65EF4}" type="datetimeFigureOut">
               <a:rPr lang="zh-CN" altLang="en-US" smtClean="0"/>
-              <a:t>2021/10/28</a:t>
+              <a:t>2021/10/29</a:t>
             </a:fld>
             <a:endParaRPr lang="zh-CN" altLang="en-US"/>
           </a:p>
@@ -2173,7 +2639,7 @@
           <a:p>
             <a:fld id="{7AC5E4EC-F5B6-4692-B35B-92C4C1A65EF4}" type="datetimeFigureOut">
               <a:rPr lang="zh-CN" altLang="en-US" smtClean="0"/>
-              <a:t>2021/10/28</a:t>
+              <a:t>2021/10/29</a:t>
             </a:fld>
             <a:endParaRPr lang="zh-CN" altLang="en-US"/>
           </a:p>
@@ -2540,7 +3006,7 @@
           <a:p>
             <a:fld id="{7AC5E4EC-F5B6-4692-B35B-92C4C1A65EF4}" type="datetimeFigureOut">
               <a:rPr lang="zh-CN" altLang="en-US" smtClean="0"/>
-              <a:t>2021/10/28</a:t>
+              <a:t>2021/10/29</a:t>
             </a:fld>
             <a:endParaRPr lang="zh-CN" altLang="en-US"/>
           </a:p>
@@ -2658,7 +3124,7 @@
           <a:p>
             <a:fld id="{7AC5E4EC-F5B6-4692-B35B-92C4C1A65EF4}" type="datetimeFigureOut">
               <a:rPr lang="zh-CN" altLang="en-US" smtClean="0"/>
-              <a:t>2021/10/28</a:t>
+              <a:t>2021/10/29</a:t>
             </a:fld>
             <a:endParaRPr lang="zh-CN" altLang="en-US"/>
           </a:p>
@@ -2753,7 +3219,7 @@
           <a:p>
             <a:fld id="{7AC5E4EC-F5B6-4692-B35B-92C4C1A65EF4}" type="datetimeFigureOut">
               <a:rPr lang="zh-CN" altLang="en-US" smtClean="0"/>
-              <a:t>2021/10/28</a:t>
+              <a:t>2021/10/29</a:t>
             </a:fld>
             <a:endParaRPr lang="zh-CN" altLang="en-US"/>
           </a:p>
@@ -3030,7 +3496,7 @@
           <a:p>
             <a:fld id="{7AC5E4EC-F5B6-4692-B35B-92C4C1A65EF4}" type="datetimeFigureOut">
               <a:rPr lang="zh-CN" altLang="en-US" smtClean="0"/>
-              <a:t>2021/10/28</a:t>
+              <a:t>2021/10/29</a:t>
             </a:fld>
             <a:endParaRPr lang="zh-CN" altLang="en-US"/>
           </a:p>
@@ -3287,7 +3753,7 @@
           <a:p>
             <a:fld id="{7AC5E4EC-F5B6-4692-B35B-92C4C1A65EF4}" type="datetimeFigureOut">
               <a:rPr lang="zh-CN" altLang="en-US" smtClean="0"/>
-              <a:t>2021/10/28</a:t>
+              <a:t>2021/10/29</a:t>
             </a:fld>
             <a:endParaRPr lang="zh-CN" altLang="en-US"/>
           </a:p>
@@ -3500,7 +3966,7 @@
           <a:p>
             <a:fld id="{7AC5E4EC-F5B6-4692-B35B-92C4C1A65EF4}" type="datetimeFigureOut">
               <a:rPr lang="zh-CN" altLang="en-US" smtClean="0"/>
-              <a:t>2021/10/28</a:t>
+              <a:t>2021/10/29</a:t>
             </a:fld>
             <a:endParaRPr lang="zh-CN" altLang="en-US"/>
           </a:p>
@@ -3948,6 +4414,291 @@
 </p:sld>
 </file>
 
+<file path=ppt/slides/slide10.xml><?xml version="1.0" encoding="utf-8"?>
+<p:sld xmlns:a="http://schemas.openxmlformats.org/drawingml/2006/main" xmlns:r="http://schemas.openxmlformats.org/officeDocument/2006/relationships" xmlns:p="http://schemas.openxmlformats.org/presentationml/2006/main">
+  <p:cSld>
+    <p:spTree>
+      <p:nvGrpSpPr>
+        <p:cNvPr id="1" name=""/>
+        <p:cNvGrpSpPr/>
+        <p:nvPr/>
+      </p:nvGrpSpPr>
+      <p:grpSpPr>
+        <a:xfrm>
+          <a:off x="0" y="0"/>
+          <a:ext cx="0" cy="0"/>
+          <a:chOff x="0" y="0"/>
+          <a:chExt cx="0" cy="0"/>
+        </a:xfrm>
+      </p:grpSpPr>
+      <p:pic>
+        <p:nvPicPr>
+          <p:cNvPr id="4" name="图片 3">
+            <a:extLst>
+              <a:ext uri="{FF2B5EF4-FFF2-40B4-BE49-F238E27FC236}">
+                <a16:creationId xmlns:a16="http://schemas.microsoft.com/office/drawing/2014/main" id="{A9089061-785B-431E-81B9-3D9B33CCD61F}"/>
+              </a:ext>
+            </a:extLst>
+          </p:cNvPr>
+          <p:cNvPicPr>
+            <a:picLocks noChangeAspect="1"/>
+          </p:cNvPicPr>
+          <p:nvPr/>
+        </p:nvPicPr>
+        <p:blipFill>
+          <a:blip r:embed="rId3"/>
+          <a:stretch>
+            <a:fillRect/>
+          </a:stretch>
+        </p:blipFill>
+        <p:spPr>
+          <a:xfrm>
+            <a:off x="0" y="4226996"/>
+            <a:ext cx="6280890" cy="2181530"/>
+          </a:xfrm>
+          <a:prstGeom prst="rect">
+            <a:avLst/>
+          </a:prstGeom>
+        </p:spPr>
+      </p:pic>
+      <p:pic>
+        <p:nvPicPr>
+          <p:cNvPr id="5" name="图片 4">
+            <a:extLst>
+              <a:ext uri="{FF2B5EF4-FFF2-40B4-BE49-F238E27FC236}">
+                <a16:creationId xmlns:a16="http://schemas.microsoft.com/office/drawing/2014/main" id="{1191B810-A390-40FB-B7C0-AC4C2BE60C80}"/>
+              </a:ext>
+            </a:extLst>
+          </p:cNvPr>
+          <p:cNvPicPr>
+            <a:picLocks noChangeAspect="1"/>
+          </p:cNvPicPr>
+          <p:nvPr/>
+        </p:nvPicPr>
+        <p:blipFill>
+          <a:blip r:embed="rId4"/>
+          <a:stretch>
+            <a:fillRect/>
+          </a:stretch>
+        </p:blipFill>
+        <p:spPr>
+          <a:xfrm>
+            <a:off x="6715427" y="1195943"/>
+            <a:ext cx="5194634" cy="6062107"/>
+          </a:xfrm>
+          <a:prstGeom prst="rect">
+            <a:avLst/>
+          </a:prstGeom>
+        </p:spPr>
+      </p:pic>
+      <p:sp>
+        <p:nvSpPr>
+          <p:cNvPr id="6" name="矩形 5">
+            <a:extLst>
+              <a:ext uri="{FF2B5EF4-FFF2-40B4-BE49-F238E27FC236}">
+                <a16:creationId xmlns:a16="http://schemas.microsoft.com/office/drawing/2014/main" id="{4920893D-039C-49F0-BC72-140EEA513E55}"/>
+              </a:ext>
+            </a:extLst>
+          </p:cNvPr>
+          <p:cNvSpPr/>
+          <p:nvPr/>
+        </p:nvSpPr>
+        <p:spPr>
+          <a:xfrm>
+            <a:off x="329517" y="313965"/>
+            <a:ext cx="2492990" cy="523220"/>
+          </a:xfrm>
+          <a:prstGeom prst="rect">
+            <a:avLst/>
+          </a:prstGeom>
+        </p:spPr>
+        <p:txBody>
+          <a:bodyPr wrap="none">
+            <a:spAutoFit/>
+          </a:bodyPr>
+          <a:lstStyle/>
+          <a:p>
+            <a:r>
+              <a:rPr lang="en-US" altLang="zh-CN" sz="2800" b="1" dirty="0">
+                <a:latin typeface="Calibri" panose="020F0502020204030204" pitchFamily="34" charset="0"/>
+                <a:cs typeface="Calibri" panose="020F0502020204030204" pitchFamily="34" charset="0"/>
+              </a:rPr>
+              <a:t>Link Prediction	</a:t>
+            </a:r>
+          </a:p>
+        </p:txBody>
+      </p:sp>
+      <p:sp>
+        <p:nvSpPr>
+          <p:cNvPr id="8" name="矩形 7">
+            <a:extLst>
+              <a:ext uri="{FF2B5EF4-FFF2-40B4-BE49-F238E27FC236}">
+                <a16:creationId xmlns:a16="http://schemas.microsoft.com/office/drawing/2014/main" id="{59325F53-4513-41E6-B2EA-7C604FE0DB27}"/>
+              </a:ext>
+            </a:extLst>
+          </p:cNvPr>
+          <p:cNvSpPr/>
+          <p:nvPr/>
+        </p:nvSpPr>
+        <p:spPr>
+          <a:xfrm>
+            <a:off x="329517" y="847265"/>
+            <a:ext cx="5621855" cy="3046988"/>
+          </a:xfrm>
+          <a:prstGeom prst="rect">
+            <a:avLst/>
+          </a:prstGeom>
+        </p:spPr>
+        <p:txBody>
+          <a:bodyPr wrap="square">
+            <a:spAutoFit/>
+          </a:bodyPr>
+          <a:lstStyle/>
+          <a:p>
+            <a:pPr lvl="0"/>
+            <a:r>
+              <a:rPr lang="en-US" altLang="zh-CN" sz="2400" dirty="0">
+                <a:solidFill>
+                  <a:prstClr val="black"/>
+                </a:solidFill>
+              </a:rPr>
+              <a:t>Labeled dataset of edges:</a:t>
+            </a:r>
+          </a:p>
+          <a:p>
+            <a:pPr marL="342900" lvl="0" indent="-342900">
+              <a:buFont typeface="Arial" panose="020B0604020202020204" pitchFamily="34" charset="0"/>
+              <a:buChar char="•"/>
+            </a:pPr>
+            <a:r>
+              <a:rPr lang="en-US" altLang="zh-CN" sz="2400" dirty="0">
+                <a:solidFill>
+                  <a:prstClr val="black"/>
+                </a:solidFill>
+              </a:rPr>
+              <a:t>Positive examples:</a:t>
+            </a:r>
+          </a:p>
+          <a:p>
+            <a:pPr lvl="0"/>
+            <a:r>
+              <a:rPr lang="en-US" altLang="zh-CN" sz="2400" dirty="0">
+                <a:solidFill>
+                  <a:prstClr val="black"/>
+                </a:solidFill>
+              </a:rPr>
+              <a:t>	removed 50% of edges in the original 	network,  and ensure the residual 	network is connected. </a:t>
+            </a:r>
+          </a:p>
+          <a:p>
+            <a:pPr marL="342900" lvl="0" indent="-342900">
+              <a:buFont typeface="Arial" panose="020B0604020202020204" pitchFamily="34" charset="0"/>
+              <a:buChar char="•"/>
+            </a:pPr>
+            <a:r>
+              <a:rPr lang="en-US" altLang="zh-CN" sz="2400" dirty="0">
+                <a:solidFill>
+                  <a:prstClr val="black"/>
+                </a:solidFill>
+              </a:rPr>
+              <a:t>Negative examples:</a:t>
+            </a:r>
+          </a:p>
+          <a:p>
+            <a:pPr lvl="0"/>
+            <a:r>
+              <a:rPr lang="en-US" altLang="zh-CN" sz="2400" dirty="0">
+                <a:solidFill>
+                  <a:prstClr val="black"/>
+                </a:solidFill>
+              </a:rPr>
+              <a:t>	A equal number of node pairs from the 	original network which have no edge.</a:t>
+            </a:r>
+          </a:p>
+        </p:txBody>
+      </p:sp>
+      <p:pic>
+        <p:nvPicPr>
+          <p:cNvPr id="9" name="图片 8">
+            <a:extLst>
+              <a:ext uri="{FF2B5EF4-FFF2-40B4-BE49-F238E27FC236}">
+                <a16:creationId xmlns:a16="http://schemas.microsoft.com/office/drawing/2014/main" id="{24447CFA-FF53-4700-B860-439712E86E15}"/>
+              </a:ext>
+            </a:extLst>
+          </p:cNvPr>
+          <p:cNvPicPr>
+            <a:picLocks noChangeAspect="1"/>
+          </p:cNvPicPr>
+          <p:nvPr/>
+        </p:nvPicPr>
+        <p:blipFill>
+          <a:blip r:embed="rId5"/>
+          <a:stretch>
+            <a:fillRect/>
+          </a:stretch>
+        </p:blipFill>
+        <p:spPr>
+          <a:xfrm>
+            <a:off x="281939" y="6929545"/>
+            <a:ext cx="5405837" cy="1900490"/>
+          </a:xfrm>
+          <a:prstGeom prst="rect">
+            <a:avLst/>
+          </a:prstGeom>
+        </p:spPr>
+      </p:pic>
+      <p:sp>
+        <p:nvSpPr>
+          <p:cNvPr id="11" name="矩形 10">
+            <a:extLst>
+              <a:ext uri="{FF2B5EF4-FFF2-40B4-BE49-F238E27FC236}">
+                <a16:creationId xmlns:a16="http://schemas.microsoft.com/office/drawing/2014/main" id="{56940A5C-A299-4A82-8DBD-A18DB8D78CFE}"/>
+              </a:ext>
+            </a:extLst>
+          </p:cNvPr>
+          <p:cNvSpPr/>
+          <p:nvPr/>
+        </p:nvSpPr>
+        <p:spPr>
+          <a:xfrm>
+            <a:off x="5951372" y="7948057"/>
+            <a:ext cx="3593612" cy="461665"/>
+          </a:xfrm>
+          <a:prstGeom prst="rect">
+            <a:avLst/>
+          </a:prstGeom>
+        </p:spPr>
+        <p:txBody>
+          <a:bodyPr wrap="none">
+            <a:spAutoFit/>
+          </a:bodyPr>
+          <a:lstStyle/>
+          <a:p>
+            <a:r>
+              <a:rPr lang="en-US" altLang="zh-CN" sz="2400" dirty="0">
+                <a:solidFill>
+                  <a:prstClr val="black"/>
+                </a:solidFill>
+              </a:rPr>
+              <a:t>Hadamard operator is best.</a:t>
+            </a:r>
+            <a:endParaRPr lang="zh-CN" altLang="en-US" dirty="0"/>
+          </a:p>
+        </p:txBody>
+      </p:sp>
+    </p:spTree>
+    <p:extLst>
+      <p:ext uri="{BB962C8B-B14F-4D97-AF65-F5344CB8AC3E}">
+        <p14:creationId xmlns:p14="http://schemas.microsoft.com/office/powerpoint/2010/main" val="2337928434"/>
+      </p:ext>
+    </p:extLst>
+  </p:cSld>
+  <p:clrMapOvr>
+    <a:masterClrMapping/>
+  </p:clrMapOvr>
+</p:sld>
+</file>
+
 <file path=ppt/slides/slide2.xml><?xml version="1.0" encoding="utf-8"?>
 <p:sld xmlns:a="http://schemas.openxmlformats.org/drawingml/2006/main" xmlns:r="http://schemas.openxmlformats.org/officeDocument/2006/relationships" xmlns:p="http://schemas.openxmlformats.org/presentationml/2006/main">
   <p:cSld>
@@ -3965,8 +4716,8 @@
           <a:chExt cx="0" cy="0"/>
         </a:xfrm>
       </p:grpSpPr>
-      <mc:AlternateContent xmlns:mc="http://schemas.openxmlformats.org/markup-compatibility/2006">
-        <mc:Choice xmlns:a14="http://schemas.microsoft.com/office/drawing/2010/main" Requires="a14">
+      <mc:AlternateContent xmlns:mc="http://schemas.openxmlformats.org/markup-compatibility/2006" xmlns:a14="http://schemas.microsoft.com/office/drawing/2010/main">
+        <mc:Choice Requires="a14">
           <p:sp>
             <p:nvSpPr>
               <p:cNvPr id="4" name="文本框 3">
@@ -4131,7 +4882,7 @@
             </p:txBody>
           </p:sp>
         </mc:Choice>
-        <mc:Fallback>
+        <mc:Fallback xmlns="">
           <p:sp>
             <p:nvSpPr>
               <p:cNvPr id="4" name="文本框 3">
@@ -10281,77 +11032,6 @@
           <a:chExt cx="0" cy="0"/>
         </a:xfrm>
       </p:grpSpPr>
-      <p:sp>
-        <p:nvSpPr>
-          <p:cNvPr id="4" name="矩形 3">
-            <a:extLst>
-              <a:ext uri="{FF2B5EF4-FFF2-40B4-BE49-F238E27FC236}">
-                <a16:creationId xmlns:a16="http://schemas.microsoft.com/office/drawing/2014/main" id="{B916122D-6A2E-4753-B550-668ABAACE4E4}"/>
-              </a:ext>
-            </a:extLst>
-          </p:cNvPr>
-          <p:cNvSpPr/>
-          <p:nvPr/>
-        </p:nvSpPr>
-        <p:spPr>
-          <a:xfrm>
-            <a:off x="1257395" y="8424945"/>
-            <a:ext cx="8743804" cy="369332"/>
-          </a:xfrm>
-          <a:prstGeom prst="rect">
-            <a:avLst/>
-          </a:prstGeom>
-        </p:spPr>
-        <p:txBody>
-          <a:bodyPr wrap="none">
-            <a:spAutoFit/>
-          </a:bodyPr>
-          <a:lstStyle/>
-          <a:p>
-            <a:r>
-              <a:rPr lang="zh-CN" altLang="en-US" dirty="0">
-                <a:latin typeface="微软雅黑" panose="020B0503020204020204" pitchFamily="34" charset="-122"/>
-                <a:ea typeface="微软雅黑" panose="020B0503020204020204" pitchFamily="34" charset="-122"/>
-              </a:rPr>
-              <a:t>参考链接：</a:t>
-            </a:r>
-            <a:r>
-              <a:rPr lang="en-US" altLang="zh-CN" dirty="0">
-                <a:hlinkClick r:id="rId3"/>
-              </a:rPr>
-              <a:t>【Graph Embedding】node2vec</a:t>
-            </a:r>
-            <a:r>
-              <a:rPr lang="zh-CN" altLang="en-US" dirty="0">
-                <a:hlinkClick r:id="rId3"/>
-              </a:rPr>
-              <a:t>：算法原理，实现和应用 </a:t>
-            </a:r>
-            <a:r>
-              <a:rPr lang="en-US" altLang="zh-CN" dirty="0">
-                <a:hlinkClick r:id="rId3"/>
-              </a:rPr>
-              <a:t>- </a:t>
-            </a:r>
-            <a:r>
-              <a:rPr lang="zh-CN" altLang="en-US" dirty="0">
-                <a:hlinkClick r:id="rId3"/>
-              </a:rPr>
-              <a:t>知乎 </a:t>
-            </a:r>
-            <a:r>
-              <a:rPr lang="en-US" altLang="zh-CN" dirty="0">
-                <a:hlinkClick r:id="rId3"/>
-              </a:rPr>
-              <a:t>(zhihu.com)</a:t>
-            </a:r>
-            <a:endParaRPr lang="zh-CN" altLang="en-US" dirty="0">
-              <a:latin typeface="微软雅黑" panose="020B0503020204020204" pitchFamily="34" charset="-122"/>
-              <a:ea typeface="微软雅黑" panose="020B0503020204020204" pitchFamily="34" charset="-122"/>
-            </a:endParaRPr>
-          </a:p>
-        </p:txBody>
-      </p:sp>
       <p:pic>
         <p:nvPicPr>
           <p:cNvPr id="5" name="图片 4">
@@ -10367,14 +11047,14 @@
           <p:nvPr/>
         </p:nvPicPr>
         <p:blipFill>
-          <a:blip r:embed="rId4"/>
+          <a:blip r:embed="rId3"/>
           <a:stretch>
             <a:fillRect/>
           </a:stretch>
         </p:blipFill>
         <p:spPr>
           <a:xfrm>
-            <a:off x="8968672" y="2545300"/>
+            <a:off x="9420706" y="5159912"/>
             <a:ext cx="2563597" cy="1828908"/>
           </a:xfrm>
           <a:prstGeom prst="rect">
@@ -10382,8 +11062,8 @@
           </a:prstGeom>
         </p:spPr>
       </p:pic>
-      <mc:AlternateContent xmlns:mc="http://schemas.openxmlformats.org/markup-compatibility/2006" xmlns:a14="http://schemas.microsoft.com/office/drawing/2010/main">
-        <mc:Choice Requires="a14">
+      <mc:AlternateContent xmlns:mc="http://schemas.openxmlformats.org/markup-compatibility/2006">
+        <mc:Choice xmlns:a14="http://schemas.microsoft.com/office/drawing/2010/main" Requires="a14">
           <p:sp>
             <p:nvSpPr>
               <p:cNvPr id="7" name="矩形 6">
@@ -10398,7 +11078,7 @@
             </p:nvSpPr>
             <p:spPr>
               <a:xfrm>
-                <a:off x="135753" y="443017"/>
+                <a:off x="171725" y="1757467"/>
                 <a:ext cx="11848550" cy="3046988"/>
               </a:xfrm>
               <a:prstGeom prst="rect">
@@ -10744,7 +11424,7 @@
             </p:txBody>
           </p:sp>
         </mc:Choice>
-        <mc:Fallback xmlns="">
+        <mc:Fallback>
           <p:sp>
             <p:nvSpPr>
               <p:cNvPr id="7" name="矩形 6">
@@ -10761,14 +11441,14 @@
             </p:nvSpPr>
             <p:spPr>
               <a:xfrm>
-                <a:off x="135753" y="443017"/>
+                <a:off x="171725" y="1757467"/>
                 <a:ext cx="11848550" cy="3046988"/>
               </a:xfrm>
               <a:prstGeom prst="rect">
                 <a:avLst/>
               </a:prstGeom>
               <a:blipFill>
-                <a:blip r:embed="rId5"/>
+                <a:blip r:embed="rId4"/>
                 <a:stretch>
                   <a:fillRect l="-669" t="-1600" b="-3600"/>
                 </a:stretch>
@@ -10803,7 +11483,7 @@
         </p:nvSpPr>
         <p:spPr>
           <a:xfrm>
-            <a:off x="659731" y="3912543"/>
+            <a:off x="502568" y="7255818"/>
             <a:ext cx="7503080" cy="461665"/>
           </a:xfrm>
           <a:prstGeom prst="rect">
@@ -10832,6 +11512,998 @@
     <p:extLst>
       <p:ext uri="{BB962C8B-B14F-4D97-AF65-F5344CB8AC3E}">
         <p14:creationId xmlns:p14="http://schemas.microsoft.com/office/powerpoint/2010/main" val="1419941339"/>
+      </p:ext>
+    </p:extLst>
+  </p:cSld>
+  <p:clrMapOvr>
+    <a:masterClrMapping/>
+  </p:clrMapOvr>
+</p:sld>
+</file>
+
+<file path=ppt/slides/slide6.xml><?xml version="1.0" encoding="utf-8"?>
+<p:sld xmlns:a="http://schemas.openxmlformats.org/drawingml/2006/main" xmlns:r="http://schemas.openxmlformats.org/officeDocument/2006/relationships" xmlns:p="http://schemas.openxmlformats.org/presentationml/2006/main">
+  <p:cSld>
+    <p:spTree>
+      <p:nvGrpSpPr>
+        <p:cNvPr id="1" name=""/>
+        <p:cNvGrpSpPr/>
+        <p:nvPr/>
+      </p:nvGrpSpPr>
+      <p:grpSpPr>
+        <a:xfrm>
+          <a:off x="0" y="0"/>
+          <a:ext cx="0" cy="0"/>
+          <a:chOff x="0" y="0"/>
+          <a:chExt cx="0" cy="0"/>
+        </a:xfrm>
+      </p:grpSpPr>
+      <p:sp>
+        <p:nvSpPr>
+          <p:cNvPr id="4" name="矩形 3">
+            <a:extLst>
+              <a:ext uri="{FF2B5EF4-FFF2-40B4-BE49-F238E27FC236}">
+                <a16:creationId xmlns:a16="http://schemas.microsoft.com/office/drawing/2014/main" id="{FE48C5F3-D83E-4D5C-B189-3E515DC4E5B9}"/>
+              </a:ext>
+            </a:extLst>
+          </p:cNvPr>
+          <p:cNvSpPr/>
+          <p:nvPr/>
+        </p:nvSpPr>
+        <p:spPr>
+          <a:xfrm>
+            <a:off x="123825" y="401510"/>
+            <a:ext cx="2309671" cy="584775"/>
+          </a:xfrm>
+          <a:prstGeom prst="rect">
+            <a:avLst/>
+          </a:prstGeom>
+        </p:spPr>
+        <p:txBody>
+          <a:bodyPr wrap="none">
+            <a:spAutoFit/>
+          </a:bodyPr>
+          <a:lstStyle/>
+          <a:p>
+            <a:r>
+              <a:rPr lang="en-US" altLang="zh-CN" sz="3200" b="1" dirty="0">
+                <a:solidFill>
+                  <a:prstClr val="black"/>
+                </a:solidFill>
+                <a:latin typeface="Calibri" panose="020F0502020204030204" pitchFamily="34" charset="0"/>
+                <a:cs typeface="Calibri" panose="020F0502020204030204" pitchFamily="34" charset="0"/>
+              </a:rPr>
+              <a:t>Experiments</a:t>
+            </a:r>
+            <a:endParaRPr lang="zh-CN" altLang="en-US" sz="1600" dirty="0"/>
+          </a:p>
+        </p:txBody>
+      </p:sp>
+      <p:pic>
+        <p:nvPicPr>
+          <p:cNvPr id="5" name="图片 4">
+            <a:extLst>
+              <a:ext uri="{FF2B5EF4-FFF2-40B4-BE49-F238E27FC236}">
+                <a16:creationId xmlns:a16="http://schemas.microsoft.com/office/drawing/2014/main" id="{E399C6B7-A1A7-4DD1-9FB7-87760D92B171}"/>
+              </a:ext>
+            </a:extLst>
+          </p:cNvPr>
+          <p:cNvPicPr>
+            <a:picLocks noChangeAspect="1"/>
+          </p:cNvPicPr>
+          <p:nvPr/>
+        </p:nvPicPr>
+        <p:blipFill>
+          <a:blip r:embed="rId3"/>
+          <a:stretch>
+            <a:fillRect/>
+          </a:stretch>
+        </p:blipFill>
+        <p:spPr>
+          <a:xfrm>
+            <a:off x="397735" y="1549292"/>
+            <a:ext cx="5698265" cy="6414747"/>
+          </a:xfrm>
+          <a:prstGeom prst="rect">
+            <a:avLst/>
+          </a:prstGeom>
+        </p:spPr>
+      </p:pic>
+      <mc:AlternateContent xmlns:mc="http://schemas.openxmlformats.org/markup-compatibility/2006">
+        <mc:Choice xmlns:a14="http://schemas.microsoft.com/office/drawing/2010/main" Requires="a14">
+          <p:sp>
+            <p:nvSpPr>
+              <p:cNvPr id="6" name="矩形 5">
+                <a:extLst>
+                  <a:ext uri="{FF2B5EF4-FFF2-40B4-BE49-F238E27FC236}">
+                    <a16:creationId xmlns:a16="http://schemas.microsoft.com/office/drawing/2014/main" id="{812C5329-9AA5-41FF-8363-82C7BDB46C3F}"/>
+                  </a:ext>
+                </a:extLst>
+              </p:cNvPr>
+              <p:cNvSpPr/>
+              <p:nvPr/>
+            </p:nvSpPr>
+            <p:spPr>
+              <a:xfrm>
+                <a:off x="6382203" y="2944296"/>
+                <a:ext cx="1622752" cy="369332"/>
+              </a:xfrm>
+              <a:prstGeom prst="rect">
+                <a:avLst/>
+              </a:prstGeom>
+            </p:spPr>
+            <p:txBody>
+              <a:bodyPr wrap="none">
+                <a:spAutoFit/>
+              </a:bodyPr>
+              <a:lstStyle/>
+              <a:p>
+                <a14:m>
+                  <m:oMathPara xmlns:m="http://schemas.openxmlformats.org/officeDocument/2006/math">
+                    <m:oMathParaPr>
+                      <m:jc m:val="centerGroup"/>
+                    </m:oMathParaPr>
+                    <m:oMath xmlns:m="http://schemas.openxmlformats.org/officeDocument/2006/math">
+                      <m:r>
+                        <a:rPr lang="en-US" altLang="zh-CN" b="0" i="1" smtClean="0">
+                          <a:solidFill>
+                            <a:prstClr val="black"/>
+                          </a:solidFill>
+                          <a:latin typeface="Cambria Math" panose="02040503050406030204" pitchFamily="18" charset="0"/>
+                        </a:rPr>
+                        <m:t>𝑝</m:t>
+                      </m:r>
+                      <m:r>
+                        <a:rPr lang="en-US" altLang="zh-CN" b="0" i="1" smtClean="0">
+                          <a:solidFill>
+                            <a:prstClr val="black"/>
+                          </a:solidFill>
+                          <a:latin typeface="Cambria Math" panose="02040503050406030204" pitchFamily="18" charset="0"/>
+                        </a:rPr>
+                        <m:t>=1,</m:t>
+                      </m:r>
+                      <m:r>
+                        <a:rPr lang="en-US" altLang="zh-CN" i="1" smtClean="0">
+                          <a:solidFill>
+                            <a:prstClr val="black"/>
+                          </a:solidFill>
+                          <a:latin typeface="Cambria Math" panose="02040503050406030204" pitchFamily="18" charset="0"/>
+                        </a:rPr>
+                        <m:t>𝑞</m:t>
+                      </m:r>
+                      <m:r>
+                        <a:rPr lang="en-US" altLang="zh-CN" b="0" i="1" smtClean="0">
+                          <a:solidFill>
+                            <a:prstClr val="black"/>
+                          </a:solidFill>
+                          <a:latin typeface="Cambria Math" panose="02040503050406030204" pitchFamily="18" charset="0"/>
+                        </a:rPr>
+                        <m:t>=0.5</m:t>
+                      </m:r>
+                    </m:oMath>
+                  </m:oMathPara>
+                </a14:m>
+                <a:endParaRPr lang="zh-CN" altLang="en-US" dirty="0"/>
+              </a:p>
+            </p:txBody>
+          </p:sp>
+        </mc:Choice>
+        <mc:Fallback>
+          <p:sp>
+            <p:nvSpPr>
+              <p:cNvPr id="6" name="矩形 5">
+                <a:extLst>
+                  <a:ext uri="{FF2B5EF4-FFF2-40B4-BE49-F238E27FC236}">
+                    <a16:creationId xmlns:a16="http://schemas.microsoft.com/office/drawing/2014/main" id="{812C5329-9AA5-41FF-8363-82C7BDB46C3F}"/>
+                  </a:ext>
+                </a:extLst>
+              </p:cNvPr>
+              <p:cNvSpPr>
+                <a:spLocks noRot="1" noChangeAspect="1" noMove="1" noResize="1" noEditPoints="1" noAdjustHandles="1" noChangeArrowheads="1" noChangeShapeType="1" noTextEdit="1"/>
+              </p:cNvSpPr>
+              <p:nvPr/>
+            </p:nvSpPr>
+            <p:spPr>
+              <a:xfrm>
+                <a:off x="6382203" y="2944296"/>
+                <a:ext cx="1622752" cy="369332"/>
+              </a:xfrm>
+              <a:prstGeom prst="rect">
+                <a:avLst/>
+              </a:prstGeom>
+              <a:blipFill>
+                <a:blip r:embed="rId4"/>
+                <a:stretch>
+                  <a:fillRect b="-4918"/>
+                </a:stretch>
+              </a:blipFill>
+            </p:spPr>
+            <p:txBody>
+              <a:bodyPr/>
+              <a:lstStyle/>
+              <a:p>
+                <a:r>
+                  <a:rPr lang="zh-CN" altLang="en-US">
+                    <a:noFill/>
+                  </a:rPr>
+                  <a:t> </a:t>
+                </a:r>
+              </a:p>
+            </p:txBody>
+          </p:sp>
+        </mc:Fallback>
+      </mc:AlternateContent>
+      <mc:AlternateContent xmlns:mc="http://schemas.openxmlformats.org/markup-compatibility/2006">
+        <mc:Choice xmlns:a14="http://schemas.microsoft.com/office/drawing/2010/main" Requires="a14">
+          <p:sp>
+            <p:nvSpPr>
+              <p:cNvPr id="7" name="矩形 6">
+                <a:extLst>
+                  <a:ext uri="{FF2B5EF4-FFF2-40B4-BE49-F238E27FC236}">
+                    <a16:creationId xmlns:a16="http://schemas.microsoft.com/office/drawing/2014/main" id="{162E9BC1-DAC3-4643-B14D-1A9EE4846B2F}"/>
+                  </a:ext>
+                </a:extLst>
+              </p:cNvPr>
+              <p:cNvSpPr/>
+              <p:nvPr/>
+            </p:nvSpPr>
+            <p:spPr>
+              <a:xfrm>
+                <a:off x="6382203" y="5503903"/>
+                <a:ext cx="1446422" cy="369332"/>
+              </a:xfrm>
+              <a:prstGeom prst="rect">
+                <a:avLst/>
+              </a:prstGeom>
+            </p:spPr>
+            <p:txBody>
+              <a:bodyPr wrap="none">
+                <a:spAutoFit/>
+              </a:bodyPr>
+              <a:lstStyle/>
+              <a:p>
+                <a14:m>
+                  <m:oMathPara xmlns:m="http://schemas.openxmlformats.org/officeDocument/2006/math">
+                    <m:oMathParaPr>
+                      <m:jc m:val="centerGroup"/>
+                    </m:oMathParaPr>
+                    <m:oMath xmlns:m="http://schemas.openxmlformats.org/officeDocument/2006/math">
+                      <m:r>
+                        <a:rPr lang="en-US" altLang="zh-CN" b="0" i="1" smtClean="0">
+                          <a:solidFill>
+                            <a:prstClr val="black"/>
+                          </a:solidFill>
+                          <a:latin typeface="Cambria Math" panose="02040503050406030204" pitchFamily="18" charset="0"/>
+                        </a:rPr>
+                        <m:t>𝑝</m:t>
+                      </m:r>
+                      <m:r>
+                        <a:rPr lang="en-US" altLang="zh-CN" b="0" i="1" smtClean="0">
+                          <a:solidFill>
+                            <a:prstClr val="black"/>
+                          </a:solidFill>
+                          <a:latin typeface="Cambria Math" panose="02040503050406030204" pitchFamily="18" charset="0"/>
+                        </a:rPr>
+                        <m:t>=1,</m:t>
+                      </m:r>
+                      <m:r>
+                        <a:rPr lang="en-US" altLang="zh-CN" i="1" smtClean="0">
+                          <a:solidFill>
+                            <a:prstClr val="black"/>
+                          </a:solidFill>
+                          <a:latin typeface="Cambria Math" panose="02040503050406030204" pitchFamily="18" charset="0"/>
+                        </a:rPr>
+                        <m:t>𝑞</m:t>
+                      </m:r>
+                      <m:r>
+                        <a:rPr lang="en-US" altLang="zh-CN" b="0" i="1" smtClean="0">
+                          <a:solidFill>
+                            <a:prstClr val="black"/>
+                          </a:solidFill>
+                          <a:latin typeface="Cambria Math" panose="02040503050406030204" pitchFamily="18" charset="0"/>
+                        </a:rPr>
+                        <m:t>=2</m:t>
+                      </m:r>
+                    </m:oMath>
+                  </m:oMathPara>
+                </a14:m>
+                <a:endParaRPr lang="zh-CN" altLang="en-US" dirty="0"/>
+              </a:p>
+            </p:txBody>
+          </p:sp>
+        </mc:Choice>
+        <mc:Fallback>
+          <p:sp>
+            <p:nvSpPr>
+              <p:cNvPr id="7" name="矩形 6">
+                <a:extLst>
+                  <a:ext uri="{FF2B5EF4-FFF2-40B4-BE49-F238E27FC236}">
+                    <a16:creationId xmlns:a16="http://schemas.microsoft.com/office/drawing/2014/main" id="{162E9BC1-DAC3-4643-B14D-1A9EE4846B2F}"/>
+                  </a:ext>
+                </a:extLst>
+              </p:cNvPr>
+              <p:cNvSpPr>
+                <a:spLocks noRot="1" noChangeAspect="1" noMove="1" noResize="1" noEditPoints="1" noAdjustHandles="1" noChangeArrowheads="1" noChangeShapeType="1" noTextEdit="1"/>
+              </p:cNvSpPr>
+              <p:nvPr/>
+            </p:nvSpPr>
+            <p:spPr>
+              <a:xfrm>
+                <a:off x="6382203" y="5503903"/>
+                <a:ext cx="1446422" cy="369332"/>
+              </a:xfrm>
+              <a:prstGeom prst="rect">
+                <a:avLst/>
+              </a:prstGeom>
+              <a:blipFill>
+                <a:blip r:embed="rId5"/>
+                <a:stretch>
+                  <a:fillRect b="-6667"/>
+                </a:stretch>
+              </a:blipFill>
+            </p:spPr>
+            <p:txBody>
+              <a:bodyPr/>
+              <a:lstStyle/>
+              <a:p>
+                <a:r>
+                  <a:rPr lang="zh-CN" altLang="en-US">
+                    <a:noFill/>
+                  </a:rPr>
+                  <a:t> </a:t>
+                </a:r>
+              </a:p>
+            </p:txBody>
+          </p:sp>
+        </mc:Fallback>
+      </mc:AlternateContent>
+    </p:spTree>
+    <p:extLst>
+      <p:ext uri="{BB962C8B-B14F-4D97-AF65-F5344CB8AC3E}">
+        <p14:creationId xmlns:p14="http://schemas.microsoft.com/office/powerpoint/2010/main" val="1255328815"/>
+      </p:ext>
+    </p:extLst>
+  </p:cSld>
+  <p:clrMapOvr>
+    <a:masterClrMapping/>
+  </p:clrMapOvr>
+</p:sld>
+</file>
+
+<file path=ppt/slides/slide7.xml><?xml version="1.0" encoding="utf-8"?>
+<p:sld xmlns:a="http://schemas.openxmlformats.org/drawingml/2006/main" xmlns:r="http://schemas.openxmlformats.org/officeDocument/2006/relationships" xmlns:p="http://schemas.openxmlformats.org/presentationml/2006/main">
+  <p:cSld>
+    <p:spTree>
+      <p:nvGrpSpPr>
+        <p:cNvPr id="1" name=""/>
+        <p:cNvGrpSpPr/>
+        <p:nvPr/>
+      </p:nvGrpSpPr>
+      <p:grpSpPr>
+        <a:xfrm>
+          <a:off x="0" y="0"/>
+          <a:ext cx="0" cy="0"/>
+          <a:chOff x="0" y="0"/>
+          <a:chExt cx="0" cy="0"/>
+        </a:xfrm>
+      </p:grpSpPr>
+      <p:sp>
+        <p:nvSpPr>
+          <p:cNvPr id="4" name="矩形 3">
+            <a:extLst>
+              <a:ext uri="{FF2B5EF4-FFF2-40B4-BE49-F238E27FC236}">
+                <a16:creationId xmlns:a16="http://schemas.microsoft.com/office/drawing/2014/main" id="{4E25F29D-0303-49DF-9F43-8BEC56C4A117}"/>
+              </a:ext>
+            </a:extLst>
+          </p:cNvPr>
+          <p:cNvSpPr/>
+          <p:nvPr/>
+        </p:nvSpPr>
+        <p:spPr>
+          <a:xfrm>
+            <a:off x="299584" y="520184"/>
+            <a:ext cx="3866123" cy="523220"/>
+          </a:xfrm>
+          <a:prstGeom prst="rect">
+            <a:avLst/>
+          </a:prstGeom>
+        </p:spPr>
+        <p:txBody>
+          <a:bodyPr wrap="none">
+            <a:spAutoFit/>
+          </a:bodyPr>
+          <a:lstStyle/>
+          <a:p>
+            <a:r>
+              <a:rPr lang="en-US" altLang="zh-CN" sz="2800" b="1" dirty="0">
+                <a:latin typeface="Calibri" panose="020F0502020204030204" pitchFamily="34" charset="0"/>
+                <a:cs typeface="Calibri" panose="020F0502020204030204" pitchFamily="34" charset="0"/>
+              </a:rPr>
+              <a:t>Multi-label Classification</a:t>
+            </a:r>
+          </a:p>
+        </p:txBody>
+      </p:sp>
+      <p:pic>
+        <p:nvPicPr>
+          <p:cNvPr id="6" name="图片 5">
+            <a:extLst>
+              <a:ext uri="{FF2B5EF4-FFF2-40B4-BE49-F238E27FC236}">
+                <a16:creationId xmlns:a16="http://schemas.microsoft.com/office/drawing/2014/main" id="{26CE9810-D8D5-4B05-BB48-186DB307AB3F}"/>
+              </a:ext>
+            </a:extLst>
+          </p:cNvPr>
+          <p:cNvPicPr>
+            <a:picLocks noChangeAspect="1"/>
+          </p:cNvPicPr>
+          <p:nvPr/>
+        </p:nvPicPr>
+        <p:blipFill>
+          <a:blip r:embed="rId3"/>
+          <a:stretch>
+            <a:fillRect/>
+          </a:stretch>
+        </p:blipFill>
+        <p:spPr>
+          <a:xfrm>
+            <a:off x="4265738" y="0"/>
+            <a:ext cx="5902199" cy="3176416"/>
+          </a:xfrm>
+          <a:prstGeom prst="rect">
+            <a:avLst/>
+          </a:prstGeom>
+        </p:spPr>
+      </p:pic>
+      <p:pic>
+        <p:nvPicPr>
+          <p:cNvPr id="7" name="图片 6">
+            <a:extLst>
+              <a:ext uri="{FF2B5EF4-FFF2-40B4-BE49-F238E27FC236}">
+                <a16:creationId xmlns:a16="http://schemas.microsoft.com/office/drawing/2014/main" id="{5EDA11F2-8265-4A6C-9C2C-92FF8EE2E719}"/>
+              </a:ext>
+            </a:extLst>
+          </p:cNvPr>
+          <p:cNvPicPr>
+            <a:picLocks noChangeAspect="1"/>
+          </p:cNvPicPr>
+          <p:nvPr/>
+        </p:nvPicPr>
+        <p:blipFill>
+          <a:blip r:embed="rId4"/>
+          <a:stretch>
+            <a:fillRect/>
+          </a:stretch>
+        </p:blipFill>
+        <p:spPr>
+          <a:xfrm>
+            <a:off x="1029333" y="3091234"/>
+            <a:ext cx="10133333" cy="5933333"/>
+          </a:xfrm>
+          <a:prstGeom prst="rect">
+            <a:avLst/>
+          </a:prstGeom>
+        </p:spPr>
+      </p:pic>
+    </p:spTree>
+    <p:extLst>
+      <p:ext uri="{BB962C8B-B14F-4D97-AF65-F5344CB8AC3E}">
+        <p14:creationId xmlns:p14="http://schemas.microsoft.com/office/powerpoint/2010/main" val="1364785835"/>
+      </p:ext>
+    </p:extLst>
+  </p:cSld>
+  <p:clrMapOvr>
+    <a:masterClrMapping/>
+  </p:clrMapOvr>
+</p:sld>
+</file>
+
+<file path=ppt/slides/slide8.xml><?xml version="1.0" encoding="utf-8"?>
+<p:sld xmlns:a="http://schemas.openxmlformats.org/drawingml/2006/main" xmlns:r="http://schemas.openxmlformats.org/officeDocument/2006/relationships" xmlns:p="http://schemas.openxmlformats.org/presentationml/2006/main">
+  <p:cSld>
+    <p:spTree>
+      <p:nvGrpSpPr>
+        <p:cNvPr id="1" name=""/>
+        <p:cNvGrpSpPr/>
+        <p:nvPr/>
+      </p:nvGrpSpPr>
+      <p:grpSpPr>
+        <a:xfrm>
+          <a:off x="0" y="0"/>
+          <a:ext cx="0" cy="0"/>
+          <a:chOff x="0" y="0"/>
+          <a:chExt cx="0" cy="0"/>
+        </a:xfrm>
+      </p:grpSpPr>
+      <p:pic>
+        <p:nvPicPr>
+          <p:cNvPr id="5" name="图片 4">
+            <a:extLst>
+              <a:ext uri="{FF2B5EF4-FFF2-40B4-BE49-F238E27FC236}">
+                <a16:creationId xmlns:a16="http://schemas.microsoft.com/office/drawing/2014/main" id="{257AC5E5-EE33-41C6-B18A-11DFAC0F86BB}"/>
+              </a:ext>
+            </a:extLst>
+          </p:cNvPr>
+          <p:cNvPicPr>
+            <a:picLocks noChangeAspect="1"/>
+          </p:cNvPicPr>
+          <p:nvPr/>
+        </p:nvPicPr>
+        <p:blipFill>
+          <a:blip r:embed="rId3"/>
+          <a:stretch>
+            <a:fillRect/>
+          </a:stretch>
+        </p:blipFill>
+        <p:spPr>
+          <a:xfrm>
+            <a:off x="891238" y="2467336"/>
+            <a:ext cx="10409524" cy="5780952"/>
+          </a:xfrm>
+          <a:prstGeom prst="rect">
+            <a:avLst/>
+          </a:prstGeom>
+        </p:spPr>
+      </p:pic>
+      <p:sp>
+        <p:nvSpPr>
+          <p:cNvPr id="6" name="矩形 5">
+            <a:extLst>
+              <a:ext uri="{FF2B5EF4-FFF2-40B4-BE49-F238E27FC236}">
+                <a16:creationId xmlns:a16="http://schemas.microsoft.com/office/drawing/2014/main" id="{42925D76-947D-4EF9-B5AE-DF88B51C9647}"/>
+              </a:ext>
+            </a:extLst>
+          </p:cNvPr>
+          <p:cNvSpPr/>
+          <p:nvPr/>
+        </p:nvSpPr>
+        <p:spPr>
+          <a:xfrm>
+            <a:off x="299584" y="520184"/>
+            <a:ext cx="3388876" cy="954107"/>
+          </a:xfrm>
+          <a:prstGeom prst="rect">
+            <a:avLst/>
+          </a:prstGeom>
+        </p:spPr>
+        <p:txBody>
+          <a:bodyPr wrap="none">
+            <a:spAutoFit/>
+          </a:bodyPr>
+          <a:lstStyle/>
+          <a:p>
+            <a:r>
+              <a:rPr lang="en-US" altLang="zh-CN" sz="2800" b="1" dirty="0">
+                <a:latin typeface="Calibri" panose="020F0502020204030204" pitchFamily="34" charset="0"/>
+                <a:cs typeface="Calibri" panose="020F0502020204030204" pitchFamily="34" charset="0"/>
+              </a:rPr>
+              <a:t>Parameter Sensitivity</a:t>
+            </a:r>
+          </a:p>
+          <a:p>
+            <a:r>
+              <a:rPr lang="en-US" altLang="zh-CN" sz="2800" b="1" dirty="0">
+                <a:latin typeface="Calibri" panose="020F0502020204030204" pitchFamily="34" charset="0"/>
+                <a:cs typeface="Calibri" panose="020F0502020204030204" pitchFamily="34" charset="0"/>
+              </a:rPr>
+              <a:t>Perturbation Analysis</a:t>
+            </a:r>
+          </a:p>
+        </p:txBody>
+      </p:sp>
+      <p:pic>
+        <p:nvPicPr>
+          <p:cNvPr id="7" name="图片 6">
+            <a:extLst>
+              <a:ext uri="{FF2B5EF4-FFF2-40B4-BE49-F238E27FC236}">
+                <a16:creationId xmlns:a16="http://schemas.microsoft.com/office/drawing/2014/main" id="{29E44521-5150-4CEE-BEFB-801EA041B3D2}"/>
+              </a:ext>
+            </a:extLst>
+          </p:cNvPr>
+          <p:cNvPicPr>
+            <a:picLocks noChangeAspect="1"/>
+          </p:cNvPicPr>
+          <p:nvPr/>
+        </p:nvPicPr>
+        <p:blipFill>
+          <a:blip r:embed="rId4"/>
+          <a:stretch>
+            <a:fillRect/>
+          </a:stretch>
+        </p:blipFill>
+        <p:spPr>
+          <a:xfrm>
+            <a:off x="7882822" y="302162"/>
+            <a:ext cx="2563597" cy="1828908"/>
+          </a:xfrm>
+          <a:prstGeom prst="rect">
+            <a:avLst/>
+          </a:prstGeom>
+        </p:spPr>
+      </p:pic>
+      <mc:AlternateContent xmlns:mc="http://schemas.openxmlformats.org/markup-compatibility/2006">
+        <mc:Choice xmlns:a14="http://schemas.microsoft.com/office/drawing/2010/main" Requires="a14">
+          <p:sp>
+            <p:nvSpPr>
+              <p:cNvPr id="8" name="矩形 7">
+                <a:extLst>
+                  <a:ext uri="{FF2B5EF4-FFF2-40B4-BE49-F238E27FC236}">
+                    <a16:creationId xmlns:a16="http://schemas.microsoft.com/office/drawing/2014/main" id="{9DA647D3-2868-41AB-80E2-5A9FC36F8E0C}"/>
+                  </a:ext>
+                </a:extLst>
+              </p:cNvPr>
+              <p:cNvSpPr/>
+              <p:nvPr/>
+            </p:nvSpPr>
+            <p:spPr>
+              <a:xfrm>
+                <a:off x="1038678" y="1745205"/>
+                <a:ext cx="2130776" cy="369332"/>
+              </a:xfrm>
+              <a:prstGeom prst="rect">
+                <a:avLst/>
+              </a:prstGeom>
+            </p:spPr>
+            <p:txBody>
+              <a:bodyPr wrap="none">
+                <a:spAutoFit/>
+              </a:bodyPr>
+              <a:lstStyle/>
+              <a:p>
+                <a:r>
+                  <a:rPr lang="en-US" altLang="zh-CN" b="0" dirty="0">
+                    <a:solidFill>
+                      <a:prstClr val="black"/>
+                    </a:solidFill>
+                  </a:rPr>
+                  <a:t>Default </a:t>
+                </a:r>
+                <a14:m>
+                  <m:oMath xmlns:m="http://schemas.openxmlformats.org/officeDocument/2006/math">
+                    <m:r>
+                      <a:rPr lang="en-US" altLang="zh-CN" b="0" i="1" smtClean="0">
+                        <a:solidFill>
+                          <a:prstClr val="black"/>
+                        </a:solidFill>
+                        <a:latin typeface="Cambria Math" panose="02040503050406030204" pitchFamily="18" charset="0"/>
+                      </a:rPr>
+                      <m:t>𝑝</m:t>
+                    </m:r>
+                    <m:r>
+                      <a:rPr lang="en-US" altLang="zh-CN" b="0" i="1" smtClean="0">
+                        <a:solidFill>
+                          <a:prstClr val="black"/>
+                        </a:solidFill>
+                        <a:latin typeface="Cambria Math" panose="02040503050406030204" pitchFamily="18" charset="0"/>
+                      </a:rPr>
+                      <m:t>=1,</m:t>
+                    </m:r>
+                    <m:r>
+                      <a:rPr lang="en-US" altLang="zh-CN" i="1" smtClean="0">
+                        <a:solidFill>
+                          <a:prstClr val="black"/>
+                        </a:solidFill>
+                        <a:latin typeface="Cambria Math" panose="02040503050406030204" pitchFamily="18" charset="0"/>
+                      </a:rPr>
+                      <m:t>𝑞</m:t>
+                    </m:r>
+                    <m:r>
+                      <a:rPr lang="en-US" altLang="zh-CN" b="0" i="1" smtClean="0">
+                        <a:solidFill>
+                          <a:prstClr val="black"/>
+                        </a:solidFill>
+                        <a:latin typeface="Cambria Math" panose="02040503050406030204" pitchFamily="18" charset="0"/>
+                      </a:rPr>
+                      <m:t>=1</m:t>
+                    </m:r>
+                  </m:oMath>
+                </a14:m>
+                <a:endParaRPr lang="zh-CN" altLang="en-US" dirty="0"/>
+              </a:p>
+            </p:txBody>
+          </p:sp>
+        </mc:Choice>
+        <mc:Fallback>
+          <p:sp>
+            <p:nvSpPr>
+              <p:cNvPr id="8" name="矩形 7">
+                <a:extLst>
+                  <a:ext uri="{FF2B5EF4-FFF2-40B4-BE49-F238E27FC236}">
+                    <a16:creationId xmlns:a16="http://schemas.microsoft.com/office/drawing/2014/main" id="{9DA647D3-2868-41AB-80E2-5A9FC36F8E0C}"/>
+                  </a:ext>
+                </a:extLst>
+              </p:cNvPr>
+              <p:cNvSpPr>
+                <a:spLocks noRot="1" noChangeAspect="1" noMove="1" noResize="1" noEditPoints="1" noAdjustHandles="1" noChangeArrowheads="1" noChangeShapeType="1" noTextEdit="1"/>
+              </p:cNvSpPr>
+              <p:nvPr/>
+            </p:nvSpPr>
+            <p:spPr>
+              <a:xfrm>
+                <a:off x="1038678" y="1745205"/>
+                <a:ext cx="2130776" cy="369332"/>
+              </a:xfrm>
+              <a:prstGeom prst="rect">
+                <a:avLst/>
+              </a:prstGeom>
+              <a:blipFill>
+                <a:blip r:embed="rId5"/>
+                <a:stretch>
+                  <a:fillRect l="-2286" t="-8197" b="-24590"/>
+                </a:stretch>
+              </a:blipFill>
+            </p:spPr>
+            <p:txBody>
+              <a:bodyPr/>
+              <a:lstStyle/>
+              <a:p>
+                <a:r>
+                  <a:rPr lang="zh-CN" altLang="en-US">
+                    <a:noFill/>
+                  </a:rPr>
+                  <a:t> </a:t>
+                </a:r>
+              </a:p>
+            </p:txBody>
+          </p:sp>
+        </mc:Fallback>
+      </mc:AlternateContent>
+    </p:spTree>
+    <p:extLst>
+      <p:ext uri="{BB962C8B-B14F-4D97-AF65-F5344CB8AC3E}">
+        <p14:creationId xmlns:p14="http://schemas.microsoft.com/office/powerpoint/2010/main" val="1939594427"/>
+      </p:ext>
+    </p:extLst>
+  </p:cSld>
+  <p:clrMapOvr>
+    <a:masterClrMapping/>
+  </p:clrMapOvr>
+</p:sld>
+</file>
+
+<file path=ppt/slides/slide9.xml><?xml version="1.0" encoding="utf-8"?>
+<p:sld xmlns:a="http://schemas.openxmlformats.org/drawingml/2006/main" xmlns:r="http://schemas.openxmlformats.org/officeDocument/2006/relationships" xmlns:p="http://schemas.openxmlformats.org/presentationml/2006/main">
+  <p:cSld>
+    <p:spTree>
+      <p:nvGrpSpPr>
+        <p:cNvPr id="1" name=""/>
+        <p:cNvGrpSpPr/>
+        <p:nvPr/>
+      </p:nvGrpSpPr>
+      <p:grpSpPr>
+        <a:xfrm>
+          <a:off x="0" y="0"/>
+          <a:ext cx="0" cy="0"/>
+          <a:chOff x="0" y="0"/>
+          <a:chExt cx="0" cy="0"/>
+        </a:xfrm>
+      </p:grpSpPr>
+      <p:sp>
+        <p:nvSpPr>
+          <p:cNvPr id="4" name="矩形 3">
+            <a:extLst>
+              <a:ext uri="{FF2B5EF4-FFF2-40B4-BE49-F238E27FC236}">
+                <a16:creationId xmlns:a16="http://schemas.microsoft.com/office/drawing/2014/main" id="{E812B004-3041-475D-AD41-01D46E71E2AD}"/>
+              </a:ext>
+            </a:extLst>
+          </p:cNvPr>
+          <p:cNvSpPr/>
+          <p:nvPr/>
+        </p:nvSpPr>
+        <p:spPr>
+          <a:xfrm>
+            <a:off x="299584" y="520184"/>
+            <a:ext cx="1698991" cy="523220"/>
+          </a:xfrm>
+          <a:prstGeom prst="rect">
+            <a:avLst/>
+          </a:prstGeom>
+        </p:spPr>
+        <p:txBody>
+          <a:bodyPr wrap="none">
+            <a:spAutoFit/>
+          </a:bodyPr>
+          <a:lstStyle/>
+          <a:p>
+            <a:r>
+              <a:rPr lang="en-US" altLang="zh-CN" sz="2800" b="1" dirty="0">
+                <a:latin typeface="Calibri" panose="020F0502020204030204" pitchFamily="34" charset="0"/>
+                <a:cs typeface="Calibri" panose="020F0502020204030204" pitchFamily="34" charset="0"/>
+              </a:rPr>
+              <a:t>Scalability</a:t>
+            </a:r>
+          </a:p>
+        </p:txBody>
+      </p:sp>
+      <p:pic>
+        <p:nvPicPr>
+          <p:cNvPr id="5" name="图片 4">
+            <a:extLst>
+              <a:ext uri="{FF2B5EF4-FFF2-40B4-BE49-F238E27FC236}">
+                <a16:creationId xmlns:a16="http://schemas.microsoft.com/office/drawing/2014/main" id="{83423653-81CE-45CE-9421-197DB9D9DF56}"/>
+              </a:ext>
+            </a:extLst>
+          </p:cNvPr>
+          <p:cNvPicPr>
+            <a:picLocks noChangeAspect="1"/>
+          </p:cNvPicPr>
+          <p:nvPr/>
+        </p:nvPicPr>
+        <p:blipFill>
+          <a:blip r:embed="rId2"/>
+          <a:stretch>
+            <a:fillRect/>
+          </a:stretch>
+        </p:blipFill>
+        <p:spPr>
+          <a:xfrm>
+            <a:off x="299584" y="1514715"/>
+            <a:ext cx="5996030" cy="4643198"/>
+          </a:xfrm>
+          <a:prstGeom prst="rect">
+            <a:avLst/>
+          </a:prstGeom>
+        </p:spPr>
+      </p:pic>
+      <p:sp>
+        <p:nvSpPr>
+          <p:cNvPr id="7" name="矩形 6">
+            <a:extLst>
+              <a:ext uri="{FF2B5EF4-FFF2-40B4-BE49-F238E27FC236}">
+                <a16:creationId xmlns:a16="http://schemas.microsoft.com/office/drawing/2014/main" id="{0A20903C-F8CC-48A1-ABFC-EEC7A918D01E}"/>
+              </a:ext>
+            </a:extLst>
+          </p:cNvPr>
+          <p:cNvSpPr/>
+          <p:nvPr/>
+        </p:nvSpPr>
+        <p:spPr>
+          <a:xfrm>
+            <a:off x="6295614" y="1669406"/>
+            <a:ext cx="3974678" cy="3046988"/>
+          </a:xfrm>
+          <a:prstGeom prst="rect">
+            <a:avLst/>
+          </a:prstGeom>
+        </p:spPr>
+        <p:txBody>
+          <a:bodyPr wrap="none">
+            <a:spAutoFit/>
+          </a:bodyPr>
+          <a:lstStyle/>
+          <a:p>
+            <a:r>
+              <a:rPr lang="en-US" altLang="zh-CN" sz="2400" dirty="0">
+                <a:solidFill>
+                  <a:prstClr val="black"/>
+                </a:solidFill>
+              </a:rPr>
+              <a:t>Sampling:</a:t>
+            </a:r>
+          </a:p>
+          <a:p>
+            <a:pPr marL="342900" indent="-342900">
+              <a:buFont typeface="Arial" panose="020B0604020202020204" pitchFamily="34" charset="0"/>
+              <a:buChar char="•"/>
+            </a:pPr>
+            <a:r>
+              <a:rPr lang="en-US" altLang="zh-CN" sz="2400" dirty="0">
+                <a:solidFill>
+                  <a:prstClr val="black"/>
+                </a:solidFill>
+              </a:rPr>
+              <a:t>transition probabilities</a:t>
+            </a:r>
+          </a:p>
+          <a:p>
+            <a:r>
+              <a:rPr lang="en-US" altLang="zh-CN" sz="2400" dirty="0">
+                <a:solidFill>
+                  <a:prstClr val="black"/>
+                </a:solidFill>
+              </a:rPr>
+              <a:t>	alias sampling</a:t>
+            </a:r>
+          </a:p>
+          <a:p>
+            <a:pPr marL="342900" indent="-342900">
+              <a:buFont typeface="Arial" panose="020B0604020202020204" pitchFamily="34" charset="0"/>
+              <a:buChar char="•"/>
+            </a:pPr>
+            <a:r>
+              <a:rPr lang="en-US" altLang="zh-CN" sz="2400" dirty="0">
+                <a:solidFill>
+                  <a:prstClr val="black"/>
+                </a:solidFill>
+              </a:rPr>
+              <a:t>simulation of random walks</a:t>
+            </a:r>
+          </a:p>
+          <a:p>
+            <a:pPr lvl="1"/>
+            <a:r>
+              <a:rPr lang="en-US" altLang="zh-CN" sz="2400" dirty="0">
+                <a:solidFill>
+                  <a:prstClr val="black"/>
+                </a:solidFill>
+              </a:rPr>
+              <a:t>reuse sampled nodes </a:t>
+            </a:r>
+          </a:p>
+          <a:p>
+            <a:r>
+              <a:rPr lang="en-US" altLang="zh-CN" sz="2400" dirty="0">
+                <a:solidFill>
+                  <a:prstClr val="black"/>
+                </a:solidFill>
+              </a:rPr>
+              <a:t>Optimization:</a:t>
+            </a:r>
+          </a:p>
+          <a:p>
+            <a:pPr marL="342900" indent="-342900">
+              <a:buFont typeface="Arial" panose="020B0604020202020204" pitchFamily="34" charset="0"/>
+              <a:buChar char="•"/>
+            </a:pPr>
+            <a:r>
+              <a:rPr lang="en-US" altLang="zh-CN" sz="2400" dirty="0">
+                <a:solidFill>
+                  <a:prstClr val="black"/>
+                </a:solidFill>
+              </a:rPr>
+              <a:t>Negative sampling</a:t>
+            </a:r>
+          </a:p>
+          <a:p>
+            <a:pPr marL="342900" indent="-342900">
+              <a:buFont typeface="Arial" panose="020B0604020202020204" pitchFamily="34" charset="0"/>
+              <a:buChar char="•"/>
+            </a:pPr>
+            <a:r>
+              <a:rPr lang="en-US" altLang="zh-CN" sz="2400" dirty="0">
+                <a:solidFill>
+                  <a:prstClr val="black"/>
+                </a:solidFill>
+              </a:rPr>
+              <a:t>Asynchronous SGD</a:t>
+            </a:r>
+            <a:endParaRPr lang="zh-CN" altLang="en-US" dirty="0"/>
+          </a:p>
+        </p:txBody>
+      </p:sp>
+      <p:pic>
+        <p:nvPicPr>
+          <p:cNvPr id="9" name="图片 8">
+            <a:extLst>
+              <a:ext uri="{FF2B5EF4-FFF2-40B4-BE49-F238E27FC236}">
+                <a16:creationId xmlns:a16="http://schemas.microsoft.com/office/drawing/2014/main" id="{DA248C6F-2901-4623-BC53-420F0BE7583B}"/>
+              </a:ext>
+            </a:extLst>
+          </p:cNvPr>
+          <p:cNvPicPr>
+            <a:picLocks noChangeAspect="1"/>
+          </p:cNvPicPr>
+          <p:nvPr/>
+        </p:nvPicPr>
+        <p:blipFill>
+          <a:blip r:embed="rId3"/>
+          <a:stretch>
+            <a:fillRect/>
+          </a:stretch>
+        </p:blipFill>
+        <p:spPr>
+          <a:xfrm>
+            <a:off x="4257978" y="6157913"/>
+            <a:ext cx="6112978" cy="828675"/>
+          </a:xfrm>
+          <a:prstGeom prst="rect">
+            <a:avLst/>
+          </a:prstGeom>
+        </p:spPr>
+      </p:pic>
+    </p:spTree>
+    <p:extLst>
+      <p:ext uri="{BB962C8B-B14F-4D97-AF65-F5344CB8AC3E}">
+        <p14:creationId xmlns:p14="http://schemas.microsoft.com/office/powerpoint/2010/main" val="2326924624"/>
       </p:ext>
     </p:extLst>
   </p:cSld>

--- a/2_node2vec/node2vec.pptx
+++ b/2_node2vec/node2vec.pptx
@@ -4046,8 +4046,8 @@
           </a:prstGeom>
         </p:spPr>
       </p:pic>
-      <mc:AlternateContent xmlns:mc="http://schemas.openxmlformats.org/markup-compatibility/2006">
-        <mc:Choice xmlns:a14="http://schemas.microsoft.com/office/drawing/2010/main" Requires="a14">
+      <mc:AlternateContent xmlns:mc="http://schemas.openxmlformats.org/markup-compatibility/2006" xmlns:a14="http://schemas.microsoft.com/office/drawing/2010/main">
+        <mc:Choice Requires="a14">
           <p:sp>
             <p:nvSpPr>
               <p:cNvPr id="8" name="矩形 7">
@@ -4128,7 +4128,7 @@
             </p:txBody>
           </p:sp>
         </mc:Choice>
-        <mc:Fallback>
+        <mc:Fallback xmlns="">
           <p:sp>
             <p:nvSpPr>
               <p:cNvPr id="8" name="矩形 7">
@@ -11385,8 +11385,8 @@
           </a:prstGeom>
         </p:spPr>
       </p:pic>
-      <mc:AlternateContent xmlns:mc="http://schemas.openxmlformats.org/markup-compatibility/2006">
-        <mc:Choice xmlns:a14="http://schemas.microsoft.com/office/drawing/2010/main" Requires="a14">
+      <mc:AlternateContent xmlns:mc="http://schemas.openxmlformats.org/markup-compatibility/2006" xmlns:a14="http://schemas.microsoft.com/office/drawing/2010/main">
+        <mc:Choice Requires="a14">
           <p:sp>
             <p:nvSpPr>
               <p:cNvPr id="14" name="矩形 13">
@@ -11865,7 +11865,7 @@
             </p:txBody>
           </p:sp>
         </mc:Choice>
-        <mc:Fallback>
+        <mc:Fallback xmlns="">
           <p:sp>
             <p:nvSpPr>
               <p:cNvPr id="14" name="矩形 13">
@@ -12370,7 +12370,7 @@
         </p:blipFill>
         <p:spPr>
           <a:xfrm>
-            <a:off x="4265738" y="0"/>
+            <a:off x="4265738" y="-35510"/>
             <a:ext cx="5902199" cy="3176416"/>
           </a:xfrm>
           <a:prstGeom prst="rect">
